--- a/IDEAS FOR PROBLEM STATEMENT 5.pptx
+++ b/IDEAS FOR PROBLEM STATEMENT 5.pptx
@@ -1,32 +1,32 @@
 
 <file path=ppt/presentation.xml><?xml version="1.0" encoding="utf-8"?>
-<p:presentation xmlns:a="http://schemas.openxmlformats.org/drawingml/2006/main" xmlns:r="http://schemas.openxmlformats.org/officeDocument/2006/relationships" xmlns:mc="http://schemas.openxmlformats.org/markup-compatibility/2006" xmlns:mv="urn:schemas-microsoft-com:mac:vml" xmlns:p="http://schemas.openxmlformats.org/presentationml/2006/main" xmlns:c="http://schemas.openxmlformats.org/drawingml/2006/chart" xmlns:dgm="http://schemas.openxmlformats.org/drawingml/2006/diagram" xmlns:o="urn:schemas-microsoft-com:office:office" xmlns:v="urn:schemas-microsoft-com:vml" xmlns:pvml="urn:schemas-microsoft-com:office:powerpoint" xmlns:com="http://schemas.openxmlformats.org/drawingml/2006/compatibility" xmlns:p14="http://schemas.microsoft.com/office/powerpoint/2010/main" xmlns:p15="http://schemas.microsoft.com/office/powerpoint/2012/main" xmlns:ahyp="http://schemas.microsoft.com/office/drawing/2018/hyperlinkcolor" autoCompressPictures="0" embedTrueTypeFonts="1" strictFirstAndLastChars="0" saveSubsetFonts="1">
+<p:presentation xmlns:a="http://schemas.openxmlformats.org/drawingml/2006/main" xmlns:r="http://schemas.openxmlformats.org/officeDocument/2006/relationships" xmlns:p="http://schemas.openxmlformats.org/presentationml/2006/main" strictFirstAndLastChars="0" embedTrueTypeFonts="1" saveSubsetFonts="1" autoCompressPictures="0">
   <p:sldMasterIdLst>
-    <p:sldMasterId id="2147483659" r:id="rId4"/>
+    <p:sldMasterId id="2147483659" r:id="rId1"/>
   </p:sldMasterIdLst>
   <p:notesMasterIdLst>
-    <p:notesMasterId r:id="rId5"/>
+    <p:notesMasterId r:id="rId7"/>
   </p:notesMasterIdLst>
   <p:sldIdLst>
-    <p:sldId id="256" r:id="rId6"/>
-    <p:sldId id="257" r:id="rId7"/>
-    <p:sldId id="258" r:id="rId8"/>
-    <p:sldId id="259" r:id="rId9"/>
-    <p:sldId id="260" r:id="rId10"/>
+    <p:sldId id="256" r:id="rId2"/>
+    <p:sldId id="257" r:id="rId3"/>
+    <p:sldId id="258" r:id="rId4"/>
+    <p:sldId id="259" r:id="rId5"/>
+    <p:sldId id="260" r:id="rId6"/>
   </p:sldIdLst>
-  <p:sldSz cy="5143500" cx="9144000"/>
+  <p:sldSz cx="9144000" cy="5143500" type="screen16x9"/>
   <p:notesSz cx="6858000" cy="9144000"/>
   <p:embeddedFontLst>
     <p:embeddedFont>
-      <p:font typeface="Roboto"/>
-      <p:regular r:id="rId11"/>
-      <p:bold r:id="rId12"/>
-      <p:italic r:id="rId13"/>
-      <p:boldItalic r:id="rId14"/>
+      <p:font typeface="Roboto" panose="02000000000000000000" pitchFamily="2" charset="0"/>
+      <p:regular r:id="rId8"/>
+      <p:bold r:id="rId9"/>
+      <p:italic r:id="rId10"/>
+      <p:boldItalic r:id="rId11"/>
     </p:embeddedFont>
   </p:embeddedFontLst>
   <p:defaultTextStyle>
-    <a:defPPr lvl="0" marR="0" rtl="0" algn="l">
+    <a:defPPr marR="0" lvl="0" algn="l" rtl="0">
       <a:lnSpc>
         <a:spcPct val="100000"/>
       </a:lnSpc>
@@ -37,7 +37,7 @@
         <a:spcPts val="0"/>
       </a:spcAft>
     </a:defPPr>
-    <a:lvl1pPr lvl="0" marR="0" rtl="0" algn="l">
+    <a:lvl1pPr marR="0" lvl="0" algn="l" rtl="0">
       <a:lnSpc>
         <a:spcPct val="100000"/>
       </a:lnSpc>
@@ -51,7 +51,7 @@
         <a:srgbClr val="000000"/>
       </a:buClr>
       <a:buFont typeface="Arial"/>
-      <a:defRPr b="0" i="0" sz="1400" u="none" cap="none" strike="noStrike">
+      <a:defRPr sz="1400" b="0" i="0" u="none" strike="noStrike" cap="none">
         <a:solidFill>
           <a:srgbClr val="000000"/>
         </a:solidFill>
@@ -61,7 +61,7 @@
         <a:sym typeface="Arial"/>
       </a:defRPr>
     </a:lvl1pPr>
-    <a:lvl2pPr lvl="1" marR="0" rtl="0" algn="l">
+    <a:lvl2pPr marR="0" lvl="1" algn="l" rtl="0">
       <a:lnSpc>
         <a:spcPct val="100000"/>
       </a:lnSpc>
@@ -75,7 +75,7 @@
         <a:srgbClr val="000000"/>
       </a:buClr>
       <a:buFont typeface="Arial"/>
-      <a:defRPr b="0" i="0" sz="1400" u="none" cap="none" strike="noStrike">
+      <a:defRPr sz="1400" b="0" i="0" u="none" strike="noStrike" cap="none">
         <a:solidFill>
           <a:srgbClr val="000000"/>
         </a:solidFill>
@@ -85,7 +85,7 @@
         <a:sym typeface="Arial"/>
       </a:defRPr>
     </a:lvl2pPr>
-    <a:lvl3pPr lvl="2" marR="0" rtl="0" algn="l">
+    <a:lvl3pPr marR="0" lvl="2" algn="l" rtl="0">
       <a:lnSpc>
         <a:spcPct val="100000"/>
       </a:lnSpc>
@@ -99,7 +99,7 @@
         <a:srgbClr val="000000"/>
       </a:buClr>
       <a:buFont typeface="Arial"/>
-      <a:defRPr b="0" i="0" sz="1400" u="none" cap="none" strike="noStrike">
+      <a:defRPr sz="1400" b="0" i="0" u="none" strike="noStrike" cap="none">
         <a:solidFill>
           <a:srgbClr val="000000"/>
         </a:solidFill>
@@ -109,7 +109,7 @@
         <a:sym typeface="Arial"/>
       </a:defRPr>
     </a:lvl3pPr>
-    <a:lvl4pPr lvl="3" marR="0" rtl="0" algn="l">
+    <a:lvl4pPr marR="0" lvl="3" algn="l" rtl="0">
       <a:lnSpc>
         <a:spcPct val="100000"/>
       </a:lnSpc>
@@ -123,7 +123,7 @@
         <a:srgbClr val="000000"/>
       </a:buClr>
       <a:buFont typeface="Arial"/>
-      <a:defRPr b="0" i="0" sz="1400" u="none" cap="none" strike="noStrike">
+      <a:defRPr sz="1400" b="0" i="0" u="none" strike="noStrike" cap="none">
         <a:solidFill>
           <a:srgbClr val="000000"/>
         </a:solidFill>
@@ -133,7 +133,7 @@
         <a:sym typeface="Arial"/>
       </a:defRPr>
     </a:lvl4pPr>
-    <a:lvl5pPr lvl="4" marR="0" rtl="0" algn="l">
+    <a:lvl5pPr marR="0" lvl="4" algn="l" rtl="0">
       <a:lnSpc>
         <a:spcPct val="100000"/>
       </a:lnSpc>
@@ -147,7 +147,7 @@
         <a:srgbClr val="000000"/>
       </a:buClr>
       <a:buFont typeface="Arial"/>
-      <a:defRPr b="0" i="0" sz="1400" u="none" cap="none" strike="noStrike">
+      <a:defRPr sz="1400" b="0" i="0" u="none" strike="noStrike" cap="none">
         <a:solidFill>
           <a:srgbClr val="000000"/>
         </a:solidFill>
@@ -157,7 +157,7 @@
         <a:sym typeface="Arial"/>
       </a:defRPr>
     </a:lvl5pPr>
-    <a:lvl6pPr lvl="5" marR="0" rtl="0" algn="l">
+    <a:lvl6pPr marR="0" lvl="5" algn="l" rtl="0">
       <a:lnSpc>
         <a:spcPct val="100000"/>
       </a:lnSpc>
@@ -171,7 +171,7 @@
         <a:srgbClr val="000000"/>
       </a:buClr>
       <a:buFont typeface="Arial"/>
-      <a:defRPr b="0" i="0" sz="1400" u="none" cap="none" strike="noStrike">
+      <a:defRPr sz="1400" b="0" i="0" u="none" strike="noStrike" cap="none">
         <a:solidFill>
           <a:srgbClr val="000000"/>
         </a:solidFill>
@@ -181,7 +181,7 @@
         <a:sym typeface="Arial"/>
       </a:defRPr>
     </a:lvl6pPr>
-    <a:lvl7pPr lvl="6" marR="0" rtl="0" algn="l">
+    <a:lvl7pPr marR="0" lvl="6" algn="l" rtl="0">
       <a:lnSpc>
         <a:spcPct val="100000"/>
       </a:lnSpc>
@@ -195,7 +195,7 @@
         <a:srgbClr val="000000"/>
       </a:buClr>
       <a:buFont typeface="Arial"/>
-      <a:defRPr b="0" i="0" sz="1400" u="none" cap="none" strike="noStrike">
+      <a:defRPr sz="1400" b="0" i="0" u="none" strike="noStrike" cap="none">
         <a:solidFill>
           <a:srgbClr val="000000"/>
         </a:solidFill>
@@ -205,7 +205,7 @@
         <a:sym typeface="Arial"/>
       </a:defRPr>
     </a:lvl7pPr>
-    <a:lvl8pPr lvl="7" marR="0" rtl="0" algn="l">
+    <a:lvl8pPr marR="0" lvl="7" algn="l" rtl="0">
       <a:lnSpc>
         <a:spcPct val="100000"/>
       </a:lnSpc>
@@ -219,7 +219,7 @@
         <a:srgbClr val="000000"/>
       </a:buClr>
       <a:buFont typeface="Arial"/>
-      <a:defRPr b="0" i="0" sz="1400" u="none" cap="none" strike="noStrike">
+      <a:defRPr sz="1400" b="0" i="0" u="none" strike="noStrike" cap="none">
         <a:solidFill>
           <a:srgbClr val="000000"/>
         </a:solidFill>
@@ -229,7 +229,7 @@
         <a:sym typeface="Arial"/>
       </a:defRPr>
     </a:lvl8pPr>
-    <a:lvl9pPr lvl="8" marR="0" rtl="0" algn="l">
+    <a:lvl9pPr marR="0" lvl="8" algn="l" rtl="0">
       <a:lnSpc>
         <a:spcPct val="100000"/>
       </a:lnSpc>
@@ -243,7 +243,7 @@
         <a:srgbClr val="000000"/>
       </a:buClr>
       <a:buFont typeface="Arial"/>
-      <a:defRPr b="0" i="0" sz="1400" u="none" cap="none" strike="noStrike">
+      <a:defRPr sz="1400" b="0" i="0" u="none" strike="noStrike" cap="none">
         <a:solidFill>
           <a:srgbClr val="000000"/>
         </a:solidFill>
@@ -256,7 +256,7 @@
   </p:defaultTextStyle>
   <p:extLst>
     <p:ext uri="{EFAFB233-063F-42B5-8137-9DF3F51BA10A}">
-      <p15:sldGuideLst>
+      <p15:sldGuideLst xmlns:p15="http://schemas.microsoft.com/office/powerpoint/2012/main">
         <p15:guide id="1" orient="horz" pos="1620">
           <p15:clr>
             <a:srgbClr val="A4A3A4"/>
@@ -274,11 +274,16 @@
 </file>
 
 <file path=ppt/notesMasters/notesMaster1.xml><?xml version="1.0" encoding="utf-8"?>
-<p:notesMaster xmlns:a="http://schemas.openxmlformats.org/drawingml/2006/main" xmlns:r="http://schemas.openxmlformats.org/officeDocument/2006/relationships" xmlns:mc="http://schemas.openxmlformats.org/markup-compatibility/2006" xmlns:mv="urn:schemas-microsoft-com:mac:vml" xmlns:p="http://schemas.openxmlformats.org/presentationml/2006/main" xmlns:c="http://schemas.openxmlformats.org/drawingml/2006/chart" xmlns:dgm="http://schemas.openxmlformats.org/drawingml/2006/diagram" xmlns:o="urn:schemas-microsoft-com:office:office" xmlns:v="urn:schemas-microsoft-com:vml" xmlns:pvml="urn:schemas-microsoft-com:office:powerpoint" xmlns:com="http://schemas.openxmlformats.org/drawingml/2006/compatibility" xmlns:p14="http://schemas.microsoft.com/office/powerpoint/2010/main" xmlns:p15="http://schemas.microsoft.com/office/powerpoint/2012/main" xmlns:ahyp="http://schemas.microsoft.com/office/drawing/2018/hyperlinkcolor">
+<p:notesMaster xmlns:a="http://schemas.openxmlformats.org/drawingml/2006/main" xmlns:r="http://schemas.openxmlformats.org/officeDocument/2006/relationships" xmlns:p="http://schemas.openxmlformats.org/presentationml/2006/main">
   <p:cSld>
+    <p:bg>
+      <p:bgRef idx="1001">
+        <a:schemeClr val="bg1"/>
+      </p:bgRef>
+    </p:bg>
     <p:spTree>
       <p:nvGrpSpPr>
-        <p:cNvPr id="2" name="Shape 2"/>
+        <p:cNvPr id="1" name="Shape 2"/>
         <p:cNvGrpSpPr/>
         <p:nvPr/>
       </p:nvGrpSpPr>
@@ -293,9 +298,11 @@
       <p:sp>
         <p:nvSpPr>
           <p:cNvPr id="3" name="Google Shape;3;n"/>
-          <p:cNvSpPr/>
+          <p:cNvSpPr>
+            <a:spLocks noGrp="1" noRot="1" noChangeAspect="1"/>
+          </p:cNvSpPr>
           <p:nvPr>
-            <p:ph idx="2" type="sldImg"/>
+            <p:ph type="sldImg" idx="2"/>
           </p:nvPr>
         </p:nvSpPr>
         <p:spPr>
@@ -304,9 +311,13 @@
             <a:ext cx="6096075" cy="3429000"/>
           </a:xfrm>
           <a:custGeom>
-            <a:rect b="b" l="l" r="r" t="t"/>
+            <a:avLst/>
+            <a:gdLst/>
+            <a:ahLst/>
+            <a:cxnLst/>
+            <a:rect l="l" t="t" r="r" b="b"/>
             <a:pathLst>
-              <a:path extrusionOk="0" h="120000" w="120000">
+              <a:path w="120000" h="120000" extrusionOk="0">
                 <a:moveTo>
                   <a:pt x="0" y="0"/>
                 </a:moveTo>
@@ -324,23 +335,25 @@
             </a:pathLst>
           </a:custGeom>
           <a:noFill/>
-          <a:ln cap="flat" cmpd="sng" w="9525">
+          <a:ln w="9525" cap="flat" cmpd="sng">
             <a:solidFill>
               <a:srgbClr val="000000"/>
             </a:solidFill>
             <a:prstDash val="solid"/>
             <a:round/>
-            <a:headEnd len="sm" w="sm" type="none"/>
-            <a:tailEnd len="sm" w="sm" type="none"/>
+            <a:headEnd type="none" w="sm" len="sm"/>
+            <a:tailEnd type="none" w="sm" len="sm"/>
           </a:ln>
         </p:spPr>
       </p:sp>
       <p:sp>
         <p:nvSpPr>
           <p:cNvPr id="4" name="Google Shape;4;n"/>
-          <p:cNvSpPr txBox="1"/>
+          <p:cNvSpPr txBox="1">
+            <a:spLocks noGrp="1"/>
+          </p:cNvSpPr>
           <p:nvPr>
-            <p:ph idx="1" type="body"/>
+            <p:ph type="body" idx="1"/>
           </p:nvPr>
         </p:nvSpPr>
         <p:spPr>
@@ -357,11 +370,11 @@
           </a:ln>
         </p:spPr>
         <p:txBody>
-          <a:bodyPr anchorCtr="0" anchor="t" bIns="91425" lIns="91425" spcFirstLastPara="1" rIns="91425" wrap="square" tIns="91425">
+          <a:bodyPr spcFirstLastPara="1" wrap="square" lIns="91425" tIns="91425" rIns="91425" bIns="91425" anchor="t" anchorCtr="0">
             <a:noAutofit/>
           </a:bodyPr>
           <a:lstStyle>
-            <a:lvl1pPr indent="-298450" lvl="0" marL="457200">
+            <a:lvl1pPr marL="457200" lvl="0" indent="-298450">
               <a:spcBef>
                 <a:spcPts val="0"/>
               </a:spcBef>
@@ -372,7 +385,7 @@
               <a:buChar char="●"/>
               <a:defRPr sz="1100"/>
             </a:lvl1pPr>
-            <a:lvl2pPr indent="-298450" lvl="1" marL="914400">
+            <a:lvl2pPr marL="914400" lvl="1" indent="-298450">
               <a:spcBef>
                 <a:spcPts val="0"/>
               </a:spcBef>
@@ -383,7 +396,7 @@
               <a:buChar char="○"/>
               <a:defRPr sz="1100"/>
             </a:lvl2pPr>
-            <a:lvl3pPr indent="-298450" lvl="2" marL="1371600">
+            <a:lvl3pPr marL="1371600" lvl="2" indent="-298450">
               <a:spcBef>
                 <a:spcPts val="0"/>
               </a:spcBef>
@@ -394,7 +407,7 @@
               <a:buChar char="■"/>
               <a:defRPr sz="1100"/>
             </a:lvl3pPr>
-            <a:lvl4pPr indent="-298450" lvl="3" marL="1828800">
+            <a:lvl4pPr marL="1828800" lvl="3" indent="-298450">
               <a:spcBef>
                 <a:spcPts val="0"/>
               </a:spcBef>
@@ -405,7 +418,7 @@
               <a:buChar char="●"/>
               <a:defRPr sz="1100"/>
             </a:lvl4pPr>
-            <a:lvl5pPr indent="-298450" lvl="4" marL="2286000">
+            <a:lvl5pPr marL="2286000" lvl="4" indent="-298450">
               <a:spcBef>
                 <a:spcPts val="0"/>
               </a:spcBef>
@@ -416,7 +429,7 @@
               <a:buChar char="○"/>
               <a:defRPr sz="1100"/>
             </a:lvl5pPr>
-            <a:lvl6pPr indent="-298450" lvl="5" marL="2743200">
+            <a:lvl6pPr marL="2743200" lvl="5" indent="-298450">
               <a:spcBef>
                 <a:spcPts val="0"/>
               </a:spcBef>
@@ -427,7 +440,7 @@
               <a:buChar char="■"/>
               <a:defRPr sz="1100"/>
             </a:lvl6pPr>
-            <a:lvl7pPr indent="-298450" lvl="6" marL="3200400">
+            <a:lvl7pPr marL="3200400" lvl="6" indent="-298450">
               <a:spcBef>
                 <a:spcPts val="0"/>
               </a:spcBef>
@@ -438,7 +451,7 @@
               <a:buChar char="●"/>
               <a:defRPr sz="1100"/>
             </a:lvl7pPr>
-            <a:lvl8pPr indent="-298450" lvl="7" marL="3657600">
+            <a:lvl8pPr marL="3657600" lvl="7" indent="-298450">
               <a:spcBef>
                 <a:spcPts val="0"/>
               </a:spcBef>
@@ -449,7 +462,7 @@
               <a:buChar char="○"/>
               <a:defRPr sz="1100"/>
             </a:lvl8pPr>
-            <a:lvl9pPr indent="-298450" lvl="8" marL="4114800">
+            <a:lvl9pPr marL="4114800" lvl="8" indent="-298450">
               <a:spcBef>
                 <a:spcPts val="0"/>
               </a:spcBef>
@@ -461,14 +474,16 @@
               <a:defRPr sz="1100"/>
             </a:lvl9pPr>
           </a:lstStyle>
-          <a:p/>
+          <a:p>
+            <a:endParaRPr/>
+          </a:p>
         </p:txBody>
       </p:sp>
     </p:spTree>
   </p:cSld>
-  <p:clrMap accent1="accent1" accent2="accent2" accent3="accent3" accent4="accent4" accent5="accent5" accent6="accent6" bg1="lt1" bg2="dk2" tx1="dk1" tx2="lt2" folHlink="folHlink" hlink="hlink"/>
+  <p:clrMap bg1="lt1" tx1="dk1" bg2="dk2" tx2="lt2" accent1="accent1" accent2="accent2" accent3="accent3" accent4="accent4" accent5="accent5" accent6="accent6" hlink="hlink" folHlink="folHlink"/>
   <p:notesStyle>
-    <a:defPPr lvl="0" marR="0" rtl="0" algn="l">
+    <a:defPPr marR="0" lvl="0" algn="l" rtl="0">
       <a:lnSpc>
         <a:spcPct val="100000"/>
       </a:lnSpc>
@@ -479,7 +494,7 @@
         <a:spcPts val="0"/>
       </a:spcAft>
     </a:defPPr>
-    <a:lvl1pPr lvl="0" marR="0" rtl="0" algn="l">
+    <a:lvl1pPr marR="0" lvl="0" algn="l" rtl="0">
       <a:lnSpc>
         <a:spcPct val="100000"/>
       </a:lnSpc>
@@ -493,7 +508,7 @@
         <a:srgbClr val="000000"/>
       </a:buClr>
       <a:buFont typeface="Arial"/>
-      <a:defRPr b="0" i="0" sz="1400" u="none" cap="none" strike="noStrike">
+      <a:defRPr sz="1400" b="0" i="0" u="none" strike="noStrike" cap="none">
         <a:solidFill>
           <a:srgbClr val="000000"/>
         </a:solidFill>
@@ -503,7 +518,7 @@
         <a:sym typeface="Arial"/>
       </a:defRPr>
     </a:lvl1pPr>
-    <a:lvl2pPr lvl="1" marR="0" rtl="0" algn="l">
+    <a:lvl2pPr marR="0" lvl="1" algn="l" rtl="0">
       <a:lnSpc>
         <a:spcPct val="100000"/>
       </a:lnSpc>
@@ -517,7 +532,7 @@
         <a:srgbClr val="000000"/>
       </a:buClr>
       <a:buFont typeface="Arial"/>
-      <a:defRPr b="0" i="0" sz="1400" u="none" cap="none" strike="noStrike">
+      <a:defRPr sz="1400" b="0" i="0" u="none" strike="noStrike" cap="none">
         <a:solidFill>
           <a:srgbClr val="000000"/>
         </a:solidFill>
@@ -527,7 +542,7 @@
         <a:sym typeface="Arial"/>
       </a:defRPr>
     </a:lvl2pPr>
-    <a:lvl3pPr lvl="2" marR="0" rtl="0" algn="l">
+    <a:lvl3pPr marR="0" lvl="2" algn="l" rtl="0">
       <a:lnSpc>
         <a:spcPct val="100000"/>
       </a:lnSpc>
@@ -541,7 +556,7 @@
         <a:srgbClr val="000000"/>
       </a:buClr>
       <a:buFont typeface="Arial"/>
-      <a:defRPr b="0" i="0" sz="1400" u="none" cap="none" strike="noStrike">
+      <a:defRPr sz="1400" b="0" i="0" u="none" strike="noStrike" cap="none">
         <a:solidFill>
           <a:srgbClr val="000000"/>
         </a:solidFill>
@@ -551,7 +566,7 @@
         <a:sym typeface="Arial"/>
       </a:defRPr>
     </a:lvl3pPr>
-    <a:lvl4pPr lvl="3" marR="0" rtl="0" algn="l">
+    <a:lvl4pPr marR="0" lvl="3" algn="l" rtl="0">
       <a:lnSpc>
         <a:spcPct val="100000"/>
       </a:lnSpc>
@@ -565,7 +580,7 @@
         <a:srgbClr val="000000"/>
       </a:buClr>
       <a:buFont typeface="Arial"/>
-      <a:defRPr b="0" i="0" sz="1400" u="none" cap="none" strike="noStrike">
+      <a:defRPr sz="1400" b="0" i="0" u="none" strike="noStrike" cap="none">
         <a:solidFill>
           <a:srgbClr val="000000"/>
         </a:solidFill>
@@ -575,7 +590,7 @@
         <a:sym typeface="Arial"/>
       </a:defRPr>
     </a:lvl4pPr>
-    <a:lvl5pPr lvl="4" marR="0" rtl="0" algn="l">
+    <a:lvl5pPr marR="0" lvl="4" algn="l" rtl="0">
       <a:lnSpc>
         <a:spcPct val="100000"/>
       </a:lnSpc>
@@ -589,7 +604,7 @@
         <a:srgbClr val="000000"/>
       </a:buClr>
       <a:buFont typeface="Arial"/>
-      <a:defRPr b="0" i="0" sz="1400" u="none" cap="none" strike="noStrike">
+      <a:defRPr sz="1400" b="0" i="0" u="none" strike="noStrike" cap="none">
         <a:solidFill>
           <a:srgbClr val="000000"/>
         </a:solidFill>
@@ -599,7 +614,7 @@
         <a:sym typeface="Arial"/>
       </a:defRPr>
     </a:lvl5pPr>
-    <a:lvl6pPr lvl="5" marR="0" rtl="0" algn="l">
+    <a:lvl6pPr marR="0" lvl="5" algn="l" rtl="0">
       <a:lnSpc>
         <a:spcPct val="100000"/>
       </a:lnSpc>
@@ -613,7 +628,7 @@
         <a:srgbClr val="000000"/>
       </a:buClr>
       <a:buFont typeface="Arial"/>
-      <a:defRPr b="0" i="0" sz="1400" u="none" cap="none" strike="noStrike">
+      <a:defRPr sz="1400" b="0" i="0" u="none" strike="noStrike" cap="none">
         <a:solidFill>
           <a:srgbClr val="000000"/>
         </a:solidFill>
@@ -623,7 +638,7 @@
         <a:sym typeface="Arial"/>
       </a:defRPr>
     </a:lvl6pPr>
-    <a:lvl7pPr lvl="6" marR="0" rtl="0" algn="l">
+    <a:lvl7pPr marR="0" lvl="6" algn="l" rtl="0">
       <a:lnSpc>
         <a:spcPct val="100000"/>
       </a:lnSpc>
@@ -637,7 +652,7 @@
         <a:srgbClr val="000000"/>
       </a:buClr>
       <a:buFont typeface="Arial"/>
-      <a:defRPr b="0" i="0" sz="1400" u="none" cap="none" strike="noStrike">
+      <a:defRPr sz="1400" b="0" i="0" u="none" strike="noStrike" cap="none">
         <a:solidFill>
           <a:srgbClr val="000000"/>
         </a:solidFill>
@@ -647,7 +662,7 @@
         <a:sym typeface="Arial"/>
       </a:defRPr>
     </a:lvl7pPr>
-    <a:lvl8pPr lvl="7" marR="0" rtl="0" algn="l">
+    <a:lvl8pPr marR="0" lvl="7" algn="l" rtl="0">
       <a:lnSpc>
         <a:spcPct val="100000"/>
       </a:lnSpc>
@@ -661,7 +676,7 @@
         <a:srgbClr val="000000"/>
       </a:buClr>
       <a:buFont typeface="Arial"/>
-      <a:defRPr b="0" i="0" sz="1400" u="none" cap="none" strike="noStrike">
+      <a:defRPr sz="1400" b="0" i="0" u="none" strike="noStrike" cap="none">
         <a:solidFill>
           <a:srgbClr val="000000"/>
         </a:solidFill>
@@ -671,7 +686,7 @@
         <a:sym typeface="Arial"/>
       </a:defRPr>
     </a:lvl8pPr>
-    <a:lvl9pPr lvl="8" marR="0" rtl="0" algn="l">
+    <a:lvl9pPr marR="0" lvl="8" algn="l" rtl="0">
       <a:lnSpc>
         <a:spcPct val="100000"/>
       </a:lnSpc>
@@ -685,7 +700,7 @@
         <a:srgbClr val="000000"/>
       </a:buClr>
       <a:buFont typeface="Arial"/>
-      <a:defRPr b="0" i="0" sz="1400" u="none" cap="none" strike="noStrike">
+      <a:defRPr sz="1400" b="0" i="0" u="none" strike="noStrike" cap="none">
         <a:solidFill>
           <a:srgbClr val="000000"/>
         </a:solidFill>
@@ -700,11 +715,11 @@
 </file>
 
 <file path=ppt/notesSlides/notesSlide1.xml><?xml version="1.0" encoding="utf-8"?>
-<p:notes xmlns:a="http://schemas.openxmlformats.org/drawingml/2006/main" xmlns:r="http://schemas.openxmlformats.org/officeDocument/2006/relationships" xmlns:mc="http://schemas.openxmlformats.org/markup-compatibility/2006" xmlns:mv="urn:schemas-microsoft-com:mac:vml" xmlns:p="http://schemas.openxmlformats.org/presentationml/2006/main" xmlns:c="http://schemas.openxmlformats.org/drawingml/2006/chart" xmlns:dgm="http://schemas.openxmlformats.org/drawingml/2006/diagram" xmlns:o="urn:schemas-microsoft-com:office:office" xmlns:v="urn:schemas-microsoft-com:vml" xmlns:pvml="urn:schemas-microsoft-com:office:powerpoint" xmlns:com="http://schemas.openxmlformats.org/drawingml/2006/compatibility" xmlns:p14="http://schemas.microsoft.com/office/powerpoint/2010/main" xmlns:p15="http://schemas.microsoft.com/office/powerpoint/2012/main" xmlns:ahyp="http://schemas.microsoft.com/office/drawing/2018/hyperlinkcolor" showMasterPhAnim="0" showMasterSp="0">
+<p:notes xmlns:a="http://schemas.openxmlformats.org/drawingml/2006/main" xmlns:r="http://schemas.openxmlformats.org/officeDocument/2006/relationships" xmlns:p="http://schemas.openxmlformats.org/presentationml/2006/main" showMasterSp="0" showMasterPhAnim="0">
   <p:cSld>
     <p:spTree>
       <p:nvGrpSpPr>
-        <p:cNvPr id="81" name="Shape 81"/>
+        <p:cNvPr id="1" name="Shape 81"/>
         <p:cNvGrpSpPr/>
         <p:nvPr/>
       </p:nvGrpSpPr>
@@ -719,9 +734,11 @@
       <p:sp>
         <p:nvSpPr>
           <p:cNvPr id="82" name="Google Shape;82;p:notes"/>
-          <p:cNvSpPr/>
+          <p:cNvSpPr>
+            <a:spLocks noGrp="1" noRot="1" noChangeAspect="1"/>
+          </p:cNvSpPr>
           <p:nvPr>
-            <p:ph idx="2" type="sldImg"/>
+            <p:ph type="sldImg" idx="2"/>
           </p:nvPr>
         </p:nvSpPr>
         <p:spPr>
@@ -730,9 +747,13 @@
             <a:ext cx="6096075" cy="3429000"/>
           </a:xfrm>
           <a:custGeom>
-            <a:rect b="b" l="l" r="r" t="t"/>
+            <a:avLst/>
+            <a:gdLst/>
+            <a:ahLst/>
+            <a:cxnLst/>
+            <a:rect l="l" t="t" r="r" b="b"/>
             <a:pathLst>
-              <a:path extrusionOk="0" h="120000" w="120000">
+              <a:path w="120000" h="120000" extrusionOk="0">
                 <a:moveTo>
                   <a:pt x="0" y="0"/>
                 </a:moveTo>
@@ -754,9 +775,11 @@
       <p:sp>
         <p:nvSpPr>
           <p:cNvPr id="83" name="Google Shape;83;p:notes"/>
-          <p:cNvSpPr txBox="1"/>
+          <p:cNvSpPr txBox="1">
+            <a:spLocks noGrp="1"/>
+          </p:cNvSpPr>
           <p:nvPr>
-            <p:ph idx="1" type="body"/>
+            <p:ph type="body" idx="1"/>
           </p:nvPr>
         </p:nvSpPr>
         <p:spPr>
@@ -769,12 +792,12 @@
           </a:prstGeom>
         </p:spPr>
         <p:txBody>
-          <a:bodyPr anchorCtr="0" anchor="t" bIns="91425" lIns="91425" spcFirstLastPara="1" rIns="91425" wrap="square" tIns="91425">
+          <a:bodyPr spcFirstLastPara="1" wrap="square" lIns="91425" tIns="91425" rIns="91425" bIns="91425" anchor="t" anchorCtr="0">
             <a:noAutofit/>
           </a:bodyPr>
           <a:lstStyle/>
           <a:p>
-            <a:pPr indent="0" lvl="0" marL="0" rtl="0" algn="l">
+            <a:pPr marL="0" lvl="0" indent="0" algn="l" rtl="0">
               <a:spcBef>
                 <a:spcPts val="0"/>
               </a:spcBef>
@@ -783,9 +806,6 @@
               </a:spcAft>
               <a:buNone/>
             </a:pPr>
-            <a:r>
-              <a:t/>
-            </a:r>
             <a:endParaRPr/>
           </a:p>
         </p:txBody>
@@ -799,11 +819,11 @@
 </file>
 
 <file path=ppt/notesSlides/notesSlide2.xml><?xml version="1.0" encoding="utf-8"?>
-<p:notes xmlns:a="http://schemas.openxmlformats.org/drawingml/2006/main" xmlns:r="http://schemas.openxmlformats.org/officeDocument/2006/relationships" xmlns:mc="http://schemas.openxmlformats.org/markup-compatibility/2006" xmlns:mv="urn:schemas-microsoft-com:mac:vml" xmlns:p="http://schemas.openxmlformats.org/presentationml/2006/main" xmlns:c="http://schemas.openxmlformats.org/drawingml/2006/chart" xmlns:dgm="http://schemas.openxmlformats.org/drawingml/2006/diagram" xmlns:o="urn:schemas-microsoft-com:office:office" xmlns:v="urn:schemas-microsoft-com:vml" xmlns:pvml="urn:schemas-microsoft-com:office:powerpoint" xmlns:com="http://schemas.openxmlformats.org/drawingml/2006/compatibility" xmlns:p14="http://schemas.microsoft.com/office/powerpoint/2010/main" xmlns:p15="http://schemas.microsoft.com/office/powerpoint/2012/main" xmlns:ahyp="http://schemas.microsoft.com/office/drawing/2018/hyperlinkcolor" showMasterPhAnim="0" showMasterSp="0">
+<p:notes xmlns:a="http://schemas.openxmlformats.org/drawingml/2006/main" xmlns:r="http://schemas.openxmlformats.org/officeDocument/2006/relationships" xmlns:p="http://schemas.openxmlformats.org/presentationml/2006/main" showMasterSp="0" showMasterPhAnim="0">
   <p:cSld>
     <p:spTree>
       <p:nvGrpSpPr>
-        <p:cNvPr id="87" name="Shape 87"/>
+        <p:cNvPr id="1" name="Shape 87"/>
         <p:cNvGrpSpPr/>
         <p:nvPr/>
       </p:nvGrpSpPr>
@@ -818,9 +838,11 @@
       <p:sp>
         <p:nvSpPr>
           <p:cNvPr id="88" name="Google Shape;88;ga0a1cbdfc5_0_54:notes"/>
-          <p:cNvSpPr/>
+          <p:cNvSpPr>
+            <a:spLocks noGrp="1" noRot="1" noChangeAspect="1"/>
+          </p:cNvSpPr>
           <p:nvPr>
-            <p:ph idx="2" type="sldImg"/>
+            <p:ph type="sldImg" idx="2"/>
           </p:nvPr>
         </p:nvSpPr>
         <p:spPr>
@@ -829,9 +851,13 @@
             <a:ext cx="6096000" cy="3429000"/>
           </a:xfrm>
           <a:custGeom>
-            <a:rect b="b" l="l" r="r" t="t"/>
+            <a:avLst/>
+            <a:gdLst/>
+            <a:ahLst/>
+            <a:cxnLst/>
+            <a:rect l="l" t="t" r="r" b="b"/>
             <a:pathLst>
-              <a:path extrusionOk="0" h="120000" w="120000">
+              <a:path w="120000" h="120000" extrusionOk="0">
                 <a:moveTo>
                   <a:pt x="0" y="0"/>
                 </a:moveTo>
@@ -853,9 +879,11 @@
       <p:sp>
         <p:nvSpPr>
           <p:cNvPr id="89" name="Google Shape;89;ga0a1cbdfc5_0_54:notes"/>
-          <p:cNvSpPr txBox="1"/>
+          <p:cNvSpPr txBox="1">
+            <a:spLocks noGrp="1"/>
+          </p:cNvSpPr>
           <p:nvPr>
-            <p:ph idx="1" type="body"/>
+            <p:ph type="body" idx="1"/>
           </p:nvPr>
         </p:nvSpPr>
         <p:spPr>
@@ -868,12 +896,12 @@
           </a:prstGeom>
         </p:spPr>
         <p:txBody>
-          <a:bodyPr anchorCtr="0" anchor="t" bIns="91425" lIns="91425" spcFirstLastPara="1" rIns="91425" wrap="square" tIns="91425">
+          <a:bodyPr spcFirstLastPara="1" wrap="square" lIns="91425" tIns="91425" rIns="91425" bIns="91425" anchor="t" anchorCtr="0">
             <a:noAutofit/>
           </a:bodyPr>
           <a:lstStyle/>
           <a:p>
-            <a:pPr indent="0" lvl="0" marL="0" rtl="0" algn="l">
+            <a:pPr marL="0" lvl="0" indent="0" algn="l" rtl="0">
               <a:spcBef>
                 <a:spcPts val="0"/>
               </a:spcBef>
@@ -882,9 +910,6 @@
               </a:spcAft>
               <a:buNone/>
             </a:pPr>
-            <a:r>
-              <a:t/>
-            </a:r>
             <a:endParaRPr/>
           </a:p>
         </p:txBody>
@@ -898,11 +923,11 @@
 </file>
 
 <file path=ppt/notesSlides/notesSlide3.xml><?xml version="1.0" encoding="utf-8"?>
-<p:notes xmlns:a="http://schemas.openxmlformats.org/drawingml/2006/main" xmlns:r="http://schemas.openxmlformats.org/officeDocument/2006/relationships" xmlns:mc="http://schemas.openxmlformats.org/markup-compatibility/2006" xmlns:mv="urn:schemas-microsoft-com:mac:vml" xmlns:p="http://schemas.openxmlformats.org/presentationml/2006/main" xmlns:c="http://schemas.openxmlformats.org/drawingml/2006/chart" xmlns:dgm="http://schemas.openxmlformats.org/drawingml/2006/diagram" xmlns:o="urn:schemas-microsoft-com:office:office" xmlns:v="urn:schemas-microsoft-com:vml" xmlns:pvml="urn:schemas-microsoft-com:office:powerpoint" xmlns:com="http://schemas.openxmlformats.org/drawingml/2006/compatibility" xmlns:p14="http://schemas.microsoft.com/office/powerpoint/2010/main" xmlns:p15="http://schemas.microsoft.com/office/powerpoint/2012/main" xmlns:ahyp="http://schemas.microsoft.com/office/drawing/2018/hyperlinkcolor" showMasterPhAnim="0" showMasterSp="0">
+<p:notes xmlns:a="http://schemas.openxmlformats.org/drawingml/2006/main" xmlns:r="http://schemas.openxmlformats.org/officeDocument/2006/relationships" xmlns:p="http://schemas.openxmlformats.org/presentationml/2006/main" showMasterSp="0" showMasterPhAnim="0">
   <p:cSld>
     <p:spTree>
       <p:nvGrpSpPr>
-        <p:cNvPr id="93" name="Shape 93"/>
+        <p:cNvPr id="1" name="Shape 93"/>
         <p:cNvGrpSpPr/>
         <p:nvPr/>
       </p:nvGrpSpPr>
@@ -917,9 +942,11 @@
       <p:sp>
         <p:nvSpPr>
           <p:cNvPr id="94" name="Google Shape;94;ga0a1cbdfc5_0_59:notes"/>
-          <p:cNvSpPr/>
+          <p:cNvSpPr>
+            <a:spLocks noGrp="1" noRot="1" noChangeAspect="1"/>
+          </p:cNvSpPr>
           <p:nvPr>
-            <p:ph idx="2" type="sldImg"/>
+            <p:ph type="sldImg" idx="2"/>
           </p:nvPr>
         </p:nvSpPr>
         <p:spPr>
@@ -928,9 +955,13 @@
             <a:ext cx="6096000" cy="3429000"/>
           </a:xfrm>
           <a:custGeom>
-            <a:rect b="b" l="l" r="r" t="t"/>
+            <a:avLst/>
+            <a:gdLst/>
+            <a:ahLst/>
+            <a:cxnLst/>
+            <a:rect l="l" t="t" r="r" b="b"/>
             <a:pathLst>
-              <a:path extrusionOk="0" h="120000" w="120000">
+              <a:path w="120000" h="120000" extrusionOk="0">
                 <a:moveTo>
                   <a:pt x="0" y="0"/>
                 </a:moveTo>
@@ -952,9 +983,11 @@
       <p:sp>
         <p:nvSpPr>
           <p:cNvPr id="95" name="Google Shape;95;ga0a1cbdfc5_0_59:notes"/>
-          <p:cNvSpPr txBox="1"/>
+          <p:cNvSpPr txBox="1">
+            <a:spLocks noGrp="1"/>
+          </p:cNvSpPr>
           <p:nvPr>
-            <p:ph idx="1" type="body"/>
+            <p:ph type="body" idx="1"/>
           </p:nvPr>
         </p:nvSpPr>
         <p:spPr>
@@ -967,12 +1000,12 @@
           </a:prstGeom>
         </p:spPr>
         <p:txBody>
-          <a:bodyPr anchorCtr="0" anchor="t" bIns="91425" lIns="91425" spcFirstLastPara="1" rIns="91425" wrap="square" tIns="91425">
+          <a:bodyPr spcFirstLastPara="1" wrap="square" lIns="91425" tIns="91425" rIns="91425" bIns="91425" anchor="t" anchorCtr="0">
             <a:noAutofit/>
           </a:bodyPr>
           <a:lstStyle/>
           <a:p>
-            <a:pPr indent="0" lvl="0" marL="0" rtl="0" algn="l">
+            <a:pPr marL="0" lvl="0" indent="0" algn="l" rtl="0">
               <a:spcBef>
                 <a:spcPts val="0"/>
               </a:spcBef>
@@ -981,9 +1014,6 @@
               </a:spcAft>
               <a:buNone/>
             </a:pPr>
-            <a:r>
-              <a:t/>
-            </a:r>
             <a:endParaRPr/>
           </a:p>
         </p:txBody>
@@ -997,11 +1027,11 @@
 </file>
 
 <file path=ppt/notesSlides/notesSlide4.xml><?xml version="1.0" encoding="utf-8"?>
-<p:notes xmlns:a="http://schemas.openxmlformats.org/drawingml/2006/main" xmlns:r="http://schemas.openxmlformats.org/officeDocument/2006/relationships" xmlns:mc="http://schemas.openxmlformats.org/markup-compatibility/2006" xmlns:mv="urn:schemas-microsoft-com:mac:vml" xmlns:p="http://schemas.openxmlformats.org/presentationml/2006/main" xmlns:c="http://schemas.openxmlformats.org/drawingml/2006/chart" xmlns:dgm="http://schemas.openxmlformats.org/drawingml/2006/diagram" xmlns:o="urn:schemas-microsoft-com:office:office" xmlns:v="urn:schemas-microsoft-com:vml" xmlns:pvml="urn:schemas-microsoft-com:office:powerpoint" xmlns:com="http://schemas.openxmlformats.org/drawingml/2006/compatibility" xmlns:p14="http://schemas.microsoft.com/office/powerpoint/2010/main" xmlns:p15="http://schemas.microsoft.com/office/powerpoint/2012/main" xmlns:ahyp="http://schemas.microsoft.com/office/drawing/2018/hyperlinkcolor" showMasterPhAnim="0" showMasterSp="0">
+<p:notes xmlns:a="http://schemas.openxmlformats.org/drawingml/2006/main" xmlns:r="http://schemas.openxmlformats.org/officeDocument/2006/relationships" xmlns:p="http://schemas.openxmlformats.org/presentationml/2006/main" showMasterSp="0" showMasterPhAnim="0">
   <p:cSld>
     <p:spTree>
       <p:nvGrpSpPr>
-        <p:cNvPr id="99" name="Shape 99"/>
+        <p:cNvPr id="1" name="Shape 99"/>
         <p:cNvGrpSpPr/>
         <p:nvPr/>
       </p:nvGrpSpPr>
@@ -1016,9 +1046,11 @@
       <p:sp>
         <p:nvSpPr>
           <p:cNvPr id="100" name="Google Shape;100;ga0a1cbdfc5_0_64:notes"/>
-          <p:cNvSpPr/>
+          <p:cNvSpPr>
+            <a:spLocks noGrp="1" noRot="1" noChangeAspect="1"/>
+          </p:cNvSpPr>
           <p:nvPr>
-            <p:ph idx="2" type="sldImg"/>
+            <p:ph type="sldImg" idx="2"/>
           </p:nvPr>
         </p:nvSpPr>
         <p:spPr>
@@ -1027,9 +1059,13 @@
             <a:ext cx="6096000" cy="3429000"/>
           </a:xfrm>
           <a:custGeom>
-            <a:rect b="b" l="l" r="r" t="t"/>
+            <a:avLst/>
+            <a:gdLst/>
+            <a:ahLst/>
+            <a:cxnLst/>
+            <a:rect l="l" t="t" r="r" b="b"/>
             <a:pathLst>
-              <a:path extrusionOk="0" h="120000" w="120000">
+              <a:path w="120000" h="120000" extrusionOk="0">
                 <a:moveTo>
                   <a:pt x="0" y="0"/>
                 </a:moveTo>
@@ -1051,9 +1087,11 @@
       <p:sp>
         <p:nvSpPr>
           <p:cNvPr id="101" name="Google Shape;101;ga0a1cbdfc5_0_64:notes"/>
-          <p:cNvSpPr txBox="1"/>
+          <p:cNvSpPr txBox="1">
+            <a:spLocks noGrp="1"/>
+          </p:cNvSpPr>
           <p:nvPr>
-            <p:ph idx="1" type="body"/>
+            <p:ph type="body" idx="1"/>
           </p:nvPr>
         </p:nvSpPr>
         <p:spPr>
@@ -1066,12 +1104,12 @@
           </a:prstGeom>
         </p:spPr>
         <p:txBody>
-          <a:bodyPr anchorCtr="0" anchor="t" bIns="91425" lIns="91425" spcFirstLastPara="1" rIns="91425" wrap="square" tIns="91425">
+          <a:bodyPr spcFirstLastPara="1" wrap="square" lIns="91425" tIns="91425" rIns="91425" bIns="91425" anchor="t" anchorCtr="0">
             <a:noAutofit/>
           </a:bodyPr>
           <a:lstStyle/>
           <a:p>
-            <a:pPr indent="0" lvl="0" marL="0" rtl="0" algn="l">
+            <a:pPr marL="0" lvl="0" indent="0" algn="l" rtl="0">
               <a:spcBef>
                 <a:spcPts val="0"/>
               </a:spcBef>
@@ -1080,9 +1118,6 @@
               </a:spcAft>
               <a:buNone/>
             </a:pPr>
-            <a:r>
-              <a:t/>
-            </a:r>
             <a:endParaRPr/>
           </a:p>
         </p:txBody>
@@ -1096,11 +1131,11 @@
 </file>
 
 <file path=ppt/notesSlides/notesSlide5.xml><?xml version="1.0" encoding="utf-8"?>
-<p:notes xmlns:a="http://schemas.openxmlformats.org/drawingml/2006/main" xmlns:r="http://schemas.openxmlformats.org/officeDocument/2006/relationships" xmlns:mc="http://schemas.openxmlformats.org/markup-compatibility/2006" xmlns:mv="urn:schemas-microsoft-com:mac:vml" xmlns:p="http://schemas.openxmlformats.org/presentationml/2006/main" xmlns:c="http://schemas.openxmlformats.org/drawingml/2006/chart" xmlns:dgm="http://schemas.openxmlformats.org/drawingml/2006/diagram" xmlns:o="urn:schemas-microsoft-com:office:office" xmlns:v="urn:schemas-microsoft-com:vml" xmlns:pvml="urn:schemas-microsoft-com:office:powerpoint" xmlns:com="http://schemas.openxmlformats.org/drawingml/2006/compatibility" xmlns:p14="http://schemas.microsoft.com/office/powerpoint/2010/main" xmlns:p15="http://schemas.microsoft.com/office/powerpoint/2012/main" xmlns:ahyp="http://schemas.microsoft.com/office/drawing/2018/hyperlinkcolor" showMasterPhAnim="0" showMasterSp="0">
+<p:notes xmlns:a="http://schemas.openxmlformats.org/drawingml/2006/main" xmlns:r="http://schemas.openxmlformats.org/officeDocument/2006/relationships" xmlns:p="http://schemas.openxmlformats.org/presentationml/2006/main" showMasterSp="0" showMasterPhAnim="0">
   <p:cSld>
     <p:spTree>
       <p:nvGrpSpPr>
-        <p:cNvPr id="105" name="Shape 105"/>
+        <p:cNvPr id="1" name="Shape 105"/>
         <p:cNvGrpSpPr/>
         <p:nvPr/>
       </p:nvGrpSpPr>
@@ -1115,20 +1150,26 @@
       <p:sp>
         <p:nvSpPr>
           <p:cNvPr id="106" name="Google Shape;106;ga0a1cbdfc5_0_69:notes"/>
-          <p:cNvSpPr/>
+          <p:cNvSpPr>
+            <a:spLocks noGrp="1" noRot="1" noChangeAspect="1"/>
+          </p:cNvSpPr>
           <p:nvPr>
-            <p:ph idx="2" type="sldImg"/>
+            <p:ph type="sldImg" idx="2"/>
           </p:nvPr>
         </p:nvSpPr>
         <p:spPr>
           <a:xfrm>
-            <a:off x="381300" y="685800"/>
+            <a:off x="381000" y="685800"/>
             <a:ext cx="6096000" cy="3429000"/>
           </a:xfrm>
           <a:custGeom>
-            <a:rect b="b" l="l" r="r" t="t"/>
+            <a:avLst/>
+            <a:gdLst/>
+            <a:ahLst/>
+            <a:cxnLst/>
+            <a:rect l="l" t="t" r="r" b="b"/>
             <a:pathLst>
-              <a:path extrusionOk="0" h="120000" w="120000">
+              <a:path w="120000" h="120000" extrusionOk="0">
                 <a:moveTo>
                   <a:pt x="0" y="0"/>
                 </a:moveTo>
@@ -1150,9 +1191,11 @@
       <p:sp>
         <p:nvSpPr>
           <p:cNvPr id="107" name="Google Shape;107;ga0a1cbdfc5_0_69:notes"/>
-          <p:cNvSpPr txBox="1"/>
+          <p:cNvSpPr txBox="1">
+            <a:spLocks noGrp="1"/>
+          </p:cNvSpPr>
           <p:nvPr>
-            <p:ph idx="1" type="body"/>
+            <p:ph type="body" idx="1"/>
           </p:nvPr>
         </p:nvSpPr>
         <p:spPr>
@@ -1165,12 +1208,12 @@
           </a:prstGeom>
         </p:spPr>
         <p:txBody>
-          <a:bodyPr anchorCtr="0" anchor="t" bIns="91425" lIns="91425" spcFirstLastPara="1" rIns="91425" wrap="square" tIns="91425">
+          <a:bodyPr spcFirstLastPara="1" wrap="square" lIns="91425" tIns="91425" rIns="91425" bIns="91425" anchor="t" anchorCtr="0">
             <a:noAutofit/>
           </a:bodyPr>
           <a:lstStyle/>
           <a:p>
-            <a:pPr indent="0" lvl="0" marL="0" rtl="0" algn="l">
+            <a:pPr marL="0" lvl="0" indent="0" algn="l" rtl="0">
               <a:spcBef>
                 <a:spcPts val="0"/>
               </a:spcBef>
@@ -1179,9 +1222,6 @@
               </a:spcAft>
               <a:buNone/>
             </a:pPr>
-            <a:r>
-              <a:t/>
-            </a:r>
             <a:endParaRPr/>
           </a:p>
         </p:txBody>
@@ -1195,18 +1235,19 @@
 </file>
 
 <file path=ppt/slideLayouts/slideLayout1.xml><?xml version="1.0" encoding="utf-8"?>
-<p:sldLayout xmlns:a="http://schemas.openxmlformats.org/drawingml/2006/main" xmlns:r="http://schemas.openxmlformats.org/officeDocument/2006/relationships" xmlns:mc="http://schemas.openxmlformats.org/markup-compatibility/2006" xmlns:mv="urn:schemas-microsoft-com:mac:vml" xmlns:p="http://schemas.openxmlformats.org/presentationml/2006/main" xmlns:c="http://schemas.openxmlformats.org/drawingml/2006/chart" xmlns:dgm="http://schemas.openxmlformats.org/drawingml/2006/diagram" xmlns:o="urn:schemas-microsoft-com:office:office" xmlns:v="urn:schemas-microsoft-com:vml" xmlns:pvml="urn:schemas-microsoft-com:office:powerpoint" xmlns:com="http://schemas.openxmlformats.org/drawingml/2006/compatibility" xmlns:p14="http://schemas.microsoft.com/office/powerpoint/2010/main" xmlns:p15="http://schemas.microsoft.com/office/powerpoint/2012/main" xmlns:ahyp="http://schemas.microsoft.com/office/drawing/2018/hyperlinkcolor" matchingName="Title slide" type="title">
+<p:sldLayout xmlns:a="http://schemas.openxmlformats.org/drawingml/2006/main" xmlns:r="http://schemas.openxmlformats.org/officeDocument/2006/relationships" xmlns:p="http://schemas.openxmlformats.org/presentationml/2006/main" matchingName="Title slide" type="title">
   <p:cSld name="TITLE">
     <p:bg>
       <p:bgPr>
         <a:solidFill>
           <a:schemeClr val="dk1"/>
         </a:solidFill>
+        <a:effectLst/>
       </p:bgPr>
     </p:bg>
     <p:spTree>
       <p:nvGrpSpPr>
-        <p:cNvPr id="9" name="Shape 9"/>
+        <p:cNvPr id="1" name="Shape 9"/>
         <p:cNvGrpSpPr/>
         <p:nvPr/>
       </p:nvGrpSpPr>
@@ -1254,12 +1295,12 @@
             </a:ln>
           </p:spPr>
           <p:txBody>
-            <a:bodyPr anchorCtr="0" anchor="ctr" bIns="91425" lIns="91425" spcFirstLastPara="1" rIns="91425" wrap="square" tIns="91425">
+            <a:bodyPr spcFirstLastPara="1" wrap="square" lIns="91425" tIns="91425" rIns="91425" bIns="91425" anchor="ctr" anchorCtr="0">
               <a:noAutofit/>
             </a:bodyPr>
             <a:lstStyle/>
             <a:p>
-              <a:pPr indent="0" lvl="0" marL="0" rtl="0" algn="l">
+              <a:pPr marL="0" lvl="0" indent="0" algn="l" rtl="0">
                 <a:spcBef>
                   <a:spcPts val="0"/>
                 </a:spcBef>
@@ -1268,9 +1309,6 @@
                 </a:spcAft>
                 <a:buNone/>
               </a:pPr>
-              <a:r>
-                <a:t/>
-              </a:r>
               <a:endParaRPr/>
             </a:p>
           </p:txBody>
@@ -1297,12 +1335,12 @@
             </a:ln>
           </p:spPr>
           <p:txBody>
-            <a:bodyPr anchorCtr="0" anchor="ctr" bIns="91425" lIns="91425" spcFirstLastPara="1" rIns="91425" wrap="square" tIns="91425">
+            <a:bodyPr spcFirstLastPara="1" wrap="square" lIns="91425" tIns="91425" rIns="91425" bIns="91425" anchor="ctr" anchorCtr="0">
               <a:noAutofit/>
             </a:bodyPr>
             <a:lstStyle/>
             <a:p>
-              <a:pPr indent="0" lvl="0" marL="0" rtl="0" algn="l">
+              <a:pPr marL="0" lvl="0" indent="0" algn="l" rtl="0">
                 <a:spcBef>
                   <a:spcPts val="0"/>
                 </a:spcBef>
@@ -1311,9 +1349,6 @@
                 </a:spcAft>
                 <a:buNone/>
               </a:pPr>
-              <a:r>
-                <a:t/>
-              </a:r>
               <a:endParaRPr/>
             </a:p>
           </p:txBody>
@@ -1325,7 +1360,7 @@
             <p:nvPr/>
           </p:nvSpPr>
           <p:spPr>
-            <a:xfrm flipH="1" rot="10800000">
+            <a:xfrm rot="10800000" flipH="1">
               <a:off x="7113588" y="107"/>
               <a:ext cx="1015200" cy="1015200"/>
             </a:xfrm>
@@ -1340,12 +1375,12 @@
             </a:ln>
           </p:spPr>
           <p:txBody>
-            <a:bodyPr anchorCtr="0" anchor="ctr" bIns="91425" lIns="91425" spcFirstLastPara="1" rIns="91425" wrap="square" tIns="91425">
+            <a:bodyPr spcFirstLastPara="1" wrap="square" lIns="91425" tIns="91425" rIns="91425" bIns="91425" anchor="ctr" anchorCtr="0">
               <a:noAutofit/>
             </a:bodyPr>
             <a:lstStyle/>
             <a:p>
-              <a:pPr indent="0" lvl="0" marL="0" rtl="0" algn="l">
+              <a:pPr marL="0" lvl="0" indent="0" algn="l" rtl="0">
                 <a:spcBef>
                   <a:spcPts val="0"/>
                 </a:spcBef>
@@ -1354,9 +1389,6 @@
                 </a:spcAft>
                 <a:buNone/>
               </a:pPr>
-              <a:r>
-                <a:t/>
-              </a:r>
               <a:endParaRPr/>
             </a:p>
           </p:txBody>
@@ -1383,12 +1415,12 @@
             </a:ln>
           </p:spPr>
           <p:txBody>
-            <a:bodyPr anchorCtr="0" anchor="ctr" bIns="91425" lIns="91425" spcFirstLastPara="1" rIns="91425" wrap="square" tIns="91425">
+            <a:bodyPr spcFirstLastPara="1" wrap="square" lIns="91425" tIns="91425" rIns="91425" bIns="91425" anchor="ctr" anchorCtr="0">
               <a:noAutofit/>
             </a:bodyPr>
             <a:lstStyle/>
             <a:p>
-              <a:pPr indent="0" lvl="0" marL="0" rtl="0" algn="l">
+              <a:pPr marL="0" lvl="0" indent="0" algn="l" rtl="0">
                 <a:spcBef>
                   <a:spcPts val="0"/>
                 </a:spcBef>
@@ -1397,9 +1429,6 @@
                 </a:spcAft>
                 <a:buNone/>
               </a:pPr>
-              <a:r>
-                <a:t/>
-              </a:r>
               <a:endParaRPr/>
             </a:p>
           </p:txBody>
@@ -1426,12 +1455,12 @@
             </a:ln>
           </p:spPr>
           <p:txBody>
-            <a:bodyPr anchorCtr="0" anchor="ctr" bIns="91425" lIns="91425" spcFirstLastPara="1" rIns="91425" wrap="square" tIns="91425">
+            <a:bodyPr spcFirstLastPara="1" wrap="square" lIns="91425" tIns="91425" rIns="91425" bIns="91425" anchor="ctr" anchorCtr="0">
               <a:noAutofit/>
             </a:bodyPr>
             <a:lstStyle/>
             <a:p>
-              <a:pPr indent="0" lvl="0" marL="0" rtl="0" algn="l">
+              <a:pPr marL="0" lvl="0" indent="0" algn="l" rtl="0">
                 <a:spcBef>
                   <a:spcPts val="0"/>
                 </a:spcBef>
@@ -1440,9 +1469,6 @@
                 </a:spcAft>
                 <a:buNone/>
               </a:pPr>
-              <a:r>
-                <a:t/>
-              </a:r>
               <a:endParaRPr/>
             </a:p>
           </p:txBody>
@@ -1451,7 +1477,9 @@
       <p:sp>
         <p:nvSpPr>
           <p:cNvPr id="16" name="Google Shape;16;p2"/>
-          <p:cNvSpPr txBox="1"/>
+          <p:cNvSpPr txBox="1">
+            <a:spLocks noGrp="1"/>
+          </p:cNvSpPr>
           <p:nvPr>
             <p:ph type="ctrTitle"/>
           </p:nvPr>
@@ -1466,7 +1494,7 @@
           </a:prstGeom>
         </p:spPr>
         <p:txBody>
-          <a:bodyPr anchorCtr="0" anchor="b" bIns="91425" lIns="91425" spcFirstLastPara="1" rIns="91425" wrap="square" tIns="91425">
+          <a:bodyPr spcFirstLastPara="1" wrap="square" lIns="91425" tIns="91425" rIns="91425" bIns="91425" anchor="b" anchorCtr="0">
             <a:noAutofit/>
           </a:bodyPr>
           <a:lstStyle>
@@ -1633,15 +1661,19 @@
               </a:defRPr>
             </a:lvl9pPr>
           </a:lstStyle>
-          <a:p/>
+          <a:p>
+            <a:endParaRPr/>
+          </a:p>
         </p:txBody>
       </p:sp>
       <p:sp>
         <p:nvSpPr>
           <p:cNvPr id="17" name="Google Shape;17;p2"/>
-          <p:cNvSpPr txBox="1"/>
+          <p:cNvSpPr txBox="1">
+            <a:spLocks noGrp="1"/>
+          </p:cNvSpPr>
           <p:nvPr>
-            <p:ph idx="1" type="subTitle"/>
+            <p:ph type="subTitle" idx="1"/>
           </p:nvPr>
         </p:nvSpPr>
         <p:spPr>
@@ -1654,7 +1686,7 @@
           </a:prstGeom>
         </p:spPr>
         <p:txBody>
-          <a:bodyPr anchorCtr="0" anchor="t" bIns="91425" lIns="91425" spcFirstLastPara="1" rIns="91425" wrap="square" tIns="91425">
+          <a:bodyPr spcFirstLastPara="1" wrap="square" lIns="91425" tIns="91425" rIns="91425" bIns="91425" anchor="t" anchorCtr="0">
             <a:noAutofit/>
           </a:bodyPr>
           <a:lstStyle>
@@ -1848,15 +1880,19 @@
               </a:defRPr>
             </a:lvl9pPr>
           </a:lstStyle>
-          <a:p/>
+          <a:p>
+            <a:endParaRPr/>
+          </a:p>
         </p:txBody>
       </p:sp>
       <p:sp>
         <p:nvSpPr>
           <p:cNvPr id="18" name="Google Shape;18;p2"/>
-          <p:cNvSpPr txBox="1"/>
+          <p:cNvSpPr txBox="1">
+            <a:spLocks noGrp="1"/>
+          </p:cNvSpPr>
           <p:nvPr>
-            <p:ph idx="12" type="sldNum"/>
+            <p:ph type="sldNum" idx="12"/>
           </p:nvPr>
         </p:nvSpPr>
         <p:spPr>
@@ -1869,7 +1905,7 @@
           </a:prstGeom>
         </p:spPr>
         <p:txBody>
-          <a:bodyPr anchorCtr="0" anchor="ctr" bIns="91425" lIns="91425" spcFirstLastPara="1" rIns="91425" wrap="square" tIns="91425">
+          <a:bodyPr spcFirstLastPara="1" wrap="square" lIns="91425" tIns="91425" rIns="91425" bIns="91425" anchor="ctr" anchorCtr="0">
             <a:noAutofit/>
           </a:bodyPr>
           <a:lstStyle>
@@ -1911,7 +1947,7 @@
             </a:lvl9pPr>
           </a:lstStyle>
           <a:p>
-            <a:pPr indent="0" lvl="0" marL="0" rtl="0" algn="r">
+            <a:pPr marL="0" lvl="0" indent="0" algn="r" rtl="0">
               <a:spcBef>
                 <a:spcPts val="0"/>
               </a:spcBef>
@@ -1937,18 +1973,19 @@
 </file>
 
 <file path=ppt/slideLayouts/slideLayout10.xml><?xml version="1.0" encoding="utf-8"?>
-<p:sldLayout xmlns:a="http://schemas.openxmlformats.org/drawingml/2006/main" xmlns:r="http://schemas.openxmlformats.org/officeDocument/2006/relationships" xmlns:mc="http://schemas.openxmlformats.org/markup-compatibility/2006" xmlns:mv="urn:schemas-microsoft-com:mac:vml" xmlns:p="http://schemas.openxmlformats.org/presentationml/2006/main" xmlns:c="http://schemas.openxmlformats.org/drawingml/2006/chart" xmlns:dgm="http://schemas.openxmlformats.org/drawingml/2006/diagram" xmlns:o="urn:schemas-microsoft-com:office:office" xmlns:v="urn:schemas-microsoft-com:vml" xmlns:pvml="urn:schemas-microsoft-com:office:powerpoint" xmlns:com="http://schemas.openxmlformats.org/drawingml/2006/compatibility" xmlns:p14="http://schemas.microsoft.com/office/powerpoint/2010/main" xmlns:p15="http://schemas.microsoft.com/office/powerpoint/2012/main" xmlns:ahyp="http://schemas.microsoft.com/office/drawing/2018/hyperlinkcolor" matchingName="Big number">
+<p:sldLayout xmlns:a="http://schemas.openxmlformats.org/drawingml/2006/main" xmlns:r="http://schemas.openxmlformats.org/officeDocument/2006/relationships" xmlns:p="http://schemas.openxmlformats.org/presentationml/2006/main" matchingName="Big number">
   <p:cSld name="BIG_NUMBER">
     <p:bg>
       <p:bgPr>
         <a:solidFill>
           <a:schemeClr val="dk1"/>
         </a:solidFill>
+        <a:effectLst/>
       </p:bgPr>
     </p:bg>
     <p:spTree>
       <p:nvGrpSpPr>
-        <p:cNvPr id="69" name="Shape 69"/>
+        <p:cNvPr id="1" name="Shape 69"/>
         <p:cNvGrpSpPr/>
         <p:nvPr/>
       </p:nvGrpSpPr>
@@ -1996,12 +2033,12 @@
             </a:ln>
           </p:spPr>
           <p:txBody>
-            <a:bodyPr anchorCtr="0" anchor="ctr" bIns="91425" lIns="91425" spcFirstLastPara="1" rIns="91425" wrap="square" tIns="91425">
+            <a:bodyPr spcFirstLastPara="1" wrap="square" lIns="91425" tIns="91425" rIns="91425" bIns="91425" anchor="ctr" anchorCtr="0">
               <a:noAutofit/>
             </a:bodyPr>
             <a:lstStyle/>
             <a:p>
-              <a:pPr indent="0" lvl="0" marL="0" rtl="0" algn="l">
+              <a:pPr marL="0" lvl="0" indent="0" algn="l" rtl="0">
                 <a:spcBef>
                   <a:spcPts val="0"/>
                 </a:spcBef>
@@ -2010,9 +2047,6 @@
                 </a:spcAft>
                 <a:buNone/>
               </a:pPr>
-              <a:r>
-                <a:t/>
-              </a:r>
               <a:endParaRPr/>
             </a:p>
           </p:txBody>
@@ -2039,12 +2073,12 @@
             </a:ln>
           </p:spPr>
           <p:txBody>
-            <a:bodyPr anchorCtr="0" anchor="ctr" bIns="91425" lIns="91425" spcFirstLastPara="1" rIns="91425" wrap="square" tIns="91425">
+            <a:bodyPr spcFirstLastPara="1" wrap="square" lIns="91425" tIns="91425" rIns="91425" bIns="91425" anchor="ctr" anchorCtr="0">
               <a:noAutofit/>
             </a:bodyPr>
             <a:lstStyle/>
             <a:p>
-              <a:pPr indent="0" lvl="0" marL="0" rtl="0" algn="l">
+              <a:pPr marL="0" lvl="0" indent="0" algn="l" rtl="0">
                 <a:spcBef>
                   <a:spcPts val="0"/>
                 </a:spcBef>
@@ -2053,9 +2087,6 @@
                 </a:spcAft>
                 <a:buNone/>
               </a:pPr>
-              <a:r>
-                <a:t/>
-              </a:r>
               <a:endParaRPr/>
             </a:p>
           </p:txBody>
@@ -2067,7 +2098,7 @@
             <p:nvPr/>
           </p:nvSpPr>
           <p:spPr>
-            <a:xfrm flipH="1" rot="10800000">
+            <a:xfrm rot="10800000" flipH="1">
               <a:off x="7113588" y="107"/>
               <a:ext cx="1015200" cy="1015200"/>
             </a:xfrm>
@@ -2082,12 +2113,12 @@
             </a:ln>
           </p:spPr>
           <p:txBody>
-            <a:bodyPr anchorCtr="0" anchor="ctr" bIns="91425" lIns="91425" spcFirstLastPara="1" rIns="91425" wrap="square" tIns="91425">
+            <a:bodyPr spcFirstLastPara="1" wrap="square" lIns="91425" tIns="91425" rIns="91425" bIns="91425" anchor="ctr" anchorCtr="0">
               <a:noAutofit/>
             </a:bodyPr>
             <a:lstStyle/>
             <a:p>
-              <a:pPr indent="0" lvl="0" marL="0" rtl="0" algn="l">
+              <a:pPr marL="0" lvl="0" indent="0" algn="l" rtl="0">
                 <a:spcBef>
                   <a:spcPts val="0"/>
                 </a:spcBef>
@@ -2096,9 +2127,6 @@
                 </a:spcAft>
                 <a:buNone/>
               </a:pPr>
-              <a:r>
-                <a:t/>
-              </a:r>
               <a:endParaRPr/>
             </a:p>
           </p:txBody>
@@ -2125,12 +2153,12 @@
             </a:ln>
           </p:spPr>
           <p:txBody>
-            <a:bodyPr anchorCtr="0" anchor="ctr" bIns="91425" lIns="91425" spcFirstLastPara="1" rIns="91425" wrap="square" tIns="91425">
+            <a:bodyPr spcFirstLastPara="1" wrap="square" lIns="91425" tIns="91425" rIns="91425" bIns="91425" anchor="ctr" anchorCtr="0">
               <a:noAutofit/>
             </a:bodyPr>
             <a:lstStyle/>
             <a:p>
-              <a:pPr indent="0" lvl="0" marL="0" rtl="0" algn="l">
+              <a:pPr marL="0" lvl="0" indent="0" algn="l" rtl="0">
                 <a:spcBef>
                   <a:spcPts val="0"/>
                 </a:spcBef>
@@ -2139,9 +2167,6 @@
                 </a:spcAft>
                 <a:buNone/>
               </a:pPr>
-              <a:r>
-                <a:t/>
-              </a:r>
               <a:endParaRPr/>
             </a:p>
           </p:txBody>
@@ -2168,12 +2193,12 @@
             </a:ln>
           </p:spPr>
           <p:txBody>
-            <a:bodyPr anchorCtr="0" anchor="ctr" bIns="91425" lIns="91425" spcFirstLastPara="1" rIns="91425" wrap="square" tIns="91425">
+            <a:bodyPr spcFirstLastPara="1" wrap="square" lIns="91425" tIns="91425" rIns="91425" bIns="91425" anchor="ctr" anchorCtr="0">
               <a:noAutofit/>
             </a:bodyPr>
             <a:lstStyle/>
             <a:p>
-              <a:pPr indent="0" lvl="0" marL="0" rtl="0" algn="l">
+              <a:pPr marL="0" lvl="0" indent="0" algn="l" rtl="0">
                 <a:spcBef>
                   <a:spcPts val="0"/>
                 </a:spcBef>
@@ -2182,9 +2207,6 @@
                 </a:spcAft>
                 <a:buNone/>
               </a:pPr>
-              <a:r>
-                <a:t/>
-              </a:r>
               <a:endParaRPr/>
             </a:p>
           </p:txBody>
@@ -2193,9 +2215,11 @@
       <p:sp>
         <p:nvSpPr>
           <p:cNvPr id="76" name="Google Shape;76;p11"/>
-          <p:cNvSpPr txBox="1"/>
+          <p:cNvSpPr txBox="1">
+            <a:spLocks noGrp="1"/>
+          </p:cNvSpPr>
           <p:nvPr>
-            <p:ph hasCustomPrompt="1" type="title"/>
+            <p:ph type="title" hasCustomPrompt="1"/>
           </p:nvPr>
         </p:nvSpPr>
         <p:spPr>
@@ -2208,7 +2232,7 @@
           </a:prstGeom>
         </p:spPr>
         <p:txBody>
-          <a:bodyPr anchorCtr="0" anchor="b" bIns="91425" lIns="91425" spcFirstLastPara="1" rIns="91425" wrap="square" tIns="91425">
+          <a:bodyPr spcFirstLastPara="1" wrap="square" lIns="91425" tIns="91425" rIns="91425" bIns="91425" anchor="b" anchorCtr="0">
             <a:noAutofit/>
           </a:bodyPr>
           <a:lstStyle>
@@ -2385,9 +2409,11 @@
       <p:sp>
         <p:nvSpPr>
           <p:cNvPr id="77" name="Google Shape;77;p11"/>
-          <p:cNvSpPr txBox="1"/>
+          <p:cNvSpPr txBox="1">
+            <a:spLocks noGrp="1"/>
+          </p:cNvSpPr>
           <p:nvPr>
-            <p:ph idx="1" type="body"/>
+            <p:ph type="body" idx="1"/>
           </p:nvPr>
         </p:nvSpPr>
         <p:spPr>
@@ -2400,11 +2426,11 @@
           </a:prstGeom>
         </p:spPr>
         <p:txBody>
-          <a:bodyPr anchorCtr="0" anchor="t" bIns="91425" lIns="91425" spcFirstLastPara="1" rIns="91425" wrap="square" tIns="91425">
+          <a:bodyPr spcFirstLastPara="1" wrap="square" lIns="91425" tIns="91425" rIns="91425" bIns="91425" anchor="t" anchorCtr="0">
             <a:noAutofit/>
           </a:bodyPr>
           <a:lstStyle>
-            <a:lvl1pPr indent="-342900" lvl="0" marL="457200" algn="ctr">
+            <a:lvl1pPr marL="457200" lvl="0" indent="-342900" algn="ctr">
               <a:spcBef>
                 <a:spcPts val="0"/>
               </a:spcBef>
@@ -2422,7 +2448,7 @@
                 </a:solidFill>
               </a:defRPr>
             </a:lvl1pPr>
-            <a:lvl2pPr indent="-317500" lvl="1" marL="914400" algn="ctr">
+            <a:lvl2pPr marL="914400" lvl="1" indent="-317500" algn="ctr">
               <a:spcBef>
                 <a:spcPts val="1600"/>
               </a:spcBef>
@@ -2440,7 +2466,7 @@
                 </a:solidFill>
               </a:defRPr>
             </a:lvl2pPr>
-            <a:lvl3pPr indent="-317500" lvl="2" marL="1371600" algn="ctr">
+            <a:lvl3pPr marL="1371600" lvl="2" indent="-317500" algn="ctr">
               <a:spcBef>
                 <a:spcPts val="1600"/>
               </a:spcBef>
@@ -2458,7 +2484,7 @@
                 </a:solidFill>
               </a:defRPr>
             </a:lvl3pPr>
-            <a:lvl4pPr indent="-317500" lvl="3" marL="1828800" algn="ctr">
+            <a:lvl4pPr marL="1828800" lvl="3" indent="-317500" algn="ctr">
               <a:spcBef>
                 <a:spcPts val="1600"/>
               </a:spcBef>
@@ -2476,7 +2502,7 @@
                 </a:solidFill>
               </a:defRPr>
             </a:lvl4pPr>
-            <a:lvl5pPr indent="-317500" lvl="4" marL="2286000" algn="ctr">
+            <a:lvl5pPr marL="2286000" lvl="4" indent="-317500" algn="ctr">
               <a:spcBef>
                 <a:spcPts val="1600"/>
               </a:spcBef>
@@ -2494,7 +2520,7 @@
                 </a:solidFill>
               </a:defRPr>
             </a:lvl5pPr>
-            <a:lvl6pPr indent="-317500" lvl="5" marL="2743200" algn="ctr">
+            <a:lvl6pPr marL="2743200" lvl="5" indent="-317500" algn="ctr">
               <a:spcBef>
                 <a:spcPts val="1600"/>
               </a:spcBef>
@@ -2512,7 +2538,7 @@
                 </a:solidFill>
               </a:defRPr>
             </a:lvl6pPr>
-            <a:lvl7pPr indent="-317500" lvl="6" marL="3200400" algn="ctr">
+            <a:lvl7pPr marL="3200400" lvl="6" indent="-317500" algn="ctr">
               <a:spcBef>
                 <a:spcPts val="1600"/>
               </a:spcBef>
@@ -2530,7 +2556,7 @@
                 </a:solidFill>
               </a:defRPr>
             </a:lvl7pPr>
-            <a:lvl8pPr indent="-317500" lvl="7" marL="3657600" algn="ctr">
+            <a:lvl8pPr marL="3657600" lvl="7" indent="-317500" algn="ctr">
               <a:spcBef>
                 <a:spcPts val="1600"/>
               </a:spcBef>
@@ -2548,7 +2574,7 @@
                 </a:solidFill>
               </a:defRPr>
             </a:lvl8pPr>
-            <a:lvl9pPr indent="-317500" lvl="8" marL="4114800" algn="ctr">
+            <a:lvl9pPr marL="4114800" lvl="8" indent="-317500" algn="ctr">
               <a:spcBef>
                 <a:spcPts val="1600"/>
               </a:spcBef>
@@ -2567,15 +2593,19 @@
               </a:defRPr>
             </a:lvl9pPr>
           </a:lstStyle>
-          <a:p/>
+          <a:p>
+            <a:endParaRPr/>
+          </a:p>
         </p:txBody>
       </p:sp>
       <p:sp>
         <p:nvSpPr>
           <p:cNvPr id="78" name="Google Shape;78;p11"/>
-          <p:cNvSpPr txBox="1"/>
+          <p:cNvSpPr txBox="1">
+            <a:spLocks noGrp="1"/>
+          </p:cNvSpPr>
           <p:nvPr>
-            <p:ph idx="12" type="sldNum"/>
+            <p:ph type="sldNum" idx="12"/>
           </p:nvPr>
         </p:nvSpPr>
         <p:spPr>
@@ -2588,7 +2618,7 @@
           </a:prstGeom>
         </p:spPr>
         <p:txBody>
-          <a:bodyPr anchorCtr="0" anchor="ctr" bIns="91425" lIns="91425" spcFirstLastPara="1" rIns="91425" wrap="square" tIns="91425">
+          <a:bodyPr spcFirstLastPara="1" wrap="square" lIns="91425" tIns="91425" rIns="91425" bIns="91425" anchor="ctr" anchorCtr="0">
             <a:noAutofit/>
           </a:bodyPr>
           <a:lstStyle>
@@ -2630,7 +2660,7 @@
             </a:lvl9pPr>
           </a:lstStyle>
           <a:p>
-            <a:pPr indent="0" lvl="0" marL="0" rtl="0" algn="r">
+            <a:pPr marL="0" lvl="0" indent="0" algn="r" rtl="0">
               <a:spcBef>
                 <a:spcPts val="0"/>
               </a:spcBef>
@@ -2656,11 +2686,11 @@
 </file>
 
 <file path=ppt/slideLayouts/slideLayout11.xml><?xml version="1.0" encoding="utf-8"?>
-<p:sldLayout xmlns:a="http://schemas.openxmlformats.org/drawingml/2006/main" xmlns:r="http://schemas.openxmlformats.org/officeDocument/2006/relationships" xmlns:mc="http://schemas.openxmlformats.org/markup-compatibility/2006" xmlns:mv="urn:schemas-microsoft-com:mac:vml" xmlns:p="http://schemas.openxmlformats.org/presentationml/2006/main" xmlns:c="http://schemas.openxmlformats.org/drawingml/2006/chart" xmlns:dgm="http://schemas.openxmlformats.org/drawingml/2006/diagram" xmlns:o="urn:schemas-microsoft-com:office:office" xmlns:v="urn:schemas-microsoft-com:vml" xmlns:pvml="urn:schemas-microsoft-com:office:powerpoint" xmlns:com="http://schemas.openxmlformats.org/drawingml/2006/compatibility" xmlns:p14="http://schemas.microsoft.com/office/powerpoint/2010/main" xmlns:p15="http://schemas.microsoft.com/office/powerpoint/2012/main" xmlns:ahyp="http://schemas.microsoft.com/office/drawing/2018/hyperlinkcolor" matchingName="Blank" type="blank">
+<p:sldLayout xmlns:a="http://schemas.openxmlformats.org/drawingml/2006/main" xmlns:r="http://schemas.openxmlformats.org/officeDocument/2006/relationships" xmlns:p="http://schemas.openxmlformats.org/presentationml/2006/main" matchingName="Blank" type="blank">
   <p:cSld name="BLANK">
     <p:spTree>
       <p:nvGrpSpPr>
-        <p:cNvPr id="79" name="Shape 79"/>
+        <p:cNvPr id="1" name="Shape 79"/>
         <p:cNvGrpSpPr/>
         <p:nvPr/>
       </p:nvGrpSpPr>
@@ -2675,9 +2705,11 @@
       <p:sp>
         <p:nvSpPr>
           <p:cNvPr id="80" name="Google Shape;80;p12"/>
-          <p:cNvSpPr txBox="1"/>
+          <p:cNvSpPr txBox="1">
+            <a:spLocks noGrp="1"/>
+          </p:cNvSpPr>
           <p:nvPr>
-            <p:ph idx="12" type="sldNum"/>
+            <p:ph type="sldNum" idx="12"/>
           </p:nvPr>
         </p:nvSpPr>
         <p:spPr>
@@ -2690,7 +2722,7 @@
           </a:prstGeom>
         </p:spPr>
         <p:txBody>
-          <a:bodyPr anchorCtr="0" anchor="ctr" bIns="91425" lIns="91425" spcFirstLastPara="1" rIns="91425" wrap="square" tIns="91425">
+          <a:bodyPr spcFirstLastPara="1" wrap="square" lIns="91425" tIns="91425" rIns="91425" bIns="91425" anchor="ctr" anchorCtr="0">
             <a:noAutofit/>
           </a:bodyPr>
           <a:lstStyle>
@@ -2768,7 +2800,7 @@
             </a:lvl9pPr>
           </a:lstStyle>
           <a:p>
-            <a:pPr indent="0" lvl="0" marL="0" rtl="0" algn="r">
+            <a:pPr marL="0" lvl="0" indent="0" algn="r" rtl="0">
               <a:spcBef>
                 <a:spcPts val="0"/>
               </a:spcBef>
@@ -2794,18 +2826,19 @@
 </file>
 
 <file path=ppt/slideLayouts/slideLayout2.xml><?xml version="1.0" encoding="utf-8"?>
-<p:sldLayout xmlns:a="http://schemas.openxmlformats.org/drawingml/2006/main" xmlns:r="http://schemas.openxmlformats.org/officeDocument/2006/relationships" xmlns:mc="http://schemas.openxmlformats.org/markup-compatibility/2006" xmlns:mv="urn:schemas-microsoft-com:mac:vml" xmlns:p="http://schemas.openxmlformats.org/presentationml/2006/main" xmlns:c="http://schemas.openxmlformats.org/drawingml/2006/chart" xmlns:dgm="http://schemas.openxmlformats.org/drawingml/2006/diagram" xmlns:o="urn:schemas-microsoft-com:office:office" xmlns:v="urn:schemas-microsoft-com:vml" xmlns:pvml="urn:schemas-microsoft-com:office:powerpoint" xmlns:com="http://schemas.openxmlformats.org/drawingml/2006/compatibility" xmlns:p14="http://schemas.microsoft.com/office/powerpoint/2010/main" xmlns:p15="http://schemas.microsoft.com/office/powerpoint/2012/main" xmlns:ahyp="http://schemas.microsoft.com/office/drawing/2018/hyperlinkcolor" matchingName="Section header" type="secHead">
+<p:sldLayout xmlns:a="http://schemas.openxmlformats.org/drawingml/2006/main" xmlns:r="http://schemas.openxmlformats.org/officeDocument/2006/relationships" xmlns:p="http://schemas.openxmlformats.org/presentationml/2006/main" matchingName="Section header" type="secHead">
   <p:cSld name="SECTION_HEADER">
     <p:bg>
       <p:bgPr>
         <a:solidFill>
           <a:schemeClr val="dk1"/>
         </a:solidFill>
+        <a:effectLst/>
       </p:bgPr>
     </p:bg>
     <p:spTree>
       <p:nvGrpSpPr>
-        <p:cNvPr id="19" name="Shape 19"/>
+        <p:cNvPr id="1" name="Shape 19"/>
         <p:cNvGrpSpPr/>
         <p:nvPr/>
       </p:nvGrpSpPr>
@@ -2853,12 +2886,12 @@
             </a:ln>
           </p:spPr>
           <p:txBody>
-            <a:bodyPr anchorCtr="0" anchor="ctr" bIns="91425" lIns="91425" spcFirstLastPara="1" rIns="91425" wrap="square" tIns="91425">
+            <a:bodyPr spcFirstLastPara="1" wrap="square" lIns="91425" tIns="91425" rIns="91425" bIns="91425" anchor="ctr" anchorCtr="0">
               <a:noAutofit/>
             </a:bodyPr>
             <a:lstStyle/>
             <a:p>
-              <a:pPr indent="0" lvl="0" marL="0" rtl="0" algn="l">
+              <a:pPr marL="0" lvl="0" indent="0" algn="l" rtl="0">
                 <a:spcBef>
                   <a:spcPts val="0"/>
                 </a:spcBef>
@@ -2867,9 +2900,6 @@
                 </a:spcAft>
                 <a:buNone/>
               </a:pPr>
-              <a:r>
-                <a:t/>
-              </a:r>
               <a:endParaRPr/>
             </a:p>
           </p:txBody>
@@ -2896,12 +2926,12 @@
             </a:ln>
           </p:spPr>
           <p:txBody>
-            <a:bodyPr anchorCtr="0" anchor="ctr" bIns="91425" lIns="91425" spcFirstLastPara="1" rIns="91425" wrap="square" tIns="91425">
+            <a:bodyPr spcFirstLastPara="1" wrap="square" lIns="91425" tIns="91425" rIns="91425" bIns="91425" anchor="ctr" anchorCtr="0">
               <a:noAutofit/>
             </a:bodyPr>
             <a:lstStyle/>
             <a:p>
-              <a:pPr indent="0" lvl="0" marL="0" rtl="0" algn="l">
+              <a:pPr marL="0" lvl="0" indent="0" algn="l" rtl="0">
                 <a:spcBef>
                   <a:spcPts val="0"/>
                 </a:spcBef>
@@ -2910,9 +2940,6 @@
                 </a:spcAft>
                 <a:buNone/>
               </a:pPr>
-              <a:r>
-                <a:t/>
-              </a:r>
               <a:endParaRPr/>
             </a:p>
           </p:txBody>
@@ -2924,7 +2951,7 @@
             <p:nvPr/>
           </p:nvSpPr>
           <p:spPr>
-            <a:xfrm flipH="1" rot="10800000">
+            <a:xfrm rot="10800000" flipH="1">
               <a:off x="7113588" y="107"/>
               <a:ext cx="1015200" cy="1015200"/>
             </a:xfrm>
@@ -2939,12 +2966,12 @@
             </a:ln>
           </p:spPr>
           <p:txBody>
-            <a:bodyPr anchorCtr="0" anchor="ctr" bIns="91425" lIns="91425" spcFirstLastPara="1" rIns="91425" wrap="square" tIns="91425">
+            <a:bodyPr spcFirstLastPara="1" wrap="square" lIns="91425" tIns="91425" rIns="91425" bIns="91425" anchor="ctr" anchorCtr="0">
               <a:noAutofit/>
             </a:bodyPr>
             <a:lstStyle/>
             <a:p>
-              <a:pPr indent="0" lvl="0" marL="0" rtl="0" algn="l">
+              <a:pPr marL="0" lvl="0" indent="0" algn="l" rtl="0">
                 <a:spcBef>
                   <a:spcPts val="0"/>
                 </a:spcBef>
@@ -2953,9 +2980,6 @@
                 </a:spcAft>
                 <a:buNone/>
               </a:pPr>
-              <a:r>
-                <a:t/>
-              </a:r>
               <a:endParaRPr/>
             </a:p>
           </p:txBody>
@@ -2982,12 +3006,12 @@
             </a:ln>
           </p:spPr>
           <p:txBody>
-            <a:bodyPr anchorCtr="0" anchor="ctr" bIns="91425" lIns="91425" spcFirstLastPara="1" rIns="91425" wrap="square" tIns="91425">
+            <a:bodyPr spcFirstLastPara="1" wrap="square" lIns="91425" tIns="91425" rIns="91425" bIns="91425" anchor="ctr" anchorCtr="0">
               <a:noAutofit/>
             </a:bodyPr>
             <a:lstStyle/>
             <a:p>
-              <a:pPr indent="0" lvl="0" marL="0" rtl="0" algn="l">
+              <a:pPr marL="0" lvl="0" indent="0" algn="l" rtl="0">
                 <a:spcBef>
                   <a:spcPts val="0"/>
                 </a:spcBef>
@@ -2996,9 +3020,6 @@
                 </a:spcAft>
                 <a:buNone/>
               </a:pPr>
-              <a:r>
-                <a:t/>
-              </a:r>
               <a:endParaRPr/>
             </a:p>
           </p:txBody>
@@ -3025,12 +3046,12 @@
             </a:ln>
           </p:spPr>
           <p:txBody>
-            <a:bodyPr anchorCtr="0" anchor="ctr" bIns="91425" lIns="91425" spcFirstLastPara="1" rIns="91425" wrap="square" tIns="91425">
+            <a:bodyPr spcFirstLastPara="1" wrap="square" lIns="91425" tIns="91425" rIns="91425" bIns="91425" anchor="ctr" anchorCtr="0">
               <a:noAutofit/>
             </a:bodyPr>
             <a:lstStyle/>
             <a:p>
-              <a:pPr indent="0" lvl="0" marL="0" rtl="0" algn="l">
+              <a:pPr marL="0" lvl="0" indent="0" algn="l" rtl="0">
                 <a:spcBef>
                   <a:spcPts val="0"/>
                 </a:spcBef>
@@ -3039,9 +3060,6 @@
                 </a:spcAft>
                 <a:buNone/>
               </a:pPr>
-              <a:r>
-                <a:t/>
-              </a:r>
               <a:endParaRPr/>
             </a:p>
           </p:txBody>
@@ -3050,7 +3068,9 @@
       <p:sp>
         <p:nvSpPr>
           <p:cNvPr id="26" name="Google Shape;26;p3"/>
-          <p:cNvSpPr txBox="1"/>
+          <p:cNvSpPr txBox="1">
+            <a:spLocks noGrp="1"/>
+          </p:cNvSpPr>
           <p:nvPr>
             <p:ph type="title"/>
           </p:nvPr>
@@ -3065,7 +3085,7 @@
           </a:prstGeom>
         </p:spPr>
         <p:txBody>
-          <a:bodyPr anchorCtr="0" anchor="ctr" bIns="91425" lIns="91425" spcFirstLastPara="1" rIns="91425" wrap="square" tIns="91425">
+          <a:bodyPr spcFirstLastPara="1" wrap="square" lIns="91425" tIns="91425" rIns="91425" bIns="91425" anchor="ctr" anchorCtr="0">
             <a:noAutofit/>
           </a:bodyPr>
           <a:lstStyle>
@@ -3232,15 +3252,19 @@
               </a:defRPr>
             </a:lvl9pPr>
           </a:lstStyle>
-          <a:p/>
+          <a:p>
+            <a:endParaRPr/>
+          </a:p>
         </p:txBody>
       </p:sp>
       <p:sp>
         <p:nvSpPr>
           <p:cNvPr id="27" name="Google Shape;27;p3"/>
-          <p:cNvSpPr txBox="1"/>
+          <p:cNvSpPr txBox="1">
+            <a:spLocks noGrp="1"/>
+          </p:cNvSpPr>
           <p:nvPr>
-            <p:ph idx="12" type="sldNum"/>
+            <p:ph type="sldNum" idx="12"/>
           </p:nvPr>
         </p:nvSpPr>
         <p:spPr>
@@ -3253,7 +3277,7 @@
           </a:prstGeom>
         </p:spPr>
         <p:txBody>
-          <a:bodyPr anchorCtr="0" anchor="ctr" bIns="91425" lIns="91425" spcFirstLastPara="1" rIns="91425" wrap="square" tIns="91425">
+          <a:bodyPr spcFirstLastPara="1" wrap="square" lIns="91425" tIns="91425" rIns="91425" bIns="91425" anchor="ctr" anchorCtr="0">
             <a:noAutofit/>
           </a:bodyPr>
           <a:lstStyle>
@@ -3295,7 +3319,7 @@
             </a:lvl9pPr>
           </a:lstStyle>
           <a:p>
-            <a:pPr indent="0" lvl="0" marL="0" rtl="0" algn="r">
+            <a:pPr marL="0" lvl="0" indent="0" algn="r" rtl="0">
               <a:spcBef>
                 <a:spcPts val="0"/>
               </a:spcBef>
@@ -3321,11 +3345,11 @@
 </file>
 
 <file path=ppt/slideLayouts/slideLayout3.xml><?xml version="1.0" encoding="utf-8"?>
-<p:sldLayout xmlns:a="http://schemas.openxmlformats.org/drawingml/2006/main" xmlns:r="http://schemas.openxmlformats.org/officeDocument/2006/relationships" xmlns:mc="http://schemas.openxmlformats.org/markup-compatibility/2006" xmlns:mv="urn:schemas-microsoft-com:mac:vml" xmlns:p="http://schemas.openxmlformats.org/presentationml/2006/main" xmlns:c="http://schemas.openxmlformats.org/drawingml/2006/chart" xmlns:dgm="http://schemas.openxmlformats.org/drawingml/2006/diagram" xmlns:o="urn:schemas-microsoft-com:office:office" xmlns:v="urn:schemas-microsoft-com:vml" xmlns:pvml="urn:schemas-microsoft-com:office:powerpoint" xmlns:com="http://schemas.openxmlformats.org/drawingml/2006/compatibility" xmlns:p14="http://schemas.microsoft.com/office/powerpoint/2010/main" xmlns:p15="http://schemas.microsoft.com/office/powerpoint/2012/main" xmlns:ahyp="http://schemas.microsoft.com/office/drawing/2018/hyperlinkcolor" matchingName="Title and body" type="tx">
+<p:sldLayout xmlns:a="http://schemas.openxmlformats.org/drawingml/2006/main" xmlns:r="http://schemas.openxmlformats.org/officeDocument/2006/relationships" xmlns:p="http://schemas.openxmlformats.org/presentationml/2006/main" matchingName="Title and body" type="tx">
   <p:cSld name="TITLE_AND_BODY">
     <p:spTree>
       <p:nvGrpSpPr>
-        <p:cNvPr id="28" name="Shape 28"/>
+        <p:cNvPr id="1" name="Shape 28"/>
         <p:cNvGrpSpPr/>
         <p:nvPr/>
       </p:nvGrpSpPr>
@@ -3373,12 +3397,12 @@
             </a:ln>
           </p:spPr>
           <p:txBody>
-            <a:bodyPr anchorCtr="0" anchor="ctr" bIns="91425" lIns="91425" spcFirstLastPara="1" rIns="91425" wrap="square" tIns="91425">
+            <a:bodyPr spcFirstLastPara="1" wrap="square" lIns="91425" tIns="91425" rIns="91425" bIns="91425" anchor="ctr" anchorCtr="0">
               <a:noAutofit/>
             </a:bodyPr>
             <a:lstStyle/>
             <a:p>
-              <a:pPr indent="0" lvl="0" marL="0" rtl="0" algn="l">
+              <a:pPr marL="0" lvl="0" indent="0" algn="l" rtl="0">
                 <a:spcBef>
                   <a:spcPts val="0"/>
                 </a:spcBef>
@@ -3387,9 +3411,6 @@
                 </a:spcAft>
                 <a:buNone/>
               </a:pPr>
-              <a:r>
-                <a:t/>
-              </a:r>
               <a:endParaRPr/>
             </a:p>
           </p:txBody>
@@ -3416,12 +3437,12 @@
             </a:ln>
           </p:spPr>
           <p:txBody>
-            <a:bodyPr anchorCtr="0" anchor="ctr" bIns="91425" lIns="91425" spcFirstLastPara="1" rIns="91425" wrap="square" tIns="91425">
+            <a:bodyPr spcFirstLastPara="1" wrap="square" lIns="91425" tIns="91425" rIns="91425" bIns="91425" anchor="ctr" anchorCtr="0">
               <a:noAutofit/>
             </a:bodyPr>
             <a:lstStyle/>
             <a:p>
-              <a:pPr indent="0" lvl="0" marL="0" rtl="0" algn="l">
+              <a:pPr marL="0" lvl="0" indent="0" algn="l" rtl="0">
                 <a:spcBef>
                   <a:spcPts val="0"/>
                 </a:spcBef>
@@ -3430,9 +3451,6 @@
                 </a:spcAft>
                 <a:buNone/>
               </a:pPr>
-              <a:r>
-                <a:t/>
-              </a:r>
               <a:endParaRPr/>
             </a:p>
           </p:txBody>
@@ -3459,12 +3477,12 @@
             </a:ln>
           </p:spPr>
           <p:txBody>
-            <a:bodyPr anchorCtr="0" anchor="ctr" bIns="91425" lIns="91425" spcFirstLastPara="1" rIns="91425" wrap="square" tIns="91425">
+            <a:bodyPr spcFirstLastPara="1" wrap="square" lIns="91425" tIns="91425" rIns="91425" bIns="91425" anchor="ctr" anchorCtr="0">
               <a:noAutofit/>
             </a:bodyPr>
             <a:lstStyle/>
             <a:p>
-              <a:pPr indent="0" lvl="0" marL="0" rtl="0" algn="l">
+              <a:pPr marL="0" lvl="0" indent="0" algn="l" rtl="0">
                 <a:spcBef>
                   <a:spcPts val="0"/>
                 </a:spcBef>
@@ -3473,9 +3491,6 @@
                 </a:spcAft>
                 <a:buNone/>
               </a:pPr>
-              <a:r>
-                <a:t/>
-              </a:r>
               <a:endParaRPr/>
             </a:p>
           </p:txBody>
@@ -3502,12 +3517,12 @@
             </a:ln>
           </p:spPr>
           <p:txBody>
-            <a:bodyPr anchorCtr="0" anchor="ctr" bIns="91425" lIns="91425" spcFirstLastPara="1" rIns="91425" wrap="square" tIns="91425">
+            <a:bodyPr spcFirstLastPara="1" wrap="square" lIns="91425" tIns="91425" rIns="91425" bIns="91425" anchor="ctr" anchorCtr="0">
               <a:noAutofit/>
             </a:bodyPr>
             <a:lstStyle/>
             <a:p>
-              <a:pPr indent="0" lvl="0" marL="0" rtl="0" algn="l">
+              <a:pPr marL="0" lvl="0" indent="0" algn="l" rtl="0">
                 <a:spcBef>
                   <a:spcPts val="0"/>
                 </a:spcBef>
@@ -3516,9 +3531,6 @@
                 </a:spcAft>
                 <a:buNone/>
               </a:pPr>
-              <a:r>
-                <a:t/>
-              </a:r>
               <a:endParaRPr/>
             </a:p>
           </p:txBody>
@@ -3545,12 +3557,12 @@
             </a:ln>
           </p:spPr>
           <p:txBody>
-            <a:bodyPr anchorCtr="0" anchor="ctr" bIns="91425" lIns="91425" spcFirstLastPara="1" rIns="91425" wrap="square" tIns="91425">
+            <a:bodyPr spcFirstLastPara="1" wrap="square" lIns="91425" tIns="91425" rIns="91425" bIns="91425" anchor="ctr" anchorCtr="0">
               <a:noAutofit/>
             </a:bodyPr>
             <a:lstStyle/>
             <a:p>
-              <a:pPr indent="0" lvl="0" marL="0" rtl="0" algn="l">
+              <a:pPr marL="0" lvl="0" indent="0" algn="l" rtl="0">
                 <a:spcBef>
                   <a:spcPts val="0"/>
                 </a:spcBef>
@@ -3559,9 +3571,6 @@
                 </a:spcAft>
                 <a:buNone/>
               </a:pPr>
-              <a:r>
-                <a:t/>
-              </a:r>
               <a:endParaRPr/>
             </a:p>
           </p:txBody>
@@ -3570,7 +3579,9 @@
       <p:sp>
         <p:nvSpPr>
           <p:cNvPr id="35" name="Google Shape;35;p4"/>
-          <p:cNvSpPr txBox="1"/>
+          <p:cNvSpPr txBox="1">
+            <a:spLocks noGrp="1"/>
+          </p:cNvSpPr>
           <p:nvPr>
             <p:ph type="title"/>
           </p:nvPr>
@@ -3585,7 +3596,7 @@
           </a:prstGeom>
         </p:spPr>
         <p:txBody>
-          <a:bodyPr anchorCtr="0" anchor="t" bIns="91425" lIns="91425" spcFirstLastPara="1" rIns="91425" wrap="square" tIns="91425">
+          <a:bodyPr spcFirstLastPara="1" wrap="square" lIns="91425" tIns="91425" rIns="91425" bIns="91425" anchor="t" anchorCtr="0">
             <a:noAutofit/>
           </a:bodyPr>
           <a:lstStyle>
@@ -3689,15 +3700,19 @@
               <a:defRPr/>
             </a:lvl9pPr>
           </a:lstStyle>
-          <a:p/>
+          <a:p>
+            <a:endParaRPr/>
+          </a:p>
         </p:txBody>
       </p:sp>
       <p:sp>
         <p:nvSpPr>
           <p:cNvPr id="36" name="Google Shape;36;p4"/>
-          <p:cNvSpPr txBox="1"/>
+          <p:cNvSpPr txBox="1">
+            <a:spLocks noGrp="1"/>
+          </p:cNvSpPr>
           <p:nvPr>
-            <p:ph idx="1" type="body"/>
+            <p:ph type="body" idx="1"/>
           </p:nvPr>
         </p:nvSpPr>
         <p:spPr>
@@ -3710,11 +3725,11 @@
           </a:prstGeom>
         </p:spPr>
         <p:txBody>
-          <a:bodyPr anchorCtr="0" anchor="t" bIns="91425" lIns="91425" spcFirstLastPara="1" rIns="91425" wrap="square" tIns="91425">
+          <a:bodyPr spcFirstLastPara="1" wrap="square" lIns="91425" tIns="91425" rIns="91425" bIns="91425" anchor="t" anchorCtr="0">
             <a:noAutofit/>
           </a:bodyPr>
           <a:lstStyle>
-            <a:lvl1pPr indent="-342900" lvl="0" marL="457200">
+            <a:lvl1pPr marL="457200" lvl="0" indent="-342900">
               <a:spcBef>
                 <a:spcPts val="0"/>
               </a:spcBef>
@@ -3725,7 +3740,7 @@
               <a:buChar char="●"/>
               <a:defRPr/>
             </a:lvl1pPr>
-            <a:lvl2pPr indent="-317500" lvl="1" marL="914400">
+            <a:lvl2pPr marL="914400" lvl="1" indent="-317500">
               <a:spcBef>
                 <a:spcPts val="1600"/>
               </a:spcBef>
@@ -3736,7 +3751,7 @@
               <a:buChar char="○"/>
               <a:defRPr/>
             </a:lvl2pPr>
-            <a:lvl3pPr indent="-317500" lvl="2" marL="1371600">
+            <a:lvl3pPr marL="1371600" lvl="2" indent="-317500">
               <a:spcBef>
                 <a:spcPts val="1600"/>
               </a:spcBef>
@@ -3747,7 +3762,7 @@
               <a:buChar char="■"/>
               <a:defRPr/>
             </a:lvl3pPr>
-            <a:lvl4pPr indent="-317500" lvl="3" marL="1828800">
+            <a:lvl4pPr marL="1828800" lvl="3" indent="-317500">
               <a:spcBef>
                 <a:spcPts val="1600"/>
               </a:spcBef>
@@ -3758,7 +3773,7 @@
               <a:buChar char="●"/>
               <a:defRPr/>
             </a:lvl4pPr>
-            <a:lvl5pPr indent="-317500" lvl="4" marL="2286000">
+            <a:lvl5pPr marL="2286000" lvl="4" indent="-317500">
               <a:spcBef>
                 <a:spcPts val="1600"/>
               </a:spcBef>
@@ -3769,7 +3784,7 @@
               <a:buChar char="○"/>
               <a:defRPr/>
             </a:lvl5pPr>
-            <a:lvl6pPr indent="-317500" lvl="5" marL="2743200">
+            <a:lvl6pPr marL="2743200" lvl="5" indent="-317500">
               <a:spcBef>
                 <a:spcPts val="1600"/>
               </a:spcBef>
@@ -3780,7 +3795,7 @@
               <a:buChar char="■"/>
               <a:defRPr/>
             </a:lvl6pPr>
-            <a:lvl7pPr indent="-317500" lvl="6" marL="3200400">
+            <a:lvl7pPr marL="3200400" lvl="6" indent="-317500">
               <a:spcBef>
                 <a:spcPts val="1600"/>
               </a:spcBef>
@@ -3791,7 +3806,7 @@
               <a:buChar char="●"/>
               <a:defRPr/>
             </a:lvl7pPr>
-            <a:lvl8pPr indent="-317500" lvl="7" marL="3657600">
+            <a:lvl8pPr marL="3657600" lvl="7" indent="-317500">
               <a:spcBef>
                 <a:spcPts val="1600"/>
               </a:spcBef>
@@ -3802,7 +3817,7 @@
               <a:buChar char="○"/>
               <a:defRPr/>
             </a:lvl8pPr>
-            <a:lvl9pPr indent="-317500" lvl="8" marL="4114800">
+            <a:lvl9pPr marL="4114800" lvl="8" indent="-317500">
               <a:spcBef>
                 <a:spcPts val="1600"/>
               </a:spcBef>
@@ -3814,15 +3829,19 @@
               <a:defRPr/>
             </a:lvl9pPr>
           </a:lstStyle>
-          <a:p/>
+          <a:p>
+            <a:endParaRPr/>
+          </a:p>
         </p:txBody>
       </p:sp>
       <p:sp>
         <p:nvSpPr>
           <p:cNvPr id="37" name="Google Shape;37;p4"/>
-          <p:cNvSpPr txBox="1"/>
+          <p:cNvSpPr txBox="1">
+            <a:spLocks noGrp="1"/>
+          </p:cNvSpPr>
           <p:nvPr>
-            <p:ph idx="12" type="sldNum"/>
+            <p:ph type="sldNum" idx="12"/>
           </p:nvPr>
         </p:nvSpPr>
         <p:spPr>
@@ -3835,7 +3854,7 @@
           </a:prstGeom>
         </p:spPr>
         <p:txBody>
-          <a:bodyPr anchorCtr="0" anchor="ctr" bIns="91425" lIns="91425" spcFirstLastPara="1" rIns="91425" wrap="square" tIns="91425">
+          <a:bodyPr spcFirstLastPara="1" wrap="square" lIns="91425" tIns="91425" rIns="91425" bIns="91425" anchor="ctr" anchorCtr="0">
             <a:noAutofit/>
           </a:bodyPr>
           <a:lstStyle>
@@ -3877,7 +3896,7 @@
             </a:lvl9pPr>
           </a:lstStyle>
           <a:p>
-            <a:pPr indent="0" lvl="0" marL="0" rtl="0" algn="r">
+            <a:pPr marL="0" lvl="0" indent="0" algn="r" rtl="0">
               <a:spcBef>
                 <a:spcPts val="0"/>
               </a:spcBef>
@@ -3903,11 +3922,11 @@
 </file>
 
 <file path=ppt/slideLayouts/slideLayout4.xml><?xml version="1.0" encoding="utf-8"?>
-<p:sldLayout xmlns:a="http://schemas.openxmlformats.org/drawingml/2006/main" xmlns:r="http://schemas.openxmlformats.org/officeDocument/2006/relationships" xmlns:mc="http://schemas.openxmlformats.org/markup-compatibility/2006" xmlns:mv="urn:schemas-microsoft-com:mac:vml" xmlns:p="http://schemas.openxmlformats.org/presentationml/2006/main" xmlns:c="http://schemas.openxmlformats.org/drawingml/2006/chart" xmlns:dgm="http://schemas.openxmlformats.org/drawingml/2006/diagram" xmlns:o="urn:schemas-microsoft-com:office:office" xmlns:v="urn:schemas-microsoft-com:vml" xmlns:pvml="urn:schemas-microsoft-com:office:powerpoint" xmlns:com="http://schemas.openxmlformats.org/drawingml/2006/compatibility" xmlns:p14="http://schemas.microsoft.com/office/powerpoint/2010/main" xmlns:p15="http://schemas.microsoft.com/office/powerpoint/2012/main" xmlns:ahyp="http://schemas.microsoft.com/office/drawing/2018/hyperlinkcolor" matchingName="Title and two columns" type="twoColTx">
+<p:sldLayout xmlns:a="http://schemas.openxmlformats.org/drawingml/2006/main" xmlns:r="http://schemas.openxmlformats.org/officeDocument/2006/relationships" xmlns:p="http://schemas.openxmlformats.org/presentationml/2006/main" matchingName="Title and two columns" type="twoColTx">
   <p:cSld name="TITLE_AND_TWO_COLUMNS">
     <p:spTree>
       <p:nvGrpSpPr>
-        <p:cNvPr id="38" name="Shape 38"/>
+        <p:cNvPr id="1" name="Shape 38"/>
         <p:cNvGrpSpPr/>
         <p:nvPr/>
       </p:nvGrpSpPr>
@@ -3922,7 +3941,9 @@
       <p:sp>
         <p:nvSpPr>
           <p:cNvPr id="39" name="Google Shape;39;p5"/>
-          <p:cNvSpPr txBox="1"/>
+          <p:cNvSpPr txBox="1">
+            <a:spLocks noGrp="1"/>
+          </p:cNvSpPr>
           <p:nvPr>
             <p:ph type="title"/>
           </p:nvPr>
@@ -3937,7 +3958,7 @@
           </a:prstGeom>
         </p:spPr>
         <p:txBody>
-          <a:bodyPr anchorCtr="0" anchor="t" bIns="91425" lIns="91425" spcFirstLastPara="1" rIns="91425" wrap="square" tIns="91425">
+          <a:bodyPr spcFirstLastPara="1" wrap="square" lIns="91425" tIns="91425" rIns="91425" bIns="91425" anchor="t" anchorCtr="0">
             <a:noAutofit/>
           </a:bodyPr>
           <a:lstStyle>
@@ -4041,15 +4062,19 @@
               <a:defRPr/>
             </a:lvl9pPr>
           </a:lstStyle>
-          <a:p/>
+          <a:p>
+            <a:endParaRPr/>
+          </a:p>
         </p:txBody>
       </p:sp>
       <p:sp>
         <p:nvSpPr>
           <p:cNvPr id="40" name="Google Shape;40;p5"/>
-          <p:cNvSpPr txBox="1"/>
+          <p:cNvSpPr txBox="1">
+            <a:spLocks noGrp="1"/>
+          </p:cNvSpPr>
           <p:nvPr>
-            <p:ph idx="1" type="body"/>
+            <p:ph type="body" idx="1"/>
           </p:nvPr>
         </p:nvSpPr>
         <p:spPr>
@@ -4062,11 +4087,11 @@
           </a:prstGeom>
         </p:spPr>
         <p:txBody>
-          <a:bodyPr anchorCtr="0" anchor="t" bIns="91425" lIns="91425" spcFirstLastPara="1" rIns="91425" wrap="square" tIns="91425">
+          <a:bodyPr spcFirstLastPara="1" wrap="square" lIns="91425" tIns="91425" rIns="91425" bIns="91425" anchor="t" anchorCtr="0">
             <a:noAutofit/>
           </a:bodyPr>
           <a:lstStyle>
-            <a:lvl1pPr indent="-317500" lvl="0" marL="457200">
+            <a:lvl1pPr marL="457200" lvl="0" indent="-317500">
               <a:spcBef>
                 <a:spcPts val="0"/>
               </a:spcBef>
@@ -4077,7 +4102,7 @@
               <a:buChar char="●"/>
               <a:defRPr sz="1400"/>
             </a:lvl1pPr>
-            <a:lvl2pPr indent="-304800" lvl="1" marL="914400">
+            <a:lvl2pPr marL="914400" lvl="1" indent="-304800">
               <a:spcBef>
                 <a:spcPts val="1600"/>
               </a:spcBef>
@@ -4088,7 +4113,7 @@
               <a:buChar char="○"/>
               <a:defRPr sz="1200"/>
             </a:lvl2pPr>
-            <a:lvl3pPr indent="-304800" lvl="2" marL="1371600">
+            <a:lvl3pPr marL="1371600" lvl="2" indent="-304800">
               <a:spcBef>
                 <a:spcPts val="1600"/>
               </a:spcBef>
@@ -4099,7 +4124,7 @@
               <a:buChar char="■"/>
               <a:defRPr sz="1200"/>
             </a:lvl3pPr>
-            <a:lvl4pPr indent="-304800" lvl="3" marL="1828800">
+            <a:lvl4pPr marL="1828800" lvl="3" indent="-304800">
               <a:spcBef>
                 <a:spcPts val="1600"/>
               </a:spcBef>
@@ -4110,7 +4135,7 @@
               <a:buChar char="●"/>
               <a:defRPr sz="1200"/>
             </a:lvl4pPr>
-            <a:lvl5pPr indent="-304800" lvl="4" marL="2286000">
+            <a:lvl5pPr marL="2286000" lvl="4" indent="-304800">
               <a:spcBef>
                 <a:spcPts val="1600"/>
               </a:spcBef>
@@ -4121,7 +4146,7 @@
               <a:buChar char="○"/>
               <a:defRPr sz="1200"/>
             </a:lvl5pPr>
-            <a:lvl6pPr indent="-304800" lvl="5" marL="2743200">
+            <a:lvl6pPr marL="2743200" lvl="5" indent="-304800">
               <a:spcBef>
                 <a:spcPts val="1600"/>
               </a:spcBef>
@@ -4132,7 +4157,7 @@
               <a:buChar char="■"/>
               <a:defRPr sz="1200"/>
             </a:lvl6pPr>
-            <a:lvl7pPr indent="-304800" lvl="6" marL="3200400">
+            <a:lvl7pPr marL="3200400" lvl="6" indent="-304800">
               <a:spcBef>
                 <a:spcPts val="1600"/>
               </a:spcBef>
@@ -4143,7 +4168,7 @@
               <a:buChar char="●"/>
               <a:defRPr sz="1200"/>
             </a:lvl7pPr>
-            <a:lvl8pPr indent="-304800" lvl="7" marL="3657600">
+            <a:lvl8pPr marL="3657600" lvl="7" indent="-304800">
               <a:spcBef>
                 <a:spcPts val="1600"/>
               </a:spcBef>
@@ -4154,7 +4179,7 @@
               <a:buChar char="○"/>
               <a:defRPr sz="1200"/>
             </a:lvl8pPr>
-            <a:lvl9pPr indent="-304800" lvl="8" marL="4114800">
+            <a:lvl9pPr marL="4114800" lvl="8" indent="-304800">
               <a:spcBef>
                 <a:spcPts val="1600"/>
               </a:spcBef>
@@ -4166,15 +4191,19 @@
               <a:defRPr sz="1200"/>
             </a:lvl9pPr>
           </a:lstStyle>
-          <a:p/>
+          <a:p>
+            <a:endParaRPr/>
+          </a:p>
         </p:txBody>
       </p:sp>
       <p:sp>
         <p:nvSpPr>
           <p:cNvPr id="41" name="Google Shape;41;p5"/>
-          <p:cNvSpPr txBox="1"/>
+          <p:cNvSpPr txBox="1">
+            <a:spLocks noGrp="1"/>
+          </p:cNvSpPr>
           <p:nvPr>
-            <p:ph idx="2" type="body"/>
+            <p:ph type="body" idx="2"/>
           </p:nvPr>
         </p:nvSpPr>
         <p:spPr>
@@ -4187,11 +4216,11 @@
           </a:prstGeom>
         </p:spPr>
         <p:txBody>
-          <a:bodyPr anchorCtr="0" anchor="t" bIns="91425" lIns="91425" spcFirstLastPara="1" rIns="91425" wrap="square" tIns="91425">
+          <a:bodyPr spcFirstLastPara="1" wrap="square" lIns="91425" tIns="91425" rIns="91425" bIns="91425" anchor="t" anchorCtr="0">
             <a:noAutofit/>
           </a:bodyPr>
           <a:lstStyle>
-            <a:lvl1pPr indent="-317500" lvl="0" marL="457200">
+            <a:lvl1pPr marL="457200" lvl="0" indent="-317500">
               <a:spcBef>
                 <a:spcPts val="0"/>
               </a:spcBef>
@@ -4202,7 +4231,7 @@
               <a:buChar char="●"/>
               <a:defRPr sz="1400"/>
             </a:lvl1pPr>
-            <a:lvl2pPr indent="-304800" lvl="1" marL="914400">
+            <a:lvl2pPr marL="914400" lvl="1" indent="-304800">
               <a:spcBef>
                 <a:spcPts val="1600"/>
               </a:spcBef>
@@ -4213,7 +4242,7 @@
               <a:buChar char="○"/>
               <a:defRPr sz="1200"/>
             </a:lvl2pPr>
-            <a:lvl3pPr indent="-304800" lvl="2" marL="1371600">
+            <a:lvl3pPr marL="1371600" lvl="2" indent="-304800">
               <a:spcBef>
                 <a:spcPts val="1600"/>
               </a:spcBef>
@@ -4224,7 +4253,7 @@
               <a:buChar char="■"/>
               <a:defRPr sz="1200"/>
             </a:lvl3pPr>
-            <a:lvl4pPr indent="-304800" lvl="3" marL="1828800">
+            <a:lvl4pPr marL="1828800" lvl="3" indent="-304800">
               <a:spcBef>
                 <a:spcPts val="1600"/>
               </a:spcBef>
@@ -4235,7 +4264,7 @@
               <a:buChar char="●"/>
               <a:defRPr sz="1200"/>
             </a:lvl4pPr>
-            <a:lvl5pPr indent="-304800" lvl="4" marL="2286000">
+            <a:lvl5pPr marL="2286000" lvl="4" indent="-304800">
               <a:spcBef>
                 <a:spcPts val="1600"/>
               </a:spcBef>
@@ -4246,7 +4275,7 @@
               <a:buChar char="○"/>
               <a:defRPr sz="1200"/>
             </a:lvl5pPr>
-            <a:lvl6pPr indent="-304800" lvl="5" marL="2743200">
+            <a:lvl6pPr marL="2743200" lvl="5" indent="-304800">
               <a:spcBef>
                 <a:spcPts val="1600"/>
               </a:spcBef>
@@ -4257,7 +4286,7 @@
               <a:buChar char="■"/>
               <a:defRPr sz="1200"/>
             </a:lvl6pPr>
-            <a:lvl7pPr indent="-304800" lvl="6" marL="3200400">
+            <a:lvl7pPr marL="3200400" lvl="6" indent="-304800">
               <a:spcBef>
                 <a:spcPts val="1600"/>
               </a:spcBef>
@@ -4268,7 +4297,7 @@
               <a:buChar char="●"/>
               <a:defRPr sz="1200"/>
             </a:lvl7pPr>
-            <a:lvl8pPr indent="-304800" lvl="7" marL="3657600">
+            <a:lvl8pPr marL="3657600" lvl="7" indent="-304800">
               <a:spcBef>
                 <a:spcPts val="1600"/>
               </a:spcBef>
@@ -4279,7 +4308,7 @@
               <a:buChar char="○"/>
               <a:defRPr sz="1200"/>
             </a:lvl8pPr>
-            <a:lvl9pPr indent="-304800" lvl="8" marL="4114800">
+            <a:lvl9pPr marL="4114800" lvl="8" indent="-304800">
               <a:spcBef>
                 <a:spcPts val="1600"/>
               </a:spcBef>
@@ -4291,15 +4320,19 @@
               <a:defRPr sz="1200"/>
             </a:lvl9pPr>
           </a:lstStyle>
-          <a:p/>
+          <a:p>
+            <a:endParaRPr/>
+          </a:p>
         </p:txBody>
       </p:sp>
       <p:sp>
         <p:nvSpPr>
           <p:cNvPr id="42" name="Google Shape;42;p5"/>
-          <p:cNvSpPr txBox="1"/>
+          <p:cNvSpPr txBox="1">
+            <a:spLocks noGrp="1"/>
+          </p:cNvSpPr>
           <p:nvPr>
-            <p:ph idx="12" type="sldNum"/>
+            <p:ph type="sldNum" idx="12"/>
           </p:nvPr>
         </p:nvSpPr>
         <p:spPr>
@@ -4312,7 +4345,7 @@
           </a:prstGeom>
         </p:spPr>
         <p:txBody>
-          <a:bodyPr anchorCtr="0" anchor="ctr" bIns="91425" lIns="91425" spcFirstLastPara="1" rIns="91425" wrap="square" tIns="91425">
+          <a:bodyPr spcFirstLastPara="1" wrap="square" lIns="91425" tIns="91425" rIns="91425" bIns="91425" anchor="ctr" anchorCtr="0">
             <a:noAutofit/>
           </a:bodyPr>
           <a:lstStyle>
@@ -4390,7 +4423,7 @@
             </a:lvl9pPr>
           </a:lstStyle>
           <a:p>
-            <a:pPr indent="0" lvl="0" marL="0" rtl="0" algn="r">
+            <a:pPr marL="0" lvl="0" indent="0" algn="r" rtl="0">
               <a:spcBef>
                 <a:spcPts val="0"/>
               </a:spcBef>
@@ -4416,11 +4449,11 @@
 </file>
 
 <file path=ppt/slideLayouts/slideLayout5.xml><?xml version="1.0" encoding="utf-8"?>
-<p:sldLayout xmlns:a="http://schemas.openxmlformats.org/drawingml/2006/main" xmlns:r="http://schemas.openxmlformats.org/officeDocument/2006/relationships" xmlns:mc="http://schemas.openxmlformats.org/markup-compatibility/2006" xmlns:mv="urn:schemas-microsoft-com:mac:vml" xmlns:p="http://schemas.openxmlformats.org/presentationml/2006/main" xmlns:c="http://schemas.openxmlformats.org/drawingml/2006/chart" xmlns:dgm="http://schemas.openxmlformats.org/drawingml/2006/diagram" xmlns:o="urn:schemas-microsoft-com:office:office" xmlns:v="urn:schemas-microsoft-com:vml" xmlns:pvml="urn:schemas-microsoft-com:office:powerpoint" xmlns:com="http://schemas.openxmlformats.org/drawingml/2006/compatibility" xmlns:p14="http://schemas.microsoft.com/office/powerpoint/2010/main" xmlns:p15="http://schemas.microsoft.com/office/powerpoint/2012/main" xmlns:ahyp="http://schemas.microsoft.com/office/drawing/2018/hyperlinkcolor" matchingName="Title only" type="titleOnly">
+<p:sldLayout xmlns:a="http://schemas.openxmlformats.org/drawingml/2006/main" xmlns:r="http://schemas.openxmlformats.org/officeDocument/2006/relationships" xmlns:p="http://schemas.openxmlformats.org/presentationml/2006/main" matchingName="Title only" type="titleOnly">
   <p:cSld name="TITLE_ONLY">
     <p:spTree>
       <p:nvGrpSpPr>
-        <p:cNvPr id="43" name="Shape 43"/>
+        <p:cNvPr id="1" name="Shape 43"/>
         <p:cNvGrpSpPr/>
         <p:nvPr/>
       </p:nvGrpSpPr>
@@ -4435,7 +4468,9 @@
       <p:sp>
         <p:nvSpPr>
           <p:cNvPr id="44" name="Google Shape;44;p6"/>
-          <p:cNvSpPr txBox="1"/>
+          <p:cNvSpPr txBox="1">
+            <a:spLocks noGrp="1"/>
+          </p:cNvSpPr>
           <p:nvPr>
             <p:ph type="title"/>
           </p:nvPr>
@@ -4450,7 +4485,7 @@
           </a:prstGeom>
         </p:spPr>
         <p:txBody>
-          <a:bodyPr anchorCtr="0" anchor="t" bIns="91425" lIns="91425" spcFirstLastPara="1" rIns="91425" wrap="square" tIns="91425">
+          <a:bodyPr spcFirstLastPara="1" wrap="square" lIns="91425" tIns="91425" rIns="91425" bIns="91425" anchor="t" anchorCtr="0">
             <a:noAutofit/>
           </a:bodyPr>
           <a:lstStyle>
@@ -4554,15 +4589,19 @@
               <a:defRPr/>
             </a:lvl9pPr>
           </a:lstStyle>
-          <a:p/>
+          <a:p>
+            <a:endParaRPr/>
+          </a:p>
         </p:txBody>
       </p:sp>
       <p:sp>
         <p:nvSpPr>
           <p:cNvPr id="45" name="Google Shape;45;p6"/>
-          <p:cNvSpPr txBox="1"/>
+          <p:cNvSpPr txBox="1">
+            <a:spLocks noGrp="1"/>
+          </p:cNvSpPr>
           <p:nvPr>
-            <p:ph idx="12" type="sldNum"/>
+            <p:ph type="sldNum" idx="12"/>
           </p:nvPr>
         </p:nvSpPr>
         <p:spPr>
@@ -4575,7 +4614,7 @@
           </a:prstGeom>
         </p:spPr>
         <p:txBody>
-          <a:bodyPr anchorCtr="0" anchor="ctr" bIns="91425" lIns="91425" spcFirstLastPara="1" rIns="91425" wrap="square" tIns="91425">
+          <a:bodyPr spcFirstLastPara="1" wrap="square" lIns="91425" tIns="91425" rIns="91425" bIns="91425" anchor="ctr" anchorCtr="0">
             <a:noAutofit/>
           </a:bodyPr>
           <a:lstStyle>
@@ -4653,7 +4692,7 @@
             </a:lvl9pPr>
           </a:lstStyle>
           <a:p>
-            <a:pPr indent="0" lvl="0" marL="0" rtl="0" algn="r">
+            <a:pPr marL="0" lvl="0" indent="0" algn="r" rtl="0">
               <a:spcBef>
                 <a:spcPts val="0"/>
               </a:spcBef>
@@ -4679,11 +4718,11 @@
 </file>
 
 <file path=ppt/slideLayouts/slideLayout6.xml><?xml version="1.0" encoding="utf-8"?>
-<p:sldLayout xmlns:a="http://schemas.openxmlformats.org/drawingml/2006/main" xmlns:r="http://schemas.openxmlformats.org/officeDocument/2006/relationships" xmlns:mc="http://schemas.openxmlformats.org/markup-compatibility/2006" xmlns:mv="urn:schemas-microsoft-com:mac:vml" xmlns:p="http://schemas.openxmlformats.org/presentationml/2006/main" xmlns:c="http://schemas.openxmlformats.org/drawingml/2006/chart" xmlns:dgm="http://schemas.openxmlformats.org/drawingml/2006/diagram" xmlns:o="urn:schemas-microsoft-com:office:office" xmlns:v="urn:schemas-microsoft-com:vml" xmlns:pvml="urn:schemas-microsoft-com:office:powerpoint" xmlns:com="http://schemas.openxmlformats.org/drawingml/2006/compatibility" xmlns:p14="http://schemas.microsoft.com/office/powerpoint/2010/main" xmlns:p15="http://schemas.microsoft.com/office/powerpoint/2012/main" xmlns:ahyp="http://schemas.microsoft.com/office/drawing/2018/hyperlinkcolor" matchingName="One column text">
+<p:sldLayout xmlns:a="http://schemas.openxmlformats.org/drawingml/2006/main" xmlns:r="http://schemas.openxmlformats.org/officeDocument/2006/relationships" xmlns:p="http://schemas.openxmlformats.org/presentationml/2006/main" matchingName="One column text">
   <p:cSld name="ONE_COLUMN_TEXT">
     <p:spTree>
       <p:nvGrpSpPr>
-        <p:cNvPr id="46" name="Shape 46"/>
+        <p:cNvPr id="1" name="Shape 46"/>
         <p:cNvGrpSpPr/>
         <p:nvPr/>
       </p:nvGrpSpPr>
@@ -4698,7 +4737,9 @@
       <p:sp>
         <p:nvSpPr>
           <p:cNvPr id="47" name="Google Shape;47;p7"/>
-          <p:cNvSpPr txBox="1"/>
+          <p:cNvSpPr txBox="1">
+            <a:spLocks noGrp="1"/>
+          </p:cNvSpPr>
           <p:nvPr>
             <p:ph type="title"/>
           </p:nvPr>
@@ -4713,7 +4754,7 @@
           </a:prstGeom>
         </p:spPr>
         <p:txBody>
-          <a:bodyPr anchorCtr="0" anchor="b" bIns="91425" lIns="91425" spcFirstLastPara="1" rIns="91425" wrap="square" tIns="91425">
+          <a:bodyPr spcFirstLastPara="1" wrap="square" lIns="91425" tIns="91425" rIns="91425" bIns="91425" anchor="b" anchorCtr="0">
             <a:noAutofit/>
           </a:bodyPr>
           <a:lstStyle>
@@ -4817,15 +4858,19 @@
               <a:defRPr sz="2400"/>
             </a:lvl9pPr>
           </a:lstStyle>
-          <a:p/>
+          <a:p>
+            <a:endParaRPr/>
+          </a:p>
         </p:txBody>
       </p:sp>
       <p:sp>
         <p:nvSpPr>
           <p:cNvPr id="48" name="Google Shape;48;p7"/>
-          <p:cNvSpPr txBox="1"/>
+          <p:cNvSpPr txBox="1">
+            <a:spLocks noGrp="1"/>
+          </p:cNvSpPr>
           <p:nvPr>
-            <p:ph idx="1" type="body"/>
+            <p:ph type="body" idx="1"/>
           </p:nvPr>
         </p:nvSpPr>
         <p:spPr>
@@ -4838,11 +4883,11 @@
           </a:prstGeom>
         </p:spPr>
         <p:txBody>
-          <a:bodyPr anchorCtr="0" anchor="t" bIns="91425" lIns="91425" spcFirstLastPara="1" rIns="91425" wrap="square" tIns="91425">
+          <a:bodyPr spcFirstLastPara="1" wrap="square" lIns="91425" tIns="91425" rIns="91425" bIns="91425" anchor="t" anchorCtr="0">
             <a:noAutofit/>
           </a:bodyPr>
           <a:lstStyle>
-            <a:lvl1pPr indent="-304800" lvl="0" marL="457200">
+            <a:lvl1pPr marL="457200" lvl="0" indent="-304800">
               <a:spcBef>
                 <a:spcPts val="0"/>
               </a:spcBef>
@@ -4853,7 +4898,7 @@
               <a:buChar char="●"/>
               <a:defRPr sz="1200"/>
             </a:lvl1pPr>
-            <a:lvl2pPr indent="-304800" lvl="1" marL="914400">
+            <a:lvl2pPr marL="914400" lvl="1" indent="-304800">
               <a:spcBef>
                 <a:spcPts val="1600"/>
               </a:spcBef>
@@ -4864,7 +4909,7 @@
               <a:buChar char="○"/>
               <a:defRPr sz="1200"/>
             </a:lvl2pPr>
-            <a:lvl3pPr indent="-304800" lvl="2" marL="1371600">
+            <a:lvl3pPr marL="1371600" lvl="2" indent="-304800">
               <a:spcBef>
                 <a:spcPts val="1600"/>
               </a:spcBef>
@@ -4875,7 +4920,7 @@
               <a:buChar char="■"/>
               <a:defRPr sz="1200"/>
             </a:lvl3pPr>
-            <a:lvl4pPr indent="-304800" lvl="3" marL="1828800">
+            <a:lvl4pPr marL="1828800" lvl="3" indent="-304800">
               <a:spcBef>
                 <a:spcPts val="1600"/>
               </a:spcBef>
@@ -4886,7 +4931,7 @@
               <a:buChar char="●"/>
               <a:defRPr sz="1200"/>
             </a:lvl4pPr>
-            <a:lvl5pPr indent="-304800" lvl="4" marL="2286000">
+            <a:lvl5pPr marL="2286000" lvl="4" indent="-304800">
               <a:spcBef>
                 <a:spcPts val="1600"/>
               </a:spcBef>
@@ -4897,7 +4942,7 @@
               <a:buChar char="○"/>
               <a:defRPr sz="1200"/>
             </a:lvl5pPr>
-            <a:lvl6pPr indent="-304800" lvl="5" marL="2743200">
+            <a:lvl6pPr marL="2743200" lvl="5" indent="-304800">
               <a:spcBef>
                 <a:spcPts val="1600"/>
               </a:spcBef>
@@ -4908,7 +4953,7 @@
               <a:buChar char="■"/>
               <a:defRPr sz="1200"/>
             </a:lvl6pPr>
-            <a:lvl7pPr indent="-304800" lvl="6" marL="3200400">
+            <a:lvl7pPr marL="3200400" lvl="6" indent="-304800">
               <a:spcBef>
                 <a:spcPts val="1600"/>
               </a:spcBef>
@@ -4919,7 +4964,7 @@
               <a:buChar char="●"/>
               <a:defRPr sz="1200"/>
             </a:lvl7pPr>
-            <a:lvl8pPr indent="-304800" lvl="7" marL="3657600">
+            <a:lvl8pPr marL="3657600" lvl="7" indent="-304800">
               <a:spcBef>
                 <a:spcPts val="1600"/>
               </a:spcBef>
@@ -4930,7 +4975,7 @@
               <a:buChar char="○"/>
               <a:defRPr sz="1200"/>
             </a:lvl8pPr>
-            <a:lvl9pPr indent="-304800" lvl="8" marL="4114800">
+            <a:lvl9pPr marL="4114800" lvl="8" indent="-304800">
               <a:spcBef>
                 <a:spcPts val="1600"/>
               </a:spcBef>
@@ -4942,15 +4987,19 @@
               <a:defRPr sz="1200"/>
             </a:lvl9pPr>
           </a:lstStyle>
-          <a:p/>
+          <a:p>
+            <a:endParaRPr/>
+          </a:p>
         </p:txBody>
       </p:sp>
       <p:sp>
         <p:nvSpPr>
           <p:cNvPr id="49" name="Google Shape;49;p7"/>
-          <p:cNvSpPr txBox="1"/>
+          <p:cNvSpPr txBox="1">
+            <a:spLocks noGrp="1"/>
+          </p:cNvSpPr>
           <p:nvPr>
-            <p:ph idx="12" type="sldNum"/>
+            <p:ph type="sldNum" idx="12"/>
           </p:nvPr>
         </p:nvSpPr>
         <p:spPr>
@@ -4963,7 +5012,7 @@
           </a:prstGeom>
         </p:spPr>
         <p:txBody>
-          <a:bodyPr anchorCtr="0" anchor="ctr" bIns="91425" lIns="91425" spcFirstLastPara="1" rIns="91425" wrap="square" tIns="91425">
+          <a:bodyPr spcFirstLastPara="1" wrap="square" lIns="91425" tIns="91425" rIns="91425" bIns="91425" anchor="ctr" anchorCtr="0">
             <a:noAutofit/>
           </a:bodyPr>
           <a:lstStyle>
@@ -5041,7 +5090,7 @@
             </a:lvl9pPr>
           </a:lstStyle>
           <a:p>
-            <a:pPr indent="0" lvl="0" marL="0" rtl="0" algn="r">
+            <a:pPr marL="0" lvl="0" indent="0" algn="r" rtl="0">
               <a:spcBef>
                 <a:spcPts val="0"/>
               </a:spcBef>
@@ -5067,18 +5116,19 @@
 </file>
 
 <file path=ppt/slideLayouts/slideLayout7.xml><?xml version="1.0" encoding="utf-8"?>
-<p:sldLayout xmlns:a="http://schemas.openxmlformats.org/drawingml/2006/main" xmlns:r="http://schemas.openxmlformats.org/officeDocument/2006/relationships" xmlns:mc="http://schemas.openxmlformats.org/markup-compatibility/2006" xmlns:mv="urn:schemas-microsoft-com:mac:vml" xmlns:p="http://schemas.openxmlformats.org/presentationml/2006/main" xmlns:c="http://schemas.openxmlformats.org/drawingml/2006/chart" xmlns:dgm="http://schemas.openxmlformats.org/drawingml/2006/diagram" xmlns:o="urn:schemas-microsoft-com:office:office" xmlns:v="urn:schemas-microsoft-com:vml" xmlns:pvml="urn:schemas-microsoft-com:office:powerpoint" xmlns:com="http://schemas.openxmlformats.org/drawingml/2006/compatibility" xmlns:p14="http://schemas.microsoft.com/office/powerpoint/2010/main" xmlns:p15="http://schemas.microsoft.com/office/powerpoint/2012/main" xmlns:ahyp="http://schemas.microsoft.com/office/drawing/2018/hyperlinkcolor" matchingName="Main point">
+<p:sldLayout xmlns:a="http://schemas.openxmlformats.org/drawingml/2006/main" xmlns:r="http://schemas.openxmlformats.org/officeDocument/2006/relationships" xmlns:p="http://schemas.openxmlformats.org/presentationml/2006/main" matchingName="Main point">
   <p:cSld name="MAIN_POINT">
     <p:bg>
       <p:bgPr>
         <a:solidFill>
           <a:schemeClr val="accent4"/>
         </a:solidFill>
+        <a:effectLst/>
       </p:bgPr>
     </p:bg>
     <p:spTree>
       <p:nvGrpSpPr>
-        <p:cNvPr id="50" name="Shape 50"/>
+        <p:cNvPr id="1" name="Shape 50"/>
         <p:cNvGrpSpPr/>
         <p:nvPr/>
       </p:nvGrpSpPr>
@@ -5126,12 +5176,12 @@
             </a:ln>
           </p:spPr>
           <p:txBody>
-            <a:bodyPr anchorCtr="0" anchor="ctr" bIns="91425" lIns="91425" spcFirstLastPara="1" rIns="91425" wrap="square" tIns="91425">
+            <a:bodyPr spcFirstLastPara="1" wrap="square" lIns="91425" tIns="91425" rIns="91425" bIns="91425" anchor="ctr" anchorCtr="0">
               <a:noAutofit/>
             </a:bodyPr>
             <a:lstStyle/>
             <a:p>
-              <a:pPr indent="0" lvl="0" marL="0" rtl="0" algn="l">
+              <a:pPr marL="0" lvl="0" indent="0" algn="l" rtl="0">
                 <a:spcBef>
                   <a:spcPts val="0"/>
                 </a:spcBef>
@@ -5140,9 +5190,6 @@
                 </a:spcAft>
                 <a:buNone/>
               </a:pPr>
-              <a:r>
-                <a:t/>
-              </a:r>
               <a:endParaRPr/>
             </a:p>
           </p:txBody>
@@ -5169,12 +5216,12 @@
             </a:ln>
           </p:spPr>
           <p:txBody>
-            <a:bodyPr anchorCtr="0" anchor="ctr" bIns="91425" lIns="91425" spcFirstLastPara="1" rIns="91425" wrap="square" tIns="91425">
+            <a:bodyPr spcFirstLastPara="1" wrap="square" lIns="91425" tIns="91425" rIns="91425" bIns="91425" anchor="ctr" anchorCtr="0">
               <a:noAutofit/>
             </a:bodyPr>
             <a:lstStyle/>
             <a:p>
-              <a:pPr indent="0" lvl="0" marL="0" rtl="0" algn="l">
+              <a:pPr marL="0" lvl="0" indent="0" algn="l" rtl="0">
                 <a:spcBef>
                   <a:spcPts val="0"/>
                 </a:spcBef>
@@ -5183,9 +5230,6 @@
                 </a:spcAft>
                 <a:buNone/>
               </a:pPr>
-              <a:r>
-                <a:t/>
-              </a:r>
               <a:endParaRPr/>
             </a:p>
           </p:txBody>
@@ -5197,7 +5241,7 @@
             <p:nvPr/>
           </p:nvSpPr>
           <p:spPr>
-            <a:xfrm flipH="1" rot="10800000">
+            <a:xfrm rot="10800000" flipH="1">
               <a:off x="7113588" y="107"/>
               <a:ext cx="1015200" cy="1015200"/>
             </a:xfrm>
@@ -5212,12 +5256,12 @@
             </a:ln>
           </p:spPr>
           <p:txBody>
-            <a:bodyPr anchorCtr="0" anchor="ctr" bIns="91425" lIns="91425" spcFirstLastPara="1" rIns="91425" wrap="square" tIns="91425">
+            <a:bodyPr spcFirstLastPara="1" wrap="square" lIns="91425" tIns="91425" rIns="91425" bIns="91425" anchor="ctr" anchorCtr="0">
               <a:noAutofit/>
             </a:bodyPr>
             <a:lstStyle/>
             <a:p>
-              <a:pPr indent="0" lvl="0" marL="0" rtl="0" algn="l">
+              <a:pPr marL="0" lvl="0" indent="0" algn="l" rtl="0">
                 <a:spcBef>
                   <a:spcPts val="0"/>
                 </a:spcBef>
@@ -5226,9 +5270,6 @@
                 </a:spcAft>
                 <a:buNone/>
               </a:pPr>
-              <a:r>
-                <a:t/>
-              </a:r>
               <a:endParaRPr/>
             </a:p>
           </p:txBody>
@@ -5255,12 +5296,12 @@
             </a:ln>
           </p:spPr>
           <p:txBody>
-            <a:bodyPr anchorCtr="0" anchor="ctr" bIns="91425" lIns="91425" spcFirstLastPara="1" rIns="91425" wrap="square" tIns="91425">
+            <a:bodyPr spcFirstLastPara="1" wrap="square" lIns="91425" tIns="91425" rIns="91425" bIns="91425" anchor="ctr" anchorCtr="0">
               <a:noAutofit/>
             </a:bodyPr>
             <a:lstStyle/>
             <a:p>
-              <a:pPr indent="0" lvl="0" marL="0" rtl="0" algn="l">
+              <a:pPr marL="0" lvl="0" indent="0" algn="l" rtl="0">
                 <a:spcBef>
                   <a:spcPts val="0"/>
                 </a:spcBef>
@@ -5269,9 +5310,6 @@
                 </a:spcAft>
                 <a:buNone/>
               </a:pPr>
-              <a:r>
-                <a:t/>
-              </a:r>
               <a:endParaRPr/>
             </a:p>
           </p:txBody>
@@ -5298,12 +5336,12 @@
             </a:ln>
           </p:spPr>
           <p:txBody>
-            <a:bodyPr anchorCtr="0" anchor="ctr" bIns="91425" lIns="91425" spcFirstLastPara="1" rIns="91425" wrap="square" tIns="91425">
+            <a:bodyPr spcFirstLastPara="1" wrap="square" lIns="91425" tIns="91425" rIns="91425" bIns="91425" anchor="ctr" anchorCtr="0">
               <a:noAutofit/>
             </a:bodyPr>
             <a:lstStyle/>
             <a:p>
-              <a:pPr indent="0" lvl="0" marL="0" rtl="0" algn="l">
+              <a:pPr marL="0" lvl="0" indent="0" algn="l" rtl="0">
                 <a:spcBef>
                   <a:spcPts val="0"/>
                 </a:spcBef>
@@ -5312,9 +5350,6 @@
                 </a:spcAft>
                 <a:buNone/>
               </a:pPr>
-              <a:r>
-                <a:t/>
-              </a:r>
               <a:endParaRPr/>
             </a:p>
           </p:txBody>
@@ -5323,7 +5358,9 @@
       <p:sp>
         <p:nvSpPr>
           <p:cNvPr id="57" name="Google Shape;57;p8"/>
-          <p:cNvSpPr txBox="1"/>
+          <p:cNvSpPr txBox="1">
+            <a:spLocks noGrp="1"/>
+          </p:cNvSpPr>
           <p:nvPr>
             <p:ph type="title"/>
           </p:nvPr>
@@ -5338,7 +5375,7 @@
           </a:prstGeom>
         </p:spPr>
         <p:txBody>
-          <a:bodyPr anchorCtr="0" anchor="ctr" bIns="91425" lIns="91425" spcFirstLastPara="1" rIns="91425" wrap="square" tIns="91425">
+          <a:bodyPr spcFirstLastPara="1" wrap="square" lIns="91425" tIns="91425" rIns="91425" bIns="91425" anchor="ctr" anchorCtr="0">
             <a:noAutofit/>
           </a:bodyPr>
           <a:lstStyle>
@@ -5505,15 +5542,19 @@
               </a:defRPr>
             </a:lvl9pPr>
           </a:lstStyle>
-          <a:p/>
+          <a:p>
+            <a:endParaRPr/>
+          </a:p>
         </p:txBody>
       </p:sp>
       <p:sp>
         <p:nvSpPr>
           <p:cNvPr id="58" name="Google Shape;58;p8"/>
-          <p:cNvSpPr txBox="1"/>
+          <p:cNvSpPr txBox="1">
+            <a:spLocks noGrp="1"/>
+          </p:cNvSpPr>
           <p:nvPr>
-            <p:ph idx="12" type="sldNum"/>
+            <p:ph type="sldNum" idx="12"/>
           </p:nvPr>
         </p:nvSpPr>
         <p:spPr>
@@ -5526,7 +5567,7 @@
           </a:prstGeom>
         </p:spPr>
         <p:txBody>
-          <a:bodyPr anchorCtr="0" anchor="ctr" bIns="91425" lIns="91425" spcFirstLastPara="1" rIns="91425" wrap="square" tIns="91425">
+          <a:bodyPr spcFirstLastPara="1" wrap="square" lIns="91425" tIns="91425" rIns="91425" bIns="91425" anchor="ctr" anchorCtr="0">
             <a:noAutofit/>
           </a:bodyPr>
           <a:lstStyle>
@@ -5568,7 +5609,7 @@
             </a:lvl9pPr>
           </a:lstStyle>
           <a:p>
-            <a:pPr indent="0" lvl="0" marL="0" rtl="0" algn="r">
+            <a:pPr marL="0" lvl="0" indent="0" algn="r" rtl="0">
               <a:spcBef>
                 <a:spcPts val="0"/>
               </a:spcBef>
@@ -5594,11 +5635,11 @@
 </file>
 
 <file path=ppt/slideLayouts/slideLayout8.xml><?xml version="1.0" encoding="utf-8"?>
-<p:sldLayout xmlns:a="http://schemas.openxmlformats.org/drawingml/2006/main" xmlns:r="http://schemas.openxmlformats.org/officeDocument/2006/relationships" xmlns:mc="http://schemas.openxmlformats.org/markup-compatibility/2006" xmlns:mv="urn:schemas-microsoft-com:mac:vml" xmlns:p="http://schemas.openxmlformats.org/presentationml/2006/main" xmlns:c="http://schemas.openxmlformats.org/drawingml/2006/chart" xmlns:dgm="http://schemas.openxmlformats.org/drawingml/2006/diagram" xmlns:o="urn:schemas-microsoft-com:office:office" xmlns:v="urn:schemas-microsoft-com:vml" xmlns:pvml="urn:schemas-microsoft-com:office:powerpoint" xmlns:com="http://schemas.openxmlformats.org/drawingml/2006/compatibility" xmlns:p14="http://schemas.microsoft.com/office/powerpoint/2010/main" xmlns:p15="http://schemas.microsoft.com/office/powerpoint/2012/main" xmlns:ahyp="http://schemas.microsoft.com/office/drawing/2018/hyperlinkcolor" matchingName="Section title and description">
+<p:sldLayout xmlns:a="http://schemas.openxmlformats.org/drawingml/2006/main" xmlns:r="http://schemas.openxmlformats.org/officeDocument/2006/relationships" xmlns:p="http://schemas.openxmlformats.org/presentationml/2006/main" matchingName="Section title and description">
   <p:cSld name="SECTION_TITLE_AND_DESCRIPTION">
     <p:spTree>
       <p:nvGrpSpPr>
-        <p:cNvPr id="59" name="Shape 59"/>
+        <p:cNvPr id="1" name="Shape 59"/>
         <p:cNvGrpSpPr/>
         <p:nvPr/>
       </p:nvGrpSpPr>
@@ -5632,12 +5673,12 @@
           </a:ln>
         </p:spPr>
         <p:txBody>
-          <a:bodyPr anchorCtr="0" anchor="ctr" bIns="91425" lIns="91425" spcFirstLastPara="1" rIns="91425" wrap="square" tIns="91425">
+          <a:bodyPr spcFirstLastPara="1" wrap="square" lIns="91425" tIns="91425" rIns="91425" bIns="91425" anchor="ctr" anchorCtr="0">
             <a:noAutofit/>
           </a:bodyPr>
           <a:lstStyle/>
           <a:p>
-            <a:pPr indent="0" lvl="0" marL="0" rtl="0" algn="l">
+            <a:pPr marL="0" lvl="0" indent="0" algn="l" rtl="0">
               <a:spcBef>
                 <a:spcPts val="0"/>
               </a:spcBef>
@@ -5646,9 +5687,6 @@
               </a:spcAft>
               <a:buNone/>
             </a:pPr>
-            <a:r>
-              <a:t/>
-            </a:r>
             <a:endParaRPr/>
           </a:p>
         </p:txBody>
@@ -5668,21 +5706,23 @@
             <a:avLst/>
           </a:prstGeom>
           <a:noFill/>
-          <a:ln cap="flat" cmpd="sng" w="19050">
+          <a:ln w="19050" cap="flat" cmpd="sng">
             <a:solidFill>
               <a:schemeClr val="lt1"/>
             </a:solidFill>
             <a:prstDash val="solid"/>
             <a:round/>
-            <a:headEnd len="sm" w="sm" type="none"/>
-            <a:tailEnd len="sm" w="sm" type="none"/>
+            <a:headEnd type="none" w="sm" len="sm"/>
+            <a:tailEnd type="none" w="sm" len="sm"/>
           </a:ln>
         </p:spPr>
       </p:cxnSp>
       <p:sp>
         <p:nvSpPr>
           <p:cNvPr id="62" name="Google Shape;62;p9"/>
-          <p:cNvSpPr txBox="1"/>
+          <p:cNvSpPr txBox="1">
+            <a:spLocks noGrp="1"/>
+          </p:cNvSpPr>
           <p:nvPr>
             <p:ph type="title"/>
           </p:nvPr>
@@ -5697,7 +5737,7 @@
           </a:prstGeom>
         </p:spPr>
         <p:txBody>
-          <a:bodyPr anchorCtr="0" anchor="b" bIns="91425" lIns="91425" spcFirstLastPara="1" rIns="91425" wrap="square" tIns="91425">
+          <a:bodyPr spcFirstLastPara="1" wrap="square" lIns="91425" tIns="91425" rIns="91425" bIns="91425" anchor="b" anchorCtr="0">
             <a:noAutofit/>
           </a:bodyPr>
           <a:lstStyle>
@@ -5801,15 +5841,19 @@
               <a:defRPr sz="4200"/>
             </a:lvl9pPr>
           </a:lstStyle>
-          <a:p/>
+          <a:p>
+            <a:endParaRPr/>
+          </a:p>
         </p:txBody>
       </p:sp>
       <p:sp>
         <p:nvSpPr>
           <p:cNvPr id="63" name="Google Shape;63;p9"/>
-          <p:cNvSpPr txBox="1"/>
+          <p:cNvSpPr txBox="1">
+            <a:spLocks noGrp="1"/>
+          </p:cNvSpPr>
           <p:nvPr>
-            <p:ph idx="1" type="subTitle"/>
+            <p:ph type="subTitle" idx="1"/>
           </p:nvPr>
         </p:nvSpPr>
         <p:spPr>
@@ -5822,7 +5866,7 @@
           </a:prstGeom>
         </p:spPr>
         <p:txBody>
-          <a:bodyPr anchorCtr="0" anchor="t" bIns="91425" lIns="91425" spcFirstLastPara="1" rIns="91425" wrap="square" tIns="91425">
+          <a:bodyPr spcFirstLastPara="1" wrap="square" lIns="91425" tIns="91425" rIns="91425" bIns="91425" anchor="t" anchorCtr="0">
             <a:noAutofit/>
           </a:bodyPr>
           <a:lstStyle>
@@ -5953,15 +5997,19 @@
               <a:defRPr sz="2100"/>
             </a:lvl9pPr>
           </a:lstStyle>
-          <a:p/>
+          <a:p>
+            <a:endParaRPr/>
+          </a:p>
         </p:txBody>
       </p:sp>
       <p:sp>
         <p:nvSpPr>
           <p:cNvPr id="64" name="Google Shape;64;p9"/>
-          <p:cNvSpPr txBox="1"/>
+          <p:cNvSpPr txBox="1">
+            <a:spLocks noGrp="1"/>
+          </p:cNvSpPr>
           <p:nvPr>
-            <p:ph idx="2" type="body"/>
+            <p:ph type="body" idx="2"/>
           </p:nvPr>
         </p:nvSpPr>
         <p:spPr>
@@ -5974,11 +6022,11 @@
           </a:prstGeom>
         </p:spPr>
         <p:txBody>
-          <a:bodyPr anchorCtr="0" anchor="ctr" bIns="91425" lIns="91425" spcFirstLastPara="1" rIns="91425" wrap="square" tIns="91425">
+          <a:bodyPr spcFirstLastPara="1" wrap="square" lIns="91425" tIns="91425" rIns="91425" bIns="91425" anchor="ctr" anchorCtr="0">
             <a:noAutofit/>
           </a:bodyPr>
           <a:lstStyle>
-            <a:lvl1pPr indent="-342900" lvl="0" marL="457200">
+            <a:lvl1pPr marL="457200" lvl="0" indent="-342900">
               <a:spcBef>
                 <a:spcPts val="0"/>
               </a:spcBef>
@@ -5996,7 +6044,7 @@
                 </a:solidFill>
               </a:defRPr>
             </a:lvl1pPr>
-            <a:lvl2pPr indent="-317500" lvl="1" marL="914400">
+            <a:lvl2pPr marL="914400" lvl="1" indent="-317500">
               <a:spcBef>
                 <a:spcPts val="1600"/>
               </a:spcBef>
@@ -6014,7 +6062,7 @@
                 </a:solidFill>
               </a:defRPr>
             </a:lvl2pPr>
-            <a:lvl3pPr indent="-317500" lvl="2" marL="1371600">
+            <a:lvl3pPr marL="1371600" lvl="2" indent="-317500">
               <a:spcBef>
                 <a:spcPts val="1600"/>
               </a:spcBef>
@@ -6032,7 +6080,7 @@
                 </a:solidFill>
               </a:defRPr>
             </a:lvl3pPr>
-            <a:lvl4pPr indent="-317500" lvl="3" marL="1828800">
+            <a:lvl4pPr marL="1828800" lvl="3" indent="-317500">
               <a:spcBef>
                 <a:spcPts val="1600"/>
               </a:spcBef>
@@ -6050,7 +6098,7 @@
                 </a:solidFill>
               </a:defRPr>
             </a:lvl4pPr>
-            <a:lvl5pPr indent="-317500" lvl="4" marL="2286000">
+            <a:lvl5pPr marL="2286000" lvl="4" indent="-317500">
               <a:spcBef>
                 <a:spcPts val="1600"/>
               </a:spcBef>
@@ -6068,7 +6116,7 @@
                 </a:solidFill>
               </a:defRPr>
             </a:lvl5pPr>
-            <a:lvl6pPr indent="-317500" lvl="5" marL="2743200">
+            <a:lvl6pPr marL="2743200" lvl="5" indent="-317500">
               <a:spcBef>
                 <a:spcPts val="1600"/>
               </a:spcBef>
@@ -6086,7 +6134,7 @@
                 </a:solidFill>
               </a:defRPr>
             </a:lvl6pPr>
-            <a:lvl7pPr indent="-317500" lvl="6" marL="3200400">
+            <a:lvl7pPr marL="3200400" lvl="6" indent="-317500">
               <a:spcBef>
                 <a:spcPts val="1600"/>
               </a:spcBef>
@@ -6104,7 +6152,7 @@
                 </a:solidFill>
               </a:defRPr>
             </a:lvl7pPr>
-            <a:lvl8pPr indent="-317500" lvl="7" marL="3657600">
+            <a:lvl8pPr marL="3657600" lvl="7" indent="-317500">
               <a:spcBef>
                 <a:spcPts val="1600"/>
               </a:spcBef>
@@ -6122,7 +6170,7 @@
                 </a:solidFill>
               </a:defRPr>
             </a:lvl8pPr>
-            <a:lvl9pPr indent="-317500" lvl="8" marL="4114800">
+            <a:lvl9pPr marL="4114800" lvl="8" indent="-317500">
               <a:spcBef>
                 <a:spcPts val="1600"/>
               </a:spcBef>
@@ -6141,15 +6189,19 @@
               </a:defRPr>
             </a:lvl9pPr>
           </a:lstStyle>
-          <a:p/>
+          <a:p>
+            <a:endParaRPr/>
+          </a:p>
         </p:txBody>
       </p:sp>
       <p:sp>
         <p:nvSpPr>
           <p:cNvPr id="65" name="Google Shape;65;p9"/>
-          <p:cNvSpPr txBox="1"/>
+          <p:cNvSpPr txBox="1">
+            <a:spLocks noGrp="1"/>
+          </p:cNvSpPr>
           <p:nvPr>
-            <p:ph idx="12" type="sldNum"/>
+            <p:ph type="sldNum" idx="12"/>
           </p:nvPr>
         </p:nvSpPr>
         <p:spPr>
@@ -6162,7 +6214,7 @@
           </a:prstGeom>
         </p:spPr>
         <p:txBody>
-          <a:bodyPr anchorCtr="0" anchor="ctr" bIns="91425" lIns="91425" spcFirstLastPara="1" rIns="91425" wrap="square" tIns="91425">
+          <a:bodyPr spcFirstLastPara="1" wrap="square" lIns="91425" tIns="91425" rIns="91425" bIns="91425" anchor="ctr" anchorCtr="0">
             <a:noAutofit/>
           </a:bodyPr>
           <a:lstStyle>
@@ -6204,7 +6256,7 @@
             </a:lvl9pPr>
           </a:lstStyle>
           <a:p>
-            <a:pPr indent="0" lvl="0" marL="0" rtl="0" algn="r">
+            <a:pPr marL="0" lvl="0" indent="0" algn="r" rtl="0">
               <a:spcBef>
                 <a:spcPts val="0"/>
               </a:spcBef>
@@ -6230,11 +6282,11 @@
 </file>
 
 <file path=ppt/slideLayouts/slideLayout9.xml><?xml version="1.0" encoding="utf-8"?>
-<p:sldLayout xmlns:a="http://schemas.openxmlformats.org/drawingml/2006/main" xmlns:r="http://schemas.openxmlformats.org/officeDocument/2006/relationships" xmlns:mc="http://schemas.openxmlformats.org/markup-compatibility/2006" xmlns:mv="urn:schemas-microsoft-com:mac:vml" xmlns:p="http://schemas.openxmlformats.org/presentationml/2006/main" xmlns:c="http://schemas.openxmlformats.org/drawingml/2006/chart" xmlns:dgm="http://schemas.openxmlformats.org/drawingml/2006/diagram" xmlns:o="urn:schemas-microsoft-com:office:office" xmlns:v="urn:schemas-microsoft-com:vml" xmlns:pvml="urn:schemas-microsoft-com:office:powerpoint" xmlns:com="http://schemas.openxmlformats.org/drawingml/2006/compatibility" xmlns:p14="http://schemas.microsoft.com/office/powerpoint/2010/main" xmlns:p15="http://schemas.microsoft.com/office/powerpoint/2012/main" xmlns:ahyp="http://schemas.microsoft.com/office/drawing/2018/hyperlinkcolor" matchingName="Caption">
+<p:sldLayout xmlns:a="http://schemas.openxmlformats.org/drawingml/2006/main" xmlns:r="http://schemas.openxmlformats.org/officeDocument/2006/relationships" xmlns:p="http://schemas.openxmlformats.org/presentationml/2006/main" matchingName="Caption">
   <p:cSld name="CAPTION_ONLY">
     <p:spTree>
       <p:nvGrpSpPr>
-        <p:cNvPr id="66" name="Shape 66"/>
+        <p:cNvPr id="1" name="Shape 66"/>
         <p:cNvGrpSpPr/>
         <p:nvPr/>
       </p:nvGrpSpPr>
@@ -6249,9 +6301,11 @@
       <p:sp>
         <p:nvSpPr>
           <p:cNvPr id="67" name="Google Shape;67;p10"/>
-          <p:cNvSpPr txBox="1"/>
+          <p:cNvSpPr txBox="1">
+            <a:spLocks noGrp="1"/>
+          </p:cNvSpPr>
           <p:nvPr>
-            <p:ph idx="1" type="body"/>
+            <p:ph type="body" idx="1"/>
           </p:nvPr>
         </p:nvSpPr>
         <p:spPr>
@@ -6264,11 +6318,11 @@
           </a:prstGeom>
         </p:spPr>
         <p:txBody>
-          <a:bodyPr anchorCtr="0" anchor="ctr" bIns="91425" lIns="91425" spcFirstLastPara="1" rIns="91425" wrap="square" tIns="91425">
+          <a:bodyPr spcFirstLastPara="1" wrap="square" lIns="91425" tIns="91425" rIns="91425" bIns="91425" anchor="ctr" anchorCtr="0">
             <a:noAutofit/>
           </a:bodyPr>
           <a:lstStyle>
-            <a:lvl1pPr indent="-228600" lvl="0" marL="457200">
+            <a:lvl1pPr marL="457200" lvl="0" indent="-228600">
               <a:lnSpc>
                 <a:spcPct val="100000"/>
               </a:lnSpc>
@@ -6283,15 +6337,19 @@
               <a:defRPr/>
             </a:lvl1pPr>
           </a:lstStyle>
-          <a:p/>
+          <a:p>
+            <a:endParaRPr/>
+          </a:p>
         </p:txBody>
       </p:sp>
       <p:sp>
         <p:nvSpPr>
           <p:cNvPr id="68" name="Google Shape;68;p10"/>
-          <p:cNvSpPr txBox="1"/>
+          <p:cNvSpPr txBox="1">
+            <a:spLocks noGrp="1"/>
+          </p:cNvSpPr>
           <p:nvPr>
-            <p:ph idx="12" type="sldNum"/>
+            <p:ph type="sldNum" idx="12"/>
           </p:nvPr>
         </p:nvSpPr>
         <p:spPr>
@@ -6304,7 +6362,7 @@
           </a:prstGeom>
         </p:spPr>
         <p:txBody>
-          <a:bodyPr anchorCtr="0" anchor="ctr" bIns="91425" lIns="91425" spcFirstLastPara="1" rIns="91425" wrap="square" tIns="91425">
+          <a:bodyPr spcFirstLastPara="1" wrap="square" lIns="91425" tIns="91425" rIns="91425" bIns="91425" anchor="ctr" anchorCtr="0">
             <a:noAutofit/>
           </a:bodyPr>
           <a:lstStyle>
@@ -6382,7 +6440,7 @@
             </a:lvl9pPr>
           </a:lstStyle>
           <a:p>
-            <a:pPr indent="0" lvl="0" marL="0" rtl="0" algn="r">
+            <a:pPr marL="0" lvl="0" indent="0" algn="r" rtl="0">
               <a:spcBef>
                 <a:spcPts val="0"/>
               </a:spcBef>
@@ -6408,18 +6466,19 @@
 </file>
 
 <file path=ppt/slideMasters/slideMaster1.xml><?xml version="1.0" encoding="utf-8"?>
-<p:sldMaster xmlns:a="http://schemas.openxmlformats.org/drawingml/2006/main" xmlns:r="http://schemas.openxmlformats.org/officeDocument/2006/relationships" xmlns:mc="http://schemas.openxmlformats.org/markup-compatibility/2006" xmlns:mv="urn:schemas-microsoft-com:mac:vml" xmlns:p="http://schemas.openxmlformats.org/presentationml/2006/main" xmlns:c="http://schemas.openxmlformats.org/drawingml/2006/chart" xmlns:dgm="http://schemas.openxmlformats.org/drawingml/2006/diagram" xmlns:o="urn:schemas-microsoft-com:office:office" xmlns:v="urn:schemas-microsoft-com:vml" xmlns:pvml="urn:schemas-microsoft-com:office:powerpoint" xmlns:com="http://schemas.openxmlformats.org/drawingml/2006/compatibility" xmlns:p14="http://schemas.microsoft.com/office/powerpoint/2010/main" xmlns:p15="http://schemas.microsoft.com/office/powerpoint/2012/main" xmlns:ahyp="http://schemas.microsoft.com/office/drawing/2018/hyperlinkcolor">
+<p:sldMaster xmlns:a="http://schemas.openxmlformats.org/drawingml/2006/main" xmlns:r="http://schemas.openxmlformats.org/officeDocument/2006/relationships" xmlns:p="http://schemas.openxmlformats.org/presentationml/2006/main">
   <p:cSld name="geometric">
     <p:bg>
       <p:bgPr>
         <a:solidFill>
           <a:schemeClr val="lt1"/>
         </a:solidFill>
+        <a:effectLst/>
       </p:bgPr>
     </p:bg>
     <p:spTree>
       <p:nvGrpSpPr>
-        <p:cNvPr id="5" name="Shape 5"/>
+        <p:cNvPr id="1" name="Shape 5"/>
         <p:cNvGrpSpPr/>
         <p:nvPr/>
       </p:nvGrpSpPr>
@@ -6434,7 +6493,9 @@
       <p:sp>
         <p:nvSpPr>
           <p:cNvPr id="6" name="Google Shape;6;p1"/>
-          <p:cNvSpPr txBox="1"/>
+          <p:cNvSpPr txBox="1">
+            <a:spLocks noGrp="1"/>
+          </p:cNvSpPr>
           <p:nvPr>
             <p:ph type="title"/>
           </p:nvPr>
@@ -6453,7 +6514,7 @@
           </a:ln>
         </p:spPr>
         <p:txBody>
-          <a:bodyPr anchorCtr="0" anchor="t" bIns="91425" lIns="91425" spcFirstLastPara="1" rIns="91425" wrap="square" tIns="91425">
+          <a:bodyPr spcFirstLastPara="1" wrap="square" lIns="91425" tIns="91425" rIns="91425" bIns="91425" anchor="t" anchorCtr="0">
             <a:noAutofit/>
           </a:bodyPr>
           <a:lstStyle>
@@ -6665,15 +6726,19 @@
               </a:defRPr>
             </a:lvl9pPr>
           </a:lstStyle>
-          <a:p/>
+          <a:p>
+            <a:endParaRPr/>
+          </a:p>
         </p:txBody>
       </p:sp>
       <p:sp>
         <p:nvSpPr>
           <p:cNvPr id="7" name="Google Shape;7;p1"/>
-          <p:cNvSpPr txBox="1"/>
+          <p:cNvSpPr txBox="1">
+            <a:spLocks noGrp="1"/>
+          </p:cNvSpPr>
           <p:nvPr>
-            <p:ph idx="1" type="body"/>
+            <p:ph type="body" idx="1"/>
           </p:nvPr>
         </p:nvSpPr>
         <p:spPr>
@@ -6690,11 +6755,11 @@
           </a:ln>
         </p:spPr>
         <p:txBody>
-          <a:bodyPr anchorCtr="0" anchor="t" bIns="91425" lIns="91425" spcFirstLastPara="1" rIns="91425" wrap="square" tIns="91425">
+          <a:bodyPr spcFirstLastPara="1" wrap="square" lIns="91425" tIns="91425" rIns="91425" bIns="91425" anchor="t" anchorCtr="0">
             <a:noAutofit/>
           </a:bodyPr>
           <a:lstStyle>
-            <a:lvl1pPr indent="-342900" lvl="0" marL="457200">
+            <a:lvl1pPr marL="457200" lvl="0" indent="-342900">
               <a:lnSpc>
                 <a:spcPct val="115000"/>
               </a:lnSpc>
@@ -6720,7 +6785,7 @@
                 <a:sym typeface="Roboto"/>
               </a:defRPr>
             </a:lvl1pPr>
-            <a:lvl2pPr indent="-317500" lvl="1" marL="914400">
+            <a:lvl2pPr marL="914400" lvl="1" indent="-317500">
               <a:lnSpc>
                 <a:spcPct val="115000"/>
               </a:lnSpc>
@@ -6746,7 +6811,7 @@
                 <a:sym typeface="Roboto"/>
               </a:defRPr>
             </a:lvl2pPr>
-            <a:lvl3pPr indent="-317500" lvl="2" marL="1371600">
+            <a:lvl3pPr marL="1371600" lvl="2" indent="-317500">
               <a:lnSpc>
                 <a:spcPct val="115000"/>
               </a:lnSpc>
@@ -6772,7 +6837,7 @@
                 <a:sym typeface="Roboto"/>
               </a:defRPr>
             </a:lvl3pPr>
-            <a:lvl4pPr indent="-317500" lvl="3" marL="1828800">
+            <a:lvl4pPr marL="1828800" lvl="3" indent="-317500">
               <a:lnSpc>
                 <a:spcPct val="115000"/>
               </a:lnSpc>
@@ -6798,7 +6863,7 @@
                 <a:sym typeface="Roboto"/>
               </a:defRPr>
             </a:lvl4pPr>
-            <a:lvl5pPr indent="-317500" lvl="4" marL="2286000">
+            <a:lvl5pPr marL="2286000" lvl="4" indent="-317500">
               <a:lnSpc>
                 <a:spcPct val="115000"/>
               </a:lnSpc>
@@ -6824,7 +6889,7 @@
                 <a:sym typeface="Roboto"/>
               </a:defRPr>
             </a:lvl5pPr>
-            <a:lvl6pPr indent="-317500" lvl="5" marL="2743200">
+            <a:lvl6pPr marL="2743200" lvl="5" indent="-317500">
               <a:lnSpc>
                 <a:spcPct val="115000"/>
               </a:lnSpc>
@@ -6850,7 +6915,7 @@
                 <a:sym typeface="Roboto"/>
               </a:defRPr>
             </a:lvl6pPr>
-            <a:lvl7pPr indent="-317500" lvl="6" marL="3200400">
+            <a:lvl7pPr marL="3200400" lvl="6" indent="-317500">
               <a:lnSpc>
                 <a:spcPct val="115000"/>
               </a:lnSpc>
@@ -6876,7 +6941,7 @@
                 <a:sym typeface="Roboto"/>
               </a:defRPr>
             </a:lvl7pPr>
-            <a:lvl8pPr indent="-317500" lvl="7" marL="3657600">
+            <a:lvl8pPr marL="3657600" lvl="7" indent="-317500">
               <a:lnSpc>
                 <a:spcPct val="115000"/>
               </a:lnSpc>
@@ -6902,7 +6967,7 @@
                 <a:sym typeface="Roboto"/>
               </a:defRPr>
             </a:lvl8pPr>
-            <a:lvl9pPr indent="-317500" lvl="8" marL="4114800">
+            <a:lvl9pPr marL="4114800" lvl="8" indent="-317500">
               <a:lnSpc>
                 <a:spcPct val="115000"/>
               </a:lnSpc>
@@ -6929,15 +6994,19 @@
               </a:defRPr>
             </a:lvl9pPr>
           </a:lstStyle>
-          <a:p/>
+          <a:p>
+            <a:endParaRPr/>
+          </a:p>
         </p:txBody>
       </p:sp>
       <p:sp>
         <p:nvSpPr>
           <p:cNvPr id="8" name="Google Shape;8;p1"/>
-          <p:cNvSpPr txBox="1"/>
+          <p:cNvSpPr txBox="1">
+            <a:spLocks noGrp="1"/>
+          </p:cNvSpPr>
           <p:nvPr>
-            <p:ph idx="12" type="sldNum"/>
+            <p:ph type="sldNum" idx="12"/>
           </p:nvPr>
         </p:nvSpPr>
         <p:spPr>
@@ -6954,7 +7023,7 @@
           </a:ln>
         </p:spPr>
         <p:txBody>
-          <a:bodyPr anchorCtr="0" anchor="ctr" bIns="91425" lIns="91425" spcFirstLastPara="1" rIns="91425" wrap="square" tIns="91425">
+          <a:bodyPr spcFirstLastPara="1" wrap="square" lIns="91425" tIns="91425" rIns="91425" bIns="91425" anchor="ctr" anchorCtr="0">
             <a:noAutofit/>
           </a:bodyPr>
           <a:lstStyle>
@@ -7068,7 +7137,7 @@
             </a:lvl9pPr>
           </a:lstStyle>
           <a:p>
-            <a:pPr indent="0" lvl="0" marL="0" rtl="0" algn="r">
+            <a:pPr marL="0" lvl="0" indent="0" algn="r" rtl="0">
               <a:spcBef>
                 <a:spcPts val="0"/>
               </a:spcBef>
@@ -7087,7 +7156,7 @@
       </p:sp>
     </p:spTree>
   </p:cSld>
-  <p:clrMap accent1="accent1" accent2="accent2" accent3="accent3" accent4="accent4" accent5="accent5" accent6="accent6" bg1="lt1" bg2="dk2" tx1="dk1" tx2="lt2" folHlink="folHlink" hlink="hlink"/>
+  <p:clrMap bg1="lt1" tx1="dk1" bg2="dk2" tx2="lt2" accent1="accent1" accent2="accent2" accent3="accent3" accent4="accent4" accent5="accent5" accent6="accent6" hlink="hlink" folHlink="folHlink"/>
   <p:sldLayoutIdLst>
     <p:sldLayoutId id="2147483648" r:id="rId1"/>
     <p:sldLayoutId id="2147483649" r:id="rId2"/>
@@ -7101,10 +7170,10 @@
     <p:sldLayoutId id="2147483657" r:id="rId10"/>
     <p:sldLayoutId id="2147483658" r:id="rId11"/>
   </p:sldLayoutIdLst>
-  <p:hf dt="0" ftr="0" hdr="0" sldNum="0"/>
+  <p:hf sldNum="0" hdr="0" ftr="0" dt="0"/>
   <p:txStyles>
     <p:titleStyle>
-      <a:defPPr lvl="0" marR="0" rtl="0" algn="l">
+      <a:defPPr marR="0" lvl="0" algn="l" rtl="0">
         <a:lnSpc>
           <a:spcPct val="100000"/>
         </a:lnSpc>
@@ -7115,7 +7184,7 @@
           <a:spcPts val="0"/>
         </a:spcAft>
       </a:defPPr>
-      <a:lvl1pPr lvl="0" marR="0" rtl="0" algn="l">
+      <a:lvl1pPr marR="0" lvl="0" algn="l" rtl="0">
         <a:lnSpc>
           <a:spcPct val="100000"/>
         </a:lnSpc>
@@ -7129,7 +7198,7 @@
           <a:srgbClr val="000000"/>
         </a:buClr>
         <a:buFont typeface="Arial"/>
-        <a:defRPr b="0" i="0" sz="1400" u="none" cap="none" strike="noStrike">
+        <a:defRPr sz="1400" b="0" i="0" u="none" strike="noStrike" cap="none">
           <a:solidFill>
             <a:srgbClr val="000000"/>
           </a:solidFill>
@@ -7139,7 +7208,7 @@
           <a:sym typeface="Arial"/>
         </a:defRPr>
       </a:lvl1pPr>
-      <a:lvl2pPr lvl="1" marR="0" rtl="0" algn="l">
+      <a:lvl2pPr marR="0" lvl="1" algn="l" rtl="0">
         <a:lnSpc>
           <a:spcPct val="100000"/>
         </a:lnSpc>
@@ -7153,7 +7222,7 @@
           <a:srgbClr val="000000"/>
         </a:buClr>
         <a:buFont typeface="Arial"/>
-        <a:defRPr b="0" i="0" sz="1400" u="none" cap="none" strike="noStrike">
+        <a:defRPr sz="1400" b="0" i="0" u="none" strike="noStrike" cap="none">
           <a:solidFill>
             <a:srgbClr val="000000"/>
           </a:solidFill>
@@ -7163,7 +7232,7 @@
           <a:sym typeface="Arial"/>
         </a:defRPr>
       </a:lvl2pPr>
-      <a:lvl3pPr lvl="2" marR="0" rtl="0" algn="l">
+      <a:lvl3pPr marR="0" lvl="2" algn="l" rtl="0">
         <a:lnSpc>
           <a:spcPct val="100000"/>
         </a:lnSpc>
@@ -7177,7 +7246,7 @@
           <a:srgbClr val="000000"/>
         </a:buClr>
         <a:buFont typeface="Arial"/>
-        <a:defRPr b="0" i="0" sz="1400" u="none" cap="none" strike="noStrike">
+        <a:defRPr sz="1400" b="0" i="0" u="none" strike="noStrike" cap="none">
           <a:solidFill>
             <a:srgbClr val="000000"/>
           </a:solidFill>
@@ -7187,7 +7256,7 @@
           <a:sym typeface="Arial"/>
         </a:defRPr>
       </a:lvl3pPr>
-      <a:lvl4pPr lvl="3" marR="0" rtl="0" algn="l">
+      <a:lvl4pPr marR="0" lvl="3" algn="l" rtl="0">
         <a:lnSpc>
           <a:spcPct val="100000"/>
         </a:lnSpc>
@@ -7201,7 +7270,7 @@
           <a:srgbClr val="000000"/>
         </a:buClr>
         <a:buFont typeface="Arial"/>
-        <a:defRPr b="0" i="0" sz="1400" u="none" cap="none" strike="noStrike">
+        <a:defRPr sz="1400" b="0" i="0" u="none" strike="noStrike" cap="none">
           <a:solidFill>
             <a:srgbClr val="000000"/>
           </a:solidFill>
@@ -7211,7 +7280,7 @@
           <a:sym typeface="Arial"/>
         </a:defRPr>
       </a:lvl4pPr>
-      <a:lvl5pPr lvl="4" marR="0" rtl="0" algn="l">
+      <a:lvl5pPr marR="0" lvl="4" algn="l" rtl="0">
         <a:lnSpc>
           <a:spcPct val="100000"/>
         </a:lnSpc>
@@ -7225,7 +7294,7 @@
           <a:srgbClr val="000000"/>
         </a:buClr>
         <a:buFont typeface="Arial"/>
-        <a:defRPr b="0" i="0" sz="1400" u="none" cap="none" strike="noStrike">
+        <a:defRPr sz="1400" b="0" i="0" u="none" strike="noStrike" cap="none">
           <a:solidFill>
             <a:srgbClr val="000000"/>
           </a:solidFill>
@@ -7235,7 +7304,7 @@
           <a:sym typeface="Arial"/>
         </a:defRPr>
       </a:lvl5pPr>
-      <a:lvl6pPr lvl="5" marR="0" rtl="0" algn="l">
+      <a:lvl6pPr marR="0" lvl="5" algn="l" rtl="0">
         <a:lnSpc>
           <a:spcPct val="100000"/>
         </a:lnSpc>
@@ -7249,7 +7318,7 @@
           <a:srgbClr val="000000"/>
         </a:buClr>
         <a:buFont typeface="Arial"/>
-        <a:defRPr b="0" i="0" sz="1400" u="none" cap="none" strike="noStrike">
+        <a:defRPr sz="1400" b="0" i="0" u="none" strike="noStrike" cap="none">
           <a:solidFill>
             <a:srgbClr val="000000"/>
           </a:solidFill>
@@ -7259,7 +7328,7 @@
           <a:sym typeface="Arial"/>
         </a:defRPr>
       </a:lvl6pPr>
-      <a:lvl7pPr lvl="6" marR="0" rtl="0" algn="l">
+      <a:lvl7pPr marR="0" lvl="6" algn="l" rtl="0">
         <a:lnSpc>
           <a:spcPct val="100000"/>
         </a:lnSpc>
@@ -7273,7 +7342,7 @@
           <a:srgbClr val="000000"/>
         </a:buClr>
         <a:buFont typeface="Arial"/>
-        <a:defRPr b="0" i="0" sz="1400" u="none" cap="none" strike="noStrike">
+        <a:defRPr sz="1400" b="0" i="0" u="none" strike="noStrike" cap="none">
           <a:solidFill>
             <a:srgbClr val="000000"/>
           </a:solidFill>
@@ -7283,7 +7352,7 @@
           <a:sym typeface="Arial"/>
         </a:defRPr>
       </a:lvl7pPr>
-      <a:lvl8pPr lvl="7" marR="0" rtl="0" algn="l">
+      <a:lvl8pPr marR="0" lvl="7" algn="l" rtl="0">
         <a:lnSpc>
           <a:spcPct val="100000"/>
         </a:lnSpc>
@@ -7297,7 +7366,7 @@
           <a:srgbClr val="000000"/>
         </a:buClr>
         <a:buFont typeface="Arial"/>
-        <a:defRPr b="0" i="0" sz="1400" u="none" cap="none" strike="noStrike">
+        <a:defRPr sz="1400" b="0" i="0" u="none" strike="noStrike" cap="none">
           <a:solidFill>
             <a:srgbClr val="000000"/>
           </a:solidFill>
@@ -7307,7 +7376,7 @@
           <a:sym typeface="Arial"/>
         </a:defRPr>
       </a:lvl8pPr>
-      <a:lvl9pPr lvl="8" marR="0" rtl="0" algn="l">
+      <a:lvl9pPr marR="0" lvl="8" algn="l" rtl="0">
         <a:lnSpc>
           <a:spcPct val="100000"/>
         </a:lnSpc>
@@ -7321,7 +7390,7 @@
           <a:srgbClr val="000000"/>
         </a:buClr>
         <a:buFont typeface="Arial"/>
-        <a:defRPr b="0" i="0" sz="1400" u="none" cap="none" strike="noStrike">
+        <a:defRPr sz="1400" b="0" i="0" u="none" strike="noStrike" cap="none">
           <a:solidFill>
             <a:srgbClr val="000000"/>
           </a:solidFill>
@@ -7333,7 +7402,7 @@
       </a:lvl9pPr>
     </p:titleStyle>
     <p:bodyStyle>
-      <a:defPPr lvl="0" marR="0" rtl="0" algn="l">
+      <a:defPPr marR="0" lvl="0" algn="l" rtl="0">
         <a:lnSpc>
           <a:spcPct val="100000"/>
         </a:lnSpc>
@@ -7344,7 +7413,7 @@
           <a:spcPts val="0"/>
         </a:spcAft>
       </a:defPPr>
-      <a:lvl1pPr lvl="0" marR="0" rtl="0" algn="l">
+      <a:lvl1pPr marR="0" lvl="0" algn="l" rtl="0">
         <a:lnSpc>
           <a:spcPct val="100000"/>
         </a:lnSpc>
@@ -7358,7 +7427,7 @@
           <a:srgbClr val="000000"/>
         </a:buClr>
         <a:buFont typeface="Arial"/>
-        <a:defRPr b="0" i="0" sz="1400" u="none" cap="none" strike="noStrike">
+        <a:defRPr sz="1400" b="0" i="0" u="none" strike="noStrike" cap="none">
           <a:solidFill>
             <a:srgbClr val="000000"/>
           </a:solidFill>
@@ -7368,7 +7437,7 @@
           <a:sym typeface="Arial"/>
         </a:defRPr>
       </a:lvl1pPr>
-      <a:lvl2pPr lvl="1" marR="0" rtl="0" algn="l">
+      <a:lvl2pPr marR="0" lvl="1" algn="l" rtl="0">
         <a:lnSpc>
           <a:spcPct val="100000"/>
         </a:lnSpc>
@@ -7382,7 +7451,7 @@
           <a:srgbClr val="000000"/>
         </a:buClr>
         <a:buFont typeface="Arial"/>
-        <a:defRPr b="0" i="0" sz="1400" u="none" cap="none" strike="noStrike">
+        <a:defRPr sz="1400" b="0" i="0" u="none" strike="noStrike" cap="none">
           <a:solidFill>
             <a:srgbClr val="000000"/>
           </a:solidFill>
@@ -7392,7 +7461,7 @@
           <a:sym typeface="Arial"/>
         </a:defRPr>
       </a:lvl2pPr>
-      <a:lvl3pPr lvl="2" marR="0" rtl="0" algn="l">
+      <a:lvl3pPr marR="0" lvl="2" algn="l" rtl="0">
         <a:lnSpc>
           <a:spcPct val="100000"/>
         </a:lnSpc>
@@ -7406,7 +7475,7 @@
           <a:srgbClr val="000000"/>
         </a:buClr>
         <a:buFont typeface="Arial"/>
-        <a:defRPr b="0" i="0" sz="1400" u="none" cap="none" strike="noStrike">
+        <a:defRPr sz="1400" b="0" i="0" u="none" strike="noStrike" cap="none">
           <a:solidFill>
             <a:srgbClr val="000000"/>
           </a:solidFill>
@@ -7416,7 +7485,7 @@
           <a:sym typeface="Arial"/>
         </a:defRPr>
       </a:lvl3pPr>
-      <a:lvl4pPr lvl="3" marR="0" rtl="0" algn="l">
+      <a:lvl4pPr marR="0" lvl="3" algn="l" rtl="0">
         <a:lnSpc>
           <a:spcPct val="100000"/>
         </a:lnSpc>
@@ -7430,7 +7499,7 @@
           <a:srgbClr val="000000"/>
         </a:buClr>
         <a:buFont typeface="Arial"/>
-        <a:defRPr b="0" i="0" sz="1400" u="none" cap="none" strike="noStrike">
+        <a:defRPr sz="1400" b="0" i="0" u="none" strike="noStrike" cap="none">
           <a:solidFill>
             <a:srgbClr val="000000"/>
           </a:solidFill>
@@ -7440,7 +7509,7 @@
           <a:sym typeface="Arial"/>
         </a:defRPr>
       </a:lvl4pPr>
-      <a:lvl5pPr lvl="4" marR="0" rtl="0" algn="l">
+      <a:lvl5pPr marR="0" lvl="4" algn="l" rtl="0">
         <a:lnSpc>
           <a:spcPct val="100000"/>
         </a:lnSpc>
@@ -7454,7 +7523,7 @@
           <a:srgbClr val="000000"/>
         </a:buClr>
         <a:buFont typeface="Arial"/>
-        <a:defRPr b="0" i="0" sz="1400" u="none" cap="none" strike="noStrike">
+        <a:defRPr sz="1400" b="0" i="0" u="none" strike="noStrike" cap="none">
           <a:solidFill>
             <a:srgbClr val="000000"/>
           </a:solidFill>
@@ -7464,7 +7533,7 @@
           <a:sym typeface="Arial"/>
         </a:defRPr>
       </a:lvl5pPr>
-      <a:lvl6pPr lvl="5" marR="0" rtl="0" algn="l">
+      <a:lvl6pPr marR="0" lvl="5" algn="l" rtl="0">
         <a:lnSpc>
           <a:spcPct val="100000"/>
         </a:lnSpc>
@@ -7478,7 +7547,7 @@
           <a:srgbClr val="000000"/>
         </a:buClr>
         <a:buFont typeface="Arial"/>
-        <a:defRPr b="0" i="0" sz="1400" u="none" cap="none" strike="noStrike">
+        <a:defRPr sz="1400" b="0" i="0" u="none" strike="noStrike" cap="none">
           <a:solidFill>
             <a:srgbClr val="000000"/>
           </a:solidFill>
@@ -7488,7 +7557,7 @@
           <a:sym typeface="Arial"/>
         </a:defRPr>
       </a:lvl6pPr>
-      <a:lvl7pPr lvl="6" marR="0" rtl="0" algn="l">
+      <a:lvl7pPr marR="0" lvl="6" algn="l" rtl="0">
         <a:lnSpc>
           <a:spcPct val="100000"/>
         </a:lnSpc>
@@ -7502,7 +7571,7 @@
           <a:srgbClr val="000000"/>
         </a:buClr>
         <a:buFont typeface="Arial"/>
-        <a:defRPr b="0" i="0" sz="1400" u="none" cap="none" strike="noStrike">
+        <a:defRPr sz="1400" b="0" i="0" u="none" strike="noStrike" cap="none">
           <a:solidFill>
             <a:srgbClr val="000000"/>
           </a:solidFill>
@@ -7512,7 +7581,7 @@
           <a:sym typeface="Arial"/>
         </a:defRPr>
       </a:lvl7pPr>
-      <a:lvl8pPr lvl="7" marR="0" rtl="0" algn="l">
+      <a:lvl8pPr marR="0" lvl="7" algn="l" rtl="0">
         <a:lnSpc>
           <a:spcPct val="100000"/>
         </a:lnSpc>
@@ -7526,7 +7595,7 @@
           <a:srgbClr val="000000"/>
         </a:buClr>
         <a:buFont typeface="Arial"/>
-        <a:defRPr b="0" i="0" sz="1400" u="none" cap="none" strike="noStrike">
+        <a:defRPr sz="1400" b="0" i="0" u="none" strike="noStrike" cap="none">
           <a:solidFill>
             <a:srgbClr val="000000"/>
           </a:solidFill>
@@ -7536,7 +7605,7 @@
           <a:sym typeface="Arial"/>
         </a:defRPr>
       </a:lvl8pPr>
-      <a:lvl9pPr lvl="8" marR="0" rtl="0" algn="l">
+      <a:lvl9pPr marR="0" lvl="8" algn="l" rtl="0">
         <a:lnSpc>
           <a:spcPct val="100000"/>
         </a:lnSpc>
@@ -7550,7 +7619,7 @@
           <a:srgbClr val="000000"/>
         </a:buClr>
         <a:buFont typeface="Arial"/>
-        <a:defRPr b="0" i="0" sz="1400" u="none" cap="none" strike="noStrike">
+        <a:defRPr sz="1400" b="0" i="0" u="none" strike="noStrike" cap="none">
           <a:solidFill>
             <a:srgbClr val="000000"/>
           </a:solidFill>
@@ -7562,7 +7631,7 @@
       </a:lvl9pPr>
     </p:bodyStyle>
     <p:otherStyle>
-      <a:defPPr lvl="0" marR="0" rtl="0" algn="l">
+      <a:defPPr marR="0" lvl="0" algn="l" rtl="0">
         <a:lnSpc>
           <a:spcPct val="100000"/>
         </a:lnSpc>
@@ -7573,7 +7642,7 @@
           <a:spcPts val="0"/>
         </a:spcAft>
       </a:defPPr>
-      <a:lvl1pPr lvl="0" marR="0" rtl="0" algn="l">
+      <a:lvl1pPr marR="0" lvl="0" algn="l" rtl="0">
         <a:lnSpc>
           <a:spcPct val="100000"/>
         </a:lnSpc>
@@ -7587,7 +7656,7 @@
           <a:srgbClr val="000000"/>
         </a:buClr>
         <a:buFont typeface="Arial"/>
-        <a:defRPr b="0" i="0" sz="1400" u="none" cap="none" strike="noStrike">
+        <a:defRPr sz="1400" b="0" i="0" u="none" strike="noStrike" cap="none">
           <a:solidFill>
             <a:srgbClr val="000000"/>
           </a:solidFill>
@@ -7597,7 +7666,7 @@
           <a:sym typeface="Arial"/>
         </a:defRPr>
       </a:lvl1pPr>
-      <a:lvl2pPr lvl="1" marR="0" rtl="0" algn="l">
+      <a:lvl2pPr marR="0" lvl="1" algn="l" rtl="0">
         <a:lnSpc>
           <a:spcPct val="100000"/>
         </a:lnSpc>
@@ -7611,7 +7680,7 @@
           <a:srgbClr val="000000"/>
         </a:buClr>
         <a:buFont typeface="Arial"/>
-        <a:defRPr b="0" i="0" sz="1400" u="none" cap="none" strike="noStrike">
+        <a:defRPr sz="1400" b="0" i="0" u="none" strike="noStrike" cap="none">
           <a:solidFill>
             <a:srgbClr val="000000"/>
           </a:solidFill>
@@ -7621,7 +7690,7 @@
           <a:sym typeface="Arial"/>
         </a:defRPr>
       </a:lvl2pPr>
-      <a:lvl3pPr lvl="2" marR="0" rtl="0" algn="l">
+      <a:lvl3pPr marR="0" lvl="2" algn="l" rtl="0">
         <a:lnSpc>
           <a:spcPct val="100000"/>
         </a:lnSpc>
@@ -7635,7 +7704,7 @@
           <a:srgbClr val="000000"/>
         </a:buClr>
         <a:buFont typeface="Arial"/>
-        <a:defRPr b="0" i="0" sz="1400" u="none" cap="none" strike="noStrike">
+        <a:defRPr sz="1400" b="0" i="0" u="none" strike="noStrike" cap="none">
           <a:solidFill>
             <a:srgbClr val="000000"/>
           </a:solidFill>
@@ -7645,7 +7714,7 @@
           <a:sym typeface="Arial"/>
         </a:defRPr>
       </a:lvl3pPr>
-      <a:lvl4pPr lvl="3" marR="0" rtl="0" algn="l">
+      <a:lvl4pPr marR="0" lvl="3" algn="l" rtl="0">
         <a:lnSpc>
           <a:spcPct val="100000"/>
         </a:lnSpc>
@@ -7659,7 +7728,7 @@
           <a:srgbClr val="000000"/>
         </a:buClr>
         <a:buFont typeface="Arial"/>
-        <a:defRPr b="0" i="0" sz="1400" u="none" cap="none" strike="noStrike">
+        <a:defRPr sz="1400" b="0" i="0" u="none" strike="noStrike" cap="none">
           <a:solidFill>
             <a:srgbClr val="000000"/>
           </a:solidFill>
@@ -7669,7 +7738,7 @@
           <a:sym typeface="Arial"/>
         </a:defRPr>
       </a:lvl4pPr>
-      <a:lvl5pPr lvl="4" marR="0" rtl="0" algn="l">
+      <a:lvl5pPr marR="0" lvl="4" algn="l" rtl="0">
         <a:lnSpc>
           <a:spcPct val="100000"/>
         </a:lnSpc>
@@ -7683,7 +7752,7 @@
           <a:srgbClr val="000000"/>
         </a:buClr>
         <a:buFont typeface="Arial"/>
-        <a:defRPr b="0" i="0" sz="1400" u="none" cap="none" strike="noStrike">
+        <a:defRPr sz="1400" b="0" i="0" u="none" strike="noStrike" cap="none">
           <a:solidFill>
             <a:srgbClr val="000000"/>
           </a:solidFill>
@@ -7693,7 +7762,7 @@
           <a:sym typeface="Arial"/>
         </a:defRPr>
       </a:lvl5pPr>
-      <a:lvl6pPr lvl="5" marR="0" rtl="0" algn="l">
+      <a:lvl6pPr marR="0" lvl="5" algn="l" rtl="0">
         <a:lnSpc>
           <a:spcPct val="100000"/>
         </a:lnSpc>
@@ -7707,7 +7776,7 @@
           <a:srgbClr val="000000"/>
         </a:buClr>
         <a:buFont typeface="Arial"/>
-        <a:defRPr b="0" i="0" sz="1400" u="none" cap="none" strike="noStrike">
+        <a:defRPr sz="1400" b="0" i="0" u="none" strike="noStrike" cap="none">
           <a:solidFill>
             <a:srgbClr val="000000"/>
           </a:solidFill>
@@ -7717,7 +7786,7 @@
           <a:sym typeface="Arial"/>
         </a:defRPr>
       </a:lvl6pPr>
-      <a:lvl7pPr lvl="6" marR="0" rtl="0" algn="l">
+      <a:lvl7pPr marR="0" lvl="6" algn="l" rtl="0">
         <a:lnSpc>
           <a:spcPct val="100000"/>
         </a:lnSpc>
@@ -7731,7 +7800,7 @@
           <a:srgbClr val="000000"/>
         </a:buClr>
         <a:buFont typeface="Arial"/>
-        <a:defRPr b="0" i="0" sz="1400" u="none" cap="none" strike="noStrike">
+        <a:defRPr sz="1400" b="0" i="0" u="none" strike="noStrike" cap="none">
           <a:solidFill>
             <a:srgbClr val="000000"/>
           </a:solidFill>
@@ -7741,7 +7810,7 @@
           <a:sym typeface="Arial"/>
         </a:defRPr>
       </a:lvl7pPr>
-      <a:lvl8pPr lvl="7" marR="0" rtl="0" algn="l">
+      <a:lvl8pPr marR="0" lvl="7" algn="l" rtl="0">
         <a:lnSpc>
           <a:spcPct val="100000"/>
         </a:lnSpc>
@@ -7755,7 +7824,7 @@
           <a:srgbClr val="000000"/>
         </a:buClr>
         <a:buFont typeface="Arial"/>
-        <a:defRPr b="0" i="0" sz="1400" u="none" cap="none" strike="noStrike">
+        <a:defRPr sz="1400" b="0" i="0" u="none" strike="noStrike" cap="none">
           <a:solidFill>
             <a:srgbClr val="000000"/>
           </a:solidFill>
@@ -7765,7 +7834,7 @@
           <a:sym typeface="Arial"/>
         </a:defRPr>
       </a:lvl8pPr>
-      <a:lvl9pPr lvl="8" marR="0" rtl="0" algn="l">
+      <a:lvl9pPr marR="0" lvl="8" algn="l" rtl="0">
         <a:lnSpc>
           <a:spcPct val="100000"/>
         </a:lnSpc>
@@ -7779,7 +7848,7 @@
           <a:srgbClr val="000000"/>
         </a:buClr>
         <a:buFont typeface="Arial"/>
-        <a:defRPr b="0" i="0" sz="1400" u="none" cap="none" strike="noStrike">
+        <a:defRPr sz="1400" b="0" i="0" u="none" strike="noStrike" cap="none">
           <a:solidFill>
             <a:srgbClr val="000000"/>
           </a:solidFill>
@@ -7795,11 +7864,11 @@
 </file>
 
 <file path=ppt/slides/slide1.xml><?xml version="1.0" encoding="utf-8"?>
-<p:sld xmlns:a="http://schemas.openxmlformats.org/drawingml/2006/main" xmlns:r="http://schemas.openxmlformats.org/officeDocument/2006/relationships" xmlns:mc="http://schemas.openxmlformats.org/markup-compatibility/2006" xmlns:mv="urn:schemas-microsoft-com:mac:vml" xmlns:p="http://schemas.openxmlformats.org/presentationml/2006/main" xmlns:c="http://schemas.openxmlformats.org/drawingml/2006/chart" xmlns:dgm="http://schemas.openxmlformats.org/drawingml/2006/diagram" xmlns:o="urn:schemas-microsoft-com:office:office" xmlns:v="urn:schemas-microsoft-com:vml" xmlns:pvml="urn:schemas-microsoft-com:office:powerpoint" xmlns:com="http://schemas.openxmlformats.org/drawingml/2006/compatibility" xmlns:p14="http://schemas.microsoft.com/office/powerpoint/2010/main" xmlns:p15="http://schemas.microsoft.com/office/powerpoint/2012/main" xmlns:ahyp="http://schemas.microsoft.com/office/drawing/2018/hyperlinkcolor">
+<p:sld xmlns:a="http://schemas.openxmlformats.org/drawingml/2006/main" xmlns:r="http://schemas.openxmlformats.org/officeDocument/2006/relationships" xmlns:p="http://schemas.openxmlformats.org/presentationml/2006/main">
   <p:cSld>
     <p:spTree>
       <p:nvGrpSpPr>
-        <p:cNvPr id="84" name="Shape 84"/>
+        <p:cNvPr id="1" name="Shape 84"/>
         <p:cNvGrpSpPr/>
         <p:nvPr/>
       </p:nvGrpSpPr>
@@ -7814,7 +7883,9 @@
       <p:sp>
         <p:nvSpPr>
           <p:cNvPr id="85" name="Google Shape;85;p13"/>
-          <p:cNvSpPr txBox="1"/>
+          <p:cNvSpPr txBox="1">
+            <a:spLocks noGrp="1"/>
+          </p:cNvSpPr>
           <p:nvPr>
             <p:ph type="ctrTitle"/>
           </p:nvPr>
@@ -7829,12 +7900,12 @@
           </a:prstGeom>
         </p:spPr>
         <p:txBody>
-          <a:bodyPr anchorCtr="0" anchor="b" bIns="91425" lIns="91425" spcFirstLastPara="1" rIns="91425" wrap="square" tIns="91425">
+          <a:bodyPr spcFirstLastPara="1" wrap="square" lIns="91425" tIns="91425" rIns="91425" bIns="91425" anchor="b" anchorCtr="0">
             <a:noAutofit/>
           </a:bodyPr>
           <a:lstStyle/>
           <a:p>
-            <a:pPr indent="0" lvl="0" marL="0" rtl="0" algn="l">
+            <a:pPr marL="0" lvl="0" indent="0" algn="l" rtl="0">
               <a:spcBef>
                 <a:spcPts val="0"/>
               </a:spcBef>
@@ -7843,9 +7914,6 @@
               </a:spcAft>
               <a:buNone/>
             </a:pPr>
-            <a:r>
-              <a:t/>
-            </a:r>
             <a:endParaRPr/>
           </a:p>
         </p:txBody>
@@ -7853,9 +7921,11 @@
       <p:sp>
         <p:nvSpPr>
           <p:cNvPr id="86" name="Google Shape;86;p13"/>
-          <p:cNvSpPr txBox="1"/>
+          <p:cNvSpPr txBox="1">
+            <a:spLocks noGrp="1"/>
+          </p:cNvSpPr>
           <p:nvPr>
-            <p:ph idx="1" type="subTitle"/>
+            <p:ph type="subTitle" idx="1"/>
           </p:nvPr>
         </p:nvSpPr>
         <p:spPr>
@@ -7868,12 +7938,12 @@
           </a:prstGeom>
         </p:spPr>
         <p:txBody>
-          <a:bodyPr anchorCtr="0" anchor="t" bIns="91425" lIns="91425" spcFirstLastPara="1" rIns="91425" wrap="square" tIns="91425">
+          <a:bodyPr spcFirstLastPara="1" wrap="square" lIns="91425" tIns="91425" rIns="91425" bIns="91425" anchor="t" anchorCtr="0">
             <a:noAutofit/>
           </a:bodyPr>
           <a:lstStyle/>
           <a:p>
-            <a:pPr indent="0" lvl="0" marL="0" rtl="0" algn="l">
+            <a:pPr marL="0" lvl="0" indent="0" algn="l" rtl="0">
               <a:spcBef>
                 <a:spcPts val="0"/>
               </a:spcBef>
@@ -7882,9 +7952,6 @@
               </a:spcAft>
               <a:buNone/>
             </a:pPr>
-            <a:r>
-              <a:t/>
-            </a:r>
             <a:endParaRPr/>
           </a:p>
         </p:txBody>
@@ -7898,11 +7965,11 @@
 </file>
 
 <file path=ppt/slides/slide2.xml><?xml version="1.0" encoding="utf-8"?>
-<p:sld xmlns:a="http://schemas.openxmlformats.org/drawingml/2006/main" xmlns:r="http://schemas.openxmlformats.org/officeDocument/2006/relationships" xmlns:mc="http://schemas.openxmlformats.org/markup-compatibility/2006" xmlns:mv="urn:schemas-microsoft-com:mac:vml" xmlns:p="http://schemas.openxmlformats.org/presentationml/2006/main" xmlns:c="http://schemas.openxmlformats.org/drawingml/2006/chart" xmlns:dgm="http://schemas.openxmlformats.org/drawingml/2006/diagram" xmlns:o="urn:schemas-microsoft-com:office:office" xmlns:v="urn:schemas-microsoft-com:vml" xmlns:pvml="urn:schemas-microsoft-com:office:powerpoint" xmlns:com="http://schemas.openxmlformats.org/drawingml/2006/compatibility" xmlns:p14="http://schemas.microsoft.com/office/powerpoint/2010/main" xmlns:p15="http://schemas.microsoft.com/office/powerpoint/2012/main" xmlns:ahyp="http://schemas.microsoft.com/office/drawing/2018/hyperlinkcolor">
+<p:sld xmlns:a="http://schemas.openxmlformats.org/drawingml/2006/main" xmlns:r="http://schemas.openxmlformats.org/officeDocument/2006/relationships" xmlns:p="http://schemas.openxmlformats.org/presentationml/2006/main">
   <p:cSld>
     <p:spTree>
       <p:nvGrpSpPr>
-        <p:cNvPr id="90" name="Shape 90"/>
+        <p:cNvPr id="1" name="Shape 90"/>
         <p:cNvGrpSpPr/>
         <p:nvPr/>
       </p:nvGrpSpPr>
@@ -7917,7 +7984,9 @@
       <p:sp>
         <p:nvSpPr>
           <p:cNvPr id="91" name="Google Shape;91;p14"/>
-          <p:cNvSpPr txBox="1"/>
+          <p:cNvSpPr txBox="1">
+            <a:spLocks noGrp="1"/>
+          </p:cNvSpPr>
           <p:nvPr>
             <p:ph type="title"/>
           </p:nvPr>
@@ -7932,12 +8001,12 @@
           </a:prstGeom>
         </p:spPr>
         <p:txBody>
-          <a:bodyPr anchorCtr="0" anchor="t" bIns="91425" lIns="91425" spcFirstLastPara="1" rIns="91425" wrap="square" tIns="91425">
+          <a:bodyPr spcFirstLastPara="1" wrap="square" lIns="91425" tIns="91425" rIns="91425" bIns="91425" anchor="t" anchorCtr="0">
             <a:noAutofit/>
           </a:bodyPr>
           <a:lstStyle/>
           <a:p>
-            <a:pPr indent="0" lvl="0" marL="0" rtl="0" algn="l">
+            <a:pPr marL="0" lvl="0" indent="0" algn="l" rtl="0">
               <a:spcBef>
                 <a:spcPts val="0"/>
               </a:spcBef>
@@ -7946,9 +8015,6 @@
               </a:spcAft>
               <a:buNone/>
             </a:pPr>
-            <a:r>
-              <a:t/>
-            </a:r>
             <a:endParaRPr/>
           </a:p>
         </p:txBody>
@@ -7956,9 +8022,11 @@
       <p:sp>
         <p:nvSpPr>
           <p:cNvPr id="92" name="Google Shape;92;p14"/>
-          <p:cNvSpPr txBox="1"/>
+          <p:cNvSpPr txBox="1">
+            <a:spLocks noGrp="1"/>
+          </p:cNvSpPr>
           <p:nvPr>
-            <p:ph idx="1" type="body"/>
+            <p:ph type="body" idx="1"/>
           </p:nvPr>
         </p:nvSpPr>
         <p:spPr>
@@ -7971,12 +8039,12 @@
           </a:prstGeom>
         </p:spPr>
         <p:txBody>
-          <a:bodyPr anchorCtr="0" anchor="t" bIns="91425" lIns="91425" spcFirstLastPara="1" rIns="91425" wrap="square" tIns="91425">
+          <a:bodyPr spcFirstLastPara="1" wrap="square" lIns="91425" tIns="91425" rIns="91425" bIns="91425" anchor="t" anchorCtr="0">
             <a:noAutofit/>
           </a:bodyPr>
           <a:lstStyle/>
           <a:p>
-            <a:pPr indent="0" lvl="0" marL="0" rtl="0" algn="l">
+            <a:pPr marL="0" lvl="0" indent="0" algn="l" rtl="0">
               <a:spcBef>
                 <a:spcPts val="0"/>
               </a:spcBef>
@@ -7985,9 +8053,6 @@
               </a:spcAft>
               <a:buNone/>
             </a:pPr>
-            <a:r>
-              <a:t/>
-            </a:r>
             <a:endParaRPr/>
           </a:p>
         </p:txBody>
@@ -8001,11 +8066,11 @@
 </file>
 
 <file path=ppt/slides/slide3.xml><?xml version="1.0" encoding="utf-8"?>
-<p:sld xmlns:a="http://schemas.openxmlformats.org/drawingml/2006/main" xmlns:r="http://schemas.openxmlformats.org/officeDocument/2006/relationships" xmlns:mc="http://schemas.openxmlformats.org/markup-compatibility/2006" xmlns:mv="urn:schemas-microsoft-com:mac:vml" xmlns:p="http://schemas.openxmlformats.org/presentationml/2006/main" xmlns:c="http://schemas.openxmlformats.org/drawingml/2006/chart" xmlns:dgm="http://schemas.openxmlformats.org/drawingml/2006/diagram" xmlns:o="urn:schemas-microsoft-com:office:office" xmlns:v="urn:schemas-microsoft-com:vml" xmlns:pvml="urn:schemas-microsoft-com:office:powerpoint" xmlns:com="http://schemas.openxmlformats.org/drawingml/2006/compatibility" xmlns:p14="http://schemas.microsoft.com/office/powerpoint/2010/main" xmlns:p15="http://schemas.microsoft.com/office/powerpoint/2012/main" xmlns:ahyp="http://schemas.microsoft.com/office/drawing/2018/hyperlinkcolor">
+<p:sld xmlns:a="http://schemas.openxmlformats.org/drawingml/2006/main" xmlns:r="http://schemas.openxmlformats.org/officeDocument/2006/relationships" xmlns:p="http://schemas.openxmlformats.org/presentationml/2006/main">
   <p:cSld>
     <p:spTree>
       <p:nvGrpSpPr>
-        <p:cNvPr id="96" name="Shape 96"/>
+        <p:cNvPr id="1" name="Shape 96"/>
         <p:cNvGrpSpPr/>
         <p:nvPr/>
       </p:nvGrpSpPr>
@@ -8020,7 +8085,9 @@
       <p:sp>
         <p:nvSpPr>
           <p:cNvPr id="97" name="Google Shape;97;p15"/>
-          <p:cNvSpPr txBox="1"/>
+          <p:cNvSpPr txBox="1">
+            <a:spLocks noGrp="1"/>
+          </p:cNvSpPr>
           <p:nvPr>
             <p:ph type="title"/>
           </p:nvPr>
@@ -8035,12 +8102,12 @@
           </a:prstGeom>
         </p:spPr>
         <p:txBody>
-          <a:bodyPr anchorCtr="0" anchor="t" bIns="91425" lIns="91425" spcFirstLastPara="1" rIns="91425" wrap="square" tIns="91425">
+          <a:bodyPr spcFirstLastPara="1" wrap="square" lIns="91425" tIns="91425" rIns="91425" bIns="91425" anchor="t" anchorCtr="0">
             <a:noAutofit/>
           </a:bodyPr>
           <a:lstStyle/>
           <a:p>
-            <a:pPr indent="0" lvl="0" marL="0" rtl="0" algn="l">
+            <a:pPr marL="0" lvl="0" indent="0" algn="l" rtl="0">
               <a:spcBef>
                 <a:spcPts val="0"/>
               </a:spcBef>
@@ -8049,9 +8116,6 @@
               </a:spcAft>
               <a:buNone/>
             </a:pPr>
-            <a:r>
-              <a:t/>
-            </a:r>
             <a:endParaRPr/>
           </a:p>
         </p:txBody>
@@ -8059,9 +8123,11 @@
       <p:sp>
         <p:nvSpPr>
           <p:cNvPr id="98" name="Google Shape;98;p15"/>
-          <p:cNvSpPr txBox="1"/>
+          <p:cNvSpPr txBox="1">
+            <a:spLocks noGrp="1"/>
+          </p:cNvSpPr>
           <p:nvPr>
-            <p:ph idx="1" type="body"/>
+            <p:ph type="body" idx="1"/>
           </p:nvPr>
         </p:nvSpPr>
         <p:spPr>
@@ -8074,12 +8140,12 @@
           </a:prstGeom>
         </p:spPr>
         <p:txBody>
-          <a:bodyPr anchorCtr="0" anchor="t" bIns="91425" lIns="91425" spcFirstLastPara="1" rIns="91425" wrap="square" tIns="91425">
+          <a:bodyPr spcFirstLastPara="1" wrap="square" lIns="91425" tIns="91425" rIns="91425" bIns="91425" anchor="t" anchorCtr="0">
             <a:noAutofit/>
           </a:bodyPr>
           <a:lstStyle/>
           <a:p>
-            <a:pPr indent="0" lvl="0" marL="0" rtl="0" algn="l">
+            <a:pPr marL="0" lvl="0" indent="0" algn="l" rtl="0">
               <a:spcBef>
                 <a:spcPts val="0"/>
               </a:spcBef>
@@ -8088,9 +8154,6 @@
               </a:spcAft>
               <a:buNone/>
             </a:pPr>
-            <a:r>
-              <a:t/>
-            </a:r>
             <a:endParaRPr/>
           </a:p>
         </p:txBody>
@@ -8104,11 +8167,11 @@
 </file>
 
 <file path=ppt/slides/slide4.xml><?xml version="1.0" encoding="utf-8"?>
-<p:sld xmlns:a="http://schemas.openxmlformats.org/drawingml/2006/main" xmlns:r="http://schemas.openxmlformats.org/officeDocument/2006/relationships" xmlns:mc="http://schemas.openxmlformats.org/markup-compatibility/2006" xmlns:mv="urn:schemas-microsoft-com:mac:vml" xmlns:p="http://schemas.openxmlformats.org/presentationml/2006/main" xmlns:c="http://schemas.openxmlformats.org/drawingml/2006/chart" xmlns:dgm="http://schemas.openxmlformats.org/drawingml/2006/diagram" xmlns:o="urn:schemas-microsoft-com:office:office" xmlns:v="urn:schemas-microsoft-com:vml" xmlns:pvml="urn:schemas-microsoft-com:office:powerpoint" xmlns:com="http://schemas.openxmlformats.org/drawingml/2006/compatibility" xmlns:p14="http://schemas.microsoft.com/office/powerpoint/2010/main" xmlns:p15="http://schemas.microsoft.com/office/powerpoint/2012/main" xmlns:ahyp="http://schemas.microsoft.com/office/drawing/2018/hyperlinkcolor">
+<p:sld xmlns:a="http://schemas.openxmlformats.org/drawingml/2006/main" xmlns:r="http://schemas.openxmlformats.org/officeDocument/2006/relationships" xmlns:p="http://schemas.openxmlformats.org/presentationml/2006/main">
   <p:cSld>
     <p:spTree>
       <p:nvGrpSpPr>
-        <p:cNvPr id="102" name="Shape 102"/>
+        <p:cNvPr id="1" name="Shape 102"/>
         <p:cNvGrpSpPr/>
         <p:nvPr/>
       </p:nvGrpSpPr>
@@ -8123,7 +8186,9 @@
       <p:sp>
         <p:nvSpPr>
           <p:cNvPr id="103" name="Google Shape;103;p16"/>
-          <p:cNvSpPr txBox="1"/>
+          <p:cNvSpPr txBox="1">
+            <a:spLocks noGrp="1"/>
+          </p:cNvSpPr>
           <p:nvPr>
             <p:ph type="title"/>
           </p:nvPr>
@@ -8138,12 +8203,12 @@
           </a:prstGeom>
         </p:spPr>
         <p:txBody>
-          <a:bodyPr anchorCtr="0" anchor="t" bIns="91425" lIns="91425" spcFirstLastPara="1" rIns="91425" wrap="square" tIns="91425">
+          <a:bodyPr spcFirstLastPara="1" wrap="square" lIns="91425" tIns="91425" rIns="91425" bIns="91425" anchor="t" anchorCtr="0">
             <a:noAutofit/>
           </a:bodyPr>
           <a:lstStyle/>
           <a:p>
-            <a:pPr indent="0" lvl="0" marL="0" rtl="0" algn="l">
+            <a:pPr marL="0" lvl="0" indent="0" algn="l" rtl="0">
               <a:spcBef>
                 <a:spcPts val="0"/>
               </a:spcBef>
@@ -8152,9 +8217,6 @@
               </a:spcAft>
               <a:buNone/>
             </a:pPr>
-            <a:r>
-              <a:t/>
-            </a:r>
             <a:endParaRPr/>
           </a:p>
         </p:txBody>
@@ -8162,9 +8224,11 @@
       <p:sp>
         <p:nvSpPr>
           <p:cNvPr id="104" name="Google Shape;104;p16"/>
-          <p:cNvSpPr txBox="1"/>
+          <p:cNvSpPr txBox="1">
+            <a:spLocks noGrp="1"/>
+          </p:cNvSpPr>
           <p:nvPr>
-            <p:ph idx="1" type="body"/>
+            <p:ph type="body" idx="1"/>
           </p:nvPr>
         </p:nvSpPr>
         <p:spPr>
@@ -8177,12 +8241,12 @@
           </a:prstGeom>
         </p:spPr>
         <p:txBody>
-          <a:bodyPr anchorCtr="0" anchor="t" bIns="91425" lIns="91425" spcFirstLastPara="1" rIns="91425" wrap="square" tIns="91425">
+          <a:bodyPr spcFirstLastPara="1" wrap="square" lIns="91425" tIns="91425" rIns="91425" bIns="91425" anchor="t" anchorCtr="0">
             <a:noAutofit/>
           </a:bodyPr>
           <a:lstStyle/>
           <a:p>
-            <a:pPr indent="0" lvl="0" marL="0" rtl="0" algn="l">
+            <a:pPr marL="0" lvl="0" indent="0" algn="l" rtl="0">
               <a:spcBef>
                 <a:spcPts val="0"/>
               </a:spcBef>
@@ -8191,9 +8255,6 @@
               </a:spcAft>
               <a:buNone/>
             </a:pPr>
-            <a:r>
-              <a:t/>
-            </a:r>
             <a:endParaRPr/>
           </a:p>
         </p:txBody>
@@ -8207,11 +8268,11 @@
 </file>
 
 <file path=ppt/slides/slide5.xml><?xml version="1.0" encoding="utf-8"?>
-<p:sld xmlns:a="http://schemas.openxmlformats.org/drawingml/2006/main" xmlns:r="http://schemas.openxmlformats.org/officeDocument/2006/relationships" xmlns:mc="http://schemas.openxmlformats.org/markup-compatibility/2006" xmlns:mv="urn:schemas-microsoft-com:mac:vml" xmlns:p="http://schemas.openxmlformats.org/presentationml/2006/main" xmlns:c="http://schemas.openxmlformats.org/drawingml/2006/chart" xmlns:dgm="http://schemas.openxmlformats.org/drawingml/2006/diagram" xmlns:o="urn:schemas-microsoft-com:office:office" xmlns:v="urn:schemas-microsoft-com:vml" xmlns:pvml="urn:schemas-microsoft-com:office:powerpoint" xmlns:com="http://schemas.openxmlformats.org/drawingml/2006/compatibility" xmlns:p14="http://schemas.microsoft.com/office/powerpoint/2010/main" xmlns:p15="http://schemas.microsoft.com/office/powerpoint/2012/main" xmlns:ahyp="http://schemas.microsoft.com/office/drawing/2018/hyperlinkcolor">
+<p:sld xmlns:a="http://schemas.openxmlformats.org/drawingml/2006/main" xmlns:r="http://schemas.openxmlformats.org/officeDocument/2006/relationships" xmlns:p="http://schemas.openxmlformats.org/presentationml/2006/main">
   <p:cSld>
     <p:spTree>
       <p:nvGrpSpPr>
-        <p:cNvPr id="108" name="Shape 108"/>
+        <p:cNvPr id="1" name="Shape 108"/>
         <p:cNvGrpSpPr/>
         <p:nvPr/>
       </p:nvGrpSpPr>
@@ -8226,7 +8287,9 @@
       <p:sp>
         <p:nvSpPr>
           <p:cNvPr id="109" name="Google Shape;109;p17"/>
-          <p:cNvSpPr txBox="1"/>
+          <p:cNvSpPr txBox="1">
+            <a:spLocks noGrp="1"/>
+          </p:cNvSpPr>
           <p:nvPr>
             <p:ph type="title"/>
           </p:nvPr>
@@ -8234,19 +8297,19 @@
         <p:spPr>
           <a:xfrm>
             <a:off x="311700" y="410000"/>
-            <a:ext cx="8520600" cy="607800"/>
+            <a:ext cx="8580254" cy="2081154"/>
           </a:xfrm>
           <a:prstGeom prst="rect">
             <a:avLst/>
           </a:prstGeom>
         </p:spPr>
         <p:txBody>
-          <a:bodyPr anchorCtr="0" anchor="t" bIns="91425" lIns="91425" spcFirstLastPara="1" rIns="91425" wrap="square" tIns="91425">
+          <a:bodyPr spcFirstLastPara="1" wrap="square" lIns="91425" tIns="91425" rIns="91425" bIns="91425" anchor="t" anchorCtr="0">
             <a:noAutofit/>
           </a:bodyPr>
           <a:lstStyle/>
           <a:p>
-            <a:pPr indent="0" lvl="0" marL="0" rtl="0" algn="l">
+            <a:pPr marL="0" lvl="0" indent="0" rtl="0">
               <a:spcBef>
                 <a:spcPts val="0"/>
               </a:spcBef>
@@ -8256,48 +8319,241 @@
               <a:buNone/>
             </a:pPr>
             <a:r>
-              <a:t/>
+              <a:rPr lang="en-US" sz="1200" b="1" dirty="0">
+                <a:latin typeface="Times New Roman" panose="02020603050405020304" pitchFamily="18" charset="0"/>
+                <a:cs typeface="Times New Roman" panose="02020603050405020304" pitchFamily="18" charset="0"/>
+              </a:rPr>
+              <a:t>AUTOMATIC IMAGE STYLIZATION USING DEEP FULLY CONVOLUTIONAL NETWORKS </a:t>
             </a:r>
-            <a:endParaRPr/>
+            <a:r>
+              <a:rPr lang="en-US" sz="1200" dirty="0">
+                <a:latin typeface="Times New Roman" panose="02020603050405020304" pitchFamily="18" charset="0"/>
+                <a:cs typeface="Times New Roman" panose="02020603050405020304" pitchFamily="18" charset="0"/>
+              </a:rPr>
+              <a:t>:</a:t>
+            </a:r>
+            <a:br>
+              <a:rPr lang="en-US" sz="1200" dirty="0">
+                <a:latin typeface="Times New Roman" panose="02020603050405020304" pitchFamily="18" charset="0"/>
+                <a:cs typeface="Times New Roman" panose="02020603050405020304" pitchFamily="18" charset="0"/>
+              </a:rPr>
+            </a:br>
+            <a:br>
+              <a:rPr lang="en-US" sz="1200" dirty="0">
+                <a:latin typeface="Times New Roman" panose="02020603050405020304" pitchFamily="18" charset="0"/>
+                <a:cs typeface="Times New Roman" panose="02020603050405020304" pitchFamily="18" charset="0"/>
+              </a:rPr>
+            </a:br>
+            <a:r>
+              <a:rPr lang="en-US" sz="1200" dirty="0">
+                <a:latin typeface="Times New Roman" panose="02020603050405020304" pitchFamily="18" charset="0"/>
+                <a:cs typeface="Times New Roman" panose="02020603050405020304" pitchFamily="18" charset="0"/>
+              </a:rPr>
+              <a:t>       </a:t>
+            </a:r>
+            <a:r>
+              <a:rPr lang="en-US" sz="1000" dirty="0">
+                <a:solidFill>
+                  <a:schemeClr val="bg2">
+                    <a:lumMod val="50000"/>
+                  </a:schemeClr>
+                </a:solidFill>
+                <a:latin typeface="Times New Roman" panose="02020603050405020304" pitchFamily="18" charset="0"/>
+                <a:cs typeface="Times New Roman" panose="02020603050405020304" pitchFamily="18" charset="0"/>
+              </a:rPr>
+              <a:t>Conventional automatic photo adjustment has difficulty in representing complex color transforms between images before and after adjustment.</a:t>
+            </a:r>
+            <a:br>
+              <a:rPr lang="en-US" sz="1000" dirty="0">
+                <a:solidFill>
+                  <a:schemeClr val="bg2">
+                    <a:lumMod val="50000"/>
+                  </a:schemeClr>
+                </a:solidFill>
+                <a:latin typeface="Times New Roman" panose="02020603050405020304" pitchFamily="18" charset="0"/>
+                <a:cs typeface="Times New Roman" panose="02020603050405020304" pitchFamily="18" charset="0"/>
+              </a:rPr>
+            </a:br>
+            <a:r>
+              <a:rPr lang="en-US" sz="1000" dirty="0">
+                <a:solidFill>
+                  <a:schemeClr val="bg2">
+                    <a:lumMod val="50000"/>
+                  </a:schemeClr>
+                </a:solidFill>
+                <a:latin typeface="Times New Roman" panose="02020603050405020304" pitchFamily="18" charset="0"/>
+                <a:cs typeface="Times New Roman" panose="02020603050405020304" pitchFamily="18" charset="0"/>
+              </a:rPr>
+              <a:t>         Most of them merely model global color transforms without considering local semantic contexts.</a:t>
+            </a:r>
+            <a:br>
+              <a:rPr lang="en-US" sz="1000" dirty="0">
+                <a:solidFill>
+                  <a:schemeClr val="bg2">
+                    <a:lumMod val="50000"/>
+                  </a:schemeClr>
+                </a:solidFill>
+                <a:latin typeface="Times New Roman" panose="02020603050405020304" pitchFamily="18" charset="0"/>
+                <a:cs typeface="Times New Roman" panose="02020603050405020304" pitchFamily="18" charset="0"/>
+              </a:rPr>
+            </a:br>
+            <a:br>
+              <a:rPr lang="en-US" sz="1000" dirty="0">
+                <a:solidFill>
+                  <a:schemeClr val="bg2">
+                    <a:lumMod val="50000"/>
+                  </a:schemeClr>
+                </a:solidFill>
+                <a:latin typeface="Times New Roman" panose="02020603050405020304" pitchFamily="18" charset="0"/>
+                <a:cs typeface="Times New Roman" panose="02020603050405020304" pitchFamily="18" charset="0"/>
+              </a:rPr>
+            </a:br>
+            <a:r>
+              <a:rPr lang="en-US" sz="1000" dirty="0">
+                <a:solidFill>
+                  <a:schemeClr val="bg2">
+                    <a:lumMod val="50000"/>
+                  </a:schemeClr>
+                </a:solidFill>
+                <a:latin typeface="Times New Roman" panose="02020603050405020304" pitchFamily="18" charset="0"/>
+                <a:cs typeface="Times New Roman" panose="02020603050405020304" pitchFamily="18" charset="0"/>
+              </a:rPr>
+              <a:t> </a:t>
+            </a:r>
+            <a:r>
+              <a:rPr lang="en-US" sz="1000" b="1" dirty="0">
+                <a:solidFill>
+                  <a:schemeClr val="bg2">
+                    <a:lumMod val="50000"/>
+                  </a:schemeClr>
+                </a:solidFill>
+                <a:latin typeface="Times New Roman" panose="02020603050405020304" pitchFamily="18" charset="0"/>
+                <a:cs typeface="Times New Roman" panose="02020603050405020304" pitchFamily="18" charset="0"/>
+              </a:rPr>
+              <a:t> Aim </a:t>
+            </a:r>
+            <a:r>
+              <a:rPr lang="en-US" sz="1000" dirty="0">
+                <a:solidFill>
+                  <a:schemeClr val="bg2">
+                    <a:lumMod val="50000"/>
+                  </a:schemeClr>
+                </a:solidFill>
+                <a:latin typeface="Times New Roman" panose="02020603050405020304" pitchFamily="18" charset="0"/>
+                <a:cs typeface="Times New Roman" panose="02020603050405020304" pitchFamily="18" charset="0"/>
+              </a:rPr>
+              <a:t>:  Given a set of exemplar image pairs, each representing a photo before and after pixel-level color and tone adjustments following a particular style, we                                    	wish to learn a computational model that can automatically adjust a novel input photo in the same style.</a:t>
+            </a:r>
+            <a:br>
+              <a:rPr lang="en-US" sz="1000" dirty="0">
+                <a:solidFill>
+                  <a:schemeClr val="bg2">
+                    <a:lumMod val="50000"/>
+                  </a:schemeClr>
+                </a:solidFill>
+                <a:latin typeface="Times New Roman" panose="02020603050405020304" pitchFamily="18" charset="0"/>
+                <a:cs typeface="Times New Roman" panose="02020603050405020304" pitchFamily="18" charset="0"/>
+              </a:rPr>
+            </a:br>
+            <a:br>
+              <a:rPr lang="en-US" sz="1050" dirty="0">
+                <a:solidFill>
+                  <a:schemeClr val="bg2">
+                    <a:lumMod val="50000"/>
+                  </a:schemeClr>
+                </a:solidFill>
+                <a:latin typeface="Times New Roman" panose="02020603050405020304" pitchFamily="18" charset="0"/>
+                <a:cs typeface="Times New Roman" panose="02020603050405020304" pitchFamily="18" charset="0"/>
+              </a:rPr>
+            </a:br>
+            <a:r>
+              <a:rPr lang="en-US" sz="1000" dirty="0">
+                <a:solidFill>
+                  <a:schemeClr val="bg2">
+                    <a:lumMod val="50000"/>
+                  </a:schemeClr>
+                </a:solidFill>
+                <a:latin typeface="Times New Roman" panose="02020603050405020304" pitchFamily="18" charset="0"/>
+                <a:cs typeface="Times New Roman" panose="02020603050405020304" pitchFamily="18" charset="0"/>
+              </a:rPr>
+              <a:t>    </a:t>
+            </a:r>
+            <a:r>
+              <a:rPr lang="en-US" sz="1200" dirty="0">
+                <a:latin typeface="Times New Roman" panose="02020603050405020304" pitchFamily="18" charset="0"/>
+                <a:cs typeface="Times New Roman" panose="02020603050405020304" pitchFamily="18" charset="0"/>
+              </a:rPr>
+              <a:t>	 </a:t>
+            </a:r>
+            <a:endParaRPr sz="1200" dirty="0">
+              <a:latin typeface="Times New Roman" panose="02020603050405020304" pitchFamily="18" charset="0"/>
+              <a:cs typeface="Times New Roman" panose="02020603050405020304" pitchFamily="18" charset="0"/>
+            </a:endParaRPr>
           </a:p>
         </p:txBody>
       </p:sp>
-      <p:sp>
-        <p:nvSpPr>
-          <p:cNvPr id="110" name="Google Shape;110;p17"/>
-          <p:cNvSpPr txBox="1"/>
-          <p:nvPr>
-            <p:ph idx="1" type="body"/>
-          </p:nvPr>
-        </p:nvSpPr>
+      <p:pic>
+        <p:nvPicPr>
+          <p:cNvPr id="3" name="Picture 2">
+            <a:extLst>
+              <a:ext uri="{FF2B5EF4-FFF2-40B4-BE49-F238E27FC236}">
+                <a16:creationId xmlns:a16="http://schemas.microsoft.com/office/drawing/2014/main" id="{3BBDA7E5-3274-4D0B-9DAF-BC91129DB421}"/>
+              </a:ext>
+            </a:extLst>
+          </p:cNvPr>
+          <p:cNvPicPr>
+            <a:picLocks noChangeAspect="1"/>
+          </p:cNvPicPr>
+          <p:nvPr/>
+        </p:nvPicPr>
+        <p:blipFill>
+          <a:blip r:embed="rId3"/>
+          <a:stretch>
+            <a:fillRect/>
+          </a:stretch>
+        </p:blipFill>
         <p:spPr>
           <a:xfrm>
-            <a:off x="311700" y="1229875"/>
-            <a:ext cx="8520600" cy="3339000"/>
+            <a:off x="487279" y="1798721"/>
+            <a:ext cx="3200401" cy="2502296"/>
           </a:xfrm>
           <a:prstGeom prst="rect">
             <a:avLst/>
           </a:prstGeom>
         </p:spPr>
+      </p:pic>
+      <p:sp>
+        <p:nvSpPr>
+          <p:cNvPr id="4" name="TextBox 3">
+            <a:extLst>
+              <a:ext uri="{FF2B5EF4-FFF2-40B4-BE49-F238E27FC236}">
+                <a16:creationId xmlns:a16="http://schemas.microsoft.com/office/drawing/2014/main" id="{2D913684-7F32-4741-8835-72DFDFDEB36A}"/>
+              </a:ext>
+            </a:extLst>
+          </p:cNvPr>
+          <p:cNvSpPr txBox="1"/>
+          <p:nvPr/>
+        </p:nvSpPr>
+        <p:spPr>
+          <a:xfrm>
+            <a:off x="7249026" y="4457700"/>
+            <a:ext cx="1257300" cy="307777"/>
+          </a:xfrm>
+          <a:prstGeom prst="rect">
+            <a:avLst/>
+          </a:prstGeom>
+          <a:noFill/>
+        </p:spPr>
         <p:txBody>
-          <a:bodyPr anchorCtr="0" anchor="t" bIns="91425" lIns="91425" spcFirstLastPara="1" rIns="91425" wrap="square" tIns="91425">
-            <a:noAutofit/>
+          <a:bodyPr wrap="square" rtlCol="0">
+            <a:spAutoFit/>
           </a:bodyPr>
           <a:lstStyle/>
           <a:p>
-            <a:pPr indent="0" lvl="0" marL="0" rtl="0" algn="l">
-              <a:spcBef>
-                <a:spcPts val="0"/>
-              </a:spcBef>
-              <a:spcAft>
-                <a:spcPts val="1600"/>
-              </a:spcAft>
-              <a:buNone/>
-            </a:pPr>
             <a:r>
-              <a:t/>
+              <a:rPr lang="en-IN" dirty="0"/>
+              <a:t>Abhishek rao</a:t>
             </a:r>
-            <a:endParaRPr/>
           </a:p>
         </p:txBody>
       </p:sp>
@@ -8310,7 +8566,288 @@
 </file>
 
 <file path=ppt/theme/theme1.xml><?xml version="1.0" encoding="utf-8"?>
-<a:theme xmlns:a="http://schemas.openxmlformats.org/drawingml/2006/main" xmlns:r="http://schemas.openxmlformats.org/officeDocument/2006/relationships">
+<a:theme xmlns:a="http://schemas.openxmlformats.org/drawingml/2006/main" name="Geometric">
+  <a:themeElements>
+    <a:clrScheme name="Geometric">
+      <a:dk1>
+        <a:srgbClr val="2A3990"/>
+      </a:dk1>
+      <a:lt1>
+        <a:srgbClr val="FFFFFF"/>
+      </a:lt1>
+      <a:dk2>
+        <a:srgbClr val="434343"/>
+      </a:dk2>
+      <a:lt2>
+        <a:srgbClr val="999999"/>
+      </a:lt2>
+      <a:accent1>
+        <a:srgbClr val="212D74"/>
+      </a:accent1>
+      <a:accent2>
+        <a:srgbClr val="3949AB"/>
+      </a:accent2>
+      <a:accent3>
+        <a:srgbClr val="9C254D"/>
+      </a:accent3>
+      <a:accent4>
+        <a:srgbClr val="D23369"/>
+      </a:accent4>
+      <a:accent5>
+        <a:srgbClr val="F06292"/>
+      </a:accent5>
+      <a:accent6>
+        <a:srgbClr val="7890CD"/>
+      </a:accent6>
+      <a:hlink>
+        <a:srgbClr val="F06292"/>
+      </a:hlink>
+      <a:folHlink>
+        <a:srgbClr val="F06292"/>
+      </a:folHlink>
+    </a:clrScheme>
+    <a:fontScheme name="Office">
+      <a:majorFont>
+        <a:latin typeface="Arial"/>
+        <a:ea typeface=""/>
+        <a:cs typeface=""/>
+        <a:font script="Jpan" typeface="ＭＳ Ｐゴシック"/>
+        <a:font script="Hang" typeface="맑은 고딕"/>
+        <a:font script="Hans" typeface="宋体"/>
+        <a:font script="Hant" typeface="新細明體"/>
+        <a:font script="Arab" typeface="Times New Roman"/>
+        <a:font script="Hebr" typeface="Times New Roman"/>
+        <a:font script="Thai" typeface="Angsana New"/>
+        <a:font script="Ethi" typeface="Nyala"/>
+        <a:font script="Beng" typeface="Vrinda"/>
+        <a:font script="Gujr" typeface="Shruti"/>
+        <a:font script="Khmr" typeface="MoolBoran"/>
+        <a:font script="Knda" typeface="Tunga"/>
+        <a:font script="Guru" typeface="Raavi"/>
+        <a:font script="Cans" typeface="Euphemia"/>
+        <a:font script="Cher" typeface="Plantagenet Cherokee"/>
+        <a:font script="Yiii" typeface="Microsoft Yi Baiti"/>
+        <a:font script="Tibt" typeface="Microsoft Himalaya"/>
+        <a:font script="Thaa" typeface="MV Boli"/>
+        <a:font script="Deva" typeface="Mangal"/>
+        <a:font script="Telu" typeface="Gautami"/>
+        <a:font script="Taml" typeface="Latha"/>
+        <a:font script="Syrc" typeface="Estrangelo Edessa"/>
+        <a:font script="Orya" typeface="Kalinga"/>
+        <a:font script="Mlym" typeface="Kartika"/>
+        <a:font script="Laoo" typeface="DokChampa"/>
+        <a:font script="Sinh" typeface="Iskoola Pota"/>
+        <a:font script="Mong" typeface="Mongolian Baiti"/>
+        <a:font script="Viet" typeface="Times New Roman"/>
+        <a:font script="Uigh" typeface="Microsoft Uighur"/>
+        <a:font script="Geor" typeface="Sylfaen"/>
+      </a:majorFont>
+      <a:minorFont>
+        <a:latin typeface="Arial"/>
+        <a:ea typeface=""/>
+        <a:cs typeface=""/>
+        <a:font script="Jpan" typeface="ＭＳ Ｐゴシック"/>
+        <a:font script="Hang" typeface="맑은 고딕"/>
+        <a:font script="Hans" typeface="宋体"/>
+        <a:font script="Hant" typeface="新細明體"/>
+        <a:font script="Arab" typeface="Arial"/>
+        <a:font script="Hebr" typeface="Arial"/>
+        <a:font script="Thai" typeface="Cordia New"/>
+        <a:font script="Ethi" typeface="Nyala"/>
+        <a:font script="Beng" typeface="Vrinda"/>
+        <a:font script="Gujr" typeface="Shruti"/>
+        <a:font script="Khmr" typeface="DaunPenh"/>
+        <a:font script="Knda" typeface="Tunga"/>
+        <a:font script="Guru" typeface="Raavi"/>
+        <a:font script="Cans" typeface="Euphemia"/>
+        <a:font script="Cher" typeface="Plantagenet Cherokee"/>
+        <a:font script="Yiii" typeface="Microsoft Yi Baiti"/>
+        <a:font script="Tibt" typeface="Microsoft Himalaya"/>
+        <a:font script="Thaa" typeface="MV Boli"/>
+        <a:font script="Deva" typeface="Mangal"/>
+        <a:font script="Telu" typeface="Gautami"/>
+        <a:font script="Taml" typeface="Latha"/>
+        <a:font script="Syrc" typeface="Estrangelo Edessa"/>
+        <a:font script="Orya" typeface="Kalinga"/>
+        <a:font script="Mlym" typeface="Kartika"/>
+        <a:font script="Laoo" typeface="DokChampa"/>
+        <a:font script="Sinh" typeface="Iskoola Pota"/>
+        <a:font script="Mong" typeface="Mongolian Baiti"/>
+        <a:font script="Viet" typeface="Arial"/>
+        <a:font script="Uigh" typeface="Microsoft Uighur"/>
+        <a:font script="Geor" typeface="Sylfaen"/>
+      </a:minorFont>
+    </a:fontScheme>
+    <a:fmtScheme name="Office">
+      <a:fillStyleLst>
+        <a:solidFill>
+          <a:schemeClr val="phClr"/>
+        </a:solidFill>
+        <a:gradFill rotWithShape="1">
+          <a:gsLst>
+            <a:gs pos="0">
+              <a:schemeClr val="phClr">
+                <a:tint val="50000"/>
+                <a:satMod val="300000"/>
+              </a:schemeClr>
+            </a:gs>
+            <a:gs pos="35000">
+              <a:schemeClr val="phClr">
+                <a:tint val="37000"/>
+                <a:satMod val="300000"/>
+              </a:schemeClr>
+            </a:gs>
+            <a:gs pos="100000">
+              <a:schemeClr val="phClr">
+                <a:tint val="15000"/>
+                <a:satMod val="350000"/>
+              </a:schemeClr>
+            </a:gs>
+          </a:gsLst>
+          <a:lin ang="16200000" scaled="1"/>
+        </a:gradFill>
+        <a:gradFill rotWithShape="1">
+          <a:gsLst>
+            <a:gs pos="0">
+              <a:schemeClr val="phClr">
+                <a:tint val="100000"/>
+                <a:shade val="100000"/>
+                <a:satMod val="130000"/>
+              </a:schemeClr>
+            </a:gs>
+            <a:gs pos="100000">
+              <a:schemeClr val="phClr">
+                <a:tint val="50000"/>
+                <a:shade val="100000"/>
+                <a:satMod val="350000"/>
+              </a:schemeClr>
+            </a:gs>
+          </a:gsLst>
+          <a:lin ang="16200000" scaled="0"/>
+        </a:gradFill>
+      </a:fillStyleLst>
+      <a:lnStyleLst>
+        <a:ln w="9525" cap="flat" cmpd="sng" algn="ctr">
+          <a:solidFill>
+            <a:schemeClr val="phClr">
+              <a:shade val="95000"/>
+              <a:satMod val="105000"/>
+            </a:schemeClr>
+          </a:solidFill>
+          <a:prstDash val="solid"/>
+        </a:ln>
+        <a:ln w="25400" cap="flat" cmpd="sng" algn="ctr">
+          <a:solidFill>
+            <a:schemeClr val="phClr"/>
+          </a:solidFill>
+          <a:prstDash val="solid"/>
+        </a:ln>
+        <a:ln w="38100" cap="flat" cmpd="sng" algn="ctr">
+          <a:solidFill>
+            <a:schemeClr val="phClr"/>
+          </a:solidFill>
+          <a:prstDash val="solid"/>
+        </a:ln>
+      </a:lnStyleLst>
+      <a:effectStyleLst>
+        <a:effectStyle>
+          <a:effectLst>
+            <a:outerShdw blurRad="40000" dist="20000" dir="5400000" rotWithShape="0">
+              <a:srgbClr val="000000">
+                <a:alpha val="38000"/>
+              </a:srgbClr>
+            </a:outerShdw>
+          </a:effectLst>
+        </a:effectStyle>
+        <a:effectStyle>
+          <a:effectLst>
+            <a:outerShdw blurRad="40000" dist="23000" dir="5400000" rotWithShape="0">
+              <a:srgbClr val="000000">
+                <a:alpha val="35000"/>
+              </a:srgbClr>
+            </a:outerShdw>
+          </a:effectLst>
+        </a:effectStyle>
+        <a:effectStyle>
+          <a:effectLst>
+            <a:outerShdw blurRad="40000" dist="23000" dir="5400000" rotWithShape="0">
+              <a:srgbClr val="000000">
+                <a:alpha val="35000"/>
+              </a:srgbClr>
+            </a:outerShdw>
+          </a:effectLst>
+          <a:scene3d>
+            <a:camera prst="orthographicFront">
+              <a:rot lat="0" lon="0" rev="0"/>
+            </a:camera>
+            <a:lightRig rig="threePt" dir="t">
+              <a:rot lat="0" lon="0" rev="1200000"/>
+            </a:lightRig>
+          </a:scene3d>
+          <a:sp3d>
+            <a:bevelT w="63500" h="25400"/>
+          </a:sp3d>
+        </a:effectStyle>
+      </a:effectStyleLst>
+      <a:bgFillStyleLst>
+        <a:solidFill>
+          <a:schemeClr val="phClr"/>
+        </a:solidFill>
+        <a:gradFill rotWithShape="1">
+          <a:gsLst>
+            <a:gs pos="0">
+              <a:schemeClr val="phClr">
+                <a:tint val="40000"/>
+                <a:satMod val="350000"/>
+              </a:schemeClr>
+            </a:gs>
+            <a:gs pos="40000">
+              <a:schemeClr val="phClr">
+                <a:tint val="45000"/>
+                <a:shade val="99000"/>
+                <a:satMod val="350000"/>
+              </a:schemeClr>
+            </a:gs>
+            <a:gs pos="100000">
+              <a:schemeClr val="phClr">
+                <a:shade val="20000"/>
+                <a:satMod val="255000"/>
+              </a:schemeClr>
+            </a:gs>
+          </a:gsLst>
+          <a:path path="circle">
+            <a:fillToRect l="50000" t="-80000" r="50000" b="180000"/>
+          </a:path>
+        </a:gradFill>
+        <a:gradFill rotWithShape="1">
+          <a:gsLst>
+            <a:gs pos="0">
+              <a:schemeClr val="phClr">
+                <a:tint val="80000"/>
+                <a:satMod val="300000"/>
+              </a:schemeClr>
+            </a:gs>
+            <a:gs pos="100000">
+              <a:schemeClr val="phClr">
+                <a:shade val="30000"/>
+                <a:satMod val="200000"/>
+              </a:schemeClr>
+            </a:gs>
+          </a:gsLst>
+          <a:path path="circle">
+            <a:fillToRect l="50000" t="50000" r="50000" b="50000"/>
+          </a:path>
+        </a:gradFill>
+      </a:bgFillStyleLst>
+    </a:fmtScheme>
+  </a:themeElements>
+  <a:objectDefaults/>
+  <a:extraClrSchemeLst/>
+</a:theme>
+</file>
+
+<file path=ppt/theme/theme2.xml><?xml version="1.0" encoding="utf-8"?>
+<a:theme xmlns:a="http://schemas.openxmlformats.org/drawingml/2006/main">
   <a:themeElements>
     <a:clrScheme name="Default">
       <a:dk1>
@@ -8585,284 +9122,7 @@
       </a:bgFillStyleLst>
     </a:fmtScheme>
   </a:themeElements>
-</a:theme>
-</file>
-
-<file path=ppt/theme/theme2.xml><?xml version="1.0" encoding="utf-8"?>
-<a:theme xmlns:a="http://schemas.openxmlformats.org/drawingml/2006/main" xmlns:r="http://schemas.openxmlformats.org/officeDocument/2006/relationships" name="Geometric">
-  <a:themeElements>
-    <a:clrScheme name="Geometric">
-      <a:dk1>
-        <a:srgbClr val="2A3990"/>
-      </a:dk1>
-      <a:lt1>
-        <a:srgbClr val="FFFFFF"/>
-      </a:lt1>
-      <a:dk2>
-        <a:srgbClr val="434343"/>
-      </a:dk2>
-      <a:lt2>
-        <a:srgbClr val="999999"/>
-      </a:lt2>
-      <a:accent1>
-        <a:srgbClr val="212D74"/>
-      </a:accent1>
-      <a:accent2>
-        <a:srgbClr val="3949AB"/>
-      </a:accent2>
-      <a:accent3>
-        <a:srgbClr val="9C254D"/>
-      </a:accent3>
-      <a:accent4>
-        <a:srgbClr val="D23369"/>
-      </a:accent4>
-      <a:accent5>
-        <a:srgbClr val="F06292"/>
-      </a:accent5>
-      <a:accent6>
-        <a:srgbClr val="7890CD"/>
-      </a:accent6>
-      <a:hlink>
-        <a:srgbClr val="F06292"/>
-      </a:hlink>
-      <a:folHlink>
-        <a:srgbClr val="F06292"/>
-      </a:folHlink>
-    </a:clrScheme>
-    <a:fontScheme name="Office">
-      <a:majorFont>
-        <a:latin typeface="Arial"/>
-        <a:ea typeface=""/>
-        <a:cs typeface=""/>
-        <a:font script="Jpan" typeface="ＭＳ Ｐゴシック"/>
-        <a:font script="Hang" typeface="맑은 고딕"/>
-        <a:font script="Hans" typeface="宋体"/>
-        <a:font script="Hant" typeface="新細明體"/>
-        <a:font script="Arab" typeface="Times New Roman"/>
-        <a:font script="Hebr" typeface="Times New Roman"/>
-        <a:font script="Thai" typeface="Angsana New"/>
-        <a:font script="Ethi" typeface="Nyala"/>
-        <a:font script="Beng" typeface="Vrinda"/>
-        <a:font script="Gujr" typeface="Shruti"/>
-        <a:font script="Khmr" typeface="MoolBoran"/>
-        <a:font script="Knda" typeface="Tunga"/>
-        <a:font script="Guru" typeface="Raavi"/>
-        <a:font script="Cans" typeface="Euphemia"/>
-        <a:font script="Cher" typeface="Plantagenet Cherokee"/>
-        <a:font script="Yiii" typeface="Microsoft Yi Baiti"/>
-        <a:font script="Tibt" typeface="Microsoft Himalaya"/>
-        <a:font script="Thaa" typeface="MV Boli"/>
-        <a:font script="Deva" typeface="Mangal"/>
-        <a:font script="Telu" typeface="Gautami"/>
-        <a:font script="Taml" typeface="Latha"/>
-        <a:font script="Syrc" typeface="Estrangelo Edessa"/>
-        <a:font script="Orya" typeface="Kalinga"/>
-        <a:font script="Mlym" typeface="Kartika"/>
-        <a:font script="Laoo" typeface="DokChampa"/>
-        <a:font script="Sinh" typeface="Iskoola Pota"/>
-        <a:font script="Mong" typeface="Mongolian Baiti"/>
-        <a:font script="Viet" typeface="Times New Roman"/>
-        <a:font script="Uigh" typeface="Microsoft Uighur"/>
-        <a:font script="Geor" typeface="Sylfaen"/>
-      </a:majorFont>
-      <a:minorFont>
-        <a:latin typeface="Arial"/>
-        <a:ea typeface=""/>
-        <a:cs typeface=""/>
-        <a:font script="Jpan" typeface="ＭＳ Ｐゴシック"/>
-        <a:font script="Hang" typeface="맑은 고딕"/>
-        <a:font script="Hans" typeface="宋体"/>
-        <a:font script="Hant" typeface="新細明體"/>
-        <a:font script="Arab" typeface="Arial"/>
-        <a:font script="Hebr" typeface="Arial"/>
-        <a:font script="Thai" typeface="Cordia New"/>
-        <a:font script="Ethi" typeface="Nyala"/>
-        <a:font script="Beng" typeface="Vrinda"/>
-        <a:font script="Gujr" typeface="Shruti"/>
-        <a:font script="Khmr" typeface="DaunPenh"/>
-        <a:font script="Knda" typeface="Tunga"/>
-        <a:font script="Guru" typeface="Raavi"/>
-        <a:font script="Cans" typeface="Euphemia"/>
-        <a:font script="Cher" typeface="Plantagenet Cherokee"/>
-        <a:font script="Yiii" typeface="Microsoft Yi Baiti"/>
-        <a:font script="Tibt" typeface="Microsoft Himalaya"/>
-        <a:font script="Thaa" typeface="MV Boli"/>
-        <a:font script="Deva" typeface="Mangal"/>
-        <a:font script="Telu" typeface="Gautami"/>
-        <a:font script="Taml" typeface="Latha"/>
-        <a:font script="Syrc" typeface="Estrangelo Edessa"/>
-        <a:font script="Orya" typeface="Kalinga"/>
-        <a:font script="Mlym" typeface="Kartika"/>
-        <a:font script="Laoo" typeface="DokChampa"/>
-        <a:font script="Sinh" typeface="Iskoola Pota"/>
-        <a:font script="Mong" typeface="Mongolian Baiti"/>
-        <a:font script="Viet" typeface="Arial"/>
-        <a:font script="Uigh" typeface="Microsoft Uighur"/>
-        <a:font script="Geor" typeface="Sylfaen"/>
-      </a:minorFont>
-    </a:fontScheme>
-    <a:fmtScheme name="Office">
-      <a:fillStyleLst>
-        <a:solidFill>
-          <a:schemeClr val="phClr"/>
-        </a:solidFill>
-        <a:gradFill rotWithShape="1">
-          <a:gsLst>
-            <a:gs pos="0">
-              <a:schemeClr val="phClr">
-                <a:tint val="50000"/>
-                <a:satMod val="300000"/>
-              </a:schemeClr>
-            </a:gs>
-            <a:gs pos="35000">
-              <a:schemeClr val="phClr">
-                <a:tint val="37000"/>
-                <a:satMod val="300000"/>
-              </a:schemeClr>
-            </a:gs>
-            <a:gs pos="100000">
-              <a:schemeClr val="phClr">
-                <a:tint val="15000"/>
-                <a:satMod val="350000"/>
-              </a:schemeClr>
-            </a:gs>
-          </a:gsLst>
-          <a:lin ang="16200000" scaled="1"/>
-        </a:gradFill>
-        <a:gradFill rotWithShape="1">
-          <a:gsLst>
-            <a:gs pos="0">
-              <a:schemeClr val="phClr">
-                <a:tint val="100000"/>
-                <a:shade val="100000"/>
-                <a:satMod val="130000"/>
-              </a:schemeClr>
-            </a:gs>
-            <a:gs pos="100000">
-              <a:schemeClr val="phClr">
-                <a:tint val="50000"/>
-                <a:shade val="100000"/>
-                <a:satMod val="350000"/>
-              </a:schemeClr>
-            </a:gs>
-          </a:gsLst>
-          <a:lin ang="16200000" scaled="0"/>
-        </a:gradFill>
-      </a:fillStyleLst>
-      <a:lnStyleLst>
-        <a:ln w="9525" cap="flat" cmpd="sng" algn="ctr">
-          <a:solidFill>
-            <a:schemeClr val="phClr">
-              <a:shade val="95000"/>
-              <a:satMod val="105000"/>
-            </a:schemeClr>
-          </a:solidFill>
-          <a:prstDash val="solid"/>
-        </a:ln>
-        <a:ln w="25400" cap="flat" cmpd="sng" algn="ctr">
-          <a:solidFill>
-            <a:schemeClr val="phClr"/>
-          </a:solidFill>
-          <a:prstDash val="solid"/>
-        </a:ln>
-        <a:ln w="38100" cap="flat" cmpd="sng" algn="ctr">
-          <a:solidFill>
-            <a:schemeClr val="phClr"/>
-          </a:solidFill>
-          <a:prstDash val="solid"/>
-        </a:ln>
-      </a:lnStyleLst>
-      <a:effectStyleLst>
-        <a:effectStyle>
-          <a:effectLst>
-            <a:outerShdw blurRad="40000" dist="20000" dir="5400000" rotWithShape="0">
-              <a:srgbClr val="000000">
-                <a:alpha val="38000"/>
-              </a:srgbClr>
-            </a:outerShdw>
-          </a:effectLst>
-        </a:effectStyle>
-        <a:effectStyle>
-          <a:effectLst>
-            <a:outerShdw blurRad="40000" dist="23000" dir="5400000" rotWithShape="0">
-              <a:srgbClr val="000000">
-                <a:alpha val="35000"/>
-              </a:srgbClr>
-            </a:outerShdw>
-          </a:effectLst>
-        </a:effectStyle>
-        <a:effectStyle>
-          <a:effectLst>
-            <a:outerShdw blurRad="40000" dist="23000" dir="5400000" rotWithShape="0">
-              <a:srgbClr val="000000">
-                <a:alpha val="35000"/>
-              </a:srgbClr>
-            </a:outerShdw>
-          </a:effectLst>
-          <a:scene3d>
-            <a:camera prst="orthographicFront">
-              <a:rot lat="0" lon="0" rev="0"/>
-            </a:camera>
-            <a:lightRig rig="threePt" dir="t">
-              <a:rot lat="0" lon="0" rev="1200000"/>
-            </a:lightRig>
-          </a:scene3d>
-          <a:sp3d>
-            <a:bevelT w="63500" h="25400"/>
-          </a:sp3d>
-        </a:effectStyle>
-      </a:effectStyleLst>
-      <a:bgFillStyleLst>
-        <a:solidFill>
-          <a:schemeClr val="phClr"/>
-        </a:solidFill>
-        <a:gradFill rotWithShape="1">
-          <a:gsLst>
-            <a:gs pos="0">
-              <a:schemeClr val="phClr">
-                <a:tint val="40000"/>
-                <a:satMod val="350000"/>
-              </a:schemeClr>
-            </a:gs>
-            <a:gs pos="40000">
-              <a:schemeClr val="phClr">
-                <a:tint val="45000"/>
-                <a:shade val="99000"/>
-                <a:satMod val="350000"/>
-              </a:schemeClr>
-            </a:gs>
-            <a:gs pos="100000">
-              <a:schemeClr val="phClr">
-                <a:shade val="20000"/>
-                <a:satMod val="255000"/>
-              </a:schemeClr>
-            </a:gs>
-          </a:gsLst>
-          <a:path path="circle">
-            <a:fillToRect l="50000" t="-80000" r="50000" b="180000"/>
-          </a:path>
-        </a:gradFill>
-        <a:gradFill rotWithShape="1">
-          <a:gsLst>
-            <a:gs pos="0">
-              <a:schemeClr val="phClr">
-                <a:tint val="80000"/>
-                <a:satMod val="300000"/>
-              </a:schemeClr>
-            </a:gs>
-            <a:gs pos="100000">
-              <a:schemeClr val="phClr">
-                <a:shade val="30000"/>
-                <a:satMod val="200000"/>
-              </a:schemeClr>
-            </a:gs>
-          </a:gsLst>
-          <a:path path="circle">
-            <a:fillToRect l="50000" t="50000" r="50000" b="50000"/>
-          </a:path>
-        </a:gradFill>
-      </a:bgFillStyleLst>
-    </a:fmtScheme>
-  </a:themeElements>
+  <a:objectDefaults/>
+  <a:extraClrSchemeLst/>
 </a:theme>
 </file>
--- a/IDEAS FOR PROBLEM STATEMENT 5.pptx
+++ b/IDEAS FOR PROBLEM STATEMENT 5.pptx
@@ -2,27 +2,24 @@
 <file path=ppt/presentation.xml><?xml version="1.0" encoding="utf-8"?>
 <p:presentation xmlns:a="http://schemas.openxmlformats.org/drawingml/2006/main" xmlns:r="http://schemas.openxmlformats.org/officeDocument/2006/relationships" xmlns:p="http://schemas.openxmlformats.org/presentationml/2006/main" strictFirstAndLastChars="0" embedTrueTypeFonts="1" saveSubsetFonts="1" autoCompressPictures="0">
   <p:sldMasterIdLst>
-    <p:sldMasterId id="2147483659" r:id="rId1"/>
+    <p:sldMasterId id="2147483648" r:id="rId1"/>
   </p:sldMasterIdLst>
   <p:notesMasterIdLst>
-    <p:notesMasterId r:id="rId7"/>
+    <p:notesMasterId r:id="rId4"/>
   </p:notesMasterIdLst>
   <p:sldIdLst>
-    <p:sldId id="256" r:id="rId2"/>
-    <p:sldId id="257" r:id="rId3"/>
-    <p:sldId id="258" r:id="rId4"/>
-    <p:sldId id="259" r:id="rId5"/>
-    <p:sldId id="260" r:id="rId6"/>
+    <p:sldId id="256" r:id="rId3"/>
+    <p:sldId id="257" r:id="rId5"/>
+    <p:sldId id="258" r:id="rId6"/>
+    <p:sldId id="259" r:id="rId7"/>
+    <p:sldId id="260" r:id="rId8"/>
   </p:sldIdLst>
   <p:sldSz cx="9144000" cy="5143500" type="screen16x9"/>
   <p:notesSz cx="6858000" cy="9144000"/>
   <p:embeddedFontLst>
     <p:embeddedFont>
-      <p:font typeface="Roboto" panose="02000000000000000000" pitchFamily="2" charset="0"/>
-      <p:regular r:id="rId8"/>
-      <p:bold r:id="rId9"/>
-      <p:italic r:id="rId10"/>
-      <p:boldItalic r:id="rId11"/>
+      <p:font typeface="Roboto" panose="02000000000000000000"/>
+      <p:regular r:id="rId12"/>
     </p:embeddedFont>
   </p:embeddedFontLst>
   <p:defaultTextStyle>
@@ -50,15 +47,15 @@
       <a:buClr>
         <a:srgbClr val="000000"/>
       </a:buClr>
-      <a:buFont typeface="Arial"/>
+      <a:buFont typeface="Arial" panose="020B0604020202020204"/>
       <a:defRPr sz="1400" b="0" i="0" u="none" strike="noStrike" cap="none">
         <a:solidFill>
           <a:srgbClr val="000000"/>
         </a:solidFill>
-        <a:latin typeface="Arial"/>
-        <a:ea typeface="Arial"/>
-        <a:cs typeface="Arial"/>
-        <a:sym typeface="Arial"/>
+        <a:latin typeface="Arial" panose="020B0604020202020204"/>
+        <a:ea typeface="Arial" panose="020B0604020202020204"/>
+        <a:cs typeface="Arial" panose="020B0604020202020204"/>
+        <a:sym typeface="Arial" panose="020B0604020202020204"/>
       </a:defRPr>
     </a:lvl1pPr>
     <a:lvl2pPr marR="0" lvl="1" algn="l" rtl="0">
@@ -74,15 +71,15 @@
       <a:buClr>
         <a:srgbClr val="000000"/>
       </a:buClr>
-      <a:buFont typeface="Arial"/>
+      <a:buFont typeface="Arial" panose="020B0604020202020204"/>
       <a:defRPr sz="1400" b="0" i="0" u="none" strike="noStrike" cap="none">
         <a:solidFill>
           <a:srgbClr val="000000"/>
         </a:solidFill>
-        <a:latin typeface="Arial"/>
-        <a:ea typeface="Arial"/>
-        <a:cs typeface="Arial"/>
-        <a:sym typeface="Arial"/>
+        <a:latin typeface="Arial" panose="020B0604020202020204"/>
+        <a:ea typeface="Arial" panose="020B0604020202020204"/>
+        <a:cs typeface="Arial" panose="020B0604020202020204"/>
+        <a:sym typeface="Arial" panose="020B0604020202020204"/>
       </a:defRPr>
     </a:lvl2pPr>
     <a:lvl3pPr marR="0" lvl="2" algn="l" rtl="0">
@@ -98,15 +95,15 @@
       <a:buClr>
         <a:srgbClr val="000000"/>
       </a:buClr>
-      <a:buFont typeface="Arial"/>
+      <a:buFont typeface="Arial" panose="020B0604020202020204"/>
       <a:defRPr sz="1400" b="0" i="0" u="none" strike="noStrike" cap="none">
         <a:solidFill>
           <a:srgbClr val="000000"/>
         </a:solidFill>
-        <a:latin typeface="Arial"/>
-        <a:ea typeface="Arial"/>
-        <a:cs typeface="Arial"/>
-        <a:sym typeface="Arial"/>
+        <a:latin typeface="Arial" panose="020B0604020202020204"/>
+        <a:ea typeface="Arial" panose="020B0604020202020204"/>
+        <a:cs typeface="Arial" panose="020B0604020202020204"/>
+        <a:sym typeface="Arial" panose="020B0604020202020204"/>
       </a:defRPr>
     </a:lvl3pPr>
     <a:lvl4pPr marR="0" lvl="3" algn="l" rtl="0">
@@ -122,15 +119,15 @@
       <a:buClr>
         <a:srgbClr val="000000"/>
       </a:buClr>
-      <a:buFont typeface="Arial"/>
+      <a:buFont typeface="Arial" panose="020B0604020202020204"/>
       <a:defRPr sz="1400" b="0" i="0" u="none" strike="noStrike" cap="none">
         <a:solidFill>
           <a:srgbClr val="000000"/>
         </a:solidFill>
-        <a:latin typeface="Arial"/>
-        <a:ea typeface="Arial"/>
-        <a:cs typeface="Arial"/>
-        <a:sym typeface="Arial"/>
+        <a:latin typeface="Arial" panose="020B0604020202020204"/>
+        <a:ea typeface="Arial" panose="020B0604020202020204"/>
+        <a:cs typeface="Arial" panose="020B0604020202020204"/>
+        <a:sym typeface="Arial" panose="020B0604020202020204"/>
       </a:defRPr>
     </a:lvl4pPr>
     <a:lvl5pPr marR="0" lvl="4" algn="l" rtl="0">
@@ -146,15 +143,15 @@
       <a:buClr>
         <a:srgbClr val="000000"/>
       </a:buClr>
-      <a:buFont typeface="Arial"/>
+      <a:buFont typeface="Arial" panose="020B0604020202020204"/>
       <a:defRPr sz="1400" b="0" i="0" u="none" strike="noStrike" cap="none">
         <a:solidFill>
           <a:srgbClr val="000000"/>
         </a:solidFill>
-        <a:latin typeface="Arial"/>
-        <a:ea typeface="Arial"/>
-        <a:cs typeface="Arial"/>
-        <a:sym typeface="Arial"/>
+        <a:latin typeface="Arial" panose="020B0604020202020204"/>
+        <a:ea typeface="Arial" panose="020B0604020202020204"/>
+        <a:cs typeface="Arial" panose="020B0604020202020204"/>
+        <a:sym typeface="Arial" panose="020B0604020202020204"/>
       </a:defRPr>
     </a:lvl5pPr>
     <a:lvl6pPr marR="0" lvl="5" algn="l" rtl="0">
@@ -170,15 +167,15 @@
       <a:buClr>
         <a:srgbClr val="000000"/>
       </a:buClr>
-      <a:buFont typeface="Arial"/>
+      <a:buFont typeface="Arial" panose="020B0604020202020204"/>
       <a:defRPr sz="1400" b="0" i="0" u="none" strike="noStrike" cap="none">
         <a:solidFill>
           <a:srgbClr val="000000"/>
         </a:solidFill>
-        <a:latin typeface="Arial"/>
-        <a:ea typeface="Arial"/>
-        <a:cs typeface="Arial"/>
-        <a:sym typeface="Arial"/>
+        <a:latin typeface="Arial" panose="020B0604020202020204"/>
+        <a:ea typeface="Arial" panose="020B0604020202020204"/>
+        <a:cs typeface="Arial" panose="020B0604020202020204"/>
+        <a:sym typeface="Arial" panose="020B0604020202020204"/>
       </a:defRPr>
     </a:lvl6pPr>
     <a:lvl7pPr marR="0" lvl="6" algn="l" rtl="0">
@@ -194,15 +191,15 @@
       <a:buClr>
         <a:srgbClr val="000000"/>
       </a:buClr>
-      <a:buFont typeface="Arial"/>
+      <a:buFont typeface="Arial" panose="020B0604020202020204"/>
       <a:defRPr sz="1400" b="0" i="0" u="none" strike="noStrike" cap="none">
         <a:solidFill>
           <a:srgbClr val="000000"/>
         </a:solidFill>
-        <a:latin typeface="Arial"/>
-        <a:ea typeface="Arial"/>
-        <a:cs typeface="Arial"/>
-        <a:sym typeface="Arial"/>
+        <a:latin typeface="Arial" panose="020B0604020202020204"/>
+        <a:ea typeface="Arial" panose="020B0604020202020204"/>
+        <a:cs typeface="Arial" panose="020B0604020202020204"/>
+        <a:sym typeface="Arial" panose="020B0604020202020204"/>
       </a:defRPr>
     </a:lvl7pPr>
     <a:lvl8pPr marR="0" lvl="7" algn="l" rtl="0">
@@ -218,15 +215,15 @@
       <a:buClr>
         <a:srgbClr val="000000"/>
       </a:buClr>
-      <a:buFont typeface="Arial"/>
+      <a:buFont typeface="Arial" panose="020B0604020202020204"/>
       <a:defRPr sz="1400" b="0" i="0" u="none" strike="noStrike" cap="none">
         <a:solidFill>
           <a:srgbClr val="000000"/>
         </a:solidFill>
-        <a:latin typeface="Arial"/>
-        <a:ea typeface="Arial"/>
-        <a:cs typeface="Arial"/>
-        <a:sym typeface="Arial"/>
+        <a:latin typeface="Arial" panose="020B0604020202020204"/>
+        <a:ea typeface="Arial" panose="020B0604020202020204"/>
+        <a:cs typeface="Arial" panose="020B0604020202020204"/>
+        <a:sym typeface="Arial" panose="020B0604020202020204"/>
       </a:defRPr>
     </a:lvl8pPr>
     <a:lvl9pPr marR="0" lvl="8" algn="l" rtl="0">
@@ -242,34 +239,18 @@
       <a:buClr>
         <a:srgbClr val="000000"/>
       </a:buClr>
-      <a:buFont typeface="Arial"/>
+      <a:buFont typeface="Arial" panose="020B0604020202020204"/>
       <a:defRPr sz="1400" b="0" i="0" u="none" strike="noStrike" cap="none">
         <a:solidFill>
           <a:srgbClr val="000000"/>
         </a:solidFill>
-        <a:latin typeface="Arial"/>
-        <a:ea typeface="Arial"/>
-        <a:cs typeface="Arial"/>
-        <a:sym typeface="Arial"/>
+        <a:latin typeface="Arial" panose="020B0604020202020204"/>
+        <a:ea typeface="Arial" panose="020B0604020202020204"/>
+        <a:cs typeface="Arial" panose="020B0604020202020204"/>
+        <a:sym typeface="Arial" panose="020B0604020202020204"/>
       </a:defRPr>
     </a:lvl9pPr>
   </p:defaultTextStyle>
-  <p:extLst>
-    <p:ext uri="{EFAFB233-063F-42B5-8137-9DF3F51BA10A}">
-      <p15:sldGuideLst xmlns:p15="http://schemas.microsoft.com/office/powerpoint/2012/main">
-        <p15:guide id="1" orient="horz" pos="1620">
-          <p15:clr>
-            <a:srgbClr val="A4A3A4"/>
-          </p15:clr>
-        </p15:guide>
-        <p15:guide id="2" pos="2880">
-          <p15:clr>
-            <a:srgbClr val="A4A3A4"/>
-          </p15:clr>
-        </p15:guide>
-      </p15:sldGuideLst>
-    </p:ext>
-  </p:extLst>
 </p:presentation>
 </file>
 
@@ -474,9 +455,7 @@
               <a:defRPr sz="1100"/>
             </a:lvl9pPr>
           </a:lstStyle>
-          <a:p>
-            <a:endParaRPr/>
-          </a:p>
+          <a:p/>
         </p:txBody>
       </p:sp>
     </p:spTree>
@@ -507,15 +486,15 @@
       <a:buClr>
         <a:srgbClr val="000000"/>
       </a:buClr>
-      <a:buFont typeface="Arial"/>
+      <a:buFont typeface="Arial" panose="020B0604020202020204"/>
       <a:defRPr sz="1400" b="0" i="0" u="none" strike="noStrike" cap="none">
         <a:solidFill>
           <a:srgbClr val="000000"/>
         </a:solidFill>
-        <a:latin typeface="Arial"/>
-        <a:ea typeface="Arial"/>
-        <a:cs typeface="Arial"/>
-        <a:sym typeface="Arial"/>
+        <a:latin typeface="Arial" panose="020B0604020202020204"/>
+        <a:ea typeface="Arial" panose="020B0604020202020204"/>
+        <a:cs typeface="Arial" panose="020B0604020202020204"/>
+        <a:sym typeface="Arial" panose="020B0604020202020204"/>
       </a:defRPr>
     </a:lvl1pPr>
     <a:lvl2pPr marR="0" lvl="1" algn="l" rtl="0">
@@ -531,15 +510,15 @@
       <a:buClr>
         <a:srgbClr val="000000"/>
       </a:buClr>
-      <a:buFont typeface="Arial"/>
+      <a:buFont typeface="Arial" panose="020B0604020202020204"/>
       <a:defRPr sz="1400" b="0" i="0" u="none" strike="noStrike" cap="none">
         <a:solidFill>
           <a:srgbClr val="000000"/>
         </a:solidFill>
-        <a:latin typeface="Arial"/>
-        <a:ea typeface="Arial"/>
-        <a:cs typeface="Arial"/>
-        <a:sym typeface="Arial"/>
+        <a:latin typeface="Arial" panose="020B0604020202020204"/>
+        <a:ea typeface="Arial" panose="020B0604020202020204"/>
+        <a:cs typeface="Arial" panose="020B0604020202020204"/>
+        <a:sym typeface="Arial" panose="020B0604020202020204"/>
       </a:defRPr>
     </a:lvl2pPr>
     <a:lvl3pPr marR="0" lvl="2" algn="l" rtl="0">
@@ -555,15 +534,15 @@
       <a:buClr>
         <a:srgbClr val="000000"/>
       </a:buClr>
-      <a:buFont typeface="Arial"/>
+      <a:buFont typeface="Arial" panose="020B0604020202020204"/>
       <a:defRPr sz="1400" b="0" i="0" u="none" strike="noStrike" cap="none">
         <a:solidFill>
           <a:srgbClr val="000000"/>
         </a:solidFill>
-        <a:latin typeface="Arial"/>
-        <a:ea typeface="Arial"/>
-        <a:cs typeface="Arial"/>
-        <a:sym typeface="Arial"/>
+        <a:latin typeface="Arial" panose="020B0604020202020204"/>
+        <a:ea typeface="Arial" panose="020B0604020202020204"/>
+        <a:cs typeface="Arial" panose="020B0604020202020204"/>
+        <a:sym typeface="Arial" panose="020B0604020202020204"/>
       </a:defRPr>
     </a:lvl3pPr>
     <a:lvl4pPr marR="0" lvl="3" algn="l" rtl="0">
@@ -579,15 +558,15 @@
       <a:buClr>
         <a:srgbClr val="000000"/>
       </a:buClr>
-      <a:buFont typeface="Arial"/>
+      <a:buFont typeface="Arial" panose="020B0604020202020204"/>
       <a:defRPr sz="1400" b="0" i="0" u="none" strike="noStrike" cap="none">
         <a:solidFill>
           <a:srgbClr val="000000"/>
         </a:solidFill>
-        <a:latin typeface="Arial"/>
-        <a:ea typeface="Arial"/>
-        <a:cs typeface="Arial"/>
-        <a:sym typeface="Arial"/>
+        <a:latin typeface="Arial" panose="020B0604020202020204"/>
+        <a:ea typeface="Arial" panose="020B0604020202020204"/>
+        <a:cs typeface="Arial" panose="020B0604020202020204"/>
+        <a:sym typeface="Arial" panose="020B0604020202020204"/>
       </a:defRPr>
     </a:lvl4pPr>
     <a:lvl5pPr marR="0" lvl="4" algn="l" rtl="0">
@@ -603,15 +582,15 @@
       <a:buClr>
         <a:srgbClr val="000000"/>
       </a:buClr>
-      <a:buFont typeface="Arial"/>
+      <a:buFont typeface="Arial" panose="020B0604020202020204"/>
       <a:defRPr sz="1400" b="0" i="0" u="none" strike="noStrike" cap="none">
         <a:solidFill>
           <a:srgbClr val="000000"/>
         </a:solidFill>
-        <a:latin typeface="Arial"/>
-        <a:ea typeface="Arial"/>
-        <a:cs typeface="Arial"/>
-        <a:sym typeface="Arial"/>
+        <a:latin typeface="Arial" panose="020B0604020202020204"/>
+        <a:ea typeface="Arial" panose="020B0604020202020204"/>
+        <a:cs typeface="Arial" panose="020B0604020202020204"/>
+        <a:sym typeface="Arial" panose="020B0604020202020204"/>
       </a:defRPr>
     </a:lvl5pPr>
     <a:lvl6pPr marR="0" lvl="5" algn="l" rtl="0">
@@ -627,15 +606,15 @@
       <a:buClr>
         <a:srgbClr val="000000"/>
       </a:buClr>
-      <a:buFont typeface="Arial"/>
+      <a:buFont typeface="Arial" panose="020B0604020202020204"/>
       <a:defRPr sz="1400" b="0" i="0" u="none" strike="noStrike" cap="none">
         <a:solidFill>
           <a:srgbClr val="000000"/>
         </a:solidFill>
-        <a:latin typeface="Arial"/>
-        <a:ea typeface="Arial"/>
-        <a:cs typeface="Arial"/>
-        <a:sym typeface="Arial"/>
+        <a:latin typeface="Arial" panose="020B0604020202020204"/>
+        <a:ea typeface="Arial" panose="020B0604020202020204"/>
+        <a:cs typeface="Arial" panose="020B0604020202020204"/>
+        <a:sym typeface="Arial" panose="020B0604020202020204"/>
       </a:defRPr>
     </a:lvl6pPr>
     <a:lvl7pPr marR="0" lvl="6" algn="l" rtl="0">
@@ -651,15 +630,15 @@
       <a:buClr>
         <a:srgbClr val="000000"/>
       </a:buClr>
-      <a:buFont typeface="Arial"/>
+      <a:buFont typeface="Arial" panose="020B0604020202020204"/>
       <a:defRPr sz="1400" b="0" i="0" u="none" strike="noStrike" cap="none">
         <a:solidFill>
           <a:srgbClr val="000000"/>
         </a:solidFill>
-        <a:latin typeface="Arial"/>
-        <a:ea typeface="Arial"/>
-        <a:cs typeface="Arial"/>
-        <a:sym typeface="Arial"/>
+        <a:latin typeface="Arial" panose="020B0604020202020204"/>
+        <a:ea typeface="Arial" panose="020B0604020202020204"/>
+        <a:cs typeface="Arial" panose="020B0604020202020204"/>
+        <a:sym typeface="Arial" panose="020B0604020202020204"/>
       </a:defRPr>
     </a:lvl7pPr>
     <a:lvl8pPr marR="0" lvl="7" algn="l" rtl="0">
@@ -675,15 +654,15 @@
       <a:buClr>
         <a:srgbClr val="000000"/>
       </a:buClr>
-      <a:buFont typeface="Arial"/>
+      <a:buFont typeface="Arial" panose="020B0604020202020204"/>
       <a:defRPr sz="1400" b="0" i="0" u="none" strike="noStrike" cap="none">
         <a:solidFill>
           <a:srgbClr val="000000"/>
         </a:solidFill>
-        <a:latin typeface="Arial"/>
-        <a:ea typeface="Arial"/>
-        <a:cs typeface="Arial"/>
-        <a:sym typeface="Arial"/>
+        <a:latin typeface="Arial" panose="020B0604020202020204"/>
+        <a:ea typeface="Arial" panose="020B0604020202020204"/>
+        <a:cs typeface="Arial" panose="020B0604020202020204"/>
+        <a:sym typeface="Arial" panose="020B0604020202020204"/>
       </a:defRPr>
     </a:lvl8pPr>
     <a:lvl9pPr marR="0" lvl="8" algn="l" rtl="0">
@@ -699,15 +678,15 @@
       <a:buClr>
         <a:srgbClr val="000000"/>
       </a:buClr>
-      <a:buFont typeface="Arial"/>
+      <a:buFont typeface="Arial" panose="020B0604020202020204"/>
       <a:defRPr sz="1400" b="0" i="0" u="none" strike="noStrike" cap="none">
         <a:solidFill>
           <a:srgbClr val="000000"/>
         </a:solidFill>
-        <a:latin typeface="Arial"/>
-        <a:ea typeface="Arial"/>
-        <a:cs typeface="Arial"/>
-        <a:sym typeface="Arial"/>
+        <a:latin typeface="Arial" panose="020B0604020202020204"/>
+        <a:ea typeface="Arial" panose="020B0604020202020204"/>
+        <a:cs typeface="Arial" panose="020B0604020202020204"/>
+        <a:sym typeface="Arial" panose="020B0604020202020204"/>
       </a:defRPr>
     </a:lvl9pPr>
   </p:notesStyle>
@@ -715,7 +694,7 @@
 </file>
 
 <file path=ppt/notesSlides/notesSlide1.xml><?xml version="1.0" encoding="utf-8"?>
-<p:notes xmlns:a="http://schemas.openxmlformats.org/drawingml/2006/main" xmlns:r="http://schemas.openxmlformats.org/officeDocument/2006/relationships" xmlns:p="http://schemas.openxmlformats.org/presentationml/2006/main" showMasterSp="0" showMasterPhAnim="0">
+<p:notes xmlns:a="http://schemas.openxmlformats.org/drawingml/2006/main" xmlns:r="http://schemas.openxmlformats.org/officeDocument/2006/relationships" xmlns:p="http://schemas.openxmlformats.org/presentationml/2006/main" showMasterPhAnim="0" showMasterSp="0">
   <p:cSld>
     <p:spTree>
       <p:nvGrpSpPr>
@@ -806,7 +785,6 @@
               </a:spcAft>
               <a:buNone/>
             </a:pPr>
-            <a:endParaRPr/>
           </a:p>
         </p:txBody>
       </p:sp>
@@ -819,7 +797,7 @@
 </file>
 
 <file path=ppt/notesSlides/notesSlide2.xml><?xml version="1.0" encoding="utf-8"?>
-<p:notes xmlns:a="http://schemas.openxmlformats.org/drawingml/2006/main" xmlns:r="http://schemas.openxmlformats.org/officeDocument/2006/relationships" xmlns:p="http://schemas.openxmlformats.org/presentationml/2006/main" showMasterSp="0" showMasterPhAnim="0">
+<p:notes xmlns:a="http://schemas.openxmlformats.org/drawingml/2006/main" xmlns:r="http://schemas.openxmlformats.org/officeDocument/2006/relationships" xmlns:p="http://schemas.openxmlformats.org/presentationml/2006/main" showMasterPhAnim="0" showMasterSp="0">
   <p:cSld>
     <p:spTree>
       <p:nvGrpSpPr>
@@ -910,7 +888,6 @@
               </a:spcAft>
               <a:buNone/>
             </a:pPr>
-            <a:endParaRPr/>
           </a:p>
         </p:txBody>
       </p:sp>
@@ -923,7 +900,7 @@
 </file>
 
 <file path=ppt/notesSlides/notesSlide3.xml><?xml version="1.0" encoding="utf-8"?>
-<p:notes xmlns:a="http://schemas.openxmlformats.org/drawingml/2006/main" xmlns:r="http://schemas.openxmlformats.org/officeDocument/2006/relationships" xmlns:p="http://schemas.openxmlformats.org/presentationml/2006/main" showMasterSp="0" showMasterPhAnim="0">
+<p:notes xmlns:a="http://schemas.openxmlformats.org/drawingml/2006/main" xmlns:r="http://schemas.openxmlformats.org/officeDocument/2006/relationships" xmlns:p="http://schemas.openxmlformats.org/presentationml/2006/main" showMasterPhAnim="0" showMasterSp="0">
   <p:cSld>
     <p:spTree>
       <p:nvGrpSpPr>
@@ -1014,7 +991,6 @@
               </a:spcAft>
               <a:buNone/>
             </a:pPr>
-            <a:endParaRPr/>
           </a:p>
         </p:txBody>
       </p:sp>
@@ -1027,7 +1003,7 @@
 </file>
 
 <file path=ppt/notesSlides/notesSlide4.xml><?xml version="1.0" encoding="utf-8"?>
-<p:notes xmlns:a="http://schemas.openxmlformats.org/drawingml/2006/main" xmlns:r="http://schemas.openxmlformats.org/officeDocument/2006/relationships" xmlns:p="http://schemas.openxmlformats.org/presentationml/2006/main" showMasterSp="0" showMasterPhAnim="0">
+<p:notes xmlns:a="http://schemas.openxmlformats.org/drawingml/2006/main" xmlns:r="http://schemas.openxmlformats.org/officeDocument/2006/relationships" xmlns:p="http://schemas.openxmlformats.org/presentationml/2006/main" showMasterPhAnim="0" showMasterSp="0">
   <p:cSld>
     <p:spTree>
       <p:nvGrpSpPr>
@@ -1118,7 +1094,6 @@
               </a:spcAft>
               <a:buNone/>
             </a:pPr>
-            <a:endParaRPr/>
           </a:p>
         </p:txBody>
       </p:sp>
@@ -1131,7 +1106,7 @@
 </file>
 
 <file path=ppt/notesSlides/notesSlide5.xml><?xml version="1.0" encoding="utf-8"?>
-<p:notes xmlns:a="http://schemas.openxmlformats.org/drawingml/2006/main" xmlns:r="http://schemas.openxmlformats.org/officeDocument/2006/relationships" xmlns:p="http://schemas.openxmlformats.org/presentationml/2006/main" showMasterSp="0" showMasterPhAnim="0">
+<p:notes xmlns:a="http://schemas.openxmlformats.org/drawingml/2006/main" xmlns:r="http://schemas.openxmlformats.org/officeDocument/2006/relationships" xmlns:p="http://schemas.openxmlformats.org/presentationml/2006/main" showMasterPhAnim="0" showMasterSp="0">
   <p:cSld>
     <p:spTree>
       <p:nvGrpSpPr>
@@ -1222,7 +1197,6 @@
               </a:spcAft>
               <a:buNone/>
             </a:pPr>
-            <a:endParaRPr/>
           </a:p>
         </p:txBody>
       </p:sp>
@@ -1235,7 +1209,7 @@
 </file>
 
 <file path=ppt/slideLayouts/slideLayout1.xml><?xml version="1.0" encoding="utf-8"?>
-<p:sldLayout xmlns:a="http://schemas.openxmlformats.org/drawingml/2006/main" xmlns:r="http://schemas.openxmlformats.org/officeDocument/2006/relationships" xmlns:p="http://schemas.openxmlformats.org/presentationml/2006/main" matchingName="Title slide" type="title">
+<p:sldLayout xmlns:a="http://schemas.openxmlformats.org/drawingml/2006/main" xmlns:r="http://schemas.openxmlformats.org/officeDocument/2006/relationships" xmlns:p="http://schemas.openxmlformats.org/presentationml/2006/main" type="title" matchingName="Title slide">
   <p:cSld name="TITLE">
     <p:bg>
       <p:bgPr>
@@ -1309,7 +1283,6 @@
                 </a:spcAft>
                 <a:buNone/>
               </a:pPr>
-              <a:endParaRPr/>
             </a:p>
           </p:txBody>
         </p:sp>
@@ -1349,7 +1322,6 @@
                 </a:spcAft>
                 <a:buNone/>
               </a:pPr>
-              <a:endParaRPr/>
             </a:p>
           </p:txBody>
         </p:sp>
@@ -1389,7 +1361,6 @@
                 </a:spcAft>
                 <a:buNone/>
               </a:pPr>
-              <a:endParaRPr/>
             </a:p>
           </p:txBody>
         </p:sp>
@@ -1429,7 +1400,6 @@
                 </a:spcAft>
                 <a:buNone/>
               </a:pPr>
-              <a:endParaRPr/>
             </a:p>
           </p:txBody>
         </p:sp>
@@ -1469,7 +1439,6 @@
                 </a:spcAft>
                 <a:buNone/>
               </a:pPr>
-              <a:endParaRPr/>
             </a:p>
           </p:txBody>
         </p:sp>
@@ -1661,9 +1630,7 @@
               </a:defRPr>
             </a:lvl9pPr>
           </a:lstStyle>
-          <a:p>
-            <a:endParaRPr/>
-          </a:p>
+          <a:p/>
         </p:txBody>
       </p:sp>
       <p:sp>
@@ -1880,9 +1847,7 @@
               </a:defRPr>
             </a:lvl9pPr>
           </a:lstStyle>
-          <a:p>
-            <a:endParaRPr/>
-          </a:p>
+          <a:p/>
         </p:txBody>
       </p:sp>
       <p:sp>
@@ -1957,10 +1922,9 @@
               <a:buNone/>
             </a:pPr>
             <a:fld id="{00000000-1234-1234-1234-123412341234}" type="slidenum">
-              <a:rPr lang="en"/>
-              <a:t>‹#›</a:t>
+              <a:rPr lang="en-GB"/>
             </a:fld>
-            <a:endParaRPr/>
+            <a:endParaRPr lang="en-GB"/>
           </a:p>
         </p:txBody>
       </p:sp>
@@ -2047,7 +2011,6 @@
                 </a:spcAft>
                 <a:buNone/>
               </a:pPr>
-              <a:endParaRPr/>
             </a:p>
           </p:txBody>
         </p:sp>
@@ -2087,7 +2050,6 @@
                 </a:spcAft>
                 <a:buNone/>
               </a:pPr>
-              <a:endParaRPr/>
             </a:p>
           </p:txBody>
         </p:sp>
@@ -2127,7 +2089,6 @@
                 </a:spcAft>
                 <a:buNone/>
               </a:pPr>
-              <a:endParaRPr/>
             </a:p>
           </p:txBody>
         </p:sp>
@@ -2167,7 +2128,6 @@
                 </a:spcAft>
                 <a:buNone/>
               </a:pPr>
-              <a:endParaRPr/>
             </a:p>
           </p:txBody>
         </p:sp>
@@ -2207,7 +2167,6 @@
                 </a:spcAft>
                 <a:buNone/>
               </a:pPr>
-              <a:endParaRPr/>
             </a:p>
           </p:txBody>
         </p:sp>
@@ -2593,9 +2552,7 @@
               </a:defRPr>
             </a:lvl9pPr>
           </a:lstStyle>
-          <a:p>
-            <a:endParaRPr/>
-          </a:p>
+          <a:p/>
         </p:txBody>
       </p:sp>
       <p:sp>
@@ -2670,10 +2627,9 @@
               <a:buNone/>
             </a:pPr>
             <a:fld id="{00000000-1234-1234-1234-123412341234}" type="slidenum">
-              <a:rPr lang="en"/>
-              <a:t>‹#›</a:t>
+              <a:rPr lang="en-GB"/>
             </a:fld>
-            <a:endParaRPr/>
+            <a:endParaRPr lang="en-GB"/>
           </a:p>
         </p:txBody>
       </p:sp>
@@ -2686,7 +2642,7 @@
 </file>
 
 <file path=ppt/slideLayouts/slideLayout11.xml><?xml version="1.0" encoding="utf-8"?>
-<p:sldLayout xmlns:a="http://schemas.openxmlformats.org/drawingml/2006/main" xmlns:r="http://schemas.openxmlformats.org/officeDocument/2006/relationships" xmlns:p="http://schemas.openxmlformats.org/presentationml/2006/main" matchingName="Blank" type="blank">
+<p:sldLayout xmlns:a="http://schemas.openxmlformats.org/drawingml/2006/main" xmlns:r="http://schemas.openxmlformats.org/officeDocument/2006/relationships" xmlns:p="http://schemas.openxmlformats.org/presentationml/2006/main" type="blank" matchingName="Blank">
   <p:cSld name="BLANK">
     <p:spTree>
       <p:nvGrpSpPr>
@@ -2810,10 +2766,9 @@
               <a:buNone/>
             </a:pPr>
             <a:fld id="{00000000-1234-1234-1234-123412341234}" type="slidenum">
-              <a:rPr lang="en"/>
-              <a:t>‹#›</a:t>
+              <a:rPr lang="en-GB"/>
             </a:fld>
-            <a:endParaRPr/>
+            <a:endParaRPr lang="en-GB"/>
           </a:p>
         </p:txBody>
       </p:sp>
@@ -2826,7 +2781,7 @@
 </file>
 
 <file path=ppt/slideLayouts/slideLayout2.xml><?xml version="1.0" encoding="utf-8"?>
-<p:sldLayout xmlns:a="http://schemas.openxmlformats.org/drawingml/2006/main" xmlns:r="http://schemas.openxmlformats.org/officeDocument/2006/relationships" xmlns:p="http://schemas.openxmlformats.org/presentationml/2006/main" matchingName="Section header" type="secHead">
+<p:sldLayout xmlns:a="http://schemas.openxmlformats.org/drawingml/2006/main" xmlns:r="http://schemas.openxmlformats.org/officeDocument/2006/relationships" xmlns:p="http://schemas.openxmlformats.org/presentationml/2006/main" type="secHead" matchingName="Section header">
   <p:cSld name="SECTION_HEADER">
     <p:bg>
       <p:bgPr>
@@ -2900,7 +2855,6 @@
                 </a:spcAft>
                 <a:buNone/>
               </a:pPr>
-              <a:endParaRPr/>
             </a:p>
           </p:txBody>
         </p:sp>
@@ -2940,7 +2894,6 @@
                 </a:spcAft>
                 <a:buNone/>
               </a:pPr>
-              <a:endParaRPr/>
             </a:p>
           </p:txBody>
         </p:sp>
@@ -2980,7 +2933,6 @@
                 </a:spcAft>
                 <a:buNone/>
               </a:pPr>
-              <a:endParaRPr/>
             </a:p>
           </p:txBody>
         </p:sp>
@@ -3020,7 +2972,6 @@
                 </a:spcAft>
                 <a:buNone/>
               </a:pPr>
-              <a:endParaRPr/>
             </a:p>
           </p:txBody>
         </p:sp>
@@ -3060,7 +3011,6 @@
                 </a:spcAft>
                 <a:buNone/>
               </a:pPr>
-              <a:endParaRPr/>
             </a:p>
           </p:txBody>
         </p:sp>
@@ -3252,9 +3202,7 @@
               </a:defRPr>
             </a:lvl9pPr>
           </a:lstStyle>
-          <a:p>
-            <a:endParaRPr/>
-          </a:p>
+          <a:p/>
         </p:txBody>
       </p:sp>
       <p:sp>
@@ -3329,10 +3277,9 @@
               <a:buNone/>
             </a:pPr>
             <a:fld id="{00000000-1234-1234-1234-123412341234}" type="slidenum">
-              <a:rPr lang="en"/>
-              <a:t>‹#›</a:t>
+              <a:rPr lang="en-GB"/>
             </a:fld>
-            <a:endParaRPr/>
+            <a:endParaRPr lang="en-GB"/>
           </a:p>
         </p:txBody>
       </p:sp>
@@ -3345,7 +3292,7 @@
 </file>
 
 <file path=ppt/slideLayouts/slideLayout3.xml><?xml version="1.0" encoding="utf-8"?>
-<p:sldLayout xmlns:a="http://schemas.openxmlformats.org/drawingml/2006/main" xmlns:r="http://schemas.openxmlformats.org/officeDocument/2006/relationships" xmlns:p="http://schemas.openxmlformats.org/presentationml/2006/main" matchingName="Title and body" type="tx">
+<p:sldLayout xmlns:a="http://schemas.openxmlformats.org/drawingml/2006/main" xmlns:r="http://schemas.openxmlformats.org/officeDocument/2006/relationships" xmlns:p="http://schemas.openxmlformats.org/presentationml/2006/main" type="tx" matchingName="Title and body">
   <p:cSld name="TITLE_AND_BODY">
     <p:spTree>
       <p:nvGrpSpPr>
@@ -3411,7 +3358,6 @@
                 </a:spcAft>
                 <a:buNone/>
               </a:pPr>
-              <a:endParaRPr/>
             </a:p>
           </p:txBody>
         </p:sp>
@@ -3451,7 +3397,6 @@
                 </a:spcAft>
                 <a:buNone/>
               </a:pPr>
-              <a:endParaRPr/>
             </a:p>
           </p:txBody>
         </p:sp>
@@ -3491,7 +3436,6 @@
                 </a:spcAft>
                 <a:buNone/>
               </a:pPr>
-              <a:endParaRPr/>
             </a:p>
           </p:txBody>
         </p:sp>
@@ -3531,7 +3475,6 @@
                 </a:spcAft>
                 <a:buNone/>
               </a:pPr>
-              <a:endParaRPr/>
             </a:p>
           </p:txBody>
         </p:sp>
@@ -3571,7 +3514,6 @@
                 </a:spcAft>
                 <a:buNone/>
               </a:pPr>
-              <a:endParaRPr/>
             </a:p>
           </p:txBody>
         </p:sp>
@@ -3700,9 +3642,7 @@
               <a:defRPr/>
             </a:lvl9pPr>
           </a:lstStyle>
-          <a:p>
-            <a:endParaRPr/>
-          </a:p>
+          <a:p/>
         </p:txBody>
       </p:sp>
       <p:sp>
@@ -3829,9 +3769,7 @@
               <a:defRPr/>
             </a:lvl9pPr>
           </a:lstStyle>
-          <a:p>
-            <a:endParaRPr/>
-          </a:p>
+          <a:p/>
         </p:txBody>
       </p:sp>
       <p:sp>
@@ -3906,10 +3844,9 @@
               <a:buNone/>
             </a:pPr>
             <a:fld id="{00000000-1234-1234-1234-123412341234}" type="slidenum">
-              <a:rPr lang="en"/>
-              <a:t>‹#›</a:t>
+              <a:rPr lang="en-GB"/>
             </a:fld>
-            <a:endParaRPr/>
+            <a:endParaRPr lang="en-GB"/>
           </a:p>
         </p:txBody>
       </p:sp>
@@ -3922,7 +3859,7 @@
 </file>
 
 <file path=ppt/slideLayouts/slideLayout4.xml><?xml version="1.0" encoding="utf-8"?>
-<p:sldLayout xmlns:a="http://schemas.openxmlformats.org/drawingml/2006/main" xmlns:r="http://schemas.openxmlformats.org/officeDocument/2006/relationships" xmlns:p="http://schemas.openxmlformats.org/presentationml/2006/main" matchingName="Title and two columns" type="twoColTx">
+<p:sldLayout xmlns:a="http://schemas.openxmlformats.org/drawingml/2006/main" xmlns:r="http://schemas.openxmlformats.org/officeDocument/2006/relationships" xmlns:p="http://schemas.openxmlformats.org/presentationml/2006/main" type="twoColTx" matchingName="Title and two columns">
   <p:cSld name="TITLE_AND_TWO_COLUMNS">
     <p:spTree>
       <p:nvGrpSpPr>
@@ -4062,9 +3999,7 @@
               <a:defRPr/>
             </a:lvl9pPr>
           </a:lstStyle>
-          <a:p>
-            <a:endParaRPr/>
-          </a:p>
+          <a:p/>
         </p:txBody>
       </p:sp>
       <p:sp>
@@ -4191,9 +4126,7 @@
               <a:defRPr sz="1200"/>
             </a:lvl9pPr>
           </a:lstStyle>
-          <a:p>
-            <a:endParaRPr/>
-          </a:p>
+          <a:p/>
         </p:txBody>
       </p:sp>
       <p:sp>
@@ -4320,9 +4253,7 @@
               <a:defRPr sz="1200"/>
             </a:lvl9pPr>
           </a:lstStyle>
-          <a:p>
-            <a:endParaRPr/>
-          </a:p>
+          <a:p/>
         </p:txBody>
       </p:sp>
       <p:sp>
@@ -4433,10 +4364,9 @@
               <a:buNone/>
             </a:pPr>
             <a:fld id="{00000000-1234-1234-1234-123412341234}" type="slidenum">
-              <a:rPr lang="en"/>
-              <a:t>‹#›</a:t>
+              <a:rPr lang="en-GB"/>
             </a:fld>
-            <a:endParaRPr/>
+            <a:endParaRPr lang="en-GB"/>
           </a:p>
         </p:txBody>
       </p:sp>
@@ -4449,7 +4379,7 @@
 </file>
 
 <file path=ppt/slideLayouts/slideLayout5.xml><?xml version="1.0" encoding="utf-8"?>
-<p:sldLayout xmlns:a="http://schemas.openxmlformats.org/drawingml/2006/main" xmlns:r="http://schemas.openxmlformats.org/officeDocument/2006/relationships" xmlns:p="http://schemas.openxmlformats.org/presentationml/2006/main" matchingName="Title only" type="titleOnly">
+<p:sldLayout xmlns:a="http://schemas.openxmlformats.org/drawingml/2006/main" xmlns:r="http://schemas.openxmlformats.org/officeDocument/2006/relationships" xmlns:p="http://schemas.openxmlformats.org/presentationml/2006/main" type="titleOnly" matchingName="Title only">
   <p:cSld name="TITLE_ONLY">
     <p:spTree>
       <p:nvGrpSpPr>
@@ -4589,9 +4519,7 @@
               <a:defRPr/>
             </a:lvl9pPr>
           </a:lstStyle>
-          <a:p>
-            <a:endParaRPr/>
-          </a:p>
+          <a:p/>
         </p:txBody>
       </p:sp>
       <p:sp>
@@ -4702,10 +4630,9 @@
               <a:buNone/>
             </a:pPr>
             <a:fld id="{00000000-1234-1234-1234-123412341234}" type="slidenum">
-              <a:rPr lang="en"/>
-              <a:t>‹#›</a:t>
+              <a:rPr lang="en-GB"/>
             </a:fld>
-            <a:endParaRPr/>
+            <a:endParaRPr lang="en-GB"/>
           </a:p>
         </p:txBody>
       </p:sp>
@@ -4858,9 +4785,7 @@
               <a:defRPr sz="2400"/>
             </a:lvl9pPr>
           </a:lstStyle>
-          <a:p>
-            <a:endParaRPr/>
-          </a:p>
+          <a:p/>
         </p:txBody>
       </p:sp>
       <p:sp>
@@ -4987,9 +4912,7 @@
               <a:defRPr sz="1200"/>
             </a:lvl9pPr>
           </a:lstStyle>
-          <a:p>
-            <a:endParaRPr/>
-          </a:p>
+          <a:p/>
         </p:txBody>
       </p:sp>
       <p:sp>
@@ -5100,10 +5023,9 @@
               <a:buNone/>
             </a:pPr>
             <a:fld id="{00000000-1234-1234-1234-123412341234}" type="slidenum">
-              <a:rPr lang="en"/>
-              <a:t>‹#›</a:t>
+              <a:rPr lang="en-GB"/>
             </a:fld>
-            <a:endParaRPr/>
+            <a:endParaRPr lang="en-GB"/>
           </a:p>
         </p:txBody>
       </p:sp>
@@ -5190,7 +5112,6 @@
                 </a:spcAft>
                 <a:buNone/>
               </a:pPr>
-              <a:endParaRPr/>
             </a:p>
           </p:txBody>
         </p:sp>
@@ -5230,7 +5151,6 @@
                 </a:spcAft>
                 <a:buNone/>
               </a:pPr>
-              <a:endParaRPr/>
             </a:p>
           </p:txBody>
         </p:sp>
@@ -5270,7 +5190,6 @@
                 </a:spcAft>
                 <a:buNone/>
               </a:pPr>
-              <a:endParaRPr/>
             </a:p>
           </p:txBody>
         </p:sp>
@@ -5310,7 +5229,6 @@
                 </a:spcAft>
                 <a:buNone/>
               </a:pPr>
-              <a:endParaRPr/>
             </a:p>
           </p:txBody>
         </p:sp>
@@ -5350,7 +5268,6 @@
                 </a:spcAft>
                 <a:buNone/>
               </a:pPr>
-              <a:endParaRPr/>
             </a:p>
           </p:txBody>
         </p:sp>
@@ -5542,9 +5459,7 @@
               </a:defRPr>
             </a:lvl9pPr>
           </a:lstStyle>
-          <a:p>
-            <a:endParaRPr/>
-          </a:p>
+          <a:p/>
         </p:txBody>
       </p:sp>
       <p:sp>
@@ -5619,10 +5534,9 @@
               <a:buNone/>
             </a:pPr>
             <a:fld id="{00000000-1234-1234-1234-123412341234}" type="slidenum">
-              <a:rPr lang="en"/>
-              <a:t>‹#›</a:t>
+              <a:rPr lang="en-GB"/>
             </a:fld>
-            <a:endParaRPr/>
+            <a:endParaRPr lang="en-GB"/>
           </a:p>
         </p:txBody>
       </p:sp>
@@ -5687,7 +5601,6 @@
               </a:spcAft>
               <a:buNone/>
             </a:pPr>
-            <a:endParaRPr/>
           </a:p>
         </p:txBody>
       </p:sp>
@@ -5841,9 +5754,7 @@
               <a:defRPr sz="4200"/>
             </a:lvl9pPr>
           </a:lstStyle>
-          <a:p>
-            <a:endParaRPr/>
-          </a:p>
+          <a:p/>
         </p:txBody>
       </p:sp>
       <p:sp>
@@ -5997,9 +5908,7 @@
               <a:defRPr sz="2100"/>
             </a:lvl9pPr>
           </a:lstStyle>
-          <a:p>
-            <a:endParaRPr/>
-          </a:p>
+          <a:p/>
         </p:txBody>
       </p:sp>
       <p:sp>
@@ -6189,9 +6098,7 @@
               </a:defRPr>
             </a:lvl9pPr>
           </a:lstStyle>
-          <a:p>
-            <a:endParaRPr/>
-          </a:p>
+          <a:p/>
         </p:txBody>
       </p:sp>
       <p:sp>
@@ -6266,10 +6173,9 @@
               <a:buNone/>
             </a:pPr>
             <a:fld id="{00000000-1234-1234-1234-123412341234}" type="slidenum">
-              <a:rPr lang="en"/>
-              <a:t>‹#›</a:t>
+              <a:rPr lang="en-GB"/>
             </a:fld>
-            <a:endParaRPr/>
+            <a:endParaRPr lang="en-GB"/>
           </a:p>
         </p:txBody>
       </p:sp>
@@ -6337,9 +6243,7 @@
               <a:defRPr/>
             </a:lvl1pPr>
           </a:lstStyle>
-          <a:p>
-            <a:endParaRPr/>
-          </a:p>
+          <a:p/>
         </p:txBody>
       </p:sp>
       <p:sp>
@@ -6450,10 +6354,9 @@
               <a:buNone/>
             </a:pPr>
             <a:fld id="{00000000-1234-1234-1234-123412341234}" type="slidenum">
-              <a:rPr lang="en"/>
-              <a:t>‹#›</a:t>
+              <a:rPr lang="en-GB"/>
             </a:fld>
-            <a:endParaRPr/>
+            <a:endParaRPr lang="en-GB"/>
           </a:p>
         </p:txBody>
       </p:sp>
@@ -6467,7 +6370,7 @@
 
 <file path=ppt/slideMasters/slideMaster1.xml><?xml version="1.0" encoding="utf-8"?>
 <p:sldMaster xmlns:a="http://schemas.openxmlformats.org/drawingml/2006/main" xmlns:r="http://schemas.openxmlformats.org/officeDocument/2006/relationships" xmlns:p="http://schemas.openxmlformats.org/presentationml/2006/main">
-  <p:cSld name="geometric">
+  <p:cSld>
     <p:bg>
       <p:bgPr>
         <a:solidFill>
@@ -6529,16 +6432,16 @@
                 <a:schemeClr val="dk1"/>
               </a:buClr>
               <a:buSzPts val="3000"/>
-              <a:buFont typeface="Roboto"/>
+              <a:buFont typeface="Roboto" panose="02000000000000000000"/>
               <a:buNone/>
               <a:defRPr sz="3000">
                 <a:solidFill>
                   <a:schemeClr val="dk1"/>
                 </a:solidFill>
-                <a:latin typeface="Roboto"/>
-                <a:ea typeface="Roboto"/>
-                <a:cs typeface="Roboto"/>
-                <a:sym typeface="Roboto"/>
+                <a:latin typeface="Roboto" panose="02000000000000000000"/>
+                <a:ea typeface="Roboto" panose="02000000000000000000"/>
+                <a:cs typeface="Roboto" panose="02000000000000000000"/>
+                <a:sym typeface="Roboto" panose="02000000000000000000"/>
               </a:defRPr>
             </a:lvl1pPr>
             <a:lvl2pPr lvl="1">
@@ -6552,16 +6455,16 @@
                 <a:schemeClr val="dk1"/>
               </a:buClr>
               <a:buSzPts val="3000"/>
-              <a:buFont typeface="Roboto"/>
+              <a:buFont typeface="Roboto" panose="02000000000000000000"/>
               <a:buNone/>
               <a:defRPr sz="3000">
                 <a:solidFill>
                   <a:schemeClr val="dk1"/>
                 </a:solidFill>
-                <a:latin typeface="Roboto"/>
-                <a:ea typeface="Roboto"/>
-                <a:cs typeface="Roboto"/>
-                <a:sym typeface="Roboto"/>
+                <a:latin typeface="Roboto" panose="02000000000000000000"/>
+                <a:ea typeface="Roboto" panose="02000000000000000000"/>
+                <a:cs typeface="Roboto" panose="02000000000000000000"/>
+                <a:sym typeface="Roboto" panose="02000000000000000000"/>
               </a:defRPr>
             </a:lvl2pPr>
             <a:lvl3pPr lvl="2">
@@ -6575,16 +6478,16 @@
                 <a:schemeClr val="dk1"/>
               </a:buClr>
               <a:buSzPts val="3000"/>
-              <a:buFont typeface="Roboto"/>
+              <a:buFont typeface="Roboto" panose="02000000000000000000"/>
               <a:buNone/>
               <a:defRPr sz="3000">
                 <a:solidFill>
                   <a:schemeClr val="dk1"/>
                 </a:solidFill>
-                <a:latin typeface="Roboto"/>
-                <a:ea typeface="Roboto"/>
-                <a:cs typeface="Roboto"/>
-                <a:sym typeface="Roboto"/>
+                <a:latin typeface="Roboto" panose="02000000000000000000"/>
+                <a:ea typeface="Roboto" panose="02000000000000000000"/>
+                <a:cs typeface="Roboto" panose="02000000000000000000"/>
+                <a:sym typeface="Roboto" panose="02000000000000000000"/>
               </a:defRPr>
             </a:lvl3pPr>
             <a:lvl4pPr lvl="3">
@@ -6598,16 +6501,16 @@
                 <a:schemeClr val="dk1"/>
               </a:buClr>
               <a:buSzPts val="3000"/>
-              <a:buFont typeface="Roboto"/>
+              <a:buFont typeface="Roboto" panose="02000000000000000000"/>
               <a:buNone/>
               <a:defRPr sz="3000">
                 <a:solidFill>
                   <a:schemeClr val="dk1"/>
                 </a:solidFill>
-                <a:latin typeface="Roboto"/>
-                <a:ea typeface="Roboto"/>
-                <a:cs typeface="Roboto"/>
-                <a:sym typeface="Roboto"/>
+                <a:latin typeface="Roboto" panose="02000000000000000000"/>
+                <a:ea typeface="Roboto" panose="02000000000000000000"/>
+                <a:cs typeface="Roboto" panose="02000000000000000000"/>
+                <a:sym typeface="Roboto" panose="02000000000000000000"/>
               </a:defRPr>
             </a:lvl4pPr>
             <a:lvl5pPr lvl="4">
@@ -6621,16 +6524,16 @@
                 <a:schemeClr val="dk1"/>
               </a:buClr>
               <a:buSzPts val="3000"/>
-              <a:buFont typeface="Roboto"/>
+              <a:buFont typeface="Roboto" panose="02000000000000000000"/>
               <a:buNone/>
               <a:defRPr sz="3000">
                 <a:solidFill>
                   <a:schemeClr val="dk1"/>
                 </a:solidFill>
-                <a:latin typeface="Roboto"/>
-                <a:ea typeface="Roboto"/>
-                <a:cs typeface="Roboto"/>
-                <a:sym typeface="Roboto"/>
+                <a:latin typeface="Roboto" panose="02000000000000000000"/>
+                <a:ea typeface="Roboto" panose="02000000000000000000"/>
+                <a:cs typeface="Roboto" panose="02000000000000000000"/>
+                <a:sym typeface="Roboto" panose="02000000000000000000"/>
               </a:defRPr>
             </a:lvl5pPr>
             <a:lvl6pPr lvl="5">
@@ -6644,16 +6547,16 @@
                 <a:schemeClr val="dk1"/>
               </a:buClr>
               <a:buSzPts val="3000"/>
-              <a:buFont typeface="Roboto"/>
+              <a:buFont typeface="Roboto" panose="02000000000000000000"/>
               <a:buNone/>
               <a:defRPr sz="3000">
                 <a:solidFill>
                   <a:schemeClr val="dk1"/>
                 </a:solidFill>
-                <a:latin typeface="Roboto"/>
-                <a:ea typeface="Roboto"/>
-                <a:cs typeface="Roboto"/>
-                <a:sym typeface="Roboto"/>
+                <a:latin typeface="Roboto" panose="02000000000000000000"/>
+                <a:ea typeface="Roboto" panose="02000000000000000000"/>
+                <a:cs typeface="Roboto" panose="02000000000000000000"/>
+                <a:sym typeface="Roboto" panose="02000000000000000000"/>
               </a:defRPr>
             </a:lvl6pPr>
             <a:lvl7pPr lvl="6">
@@ -6667,16 +6570,16 @@
                 <a:schemeClr val="dk1"/>
               </a:buClr>
               <a:buSzPts val="3000"/>
-              <a:buFont typeface="Roboto"/>
+              <a:buFont typeface="Roboto" panose="02000000000000000000"/>
               <a:buNone/>
               <a:defRPr sz="3000">
                 <a:solidFill>
                   <a:schemeClr val="dk1"/>
                 </a:solidFill>
-                <a:latin typeface="Roboto"/>
-                <a:ea typeface="Roboto"/>
-                <a:cs typeface="Roboto"/>
-                <a:sym typeface="Roboto"/>
+                <a:latin typeface="Roboto" panose="02000000000000000000"/>
+                <a:ea typeface="Roboto" panose="02000000000000000000"/>
+                <a:cs typeface="Roboto" panose="02000000000000000000"/>
+                <a:sym typeface="Roboto" panose="02000000000000000000"/>
               </a:defRPr>
             </a:lvl7pPr>
             <a:lvl8pPr lvl="7">
@@ -6690,16 +6593,16 @@
                 <a:schemeClr val="dk1"/>
               </a:buClr>
               <a:buSzPts val="3000"/>
-              <a:buFont typeface="Roboto"/>
+              <a:buFont typeface="Roboto" panose="02000000000000000000"/>
               <a:buNone/>
               <a:defRPr sz="3000">
                 <a:solidFill>
                   <a:schemeClr val="dk1"/>
                 </a:solidFill>
-                <a:latin typeface="Roboto"/>
-                <a:ea typeface="Roboto"/>
-                <a:cs typeface="Roboto"/>
-                <a:sym typeface="Roboto"/>
+                <a:latin typeface="Roboto" panose="02000000000000000000"/>
+                <a:ea typeface="Roboto" panose="02000000000000000000"/>
+                <a:cs typeface="Roboto" panose="02000000000000000000"/>
+                <a:sym typeface="Roboto" panose="02000000000000000000"/>
               </a:defRPr>
             </a:lvl8pPr>
             <a:lvl9pPr lvl="8">
@@ -6713,22 +6616,20 @@
                 <a:schemeClr val="dk1"/>
               </a:buClr>
               <a:buSzPts val="3000"/>
-              <a:buFont typeface="Roboto"/>
+              <a:buFont typeface="Roboto" panose="02000000000000000000"/>
               <a:buNone/>
               <a:defRPr sz="3000">
                 <a:solidFill>
                   <a:schemeClr val="dk1"/>
                 </a:solidFill>
-                <a:latin typeface="Roboto"/>
-                <a:ea typeface="Roboto"/>
-                <a:cs typeface="Roboto"/>
-                <a:sym typeface="Roboto"/>
+                <a:latin typeface="Roboto" panose="02000000000000000000"/>
+                <a:ea typeface="Roboto" panose="02000000000000000000"/>
+                <a:cs typeface="Roboto" panose="02000000000000000000"/>
+                <a:sym typeface="Roboto" panose="02000000000000000000"/>
               </a:defRPr>
             </a:lvl9pPr>
           </a:lstStyle>
-          <a:p>
-            <a:endParaRPr/>
-          </a:p>
+          <a:p/>
         </p:txBody>
       </p:sp>
       <p:sp>
@@ -6773,16 +6674,16 @@
                 <a:schemeClr val="dk2"/>
               </a:buClr>
               <a:buSzPts val="1800"/>
-              <a:buFont typeface="Roboto"/>
+              <a:buFont typeface="Roboto" panose="02000000000000000000"/>
               <a:buChar char="●"/>
               <a:defRPr sz="1800">
                 <a:solidFill>
                   <a:schemeClr val="dk2"/>
                 </a:solidFill>
-                <a:latin typeface="Roboto"/>
-                <a:ea typeface="Roboto"/>
-                <a:cs typeface="Roboto"/>
-                <a:sym typeface="Roboto"/>
+                <a:latin typeface="Roboto" panose="02000000000000000000"/>
+                <a:ea typeface="Roboto" panose="02000000000000000000"/>
+                <a:cs typeface="Roboto" panose="02000000000000000000"/>
+                <a:sym typeface="Roboto" panose="02000000000000000000"/>
               </a:defRPr>
             </a:lvl1pPr>
             <a:lvl2pPr marL="914400" lvl="1" indent="-317500">
@@ -6799,16 +6700,16 @@
                 <a:schemeClr val="dk2"/>
               </a:buClr>
               <a:buSzPts val="1400"/>
-              <a:buFont typeface="Roboto"/>
+              <a:buFont typeface="Roboto" panose="02000000000000000000"/>
               <a:buChar char="○"/>
               <a:defRPr>
                 <a:solidFill>
                   <a:schemeClr val="dk2"/>
                 </a:solidFill>
-                <a:latin typeface="Roboto"/>
-                <a:ea typeface="Roboto"/>
-                <a:cs typeface="Roboto"/>
-                <a:sym typeface="Roboto"/>
+                <a:latin typeface="Roboto" panose="02000000000000000000"/>
+                <a:ea typeface="Roboto" panose="02000000000000000000"/>
+                <a:cs typeface="Roboto" panose="02000000000000000000"/>
+                <a:sym typeface="Roboto" panose="02000000000000000000"/>
               </a:defRPr>
             </a:lvl2pPr>
             <a:lvl3pPr marL="1371600" lvl="2" indent="-317500">
@@ -6825,16 +6726,16 @@
                 <a:schemeClr val="dk2"/>
               </a:buClr>
               <a:buSzPts val="1400"/>
-              <a:buFont typeface="Roboto"/>
+              <a:buFont typeface="Roboto" panose="02000000000000000000"/>
               <a:buChar char="■"/>
               <a:defRPr>
                 <a:solidFill>
                   <a:schemeClr val="dk2"/>
                 </a:solidFill>
-                <a:latin typeface="Roboto"/>
-                <a:ea typeface="Roboto"/>
-                <a:cs typeface="Roboto"/>
-                <a:sym typeface="Roboto"/>
+                <a:latin typeface="Roboto" panose="02000000000000000000"/>
+                <a:ea typeface="Roboto" panose="02000000000000000000"/>
+                <a:cs typeface="Roboto" panose="02000000000000000000"/>
+                <a:sym typeface="Roboto" panose="02000000000000000000"/>
               </a:defRPr>
             </a:lvl3pPr>
             <a:lvl4pPr marL="1828800" lvl="3" indent="-317500">
@@ -6851,16 +6752,16 @@
                 <a:schemeClr val="dk2"/>
               </a:buClr>
               <a:buSzPts val="1400"/>
-              <a:buFont typeface="Roboto"/>
+              <a:buFont typeface="Roboto" panose="02000000000000000000"/>
               <a:buChar char="●"/>
               <a:defRPr>
                 <a:solidFill>
                   <a:schemeClr val="dk2"/>
                 </a:solidFill>
-                <a:latin typeface="Roboto"/>
-                <a:ea typeface="Roboto"/>
-                <a:cs typeface="Roboto"/>
-                <a:sym typeface="Roboto"/>
+                <a:latin typeface="Roboto" panose="02000000000000000000"/>
+                <a:ea typeface="Roboto" panose="02000000000000000000"/>
+                <a:cs typeface="Roboto" panose="02000000000000000000"/>
+                <a:sym typeface="Roboto" panose="02000000000000000000"/>
               </a:defRPr>
             </a:lvl4pPr>
             <a:lvl5pPr marL="2286000" lvl="4" indent="-317500">
@@ -6877,16 +6778,16 @@
                 <a:schemeClr val="dk2"/>
               </a:buClr>
               <a:buSzPts val="1400"/>
-              <a:buFont typeface="Roboto"/>
+              <a:buFont typeface="Roboto" panose="02000000000000000000"/>
               <a:buChar char="○"/>
               <a:defRPr>
                 <a:solidFill>
                   <a:schemeClr val="dk2"/>
                 </a:solidFill>
-                <a:latin typeface="Roboto"/>
-                <a:ea typeface="Roboto"/>
-                <a:cs typeface="Roboto"/>
-                <a:sym typeface="Roboto"/>
+                <a:latin typeface="Roboto" panose="02000000000000000000"/>
+                <a:ea typeface="Roboto" panose="02000000000000000000"/>
+                <a:cs typeface="Roboto" panose="02000000000000000000"/>
+                <a:sym typeface="Roboto" panose="02000000000000000000"/>
               </a:defRPr>
             </a:lvl5pPr>
             <a:lvl6pPr marL="2743200" lvl="5" indent="-317500">
@@ -6903,16 +6804,16 @@
                 <a:schemeClr val="dk2"/>
               </a:buClr>
               <a:buSzPts val="1400"/>
-              <a:buFont typeface="Roboto"/>
+              <a:buFont typeface="Roboto" panose="02000000000000000000"/>
               <a:buChar char="■"/>
               <a:defRPr>
                 <a:solidFill>
                   <a:schemeClr val="dk2"/>
                 </a:solidFill>
-                <a:latin typeface="Roboto"/>
-                <a:ea typeface="Roboto"/>
-                <a:cs typeface="Roboto"/>
-                <a:sym typeface="Roboto"/>
+                <a:latin typeface="Roboto" panose="02000000000000000000"/>
+                <a:ea typeface="Roboto" panose="02000000000000000000"/>
+                <a:cs typeface="Roboto" panose="02000000000000000000"/>
+                <a:sym typeface="Roboto" panose="02000000000000000000"/>
               </a:defRPr>
             </a:lvl6pPr>
             <a:lvl7pPr marL="3200400" lvl="6" indent="-317500">
@@ -6929,16 +6830,16 @@
                 <a:schemeClr val="dk2"/>
               </a:buClr>
               <a:buSzPts val="1400"/>
-              <a:buFont typeface="Roboto"/>
+              <a:buFont typeface="Roboto" panose="02000000000000000000"/>
               <a:buChar char="●"/>
               <a:defRPr>
                 <a:solidFill>
                   <a:schemeClr val="dk2"/>
                 </a:solidFill>
-                <a:latin typeface="Roboto"/>
-                <a:ea typeface="Roboto"/>
-                <a:cs typeface="Roboto"/>
-                <a:sym typeface="Roboto"/>
+                <a:latin typeface="Roboto" panose="02000000000000000000"/>
+                <a:ea typeface="Roboto" panose="02000000000000000000"/>
+                <a:cs typeface="Roboto" panose="02000000000000000000"/>
+                <a:sym typeface="Roboto" panose="02000000000000000000"/>
               </a:defRPr>
             </a:lvl7pPr>
             <a:lvl8pPr marL="3657600" lvl="7" indent="-317500">
@@ -6955,16 +6856,16 @@
                 <a:schemeClr val="dk2"/>
               </a:buClr>
               <a:buSzPts val="1400"/>
-              <a:buFont typeface="Roboto"/>
+              <a:buFont typeface="Roboto" panose="02000000000000000000"/>
               <a:buChar char="○"/>
               <a:defRPr>
                 <a:solidFill>
                   <a:schemeClr val="dk2"/>
                 </a:solidFill>
-                <a:latin typeface="Roboto"/>
-                <a:ea typeface="Roboto"/>
-                <a:cs typeface="Roboto"/>
-                <a:sym typeface="Roboto"/>
+                <a:latin typeface="Roboto" panose="02000000000000000000"/>
+                <a:ea typeface="Roboto" panose="02000000000000000000"/>
+                <a:cs typeface="Roboto" panose="02000000000000000000"/>
+                <a:sym typeface="Roboto" panose="02000000000000000000"/>
               </a:defRPr>
             </a:lvl8pPr>
             <a:lvl9pPr marL="4114800" lvl="8" indent="-317500">
@@ -6981,22 +6882,20 @@
                 <a:schemeClr val="dk2"/>
               </a:buClr>
               <a:buSzPts val="1400"/>
-              <a:buFont typeface="Roboto"/>
+              <a:buFont typeface="Roboto" panose="02000000000000000000"/>
               <a:buChar char="■"/>
               <a:defRPr>
                 <a:solidFill>
                   <a:schemeClr val="dk2"/>
                 </a:solidFill>
-                <a:latin typeface="Roboto"/>
-                <a:ea typeface="Roboto"/>
-                <a:cs typeface="Roboto"/>
-                <a:sym typeface="Roboto"/>
+                <a:latin typeface="Roboto" panose="02000000000000000000"/>
+                <a:ea typeface="Roboto" panose="02000000000000000000"/>
+                <a:cs typeface="Roboto" panose="02000000000000000000"/>
+                <a:sym typeface="Roboto" panose="02000000000000000000"/>
               </a:defRPr>
             </a:lvl9pPr>
           </a:lstStyle>
-          <a:p>
-            <a:endParaRPr/>
-          </a:p>
+          <a:p/>
         </p:txBody>
       </p:sp>
       <p:sp>
@@ -7033,10 +6932,10 @@
                 <a:solidFill>
                   <a:schemeClr val="lt1"/>
                 </a:solidFill>
-                <a:latin typeface="Roboto"/>
-                <a:ea typeface="Roboto"/>
-                <a:cs typeface="Roboto"/>
-                <a:sym typeface="Roboto"/>
+                <a:latin typeface="Roboto" panose="02000000000000000000"/>
+                <a:ea typeface="Roboto" panose="02000000000000000000"/>
+                <a:cs typeface="Roboto" panose="02000000000000000000"/>
+                <a:sym typeface="Roboto" panose="02000000000000000000"/>
               </a:defRPr>
             </a:lvl1pPr>
             <a:lvl2pPr lvl="1" algn="r">
@@ -7045,10 +6944,10 @@
                 <a:solidFill>
                   <a:schemeClr val="lt1"/>
                 </a:solidFill>
-                <a:latin typeface="Roboto"/>
-                <a:ea typeface="Roboto"/>
-                <a:cs typeface="Roboto"/>
-                <a:sym typeface="Roboto"/>
+                <a:latin typeface="Roboto" panose="02000000000000000000"/>
+                <a:ea typeface="Roboto" panose="02000000000000000000"/>
+                <a:cs typeface="Roboto" panose="02000000000000000000"/>
+                <a:sym typeface="Roboto" panose="02000000000000000000"/>
               </a:defRPr>
             </a:lvl2pPr>
             <a:lvl3pPr lvl="2" algn="r">
@@ -7057,10 +6956,10 @@
                 <a:solidFill>
                   <a:schemeClr val="lt1"/>
                 </a:solidFill>
-                <a:latin typeface="Roboto"/>
-                <a:ea typeface="Roboto"/>
-                <a:cs typeface="Roboto"/>
-                <a:sym typeface="Roboto"/>
+                <a:latin typeface="Roboto" panose="02000000000000000000"/>
+                <a:ea typeface="Roboto" panose="02000000000000000000"/>
+                <a:cs typeface="Roboto" panose="02000000000000000000"/>
+                <a:sym typeface="Roboto" panose="02000000000000000000"/>
               </a:defRPr>
             </a:lvl3pPr>
             <a:lvl4pPr lvl="3" algn="r">
@@ -7069,10 +6968,10 @@
                 <a:solidFill>
                   <a:schemeClr val="lt1"/>
                 </a:solidFill>
-                <a:latin typeface="Roboto"/>
-                <a:ea typeface="Roboto"/>
-                <a:cs typeface="Roboto"/>
-                <a:sym typeface="Roboto"/>
+                <a:latin typeface="Roboto" panose="02000000000000000000"/>
+                <a:ea typeface="Roboto" panose="02000000000000000000"/>
+                <a:cs typeface="Roboto" panose="02000000000000000000"/>
+                <a:sym typeface="Roboto" panose="02000000000000000000"/>
               </a:defRPr>
             </a:lvl4pPr>
             <a:lvl5pPr lvl="4" algn="r">
@@ -7081,10 +6980,10 @@
                 <a:solidFill>
                   <a:schemeClr val="lt1"/>
                 </a:solidFill>
-                <a:latin typeface="Roboto"/>
-                <a:ea typeface="Roboto"/>
-                <a:cs typeface="Roboto"/>
-                <a:sym typeface="Roboto"/>
+                <a:latin typeface="Roboto" panose="02000000000000000000"/>
+                <a:ea typeface="Roboto" panose="02000000000000000000"/>
+                <a:cs typeface="Roboto" panose="02000000000000000000"/>
+                <a:sym typeface="Roboto" panose="02000000000000000000"/>
               </a:defRPr>
             </a:lvl5pPr>
             <a:lvl6pPr lvl="5" algn="r">
@@ -7093,10 +6992,10 @@
                 <a:solidFill>
                   <a:schemeClr val="lt1"/>
                 </a:solidFill>
-                <a:latin typeface="Roboto"/>
-                <a:ea typeface="Roboto"/>
-                <a:cs typeface="Roboto"/>
-                <a:sym typeface="Roboto"/>
+                <a:latin typeface="Roboto" panose="02000000000000000000"/>
+                <a:ea typeface="Roboto" panose="02000000000000000000"/>
+                <a:cs typeface="Roboto" panose="02000000000000000000"/>
+                <a:sym typeface="Roboto" panose="02000000000000000000"/>
               </a:defRPr>
             </a:lvl6pPr>
             <a:lvl7pPr lvl="6" algn="r">
@@ -7105,10 +7004,10 @@
                 <a:solidFill>
                   <a:schemeClr val="lt1"/>
                 </a:solidFill>
-                <a:latin typeface="Roboto"/>
-                <a:ea typeface="Roboto"/>
-                <a:cs typeface="Roboto"/>
-                <a:sym typeface="Roboto"/>
+                <a:latin typeface="Roboto" panose="02000000000000000000"/>
+                <a:ea typeface="Roboto" panose="02000000000000000000"/>
+                <a:cs typeface="Roboto" panose="02000000000000000000"/>
+                <a:sym typeface="Roboto" panose="02000000000000000000"/>
               </a:defRPr>
             </a:lvl7pPr>
             <a:lvl8pPr lvl="7" algn="r">
@@ -7117,10 +7016,10 @@
                 <a:solidFill>
                   <a:schemeClr val="lt1"/>
                 </a:solidFill>
-                <a:latin typeface="Roboto"/>
-                <a:ea typeface="Roboto"/>
-                <a:cs typeface="Roboto"/>
-                <a:sym typeface="Roboto"/>
+                <a:latin typeface="Roboto" panose="02000000000000000000"/>
+                <a:ea typeface="Roboto" panose="02000000000000000000"/>
+                <a:cs typeface="Roboto" panose="02000000000000000000"/>
+                <a:sym typeface="Roboto" panose="02000000000000000000"/>
               </a:defRPr>
             </a:lvl8pPr>
             <a:lvl9pPr lvl="8" algn="r">
@@ -7129,10 +7028,10 @@
                 <a:solidFill>
                   <a:schemeClr val="lt1"/>
                 </a:solidFill>
-                <a:latin typeface="Roboto"/>
-                <a:ea typeface="Roboto"/>
-                <a:cs typeface="Roboto"/>
-                <a:sym typeface="Roboto"/>
+                <a:latin typeface="Roboto" panose="02000000000000000000"/>
+                <a:ea typeface="Roboto" panose="02000000000000000000"/>
+                <a:cs typeface="Roboto" panose="02000000000000000000"/>
+                <a:sym typeface="Roboto" panose="02000000000000000000"/>
               </a:defRPr>
             </a:lvl9pPr>
           </a:lstStyle>
@@ -7147,10 +7046,9 @@
               <a:buNone/>
             </a:pPr>
             <a:fld id="{00000000-1234-1234-1234-123412341234}" type="slidenum">
-              <a:rPr lang="en"/>
-              <a:t>‹#›</a:t>
+              <a:rPr lang="en-GB"/>
             </a:fld>
-            <a:endParaRPr/>
+            <a:endParaRPr lang="en-GB"/>
           </a:p>
         </p:txBody>
       </p:sp>
@@ -7158,17 +7056,17 @@
   </p:cSld>
   <p:clrMap bg1="lt1" tx1="dk1" bg2="dk2" tx2="lt2" accent1="accent1" accent2="accent2" accent3="accent3" accent4="accent4" accent5="accent5" accent6="accent6" hlink="hlink" folHlink="folHlink"/>
   <p:sldLayoutIdLst>
-    <p:sldLayoutId id="2147483648" r:id="rId1"/>
-    <p:sldLayoutId id="2147483649" r:id="rId2"/>
-    <p:sldLayoutId id="2147483650" r:id="rId3"/>
-    <p:sldLayoutId id="2147483651" r:id="rId4"/>
-    <p:sldLayoutId id="2147483652" r:id="rId5"/>
-    <p:sldLayoutId id="2147483653" r:id="rId6"/>
-    <p:sldLayoutId id="2147483654" r:id="rId7"/>
-    <p:sldLayoutId id="2147483655" r:id="rId8"/>
-    <p:sldLayoutId id="2147483656" r:id="rId9"/>
-    <p:sldLayoutId id="2147483657" r:id="rId10"/>
-    <p:sldLayoutId id="2147483658" r:id="rId11"/>
+    <p:sldLayoutId id="2147483649" r:id="rId1"/>
+    <p:sldLayoutId id="2147483650" r:id="rId2"/>
+    <p:sldLayoutId id="2147483651" r:id="rId3"/>
+    <p:sldLayoutId id="2147483652" r:id="rId4"/>
+    <p:sldLayoutId id="2147483653" r:id="rId5"/>
+    <p:sldLayoutId id="2147483654" r:id="rId6"/>
+    <p:sldLayoutId id="2147483655" r:id="rId7"/>
+    <p:sldLayoutId id="2147483656" r:id="rId8"/>
+    <p:sldLayoutId id="2147483657" r:id="rId9"/>
+    <p:sldLayoutId id="2147483658" r:id="rId10"/>
+    <p:sldLayoutId id="2147483659" r:id="rId11"/>
   </p:sldLayoutIdLst>
   <p:hf sldNum="0" hdr="0" ftr="0" dt="0"/>
   <p:txStyles>
@@ -7197,15 +7095,15 @@
         <a:buClr>
           <a:srgbClr val="000000"/>
         </a:buClr>
-        <a:buFont typeface="Arial"/>
+        <a:buFont typeface="Arial" panose="020B0604020202020204"/>
         <a:defRPr sz="1400" b="0" i="0" u="none" strike="noStrike" cap="none">
           <a:solidFill>
             <a:srgbClr val="000000"/>
           </a:solidFill>
-          <a:latin typeface="Arial"/>
-          <a:ea typeface="Arial"/>
-          <a:cs typeface="Arial"/>
-          <a:sym typeface="Arial"/>
+          <a:latin typeface="Arial" panose="020B0604020202020204"/>
+          <a:ea typeface="Arial" panose="020B0604020202020204"/>
+          <a:cs typeface="Arial" panose="020B0604020202020204"/>
+          <a:sym typeface="Arial" panose="020B0604020202020204"/>
         </a:defRPr>
       </a:lvl1pPr>
       <a:lvl2pPr marR="0" lvl="1" algn="l" rtl="0">
@@ -7221,15 +7119,15 @@
         <a:buClr>
           <a:srgbClr val="000000"/>
         </a:buClr>
-        <a:buFont typeface="Arial"/>
+        <a:buFont typeface="Arial" panose="020B0604020202020204"/>
         <a:defRPr sz="1400" b="0" i="0" u="none" strike="noStrike" cap="none">
           <a:solidFill>
             <a:srgbClr val="000000"/>
           </a:solidFill>
-          <a:latin typeface="Arial"/>
-          <a:ea typeface="Arial"/>
-          <a:cs typeface="Arial"/>
-          <a:sym typeface="Arial"/>
+          <a:latin typeface="Arial" panose="020B0604020202020204"/>
+          <a:ea typeface="Arial" panose="020B0604020202020204"/>
+          <a:cs typeface="Arial" panose="020B0604020202020204"/>
+          <a:sym typeface="Arial" panose="020B0604020202020204"/>
         </a:defRPr>
       </a:lvl2pPr>
       <a:lvl3pPr marR="0" lvl="2" algn="l" rtl="0">
@@ -7245,15 +7143,15 @@
         <a:buClr>
           <a:srgbClr val="000000"/>
         </a:buClr>
-        <a:buFont typeface="Arial"/>
+        <a:buFont typeface="Arial" panose="020B0604020202020204"/>
         <a:defRPr sz="1400" b="0" i="0" u="none" strike="noStrike" cap="none">
           <a:solidFill>
             <a:srgbClr val="000000"/>
           </a:solidFill>
-          <a:latin typeface="Arial"/>
-          <a:ea typeface="Arial"/>
-          <a:cs typeface="Arial"/>
-          <a:sym typeface="Arial"/>
+          <a:latin typeface="Arial" panose="020B0604020202020204"/>
+          <a:ea typeface="Arial" panose="020B0604020202020204"/>
+          <a:cs typeface="Arial" panose="020B0604020202020204"/>
+          <a:sym typeface="Arial" panose="020B0604020202020204"/>
         </a:defRPr>
       </a:lvl3pPr>
       <a:lvl4pPr marR="0" lvl="3" algn="l" rtl="0">
@@ -7269,15 +7167,15 @@
         <a:buClr>
           <a:srgbClr val="000000"/>
         </a:buClr>
-        <a:buFont typeface="Arial"/>
+        <a:buFont typeface="Arial" panose="020B0604020202020204"/>
         <a:defRPr sz="1400" b="0" i="0" u="none" strike="noStrike" cap="none">
           <a:solidFill>
             <a:srgbClr val="000000"/>
           </a:solidFill>
-          <a:latin typeface="Arial"/>
-          <a:ea typeface="Arial"/>
-          <a:cs typeface="Arial"/>
-          <a:sym typeface="Arial"/>
+          <a:latin typeface="Arial" panose="020B0604020202020204"/>
+          <a:ea typeface="Arial" panose="020B0604020202020204"/>
+          <a:cs typeface="Arial" panose="020B0604020202020204"/>
+          <a:sym typeface="Arial" panose="020B0604020202020204"/>
         </a:defRPr>
       </a:lvl4pPr>
       <a:lvl5pPr marR="0" lvl="4" algn="l" rtl="0">
@@ -7293,15 +7191,15 @@
         <a:buClr>
           <a:srgbClr val="000000"/>
         </a:buClr>
-        <a:buFont typeface="Arial"/>
+        <a:buFont typeface="Arial" panose="020B0604020202020204"/>
         <a:defRPr sz="1400" b="0" i="0" u="none" strike="noStrike" cap="none">
           <a:solidFill>
             <a:srgbClr val="000000"/>
           </a:solidFill>
-          <a:latin typeface="Arial"/>
-          <a:ea typeface="Arial"/>
-          <a:cs typeface="Arial"/>
-          <a:sym typeface="Arial"/>
+          <a:latin typeface="Arial" panose="020B0604020202020204"/>
+          <a:ea typeface="Arial" panose="020B0604020202020204"/>
+          <a:cs typeface="Arial" panose="020B0604020202020204"/>
+          <a:sym typeface="Arial" panose="020B0604020202020204"/>
         </a:defRPr>
       </a:lvl5pPr>
       <a:lvl6pPr marR="0" lvl="5" algn="l" rtl="0">
@@ -7317,15 +7215,15 @@
         <a:buClr>
           <a:srgbClr val="000000"/>
         </a:buClr>
-        <a:buFont typeface="Arial"/>
+        <a:buFont typeface="Arial" panose="020B0604020202020204"/>
         <a:defRPr sz="1400" b="0" i="0" u="none" strike="noStrike" cap="none">
           <a:solidFill>
             <a:srgbClr val="000000"/>
           </a:solidFill>
-          <a:latin typeface="Arial"/>
-          <a:ea typeface="Arial"/>
-          <a:cs typeface="Arial"/>
-          <a:sym typeface="Arial"/>
+          <a:latin typeface="Arial" panose="020B0604020202020204"/>
+          <a:ea typeface="Arial" panose="020B0604020202020204"/>
+          <a:cs typeface="Arial" panose="020B0604020202020204"/>
+          <a:sym typeface="Arial" panose="020B0604020202020204"/>
         </a:defRPr>
       </a:lvl6pPr>
       <a:lvl7pPr marR="0" lvl="6" algn="l" rtl="0">
@@ -7341,15 +7239,15 @@
         <a:buClr>
           <a:srgbClr val="000000"/>
         </a:buClr>
-        <a:buFont typeface="Arial"/>
+        <a:buFont typeface="Arial" panose="020B0604020202020204"/>
         <a:defRPr sz="1400" b="0" i="0" u="none" strike="noStrike" cap="none">
           <a:solidFill>
             <a:srgbClr val="000000"/>
           </a:solidFill>
-          <a:latin typeface="Arial"/>
-          <a:ea typeface="Arial"/>
-          <a:cs typeface="Arial"/>
-          <a:sym typeface="Arial"/>
+          <a:latin typeface="Arial" panose="020B0604020202020204"/>
+          <a:ea typeface="Arial" panose="020B0604020202020204"/>
+          <a:cs typeface="Arial" panose="020B0604020202020204"/>
+          <a:sym typeface="Arial" panose="020B0604020202020204"/>
         </a:defRPr>
       </a:lvl7pPr>
       <a:lvl8pPr marR="0" lvl="7" algn="l" rtl="0">
@@ -7365,15 +7263,15 @@
         <a:buClr>
           <a:srgbClr val="000000"/>
         </a:buClr>
-        <a:buFont typeface="Arial"/>
+        <a:buFont typeface="Arial" panose="020B0604020202020204"/>
         <a:defRPr sz="1400" b="0" i="0" u="none" strike="noStrike" cap="none">
           <a:solidFill>
             <a:srgbClr val="000000"/>
           </a:solidFill>
-          <a:latin typeface="Arial"/>
-          <a:ea typeface="Arial"/>
-          <a:cs typeface="Arial"/>
-          <a:sym typeface="Arial"/>
+          <a:latin typeface="Arial" panose="020B0604020202020204"/>
+          <a:ea typeface="Arial" panose="020B0604020202020204"/>
+          <a:cs typeface="Arial" panose="020B0604020202020204"/>
+          <a:sym typeface="Arial" panose="020B0604020202020204"/>
         </a:defRPr>
       </a:lvl8pPr>
       <a:lvl9pPr marR="0" lvl="8" algn="l" rtl="0">
@@ -7389,15 +7287,15 @@
         <a:buClr>
           <a:srgbClr val="000000"/>
         </a:buClr>
-        <a:buFont typeface="Arial"/>
+        <a:buFont typeface="Arial" panose="020B0604020202020204"/>
         <a:defRPr sz="1400" b="0" i="0" u="none" strike="noStrike" cap="none">
           <a:solidFill>
             <a:srgbClr val="000000"/>
           </a:solidFill>
-          <a:latin typeface="Arial"/>
-          <a:ea typeface="Arial"/>
-          <a:cs typeface="Arial"/>
-          <a:sym typeface="Arial"/>
+          <a:latin typeface="Arial" panose="020B0604020202020204"/>
+          <a:ea typeface="Arial" panose="020B0604020202020204"/>
+          <a:cs typeface="Arial" panose="020B0604020202020204"/>
+          <a:sym typeface="Arial" panose="020B0604020202020204"/>
         </a:defRPr>
       </a:lvl9pPr>
     </p:titleStyle>
@@ -7426,15 +7324,15 @@
         <a:buClr>
           <a:srgbClr val="000000"/>
         </a:buClr>
-        <a:buFont typeface="Arial"/>
+        <a:buFont typeface="Arial" panose="020B0604020202020204"/>
         <a:defRPr sz="1400" b="0" i="0" u="none" strike="noStrike" cap="none">
           <a:solidFill>
             <a:srgbClr val="000000"/>
           </a:solidFill>
-          <a:latin typeface="Arial"/>
-          <a:ea typeface="Arial"/>
-          <a:cs typeface="Arial"/>
-          <a:sym typeface="Arial"/>
+          <a:latin typeface="Arial" panose="020B0604020202020204"/>
+          <a:ea typeface="Arial" panose="020B0604020202020204"/>
+          <a:cs typeface="Arial" panose="020B0604020202020204"/>
+          <a:sym typeface="Arial" panose="020B0604020202020204"/>
         </a:defRPr>
       </a:lvl1pPr>
       <a:lvl2pPr marR="0" lvl="1" algn="l" rtl="0">
@@ -7450,15 +7348,15 @@
         <a:buClr>
           <a:srgbClr val="000000"/>
         </a:buClr>
-        <a:buFont typeface="Arial"/>
+        <a:buFont typeface="Arial" panose="020B0604020202020204"/>
         <a:defRPr sz="1400" b="0" i="0" u="none" strike="noStrike" cap="none">
           <a:solidFill>
             <a:srgbClr val="000000"/>
           </a:solidFill>
-          <a:latin typeface="Arial"/>
-          <a:ea typeface="Arial"/>
-          <a:cs typeface="Arial"/>
-          <a:sym typeface="Arial"/>
+          <a:latin typeface="Arial" panose="020B0604020202020204"/>
+          <a:ea typeface="Arial" panose="020B0604020202020204"/>
+          <a:cs typeface="Arial" panose="020B0604020202020204"/>
+          <a:sym typeface="Arial" panose="020B0604020202020204"/>
         </a:defRPr>
       </a:lvl2pPr>
       <a:lvl3pPr marR="0" lvl="2" algn="l" rtl="0">
@@ -7474,15 +7372,15 @@
         <a:buClr>
           <a:srgbClr val="000000"/>
         </a:buClr>
-        <a:buFont typeface="Arial"/>
+        <a:buFont typeface="Arial" panose="020B0604020202020204"/>
         <a:defRPr sz="1400" b="0" i="0" u="none" strike="noStrike" cap="none">
           <a:solidFill>
             <a:srgbClr val="000000"/>
           </a:solidFill>
-          <a:latin typeface="Arial"/>
-          <a:ea typeface="Arial"/>
-          <a:cs typeface="Arial"/>
-          <a:sym typeface="Arial"/>
+          <a:latin typeface="Arial" panose="020B0604020202020204"/>
+          <a:ea typeface="Arial" panose="020B0604020202020204"/>
+          <a:cs typeface="Arial" panose="020B0604020202020204"/>
+          <a:sym typeface="Arial" panose="020B0604020202020204"/>
         </a:defRPr>
       </a:lvl3pPr>
       <a:lvl4pPr marR="0" lvl="3" algn="l" rtl="0">
@@ -7498,15 +7396,15 @@
         <a:buClr>
           <a:srgbClr val="000000"/>
         </a:buClr>
-        <a:buFont typeface="Arial"/>
+        <a:buFont typeface="Arial" panose="020B0604020202020204"/>
         <a:defRPr sz="1400" b="0" i="0" u="none" strike="noStrike" cap="none">
           <a:solidFill>
             <a:srgbClr val="000000"/>
           </a:solidFill>
-          <a:latin typeface="Arial"/>
-          <a:ea typeface="Arial"/>
-          <a:cs typeface="Arial"/>
-          <a:sym typeface="Arial"/>
+          <a:latin typeface="Arial" panose="020B0604020202020204"/>
+          <a:ea typeface="Arial" panose="020B0604020202020204"/>
+          <a:cs typeface="Arial" panose="020B0604020202020204"/>
+          <a:sym typeface="Arial" panose="020B0604020202020204"/>
         </a:defRPr>
       </a:lvl4pPr>
       <a:lvl5pPr marR="0" lvl="4" algn="l" rtl="0">
@@ -7522,15 +7420,15 @@
         <a:buClr>
           <a:srgbClr val="000000"/>
         </a:buClr>
-        <a:buFont typeface="Arial"/>
+        <a:buFont typeface="Arial" panose="020B0604020202020204"/>
         <a:defRPr sz="1400" b="0" i="0" u="none" strike="noStrike" cap="none">
           <a:solidFill>
             <a:srgbClr val="000000"/>
           </a:solidFill>
-          <a:latin typeface="Arial"/>
-          <a:ea typeface="Arial"/>
-          <a:cs typeface="Arial"/>
-          <a:sym typeface="Arial"/>
+          <a:latin typeface="Arial" panose="020B0604020202020204"/>
+          <a:ea typeface="Arial" panose="020B0604020202020204"/>
+          <a:cs typeface="Arial" panose="020B0604020202020204"/>
+          <a:sym typeface="Arial" panose="020B0604020202020204"/>
         </a:defRPr>
       </a:lvl5pPr>
       <a:lvl6pPr marR="0" lvl="5" algn="l" rtl="0">
@@ -7546,15 +7444,15 @@
         <a:buClr>
           <a:srgbClr val="000000"/>
         </a:buClr>
-        <a:buFont typeface="Arial"/>
+        <a:buFont typeface="Arial" panose="020B0604020202020204"/>
         <a:defRPr sz="1400" b="0" i="0" u="none" strike="noStrike" cap="none">
           <a:solidFill>
             <a:srgbClr val="000000"/>
           </a:solidFill>
-          <a:latin typeface="Arial"/>
-          <a:ea typeface="Arial"/>
-          <a:cs typeface="Arial"/>
-          <a:sym typeface="Arial"/>
+          <a:latin typeface="Arial" panose="020B0604020202020204"/>
+          <a:ea typeface="Arial" panose="020B0604020202020204"/>
+          <a:cs typeface="Arial" panose="020B0604020202020204"/>
+          <a:sym typeface="Arial" panose="020B0604020202020204"/>
         </a:defRPr>
       </a:lvl6pPr>
       <a:lvl7pPr marR="0" lvl="6" algn="l" rtl="0">
@@ -7570,15 +7468,15 @@
         <a:buClr>
           <a:srgbClr val="000000"/>
         </a:buClr>
-        <a:buFont typeface="Arial"/>
+        <a:buFont typeface="Arial" panose="020B0604020202020204"/>
         <a:defRPr sz="1400" b="0" i="0" u="none" strike="noStrike" cap="none">
           <a:solidFill>
             <a:srgbClr val="000000"/>
           </a:solidFill>
-          <a:latin typeface="Arial"/>
-          <a:ea typeface="Arial"/>
-          <a:cs typeface="Arial"/>
-          <a:sym typeface="Arial"/>
+          <a:latin typeface="Arial" panose="020B0604020202020204"/>
+          <a:ea typeface="Arial" panose="020B0604020202020204"/>
+          <a:cs typeface="Arial" panose="020B0604020202020204"/>
+          <a:sym typeface="Arial" panose="020B0604020202020204"/>
         </a:defRPr>
       </a:lvl7pPr>
       <a:lvl8pPr marR="0" lvl="7" algn="l" rtl="0">
@@ -7594,15 +7492,15 @@
         <a:buClr>
           <a:srgbClr val="000000"/>
         </a:buClr>
-        <a:buFont typeface="Arial"/>
+        <a:buFont typeface="Arial" panose="020B0604020202020204"/>
         <a:defRPr sz="1400" b="0" i="0" u="none" strike="noStrike" cap="none">
           <a:solidFill>
             <a:srgbClr val="000000"/>
           </a:solidFill>
-          <a:latin typeface="Arial"/>
-          <a:ea typeface="Arial"/>
-          <a:cs typeface="Arial"/>
-          <a:sym typeface="Arial"/>
+          <a:latin typeface="Arial" panose="020B0604020202020204"/>
+          <a:ea typeface="Arial" panose="020B0604020202020204"/>
+          <a:cs typeface="Arial" panose="020B0604020202020204"/>
+          <a:sym typeface="Arial" panose="020B0604020202020204"/>
         </a:defRPr>
       </a:lvl8pPr>
       <a:lvl9pPr marR="0" lvl="8" algn="l" rtl="0">
@@ -7618,15 +7516,15 @@
         <a:buClr>
           <a:srgbClr val="000000"/>
         </a:buClr>
-        <a:buFont typeface="Arial"/>
+        <a:buFont typeface="Arial" panose="020B0604020202020204"/>
         <a:defRPr sz="1400" b="0" i="0" u="none" strike="noStrike" cap="none">
           <a:solidFill>
             <a:srgbClr val="000000"/>
           </a:solidFill>
-          <a:latin typeface="Arial"/>
-          <a:ea typeface="Arial"/>
-          <a:cs typeface="Arial"/>
-          <a:sym typeface="Arial"/>
+          <a:latin typeface="Arial" panose="020B0604020202020204"/>
+          <a:ea typeface="Arial" panose="020B0604020202020204"/>
+          <a:cs typeface="Arial" panose="020B0604020202020204"/>
+          <a:sym typeface="Arial" panose="020B0604020202020204"/>
         </a:defRPr>
       </a:lvl9pPr>
     </p:bodyStyle>
@@ -7655,15 +7553,15 @@
         <a:buClr>
           <a:srgbClr val="000000"/>
         </a:buClr>
-        <a:buFont typeface="Arial"/>
+        <a:buFont typeface="Arial" panose="020B0604020202020204"/>
         <a:defRPr sz="1400" b="0" i="0" u="none" strike="noStrike" cap="none">
           <a:solidFill>
             <a:srgbClr val="000000"/>
           </a:solidFill>
-          <a:latin typeface="Arial"/>
-          <a:ea typeface="Arial"/>
-          <a:cs typeface="Arial"/>
-          <a:sym typeface="Arial"/>
+          <a:latin typeface="Arial" panose="020B0604020202020204"/>
+          <a:ea typeface="Arial" panose="020B0604020202020204"/>
+          <a:cs typeface="Arial" panose="020B0604020202020204"/>
+          <a:sym typeface="Arial" panose="020B0604020202020204"/>
         </a:defRPr>
       </a:lvl1pPr>
       <a:lvl2pPr marR="0" lvl="1" algn="l" rtl="0">
@@ -7679,15 +7577,15 @@
         <a:buClr>
           <a:srgbClr val="000000"/>
         </a:buClr>
-        <a:buFont typeface="Arial"/>
+        <a:buFont typeface="Arial" panose="020B0604020202020204"/>
         <a:defRPr sz="1400" b="0" i="0" u="none" strike="noStrike" cap="none">
           <a:solidFill>
             <a:srgbClr val="000000"/>
           </a:solidFill>
-          <a:latin typeface="Arial"/>
-          <a:ea typeface="Arial"/>
-          <a:cs typeface="Arial"/>
-          <a:sym typeface="Arial"/>
+          <a:latin typeface="Arial" panose="020B0604020202020204"/>
+          <a:ea typeface="Arial" panose="020B0604020202020204"/>
+          <a:cs typeface="Arial" panose="020B0604020202020204"/>
+          <a:sym typeface="Arial" panose="020B0604020202020204"/>
         </a:defRPr>
       </a:lvl2pPr>
       <a:lvl3pPr marR="0" lvl="2" algn="l" rtl="0">
@@ -7703,15 +7601,15 @@
         <a:buClr>
           <a:srgbClr val="000000"/>
         </a:buClr>
-        <a:buFont typeface="Arial"/>
+        <a:buFont typeface="Arial" panose="020B0604020202020204"/>
         <a:defRPr sz="1400" b="0" i="0" u="none" strike="noStrike" cap="none">
           <a:solidFill>
             <a:srgbClr val="000000"/>
           </a:solidFill>
-          <a:latin typeface="Arial"/>
-          <a:ea typeface="Arial"/>
-          <a:cs typeface="Arial"/>
-          <a:sym typeface="Arial"/>
+          <a:latin typeface="Arial" panose="020B0604020202020204"/>
+          <a:ea typeface="Arial" panose="020B0604020202020204"/>
+          <a:cs typeface="Arial" panose="020B0604020202020204"/>
+          <a:sym typeface="Arial" panose="020B0604020202020204"/>
         </a:defRPr>
       </a:lvl3pPr>
       <a:lvl4pPr marR="0" lvl="3" algn="l" rtl="0">
@@ -7727,15 +7625,15 @@
         <a:buClr>
           <a:srgbClr val="000000"/>
         </a:buClr>
-        <a:buFont typeface="Arial"/>
+        <a:buFont typeface="Arial" panose="020B0604020202020204"/>
         <a:defRPr sz="1400" b="0" i="0" u="none" strike="noStrike" cap="none">
           <a:solidFill>
             <a:srgbClr val="000000"/>
           </a:solidFill>
-          <a:latin typeface="Arial"/>
-          <a:ea typeface="Arial"/>
-          <a:cs typeface="Arial"/>
-          <a:sym typeface="Arial"/>
+          <a:latin typeface="Arial" panose="020B0604020202020204"/>
+          <a:ea typeface="Arial" panose="020B0604020202020204"/>
+          <a:cs typeface="Arial" panose="020B0604020202020204"/>
+          <a:sym typeface="Arial" panose="020B0604020202020204"/>
         </a:defRPr>
       </a:lvl4pPr>
       <a:lvl5pPr marR="0" lvl="4" algn="l" rtl="0">
@@ -7751,15 +7649,15 @@
         <a:buClr>
           <a:srgbClr val="000000"/>
         </a:buClr>
-        <a:buFont typeface="Arial"/>
+        <a:buFont typeface="Arial" panose="020B0604020202020204"/>
         <a:defRPr sz="1400" b="0" i="0" u="none" strike="noStrike" cap="none">
           <a:solidFill>
             <a:srgbClr val="000000"/>
           </a:solidFill>
-          <a:latin typeface="Arial"/>
-          <a:ea typeface="Arial"/>
-          <a:cs typeface="Arial"/>
-          <a:sym typeface="Arial"/>
+          <a:latin typeface="Arial" panose="020B0604020202020204"/>
+          <a:ea typeface="Arial" panose="020B0604020202020204"/>
+          <a:cs typeface="Arial" panose="020B0604020202020204"/>
+          <a:sym typeface="Arial" panose="020B0604020202020204"/>
         </a:defRPr>
       </a:lvl5pPr>
       <a:lvl6pPr marR="0" lvl="5" algn="l" rtl="0">
@@ -7775,15 +7673,15 @@
         <a:buClr>
           <a:srgbClr val="000000"/>
         </a:buClr>
-        <a:buFont typeface="Arial"/>
+        <a:buFont typeface="Arial" panose="020B0604020202020204"/>
         <a:defRPr sz="1400" b="0" i="0" u="none" strike="noStrike" cap="none">
           <a:solidFill>
             <a:srgbClr val="000000"/>
           </a:solidFill>
-          <a:latin typeface="Arial"/>
-          <a:ea typeface="Arial"/>
-          <a:cs typeface="Arial"/>
-          <a:sym typeface="Arial"/>
+          <a:latin typeface="Arial" panose="020B0604020202020204"/>
+          <a:ea typeface="Arial" panose="020B0604020202020204"/>
+          <a:cs typeface="Arial" panose="020B0604020202020204"/>
+          <a:sym typeface="Arial" panose="020B0604020202020204"/>
         </a:defRPr>
       </a:lvl6pPr>
       <a:lvl7pPr marR="0" lvl="6" algn="l" rtl="0">
@@ -7799,15 +7697,15 @@
         <a:buClr>
           <a:srgbClr val="000000"/>
         </a:buClr>
-        <a:buFont typeface="Arial"/>
+        <a:buFont typeface="Arial" panose="020B0604020202020204"/>
         <a:defRPr sz="1400" b="0" i="0" u="none" strike="noStrike" cap="none">
           <a:solidFill>
             <a:srgbClr val="000000"/>
           </a:solidFill>
-          <a:latin typeface="Arial"/>
-          <a:ea typeface="Arial"/>
-          <a:cs typeface="Arial"/>
-          <a:sym typeface="Arial"/>
+          <a:latin typeface="Arial" panose="020B0604020202020204"/>
+          <a:ea typeface="Arial" panose="020B0604020202020204"/>
+          <a:cs typeface="Arial" panose="020B0604020202020204"/>
+          <a:sym typeface="Arial" panose="020B0604020202020204"/>
         </a:defRPr>
       </a:lvl7pPr>
       <a:lvl8pPr marR="0" lvl="7" algn="l" rtl="0">
@@ -7823,15 +7721,15 @@
         <a:buClr>
           <a:srgbClr val="000000"/>
         </a:buClr>
-        <a:buFont typeface="Arial"/>
+        <a:buFont typeface="Arial" panose="020B0604020202020204"/>
         <a:defRPr sz="1400" b="0" i="0" u="none" strike="noStrike" cap="none">
           <a:solidFill>
             <a:srgbClr val="000000"/>
           </a:solidFill>
-          <a:latin typeface="Arial"/>
-          <a:ea typeface="Arial"/>
-          <a:cs typeface="Arial"/>
-          <a:sym typeface="Arial"/>
+          <a:latin typeface="Arial" panose="020B0604020202020204"/>
+          <a:ea typeface="Arial" panose="020B0604020202020204"/>
+          <a:cs typeface="Arial" panose="020B0604020202020204"/>
+          <a:sym typeface="Arial" panose="020B0604020202020204"/>
         </a:defRPr>
       </a:lvl8pPr>
       <a:lvl9pPr marR="0" lvl="8" algn="l" rtl="0">
@@ -7847,15 +7745,15 @@
         <a:buClr>
           <a:srgbClr val="000000"/>
         </a:buClr>
-        <a:buFont typeface="Arial"/>
+        <a:buFont typeface="Arial" panose="020B0604020202020204"/>
         <a:defRPr sz="1400" b="0" i="0" u="none" strike="noStrike" cap="none">
           <a:solidFill>
             <a:srgbClr val="000000"/>
           </a:solidFill>
-          <a:latin typeface="Arial"/>
-          <a:ea typeface="Arial"/>
-          <a:cs typeface="Arial"/>
-          <a:sym typeface="Arial"/>
+          <a:latin typeface="Arial" panose="020B0604020202020204"/>
+          <a:ea typeface="Arial" panose="020B0604020202020204"/>
+          <a:cs typeface="Arial" panose="020B0604020202020204"/>
+          <a:sym typeface="Arial" panose="020B0604020202020204"/>
         </a:defRPr>
       </a:lvl9pPr>
     </p:otherStyle>
@@ -7914,7 +7812,6 @@
               </a:spcAft>
               <a:buNone/>
             </a:pPr>
-            <a:endParaRPr/>
           </a:p>
         </p:txBody>
       </p:sp>
@@ -7952,7 +7849,6 @@
               </a:spcAft>
               <a:buNone/>
             </a:pPr>
-            <a:endParaRPr/>
           </a:p>
         </p:txBody>
       </p:sp>
@@ -8015,7 +7911,6 @@
               </a:spcAft>
               <a:buNone/>
             </a:pPr>
-            <a:endParaRPr/>
           </a:p>
         </p:txBody>
       </p:sp>
@@ -8053,7 +7948,6 @@
               </a:spcAft>
               <a:buNone/>
             </a:pPr>
-            <a:endParaRPr/>
           </a:p>
         </p:txBody>
       </p:sp>
@@ -8116,7 +8010,23 @@
               </a:spcAft>
               <a:buNone/>
             </a:pPr>
-            <a:endParaRPr/>
+            <a:r>
+              <a:rPr sz="1800" b="1">
+                <a:solidFill>
+                  <a:srgbClr val="C00000"/>
+                </a:solidFill>
+                <a:latin typeface="+mj-ea"/>
+                <a:cs typeface="+mj-ea"/>
+              </a:rPr>
+              <a:t>Location Based Business Recommendation Using Spatial Demand</a:t>
+            </a:r>
+            <a:endParaRPr sz="1800" b="1">
+              <a:solidFill>
+                <a:srgbClr val="C00000"/>
+              </a:solidFill>
+              <a:latin typeface="+mj-ea"/>
+              <a:cs typeface="+mj-ea"/>
+            </a:endParaRPr>
           </a:p>
         </p:txBody>
       </p:sp>
@@ -8132,7 +8042,7 @@
         </p:nvSpPr>
         <p:spPr>
           <a:xfrm>
-            <a:off x="311700" y="1229875"/>
+            <a:off x="311700" y="902215"/>
             <a:ext cx="8520600" cy="3339000"/>
           </a:xfrm>
           <a:prstGeom prst="rect">
@@ -8154,7 +8064,161 @@
               </a:spcAft>
               <a:buNone/>
             </a:pPr>
-            <a:endParaRPr/>
+            <a:r>
+              <a:rPr sz="1600"/>
+              <a:t> </a:t>
+            </a:r>
+            <a:r>
+              <a:rPr lang="en-IN" sz="1600"/>
+              <a:t>Great use for enterprenures to get a perfect area and number of customers who   need for the service .</a:t>
+            </a:r>
+            <a:endParaRPr lang="en-IN" sz="1600"/>
+          </a:p>
+          <a:p>
+            <a:pPr marL="0" lvl="0" indent="0" algn="l" rtl="0">
+              <a:spcBef>
+                <a:spcPts val="0"/>
+              </a:spcBef>
+              <a:spcAft>
+                <a:spcPts val="1600"/>
+              </a:spcAft>
+              <a:buNone/>
+            </a:pPr>
+            <a:endParaRPr lang="en-IN" sz="1600"/>
+          </a:p>
+          <a:p>
+            <a:pPr marL="0" lvl="0" indent="0" algn="l" rtl="0">
+              <a:spcBef>
+                <a:spcPts val="0"/>
+              </a:spcBef>
+              <a:spcAft>
+                <a:spcPts val="1600"/>
+              </a:spcAft>
+              <a:buNone/>
+            </a:pPr>
+            <a:r>
+              <a:rPr lang="en-IN" b="1">
+                <a:solidFill>
+                  <a:srgbClr val="C00000"/>
+                </a:solidFill>
+                <a:latin typeface="+mj-ea"/>
+                <a:cs typeface="+mj-ea"/>
+              </a:rPr>
+              <a:t>Predicting the match winner</a:t>
+            </a:r>
+            <a:endParaRPr lang="en-IN" b="1">
+              <a:solidFill>
+                <a:srgbClr val="C00000"/>
+              </a:solidFill>
+              <a:latin typeface="+mj-ea"/>
+              <a:cs typeface="+mj-ea"/>
+            </a:endParaRPr>
+          </a:p>
+          <a:p>
+            <a:pPr marL="0" lvl="0" indent="0" algn="l" rtl="0">
+              <a:spcBef>
+                <a:spcPts val="0"/>
+              </a:spcBef>
+              <a:spcAft>
+                <a:spcPts val="1600"/>
+              </a:spcAft>
+              <a:buNone/>
+            </a:pPr>
+            <a:r>
+              <a:rPr lang="en-IN" sz="1000">
+                <a:solidFill>
+                  <a:schemeClr val="tx1"/>
+                </a:solidFill>
+              </a:rPr>
+              <a:t>https://blog.coast.ai/this-is-how-i-used-machine-learning-to-accurately-predict-villanova-to-win-the-2016-march-madness-ba5c074f1583#.e6xllp64p</a:t>
+            </a:r>
+            <a:endParaRPr lang="en-IN" sz="1000">
+              <a:solidFill>
+                <a:schemeClr val="tx1"/>
+              </a:solidFill>
+            </a:endParaRPr>
+          </a:p>
+        </p:txBody>
+      </p:sp>
+      <p:graphicFrame>
+        <p:nvGraphicFramePr>
+          <p:cNvPr id="2" name="Object 1">
+            <a:hlinkClick r:id="" action="ppaction://ole?verb="/>
+          </p:cNvPr>
+          <p:cNvGraphicFramePr>
+            <a:graphicFrameLocks noChangeAspect="1"/>
+          </p:cNvGraphicFramePr>
+          <p:nvPr/>
+        </p:nvGraphicFramePr>
+        <p:xfrm>
+          <a:off x="1798320" y="1624330"/>
+          <a:ext cx="387985" cy="486410"/>
+        </p:xfrm>
+        <a:graphic>
+          <a:graphicData uri="http://schemas.openxmlformats.org/presentationml/2006/ole">
+            <mc:AlternateContent xmlns:mc="http://schemas.openxmlformats.org/markup-compatibility/2006">
+              <mc:Choice xmlns:v="urn:schemas-microsoft-com:vml" Requires="v">
+                <p:oleObj spid="_x0000_s1025" name="" r:id="rId1" imgW="387985" imgH="486410" progId="Package">
+                  <p:embed/>
+                </p:oleObj>
+              </mc:Choice>
+              <mc:Fallback>
+                <p:oleObj name="" r:id="rId1" imgW="387985" imgH="486410" progId="Package">
+                  <p:embed/>
+                  <p:pic>
+                    <p:nvPicPr>
+                      <p:cNvPr id="0" name="Picture 1024"/>
+                      <p:cNvPicPr/>
+                      <p:nvPr/>
+                    </p:nvPicPr>
+                    <p:blipFill>
+                      <a:blip r:embed="rId2"/>
+                      <a:stretch>
+                        <a:fillRect/>
+                      </a:stretch>
+                    </p:blipFill>
+                    <p:spPr>
+                      <a:xfrm>
+                        <a:off x="1798320" y="1624330"/>
+                        <a:ext cx="387985" cy="486410"/>
+                      </a:xfrm>
+                      <a:prstGeom prst="rect">
+                        <a:avLst/>
+                      </a:prstGeom>
+                    </p:spPr>
+                  </p:pic>
+                </p:oleObj>
+              </mc:Fallback>
+            </mc:AlternateContent>
+          </a:graphicData>
+        </a:graphic>
+      </p:graphicFrame>
+      <p:sp>
+        <p:nvSpPr>
+          <p:cNvPr id="3" name="Text Box 2"/>
+          <p:cNvSpPr txBox="1"/>
+          <p:nvPr/>
+        </p:nvSpPr>
+        <p:spPr>
+          <a:xfrm>
+            <a:off x="6652895" y="4241165"/>
+            <a:ext cx="2023110" cy="337185"/>
+          </a:xfrm>
+          <a:prstGeom prst="rect">
+            <a:avLst/>
+          </a:prstGeom>
+          <a:noFill/>
+        </p:spPr>
+        <p:txBody>
+          <a:bodyPr wrap="none" rtlCol="0">
+            <a:spAutoFit/>
+          </a:bodyPr>
+          <a:p>
+            <a:r>
+              <a:rPr lang="en-IN" altLang="en-US" sz="1600" b="1"/>
+              <a:t>Madhurika Ganiger</a:t>
+            </a:r>
+            <a:endParaRPr lang="en-IN" altLang="en-US" sz="1600" b="1"/>
           </a:p>
         </p:txBody>
       </p:sp>
@@ -8217,7 +8281,6 @@
               </a:spcAft>
               <a:buNone/>
             </a:pPr>
-            <a:endParaRPr/>
           </a:p>
         </p:txBody>
       </p:sp>
@@ -8255,7 +8318,6 @@
               </a:spcAft>
               <a:buNone/>
             </a:pPr>
-            <a:endParaRPr/>
           </a:p>
         </p:txBody>
       </p:sp>
@@ -8494,20 +8556,14 @@
       </p:sp>
       <p:pic>
         <p:nvPicPr>
-          <p:cNvPr id="3" name="Picture 2">
-            <a:extLst>
-              <a:ext uri="{FF2B5EF4-FFF2-40B4-BE49-F238E27FC236}">
-                <a16:creationId xmlns:a16="http://schemas.microsoft.com/office/drawing/2014/main" id="{3BBDA7E5-3274-4D0B-9DAF-BC91129DB421}"/>
-              </a:ext>
-            </a:extLst>
-          </p:cNvPr>
+          <p:cNvPr id="3" name="Picture 2"/>
           <p:cNvPicPr>
             <a:picLocks noChangeAspect="1"/>
           </p:cNvPicPr>
           <p:nvPr/>
         </p:nvPicPr>
         <p:blipFill>
-          <a:blip r:embed="rId3"/>
+          <a:blip r:embed="rId1"/>
           <a:stretch>
             <a:fillRect/>
           </a:stretch>
@@ -8524,13 +8580,7 @@
       </p:pic>
       <p:sp>
         <p:nvSpPr>
-          <p:cNvPr id="4" name="TextBox 3">
-            <a:extLst>
-              <a:ext uri="{FF2B5EF4-FFF2-40B4-BE49-F238E27FC236}">
-                <a16:creationId xmlns:a16="http://schemas.microsoft.com/office/drawing/2014/main" id="{2D913684-7F32-4741-8835-72DFDFDEB36A}"/>
-              </a:ext>
-            </a:extLst>
-          </p:cNvPr>
+          <p:cNvPr id="4" name="TextBox 3"/>
           <p:cNvSpPr txBox="1"/>
           <p:nvPr/>
         </p:nvSpPr>
@@ -8554,6 +8604,7 @@
               <a:rPr lang="en-IN" dirty="0"/>
               <a:t>Abhishek rao</a:t>
             </a:r>
+            <a:endParaRPr lang="en-IN" dirty="0"/>
           </a:p>
         </p:txBody>
       </p:sp>
@@ -8841,8 +8892,11 @@
       </a:bgFillStyleLst>
     </a:fmtScheme>
   </a:themeElements>
-  <a:objectDefaults/>
-  <a:extraClrSchemeLst/>
+  <a:extLst>
+    <a:ext uri="{05A4C25C-085E-4340-85A3-A5531E510DB2}">
+      <thm15:themeFamily xmlns:thm15="http://schemas.microsoft.com/office/thememl/2012/main" name="Office Theme" id="{62F939B6-93AF-4DB8-9C6B-D6C7DFDC589F}" vid="{4A3C46E8-61CC-4603-A589-7422A47A8E4A}"/>
+    </a:ext>
+  </a:extLst>
 </a:theme>
 </file>
 
@@ -9122,7 +9176,10 @@
       </a:bgFillStyleLst>
     </a:fmtScheme>
   </a:themeElements>
-  <a:objectDefaults/>
-  <a:extraClrSchemeLst/>
+  <a:extLst>
+    <a:ext uri="{05A4C25C-085E-4340-85A3-A5531E510DB2}">
+      <thm15:themeFamily xmlns:thm15="http://schemas.microsoft.com/office/thememl/2012/main" name="Office Theme" id="{62F939B6-93AF-4DB8-9C6B-D6C7DFDC589F}" vid="{4A3C46E8-61CC-4603-A589-7422A47A8E4A}"/>
+    </a:ext>
+  </a:extLst>
 </a:theme>
 </file>
--- a/IDEAS FOR PROBLEM STATEMENT 5.pptx
+++ b/IDEAS FOR PROBLEM STATEMENT 5.pptx
@@ -12,14 +12,17 @@
     <p:sldId id="257" r:id="rId5"/>
     <p:sldId id="258" r:id="rId6"/>
     <p:sldId id="259" r:id="rId7"/>
-    <p:sldId id="260" r:id="rId8"/>
+    <p:sldId id="262" r:id="rId8"/>
+    <p:sldId id="263" r:id="rId9"/>
+    <p:sldId id="264" r:id="rId10"/>
+    <p:sldId id="260" r:id="rId11"/>
   </p:sldIdLst>
   <p:sldSz cx="9144000" cy="5143500" type="screen16x9"/>
   <p:notesSz cx="6858000" cy="9144000"/>
   <p:embeddedFontLst>
     <p:embeddedFont>
       <p:font typeface="Roboto" panose="02000000000000000000"/>
-      <p:regular r:id="rId12"/>
+      <p:regular r:id="rId15"/>
     </p:embeddedFont>
   </p:embeddedFontLst>
   <p:defaultTextStyle>
@@ -8056,6 +8059,9 @@
           <a:lstStyle/>
           <a:p>
             <a:pPr marL="0" lvl="0" indent="0" algn="l" rtl="0">
+              <a:lnSpc>
+                <a:spcPct val="35000"/>
+              </a:lnSpc>
               <a:spcBef>
                 <a:spcPts val="0"/>
               </a:spcBef>
@@ -8070,8 +8076,58 @@
             </a:r>
             <a:r>
               <a:rPr lang="en-IN" sz="1600"/>
-              <a:t>Great use for enterprenures to get a perfect area and number of customers who   need for the service .</a:t>
+              <a:t>Great use for enterprenures to get a perfect</a:t>
             </a:r>
+            <a:endParaRPr lang="en-IN" sz="1600"/>
+          </a:p>
+          <a:p>
+            <a:pPr marL="0" lvl="0" indent="0" algn="l" rtl="0">
+              <a:lnSpc>
+                <a:spcPct val="35000"/>
+              </a:lnSpc>
+              <a:spcBef>
+                <a:spcPts val="0"/>
+              </a:spcBef>
+              <a:spcAft>
+                <a:spcPts val="1600"/>
+              </a:spcAft>
+              <a:buNone/>
+            </a:pPr>
+            <a:r>
+              <a:rPr lang="en-IN" sz="1600"/>
+              <a:t> area and number of customers who   </a:t>
+            </a:r>
+            <a:endParaRPr lang="en-IN" sz="1600"/>
+          </a:p>
+          <a:p>
+            <a:pPr marL="0" lvl="0" indent="0" algn="l" rtl="0">
+              <a:lnSpc>
+                <a:spcPct val="35000"/>
+              </a:lnSpc>
+              <a:spcBef>
+                <a:spcPts val="0"/>
+              </a:spcBef>
+              <a:spcAft>
+                <a:spcPts val="1600"/>
+              </a:spcAft>
+              <a:buNone/>
+            </a:pPr>
+            <a:r>
+              <a:rPr lang="en-IN" sz="1600"/>
+              <a:t>need for the service .</a:t>
+            </a:r>
+            <a:endParaRPr lang="en-IN" sz="1600"/>
+          </a:p>
+          <a:p>
+            <a:pPr marL="0" lvl="0" indent="0" algn="l" rtl="0">
+              <a:spcBef>
+                <a:spcPts val="0"/>
+              </a:spcBef>
+              <a:spcAft>
+                <a:spcPts val="1600"/>
+              </a:spcAft>
+              <a:buNone/>
+            </a:pPr>
             <a:endParaRPr lang="en-IN" sz="1600"/>
           </a:p>
           <a:p>
@@ -8116,6 +8172,9 @@
           </a:p>
           <a:p>
             <a:pPr marL="0" lvl="0" indent="0" algn="l" rtl="0">
+              <a:lnSpc>
+                <a:spcPct val="45000"/>
+              </a:lnSpc>
               <a:spcBef>
                 <a:spcPts val="0"/>
               </a:spcBef>
@@ -8130,7 +8189,34 @@
                   <a:schemeClr val="tx1"/>
                 </a:solidFill>
               </a:rPr>
-              <a:t>https://blog.coast.ai/this-is-how-i-used-machine-learning-to-accurately-predict-villanova-to-win-the-2016-march-madness-ba5c074f1583#.e6xllp64p</a:t>
+              <a:t>https://blog.coast.ai/this-is-how-i-used-machine-learning-to-accuratel</a:t>
+            </a:r>
+            <a:endParaRPr lang="en-IN" sz="1000">
+              <a:solidFill>
+                <a:schemeClr val="tx1"/>
+              </a:solidFill>
+            </a:endParaRPr>
+          </a:p>
+          <a:p>
+            <a:pPr marL="0" lvl="0" indent="0" algn="l" rtl="0">
+              <a:lnSpc>
+                <a:spcPct val="45000"/>
+              </a:lnSpc>
+              <a:spcBef>
+                <a:spcPts val="0"/>
+              </a:spcBef>
+              <a:spcAft>
+                <a:spcPts val="1600"/>
+              </a:spcAft>
+              <a:buNone/>
+            </a:pPr>
+            <a:r>
+              <a:rPr lang="en-IN" sz="1000">
+                <a:solidFill>
+                  <a:schemeClr val="tx1"/>
+                </a:solidFill>
+              </a:rPr>
+              <a:t>y-predict-villanova-to-win-the-2016-march-madness-ba5c074f1583#.e6xllp64p</a:t>
             </a:r>
             <a:endParaRPr lang="en-IN" sz="1000">
               <a:solidFill>
@@ -8222,6 +8308,30 @@
           </a:p>
         </p:txBody>
       </p:sp>
+      <p:pic>
+        <p:nvPicPr>
+          <p:cNvPr id="4" name="Picture 3"/>
+          <p:cNvPicPr>
+            <a:picLocks noChangeAspect="1"/>
+          </p:cNvPicPr>
+          <p:nvPr/>
+        </p:nvPicPr>
+        <p:blipFill>
+          <a:blip r:embed="rId3"/>
+          <a:stretch>
+            <a:fillRect/>
+          </a:stretch>
+        </p:blipFill>
+        <p:spPr>
+          <a:xfrm>
+            <a:off x="4739005" y="1017905"/>
+            <a:ext cx="3872865" cy="2910205"/>
+          </a:xfrm>
+          <a:prstGeom prst="rect">
+            <a:avLst/>
+          </a:prstGeom>
+        </p:spPr>
+      </p:pic>
     </p:spTree>
   </p:cSld>
   <p:clrMapOvr>
@@ -8281,6 +8391,23 @@
               </a:spcAft>
               <a:buNone/>
             </a:pPr>
+            <a:r>
+              <a:rPr sz="1400" b="1">
+                <a:solidFill>
+                  <a:srgbClr val="C00000"/>
+                </a:solidFill>
+                <a:latin typeface="+mj-ea"/>
+                <a:cs typeface="+mj-ea"/>
+              </a:rPr>
+              <a:t>A deep Convolutional neural network approach for static hand gesture recognition</a:t>
+            </a:r>
+            <a:endParaRPr sz="1400" b="1">
+              <a:solidFill>
+                <a:srgbClr val="C00000"/>
+              </a:solidFill>
+              <a:latin typeface="+mj-ea"/>
+              <a:cs typeface="+mj-ea"/>
+            </a:endParaRPr>
           </a:p>
         </p:txBody>
       </p:sp>
@@ -8296,7 +8423,7 @@
         </p:nvSpPr>
         <p:spPr>
           <a:xfrm>
-            <a:off x="311700" y="1229875"/>
+            <a:off x="311700" y="817760"/>
             <a:ext cx="8520600" cy="3339000"/>
           </a:xfrm>
           <a:prstGeom prst="rect">
@@ -8318,6 +8445,286 @@
               </a:spcAft>
               <a:buNone/>
             </a:pPr>
+            <a:r>
+              <a:rPr sz="1000">
+                <a:solidFill>
+                  <a:schemeClr val="tx1"/>
+                </a:solidFill>
+              </a:rPr>
+              <a:t>https://www.sciencedirect.com/science/article/pii/S1877050920312473/pdf?md5=a4c07e371bbe5d4c4e0d663491bfd2da&amp;pid=1-s2.0-S1877050920312473-main.pdf</a:t>
+            </a:r>
+            <a:endParaRPr sz="1000">
+              <a:solidFill>
+                <a:schemeClr val="tx1"/>
+              </a:solidFill>
+            </a:endParaRPr>
+          </a:p>
+          <a:p>
+            <a:pPr marL="0" lvl="0" indent="0" algn="l" rtl="0">
+              <a:spcBef>
+                <a:spcPts val="0"/>
+              </a:spcBef>
+              <a:spcAft>
+                <a:spcPts val="1600"/>
+              </a:spcAft>
+              <a:buNone/>
+            </a:pPr>
+            <a:endParaRPr sz="1000" b="1">
+              <a:solidFill>
+                <a:schemeClr val="tx1"/>
+              </a:solidFill>
+              <a:latin typeface="+mj-ea"/>
+              <a:cs typeface="+mj-ea"/>
+            </a:endParaRPr>
+          </a:p>
+          <a:p>
+            <a:pPr marL="0" lvl="0" indent="0" algn="l" rtl="0">
+              <a:lnSpc>
+                <a:spcPct val="65000"/>
+              </a:lnSpc>
+              <a:spcBef>
+                <a:spcPts val="0"/>
+              </a:spcBef>
+              <a:spcAft>
+                <a:spcPts val="1600"/>
+              </a:spcAft>
+              <a:buNone/>
+            </a:pPr>
+            <a:r>
+              <a:rPr sz="1400" b="1">
+                <a:solidFill>
+                  <a:srgbClr val="C00000"/>
+                </a:solidFill>
+                <a:latin typeface="+mj-ea"/>
+                <a:cs typeface="+mj-ea"/>
+              </a:rPr>
+              <a:t>Hybrid CNN for articulatory and acoustic based speech </a:t>
+            </a:r>
+            <a:endParaRPr sz="1400" b="1">
+              <a:solidFill>
+                <a:srgbClr val="C00000"/>
+              </a:solidFill>
+              <a:latin typeface="+mj-ea"/>
+              <a:cs typeface="+mj-ea"/>
+            </a:endParaRPr>
+          </a:p>
+          <a:p>
+            <a:pPr marL="0" lvl="0" indent="0" algn="l" rtl="0">
+              <a:lnSpc>
+                <a:spcPct val="65000"/>
+              </a:lnSpc>
+              <a:spcBef>
+                <a:spcPts val="0"/>
+              </a:spcBef>
+              <a:spcAft>
+                <a:spcPts val="1600"/>
+              </a:spcAft>
+              <a:buNone/>
+            </a:pPr>
+            <a:r>
+              <a:rPr sz="1400" b="1">
+                <a:solidFill>
+                  <a:srgbClr val="C00000"/>
+                </a:solidFill>
+                <a:latin typeface="+mj-ea"/>
+                <a:cs typeface="+mj-ea"/>
+              </a:rPr>
+              <a:t>recognition</a:t>
+            </a:r>
+            <a:endParaRPr sz="1400" b="1">
+              <a:solidFill>
+                <a:srgbClr val="C00000"/>
+              </a:solidFill>
+              <a:latin typeface="+mj-ea"/>
+              <a:cs typeface="+mj-ea"/>
+            </a:endParaRPr>
+          </a:p>
+          <a:p>
+            <a:pPr marL="0" lvl="0" indent="0" algn="l" rtl="0">
+              <a:lnSpc>
+                <a:spcPct val="5000"/>
+              </a:lnSpc>
+              <a:spcBef>
+                <a:spcPts val="0"/>
+              </a:spcBef>
+              <a:spcAft>
+                <a:spcPts val="1600"/>
+              </a:spcAft>
+              <a:buNone/>
+            </a:pPr>
+            <a:r>
+              <a:rPr sz="900" b="1">
+                <a:solidFill>
+                  <a:schemeClr val="tx1"/>
+                </a:solidFill>
+                <a:latin typeface="+mj-ea"/>
+                <a:cs typeface="+mj-ea"/>
+              </a:rPr>
+              <a:t>https://cpb-us-e1.wpmucdn.com/blog.um</a:t>
+            </a:r>
+            <a:endParaRPr sz="900" b="1">
+              <a:solidFill>
+                <a:schemeClr val="tx1"/>
+              </a:solidFill>
+              <a:latin typeface="+mj-ea"/>
+              <a:cs typeface="+mj-ea"/>
+            </a:endParaRPr>
+          </a:p>
+          <a:p>
+            <a:pPr marL="0" lvl="0" indent="0" algn="l" rtl="0">
+              <a:lnSpc>
+                <a:spcPct val="5000"/>
+              </a:lnSpc>
+              <a:spcBef>
+                <a:spcPts val="0"/>
+              </a:spcBef>
+              <a:spcAft>
+                <a:spcPts val="1600"/>
+              </a:spcAft>
+              <a:buNone/>
+            </a:pPr>
+            <a:r>
+              <a:rPr sz="900" b="1">
+                <a:solidFill>
+                  <a:schemeClr val="tx1"/>
+                </a:solidFill>
+                <a:latin typeface="+mj-ea"/>
+                <a:cs typeface="+mj-ea"/>
+              </a:rPr>
+              <a:t>d.edu/dist/c/619/files/2019/11/journal_vikram_2017.pdf</a:t>
+            </a:r>
+            <a:endParaRPr sz="900" b="1">
+              <a:solidFill>
+                <a:schemeClr val="tx1"/>
+              </a:solidFill>
+              <a:latin typeface="+mj-ea"/>
+              <a:cs typeface="+mj-ea"/>
+            </a:endParaRPr>
+          </a:p>
+          <a:p>
+            <a:pPr marL="0" lvl="0" indent="0" algn="l" rtl="0">
+              <a:spcBef>
+                <a:spcPts val="0"/>
+              </a:spcBef>
+              <a:spcAft>
+                <a:spcPts val="1600"/>
+              </a:spcAft>
+              <a:buNone/>
+            </a:pPr>
+            <a:endParaRPr sz="1400" b="1">
+              <a:solidFill>
+                <a:srgbClr val="C00000"/>
+              </a:solidFill>
+              <a:latin typeface="+mj-ea"/>
+              <a:cs typeface="+mj-ea"/>
+            </a:endParaRPr>
+          </a:p>
+          <a:p>
+            <a:pPr marL="0" lvl="0" indent="0" algn="l" rtl="0">
+              <a:spcBef>
+                <a:spcPts val="0"/>
+              </a:spcBef>
+              <a:spcAft>
+                <a:spcPts val="1600"/>
+              </a:spcAft>
+              <a:buNone/>
+            </a:pPr>
+            <a:endParaRPr sz="1000" b="1">
+              <a:solidFill>
+                <a:schemeClr val="tx1"/>
+              </a:solidFill>
+              <a:latin typeface="+mj-ea"/>
+              <a:cs typeface="+mj-ea"/>
+            </a:endParaRPr>
+          </a:p>
+          <a:p>
+            <a:pPr marL="0" lvl="0" indent="0" algn="l" rtl="0">
+              <a:spcBef>
+                <a:spcPts val="0"/>
+              </a:spcBef>
+              <a:spcAft>
+                <a:spcPts val="1600"/>
+              </a:spcAft>
+              <a:buNone/>
+            </a:pPr>
+            <a:endParaRPr sz="1000" b="1">
+              <a:solidFill>
+                <a:schemeClr val="tx1"/>
+              </a:solidFill>
+              <a:latin typeface="+mj-ea"/>
+              <a:cs typeface="+mj-ea"/>
+            </a:endParaRPr>
+          </a:p>
+          <a:p>
+            <a:pPr marL="0" lvl="0" indent="0" algn="l" rtl="0">
+              <a:spcBef>
+                <a:spcPts val="0"/>
+              </a:spcBef>
+              <a:spcAft>
+                <a:spcPts val="1600"/>
+              </a:spcAft>
+              <a:buNone/>
+            </a:pPr>
+            <a:endParaRPr sz="1000" b="1">
+              <a:solidFill>
+                <a:schemeClr val="tx1"/>
+              </a:solidFill>
+              <a:latin typeface="+mj-ea"/>
+              <a:cs typeface="+mj-ea"/>
+            </a:endParaRPr>
+          </a:p>
+        </p:txBody>
+      </p:sp>
+      <p:pic>
+        <p:nvPicPr>
+          <p:cNvPr id="2" name="Picture 1"/>
+          <p:cNvPicPr>
+            <a:picLocks noChangeAspect="1"/>
+          </p:cNvPicPr>
+          <p:nvPr/>
+        </p:nvPicPr>
+        <p:blipFill>
+          <a:blip r:embed="rId1"/>
+          <a:stretch>
+            <a:fillRect/>
+          </a:stretch>
+        </p:blipFill>
+        <p:spPr>
+          <a:xfrm>
+            <a:off x="3425825" y="2003425"/>
+            <a:ext cx="5080635" cy="2729230"/>
+          </a:xfrm>
+          <a:prstGeom prst="rect">
+            <a:avLst/>
+          </a:prstGeom>
+        </p:spPr>
+      </p:pic>
+      <p:sp>
+        <p:nvSpPr>
+          <p:cNvPr id="3" name="Text Box 2"/>
+          <p:cNvSpPr txBox="1"/>
+          <p:nvPr/>
+        </p:nvSpPr>
+        <p:spPr>
+          <a:xfrm>
+            <a:off x="767080" y="4377690"/>
+            <a:ext cx="1802765" cy="306705"/>
+          </a:xfrm>
+          <a:prstGeom prst="rect">
+            <a:avLst/>
+          </a:prstGeom>
+          <a:noFill/>
+        </p:spPr>
+        <p:txBody>
+          <a:bodyPr wrap="square" rtlCol="0">
+            <a:spAutoFit/>
+          </a:bodyPr>
+          <a:p>
+            <a:r>
+              <a:rPr lang="en-IN" altLang="en-US"/>
+              <a:t>Sakshi T</a:t>
+            </a:r>
+            <a:endParaRPr lang="en-IN" altLang="en-US"/>
           </a:p>
         </p:txBody>
       </p:sp>
@@ -8330,6 +8737,690 @@
 </file>
 
 <file path=ppt/slides/slide5.xml><?xml version="1.0" encoding="utf-8"?>
+<p:sld xmlns:a="http://schemas.openxmlformats.org/drawingml/2006/main" xmlns:r="http://schemas.openxmlformats.org/officeDocument/2006/relationships" xmlns:p="http://schemas.openxmlformats.org/presentationml/2006/main">
+  <p:cSld>
+    <p:spTree>
+      <p:nvGrpSpPr>
+        <p:cNvPr id="1" name=""/>
+        <p:cNvGrpSpPr/>
+        <p:nvPr/>
+      </p:nvGrpSpPr>
+      <p:grpSpPr/>
+      <p:sp>
+        <p:nvSpPr>
+          <p:cNvPr id="2" name="Title 1"/>
+          <p:cNvSpPr>
+            <a:spLocks noGrp="1"/>
+          </p:cNvSpPr>
+          <p:nvPr>
+            <p:ph type="title"/>
+          </p:nvPr>
+        </p:nvSpPr>
+        <p:spPr/>
+        <p:txBody>
+          <a:bodyPr/>
+          <a:p>
+            <a:r>
+              <a:rPr lang="en-US"/>
+              <a:t> </a:t>
+            </a:r>
+            <a:r>
+              <a:rPr lang="en-US" sz="1400" b="1">
+                <a:solidFill>
+                  <a:srgbClr val="C00000"/>
+                </a:solidFill>
+                <a:latin typeface="+mj-lt"/>
+                <a:cs typeface="+mj-lt"/>
+              </a:rPr>
+              <a:t>Hand Gesture Classification basef on nonaudible Sound using CNN</a:t>
+            </a:r>
+            <a:endParaRPr lang="en-US" sz="1600" b="1">
+              <a:solidFill>
+                <a:srgbClr val="C00000"/>
+              </a:solidFill>
+              <a:latin typeface="+mj-lt"/>
+              <a:cs typeface="+mj-lt"/>
+            </a:endParaRPr>
+          </a:p>
+        </p:txBody>
+      </p:sp>
+      <p:sp>
+        <p:nvSpPr>
+          <p:cNvPr id="3" name="Text Placeholder 2"/>
+          <p:cNvSpPr>
+            <a:spLocks noGrp="1"/>
+          </p:cNvSpPr>
+          <p:nvPr>
+            <p:ph type="body" idx="1"/>
+          </p:nvPr>
+        </p:nvSpPr>
+        <p:spPr>
+          <a:xfrm>
+            <a:off x="311700" y="1017785"/>
+            <a:ext cx="8520600" cy="3339000"/>
+          </a:xfrm>
+        </p:spPr>
+        <p:txBody>
+          <a:bodyPr/>
+          <a:p>
+            <a:pPr marL="114300" indent="0">
+              <a:buNone/>
+            </a:pPr>
+            <a:r>
+              <a:rPr lang="en-US" sz="1200">
+                <a:solidFill>
+                  <a:schemeClr val="tx1"/>
+                </a:solidFill>
+              </a:rPr>
+              <a:t>https://www.hindawi.com/journals/js/2019/1084841/</a:t>
+            </a:r>
+            <a:endParaRPr lang="en-US" sz="1200">
+              <a:solidFill>
+                <a:schemeClr val="tx1"/>
+              </a:solidFill>
+            </a:endParaRPr>
+          </a:p>
+          <a:p>
+            <a:pPr marL="114300" indent="0">
+              <a:buNone/>
+            </a:pPr>
+            <a:endParaRPr lang="en-US" sz="1200">
+              <a:solidFill>
+                <a:schemeClr val="tx1"/>
+              </a:solidFill>
+            </a:endParaRPr>
+          </a:p>
+          <a:p>
+            <a:pPr marL="114300" indent="0">
+              <a:buNone/>
+            </a:pPr>
+            <a:endParaRPr lang="en-US" sz="1200">
+              <a:solidFill>
+                <a:schemeClr val="tx1"/>
+              </a:solidFill>
+            </a:endParaRPr>
+          </a:p>
+          <a:p>
+            <a:pPr marL="114300" indent="0">
+              <a:buNone/>
+            </a:pPr>
+            <a:endParaRPr lang="en-US" sz="1200">
+              <a:solidFill>
+                <a:schemeClr val="tx1"/>
+              </a:solidFill>
+            </a:endParaRPr>
+          </a:p>
+          <a:p>
+            <a:pPr marL="114300" indent="0">
+              <a:buNone/>
+            </a:pPr>
+            <a:endParaRPr lang="en-US" sz="1200">
+              <a:solidFill>
+                <a:schemeClr val="tx1"/>
+              </a:solidFill>
+            </a:endParaRPr>
+          </a:p>
+          <a:p>
+            <a:pPr marL="114300" indent="0">
+              <a:buNone/>
+            </a:pPr>
+            <a:endParaRPr lang="en-US" sz="1200">
+              <a:solidFill>
+                <a:schemeClr val="tx1"/>
+              </a:solidFill>
+            </a:endParaRPr>
+          </a:p>
+          <a:p>
+            <a:pPr marL="114300" indent="0">
+              <a:buNone/>
+            </a:pPr>
+            <a:endParaRPr lang="en-US" sz="1200">
+              <a:solidFill>
+                <a:schemeClr val="tx1"/>
+              </a:solidFill>
+            </a:endParaRPr>
+          </a:p>
+          <a:p>
+            <a:pPr marL="114300" indent="0">
+              <a:buNone/>
+            </a:pPr>
+            <a:endParaRPr lang="en-US" sz="1200">
+              <a:solidFill>
+                <a:schemeClr val="tx1"/>
+              </a:solidFill>
+            </a:endParaRPr>
+          </a:p>
+          <a:p>
+            <a:pPr marL="114300" indent="0">
+              <a:buNone/>
+            </a:pPr>
+            <a:endParaRPr lang="en-US" sz="1200">
+              <a:solidFill>
+                <a:schemeClr val="tx1"/>
+              </a:solidFill>
+            </a:endParaRPr>
+          </a:p>
+          <a:p>
+            <a:pPr marL="114300" indent="0">
+              <a:buNone/>
+            </a:pPr>
+            <a:endParaRPr lang="en-US" sz="1200">
+              <a:solidFill>
+                <a:schemeClr val="tx1"/>
+              </a:solidFill>
+            </a:endParaRPr>
+          </a:p>
+          <a:p>
+            <a:pPr marL="114300" indent="0">
+              <a:buNone/>
+            </a:pPr>
+            <a:endParaRPr lang="en-US" sz="1200">
+              <a:solidFill>
+                <a:schemeClr val="tx1"/>
+              </a:solidFill>
+            </a:endParaRPr>
+          </a:p>
+          <a:p>
+            <a:pPr marL="114300" indent="0">
+              <a:buNone/>
+            </a:pPr>
+            <a:r>
+              <a:rPr lang="en-IN" altLang="en-US" sz="1400" b="1">
+                <a:solidFill>
+                  <a:srgbClr val="C00000"/>
+                </a:solidFill>
+                <a:latin typeface="+mj-ea"/>
+                <a:cs typeface="+mj-ea"/>
+              </a:rPr>
+              <a:t>N</a:t>
+            </a:r>
+            <a:r>
+              <a:rPr lang="en-US" sz="1400" b="1">
+                <a:solidFill>
+                  <a:srgbClr val="C00000"/>
+                </a:solidFill>
+                <a:latin typeface="+mj-ea"/>
+                <a:cs typeface="+mj-ea"/>
+              </a:rPr>
+              <a:t>eural integration of speech and message</a:t>
+            </a:r>
+            <a:endParaRPr lang="en-US" sz="1400" b="1">
+              <a:solidFill>
+                <a:srgbClr val="C00000"/>
+              </a:solidFill>
+              <a:latin typeface="+mj-ea"/>
+              <a:cs typeface="+mj-ea"/>
+            </a:endParaRPr>
+          </a:p>
+          <a:p>
+            <a:pPr marL="114300" indent="0">
+              <a:buNone/>
+            </a:pPr>
+            <a:r>
+              <a:rPr lang="en-US" sz="1000" b="1">
+                <a:solidFill>
+                  <a:schemeClr val="tx1"/>
+                </a:solidFill>
+                <a:latin typeface="+mj-ea"/>
+                <a:cs typeface="+mj-ea"/>
+              </a:rPr>
+              <a:t>https://journals.plos.org/plosone/article?id=10.1371/journal.pone.0069173</a:t>
+            </a:r>
+            <a:endParaRPr lang="en-US" sz="1000" b="1">
+              <a:solidFill>
+                <a:schemeClr val="tx1"/>
+              </a:solidFill>
+              <a:latin typeface="+mj-ea"/>
+              <a:cs typeface="+mj-ea"/>
+            </a:endParaRPr>
+          </a:p>
+          <a:p>
+            <a:pPr marL="114300" indent="0">
+              <a:buNone/>
+            </a:pPr>
+            <a:endParaRPr lang="en-US" sz="1000" b="1">
+              <a:solidFill>
+                <a:schemeClr val="tx1"/>
+              </a:solidFill>
+              <a:latin typeface="+mj-ea"/>
+              <a:cs typeface="+mj-ea"/>
+            </a:endParaRPr>
+          </a:p>
+          <a:p>
+            <a:pPr marL="114300" indent="0">
+              <a:buNone/>
+            </a:pPr>
+            <a:endParaRPr lang="en-US" sz="1000" b="1">
+              <a:solidFill>
+                <a:schemeClr val="tx1"/>
+              </a:solidFill>
+              <a:latin typeface="+mj-ea"/>
+              <a:cs typeface="+mj-ea"/>
+            </a:endParaRPr>
+          </a:p>
+        </p:txBody>
+      </p:sp>
+      <p:sp>
+        <p:nvSpPr>
+          <p:cNvPr id="4" name="Text Box 3"/>
+          <p:cNvSpPr txBox="1"/>
+          <p:nvPr/>
+        </p:nvSpPr>
+        <p:spPr>
+          <a:xfrm>
+            <a:off x="2008505" y="2767965"/>
+            <a:ext cx="2540000" cy="521970"/>
+          </a:xfrm>
+          <a:prstGeom prst="rect">
+            <a:avLst/>
+          </a:prstGeom>
+          <a:noFill/>
+        </p:spPr>
+        <p:txBody>
+          <a:bodyPr wrap="square" rtlCol="0" anchor="t">
+            <a:spAutoFit/>
+          </a:bodyPr>
+          <a:p>
+            <a:pPr marL="114300" indent="0">
+              <a:buNone/>
+            </a:pPr>
+            <a:endParaRPr lang="en-US" b="1">
+              <a:solidFill>
+                <a:schemeClr val="tx1"/>
+              </a:solidFill>
+              <a:latin typeface="+mj-ea"/>
+              <a:cs typeface="+mj-ea"/>
+            </a:endParaRPr>
+          </a:p>
+          <a:p>
+            <a:pPr marL="0" lvl="0" indent="0" algn="l" rtl="0">
+              <a:spcBef>
+                <a:spcPts val="0"/>
+              </a:spcBef>
+              <a:spcAft>
+                <a:spcPts val="1600"/>
+              </a:spcAft>
+              <a:buNone/>
+            </a:pPr>
+            <a:endParaRPr lang="en-US"/>
+          </a:p>
+        </p:txBody>
+      </p:sp>
+      <p:pic>
+        <p:nvPicPr>
+          <p:cNvPr id="5" name="Picture 4"/>
+          <p:cNvPicPr>
+            <a:picLocks noChangeAspect="1"/>
+          </p:cNvPicPr>
+          <p:nvPr/>
+        </p:nvPicPr>
+        <p:blipFill>
+          <a:blip r:embed="rId1"/>
+          <a:stretch>
+            <a:fillRect/>
+          </a:stretch>
+        </p:blipFill>
+        <p:spPr>
+          <a:xfrm>
+            <a:off x="467360" y="1535430"/>
+            <a:ext cx="3437890" cy="1821815"/>
+          </a:xfrm>
+          <a:prstGeom prst="rect">
+            <a:avLst/>
+          </a:prstGeom>
+        </p:spPr>
+      </p:pic>
+      <p:pic>
+        <p:nvPicPr>
+          <p:cNvPr id="6" name="Picture 5"/>
+          <p:cNvPicPr>
+            <a:picLocks noChangeAspect="1"/>
+          </p:cNvPicPr>
+          <p:nvPr/>
+        </p:nvPicPr>
+        <p:blipFill>
+          <a:blip r:embed="rId2"/>
+          <a:stretch>
+            <a:fillRect/>
+          </a:stretch>
+        </p:blipFill>
+        <p:spPr>
+          <a:xfrm>
+            <a:off x="4370070" y="1535430"/>
+            <a:ext cx="3341370" cy="1980565"/>
+          </a:xfrm>
+          <a:prstGeom prst="rect">
+            <a:avLst/>
+          </a:prstGeom>
+        </p:spPr>
+      </p:pic>
+      <p:sp>
+        <p:nvSpPr>
+          <p:cNvPr id="7" name="Text Box 6"/>
+          <p:cNvSpPr txBox="1"/>
+          <p:nvPr/>
+        </p:nvSpPr>
+        <p:spPr>
+          <a:xfrm>
+            <a:off x="6523355" y="3500755"/>
+            <a:ext cx="309880" cy="306705"/>
+          </a:xfrm>
+          <a:prstGeom prst="rect">
+            <a:avLst/>
+          </a:prstGeom>
+          <a:noFill/>
+        </p:spPr>
+        <p:txBody>
+          <a:bodyPr wrap="none" rtlCol="0">
+            <a:spAutoFit/>
+          </a:bodyPr>
+          <a:p>
+            <a:endParaRPr lang="en-US"/>
+          </a:p>
+        </p:txBody>
+      </p:sp>
+    </p:spTree>
+  </p:cSld>
+  <p:clrMapOvr>
+    <a:masterClrMapping/>
+  </p:clrMapOvr>
+</p:sld>
+</file>
+
+<file path=ppt/slides/slide6.xml><?xml version="1.0" encoding="utf-8"?>
+<p:sld xmlns:a="http://schemas.openxmlformats.org/drawingml/2006/main" xmlns:r="http://schemas.openxmlformats.org/officeDocument/2006/relationships" xmlns:p="http://schemas.openxmlformats.org/presentationml/2006/main">
+  <p:cSld>
+    <p:spTree>
+      <p:nvGrpSpPr>
+        <p:cNvPr id="1" name=""/>
+        <p:cNvGrpSpPr/>
+        <p:nvPr/>
+      </p:nvGrpSpPr>
+      <p:grpSpPr/>
+      <p:sp>
+        <p:nvSpPr>
+          <p:cNvPr id="2" name="Title 1"/>
+          <p:cNvSpPr>
+            <a:spLocks noGrp="1"/>
+          </p:cNvSpPr>
+          <p:nvPr>
+            <p:ph type="title"/>
+          </p:nvPr>
+        </p:nvSpPr>
+        <p:spPr/>
+        <p:txBody>
+          <a:bodyPr/>
+          <a:p>
+            <a:r>
+              <a:rPr sz="1400" b="1">
+                <a:solidFill>
+                  <a:srgbClr val="C00000"/>
+                </a:solidFill>
+                <a:latin typeface="+mj-ea"/>
+                <a:cs typeface="+mj-ea"/>
+                <a:sym typeface="+mn-ea"/>
+              </a:rPr>
+              <a:t>Deep learning for action and gesture recognition in image sequence</a:t>
+            </a:r>
+            <a:br>
+              <a:rPr b="1">
+                <a:solidFill>
+                  <a:srgbClr val="C00000"/>
+                </a:solidFill>
+                <a:latin typeface="+mj-ea"/>
+                <a:cs typeface="+mj-ea"/>
+              </a:rPr>
+            </a:br>
+            <a:endParaRPr lang="en-US"/>
+          </a:p>
+        </p:txBody>
+      </p:sp>
+      <p:sp>
+        <p:nvSpPr>
+          <p:cNvPr id="3" name="Text Placeholder 2"/>
+          <p:cNvSpPr>
+            <a:spLocks noGrp="1"/>
+          </p:cNvSpPr>
+          <p:nvPr>
+            <p:ph type="body" idx="1"/>
+          </p:nvPr>
+        </p:nvSpPr>
+        <p:spPr>
+          <a:xfrm>
+            <a:off x="311700" y="801885"/>
+            <a:ext cx="8520600" cy="3339000"/>
+          </a:xfrm>
+        </p:spPr>
+        <p:txBody>
+          <a:bodyPr/>
+          <a:p>
+            <a:pPr marL="114300" indent="0">
+              <a:buNone/>
+            </a:pPr>
+            <a:r>
+              <a:rPr sz="1000" b="1">
+                <a:solidFill>
+                  <a:schemeClr val="tx1"/>
+                </a:solidFill>
+                <a:latin typeface="+mj-ea"/>
+                <a:cs typeface="+mj-ea"/>
+                <a:sym typeface="+mn-ea"/>
+              </a:rPr>
+              <a:t>https://hal.inria.fr/hal-01678006/document</a:t>
+            </a:r>
+            <a:endParaRPr sz="1000" b="1">
+              <a:solidFill>
+                <a:schemeClr val="tx1"/>
+              </a:solidFill>
+              <a:latin typeface="+mj-ea"/>
+              <a:cs typeface="+mj-ea"/>
+              <a:sym typeface="+mn-ea"/>
+            </a:endParaRPr>
+          </a:p>
+          <a:p>
+            <a:pPr marL="114300" indent="0">
+              <a:buNone/>
+            </a:pPr>
+            <a:endParaRPr lang="en-US" sz="1000" b="1">
+              <a:solidFill>
+                <a:schemeClr val="tx1"/>
+              </a:solidFill>
+              <a:latin typeface="+mj-ea"/>
+              <a:cs typeface="+mj-ea"/>
+              <a:sym typeface="+mn-ea"/>
+            </a:endParaRPr>
+          </a:p>
+        </p:txBody>
+      </p:sp>
+      <p:pic>
+        <p:nvPicPr>
+          <p:cNvPr id="4" name="Picture 3"/>
+          <p:cNvPicPr>
+            <a:picLocks noChangeAspect="1"/>
+          </p:cNvPicPr>
+          <p:nvPr/>
+        </p:nvPicPr>
+        <p:blipFill>
+          <a:blip r:embed="rId1"/>
+          <a:stretch>
+            <a:fillRect/>
+          </a:stretch>
+        </p:blipFill>
+        <p:spPr>
+          <a:xfrm>
+            <a:off x="881380" y="1228725"/>
+            <a:ext cx="4069715" cy="3237230"/>
+          </a:xfrm>
+          <a:prstGeom prst="rect">
+            <a:avLst/>
+          </a:prstGeom>
+        </p:spPr>
+      </p:pic>
+      <p:pic>
+        <p:nvPicPr>
+          <p:cNvPr id="5" name="Picture 4"/>
+          <p:cNvPicPr>
+            <a:picLocks noChangeAspect="1"/>
+          </p:cNvPicPr>
+          <p:nvPr/>
+        </p:nvPicPr>
+        <p:blipFill>
+          <a:blip r:embed="rId2"/>
+          <a:stretch>
+            <a:fillRect/>
+          </a:stretch>
+        </p:blipFill>
+        <p:spPr>
+          <a:xfrm>
+            <a:off x="5102225" y="1052195"/>
+            <a:ext cx="3584575" cy="3493770"/>
+          </a:xfrm>
+          <a:prstGeom prst="rect">
+            <a:avLst/>
+          </a:prstGeom>
+        </p:spPr>
+      </p:pic>
+      <p:sp>
+        <p:nvSpPr>
+          <p:cNvPr id="6" name="Text Box 5"/>
+          <p:cNvSpPr txBox="1"/>
+          <p:nvPr/>
+        </p:nvSpPr>
+        <p:spPr>
+          <a:xfrm>
+            <a:off x="662940" y="4465955"/>
+            <a:ext cx="875030" cy="521970"/>
+          </a:xfrm>
+          <a:prstGeom prst="rect">
+            <a:avLst/>
+          </a:prstGeom>
+          <a:noFill/>
+        </p:spPr>
+        <p:txBody>
+          <a:bodyPr wrap="none" rtlCol="0">
+            <a:spAutoFit/>
+          </a:bodyPr>
+          <a:p>
+            <a:pPr algn="l"/>
+            <a:r>
+              <a:rPr lang="en-IN" altLang="en-US">
+                <a:sym typeface="+mn-ea"/>
+              </a:rPr>
+              <a:t>Sakshi T</a:t>
+            </a:r>
+            <a:endParaRPr lang="en-IN" altLang="en-US"/>
+          </a:p>
+          <a:p>
+            <a:endParaRPr lang="en-US"/>
+          </a:p>
+        </p:txBody>
+      </p:sp>
+    </p:spTree>
+  </p:cSld>
+  <p:clrMapOvr>
+    <a:masterClrMapping/>
+  </p:clrMapOvr>
+</p:sld>
+</file>
+
+<file path=ppt/slides/slide7.xml><?xml version="1.0" encoding="utf-8"?>
+<p:sld xmlns:a="http://schemas.openxmlformats.org/drawingml/2006/main" xmlns:r="http://schemas.openxmlformats.org/officeDocument/2006/relationships" xmlns:p="http://schemas.openxmlformats.org/presentationml/2006/main">
+  <p:cSld>
+    <p:spTree>
+      <p:nvGrpSpPr>
+        <p:cNvPr id="1" name=""/>
+        <p:cNvGrpSpPr/>
+        <p:nvPr/>
+      </p:nvGrpSpPr>
+      <p:grpSpPr/>
+      <p:sp>
+        <p:nvSpPr>
+          <p:cNvPr id="2" name="Title 1"/>
+          <p:cNvSpPr>
+            <a:spLocks noGrp="1"/>
+          </p:cNvSpPr>
+          <p:nvPr>
+            <p:ph type="title"/>
+          </p:nvPr>
+        </p:nvSpPr>
+        <p:spPr/>
+        <p:txBody>
+          <a:bodyPr/>
+          <a:p>
+            <a:r>
+              <a:rPr lang="en-IN" altLang="en-US" sz="1800">
+                <a:solidFill>
+                  <a:schemeClr val="bg2"/>
+                </a:solidFill>
+              </a:rPr>
+              <a:t>continued..</a:t>
+            </a:r>
+            <a:endParaRPr lang="en-IN" altLang="en-US" sz="1800">
+              <a:solidFill>
+                <a:schemeClr val="bg2"/>
+              </a:solidFill>
+            </a:endParaRPr>
+          </a:p>
+        </p:txBody>
+      </p:sp>
+      <p:sp>
+        <p:nvSpPr>
+          <p:cNvPr id="3" name="Text Placeholder 2"/>
+          <p:cNvSpPr>
+            <a:spLocks noGrp="1"/>
+          </p:cNvSpPr>
+          <p:nvPr>
+            <p:ph type="body" idx="1"/>
+          </p:nvPr>
+        </p:nvSpPr>
+        <p:spPr/>
+        <p:txBody>
+          <a:bodyPr/>
+          <a:p>
+            <a:pPr marL="114300" indent="0">
+              <a:buNone/>
+            </a:pPr>
+            <a:r>
+              <a:rPr lang="en-IN" altLang="en-US"/>
+              <a:t>..</a:t>
+            </a:r>
+            <a:endParaRPr lang="en-IN" altLang="en-US"/>
+          </a:p>
+        </p:txBody>
+      </p:sp>
+      <p:pic>
+        <p:nvPicPr>
+          <p:cNvPr id="4" name="Picture 3"/>
+          <p:cNvPicPr>
+            <a:picLocks noChangeAspect="1"/>
+          </p:cNvPicPr>
+          <p:nvPr/>
+        </p:nvPicPr>
+        <p:blipFill>
+          <a:blip r:embed="rId1"/>
+          <a:stretch>
+            <a:fillRect/>
+          </a:stretch>
+        </p:blipFill>
+        <p:spPr>
+          <a:xfrm>
+            <a:off x="262890" y="791845"/>
+            <a:ext cx="4329430" cy="3119755"/>
+          </a:xfrm>
+          <a:prstGeom prst="rect">
+            <a:avLst/>
+          </a:prstGeom>
+        </p:spPr>
+      </p:pic>
+    </p:spTree>
+  </p:cSld>
+  <p:clrMapOvr>
+    <a:masterClrMapping/>
+  </p:clrMapOvr>
+</p:sld>
+</file>
+
+<file path=ppt/slides/slide8.xml><?xml version="1.0" encoding="utf-8"?>
 <p:sld xmlns:a="http://schemas.openxmlformats.org/drawingml/2006/main" xmlns:r="http://schemas.openxmlformats.org/officeDocument/2006/relationships" xmlns:p="http://schemas.openxmlformats.org/presentationml/2006/main">
   <p:cSld>
     <p:spTree>
